--- a/Section01/VariedFlow/HRAS.S1.VF.pptx
+++ b/Section01/VariedFlow/HRAS.S1.VF.pptx
@@ -5,22 +5,21 @@
     <p:sldMasterId id="2147483778" r:id="rId4"/>
   </p:sldMasterIdLst>
   <p:notesMasterIdLst>
-    <p:notesMasterId r:id="rId15"/>
+    <p:notesMasterId r:id="rId14"/>
   </p:notesMasterIdLst>
   <p:handoutMasterIdLst>
-    <p:handoutMasterId r:id="rId16"/>
+    <p:handoutMasterId r:id="rId15"/>
   </p:handoutMasterIdLst>
   <p:sldIdLst>
     <p:sldId id="314" r:id="rId5"/>
     <p:sldId id="315" r:id="rId6"/>
     <p:sldId id="350" r:id="rId7"/>
-    <p:sldId id="342" r:id="rId8"/>
-    <p:sldId id="348" r:id="rId9"/>
-    <p:sldId id="343" r:id="rId10"/>
-    <p:sldId id="344" r:id="rId11"/>
-    <p:sldId id="345" r:id="rId12"/>
-    <p:sldId id="349" r:id="rId13"/>
-    <p:sldId id="341" r:id="rId14"/>
+    <p:sldId id="351" r:id="rId8"/>
+    <p:sldId id="352" r:id="rId9"/>
+    <p:sldId id="353" r:id="rId10"/>
+    <p:sldId id="354" r:id="rId11"/>
+    <p:sldId id="355" r:id="rId12"/>
+    <p:sldId id="341" r:id="rId13"/>
   </p:sldIdLst>
   <p:sldSz cx="12192000" cy="6858000"/>
   <p:notesSz cx="6858000" cy="9144000"/>
@@ -127,12 +126,11 @@
             <p14:sldId id="314"/>
             <p14:sldId id="315"/>
             <p14:sldId id="350"/>
-            <p14:sldId id="342"/>
-            <p14:sldId id="348"/>
-            <p14:sldId id="343"/>
-            <p14:sldId id="344"/>
-            <p14:sldId id="345"/>
-            <p14:sldId id="349"/>
+            <p14:sldId id="351"/>
+            <p14:sldId id="352"/>
+            <p14:sldId id="353"/>
+            <p14:sldId id="354"/>
+            <p14:sldId id="355"/>
             <p14:sldId id="341"/>
           </p14:sldIdLst>
         </p14:section>
@@ -842,7 +840,7 @@
             <a:pPr rtl="0"/>
             <a:fld id="{810E1E9A-E921-4174-A0FC-51868D7AC568}" type="slidenum">
               <a:rPr lang="es-ES" noProof="0" smtClean="0"/>
-              <a:t>10</a:t>
+              <a:t>9</a:t>
             </a:fld>
             <a:endParaRPr lang="es-ES" noProof="0" dirty="0"/>
           </a:p>
@@ -6344,6 +6342,75 @@
           </a:p>
         </p:txBody>
       </p:sp>
+      <p:graphicFrame>
+        <p:nvGraphicFramePr>
+          <p:cNvPr id="5" name="Object 5">
+            <a:extLst>
+              <a:ext uri="{FF2B5EF4-FFF2-40B4-BE49-F238E27FC236}">
+                <a16:creationId xmlns:a16="http://schemas.microsoft.com/office/drawing/2014/main" id="{C39C4F08-CE9C-250C-1046-13EE3BA4FA4A}"/>
+              </a:ext>
+            </a:extLst>
+          </p:cNvPr>
+          <p:cNvGraphicFramePr>
+            <a:graphicFrameLocks noChangeAspect="1"/>
+          </p:cNvGraphicFramePr>
+          <p:nvPr>
+            <p:extLst>
+              <p:ext uri="{D42A27DB-BD31-4B8C-83A1-F6EECF244321}">
+                <p14:modId xmlns:p14="http://schemas.microsoft.com/office/powerpoint/2010/main" val="2226113725"/>
+              </p:ext>
+            </p:extLst>
+          </p:nvPr>
+        </p:nvGraphicFramePr>
+        <p:xfrm>
+          <a:off x="0" y="0"/>
+          <a:ext cx="12191999" cy="6858000"/>
+        </p:xfrm>
+        <a:graphic>
+          <a:graphicData uri="http://schemas.openxmlformats.org/presentationml/2006/ole">
+            <mc:AlternateContent xmlns:mc="http://schemas.openxmlformats.org/markup-compatibility/2006">
+              <mc:Choice xmlns:v="urn:schemas-microsoft-com:vml" Requires="v">
+                <p:oleObj name="CorelDRAW" r:id="rId4" imgW="7480342" imgH="4222569" progId="CorelDraw.Graphic.24">
+                  <p:embed/>
+                </p:oleObj>
+              </mc:Choice>
+              <mc:Fallback>
+                <p:oleObj name="CorelDRAW" r:id="rId4" imgW="7480342" imgH="4222569" progId="CorelDraw.Graphic.24">
+                  <p:embed/>
+                  <p:pic>
+                    <p:nvPicPr>
+                      <p:cNvPr id="14" name="Object 5">
+                        <a:extLst>
+                          <a:ext uri="{FF2B5EF4-FFF2-40B4-BE49-F238E27FC236}">
+                            <a16:creationId xmlns:a16="http://schemas.microsoft.com/office/drawing/2014/main" id="{FF7036BD-B901-94BB-A1A6-B920C8CEEA9C}"/>
+                          </a:ext>
+                        </a:extLst>
+                      </p:cNvPr>
+                      <p:cNvPicPr/>
+                      <p:nvPr/>
+                    </p:nvPicPr>
+                    <p:blipFill>
+                      <a:blip r:embed="rId5"/>
+                      <a:stretch>
+                        <a:fillRect/>
+                      </a:stretch>
+                    </p:blipFill>
+                    <p:spPr>
+                      <a:xfrm>
+                        <a:off x="0" y="0"/>
+                        <a:ext cx="12191999" cy="6858000"/>
+                      </a:xfrm>
+                      <a:prstGeom prst="rect">
+                        <a:avLst/>
+                      </a:prstGeom>
+                    </p:spPr>
+                  </p:pic>
+                </p:oleObj>
+              </mc:Fallback>
+            </mc:AlternateContent>
+          </a:graphicData>
+        </a:graphic>
+      </p:graphicFrame>
     </p:spTree>
     <p:extLst>
       <p:ext uri="{BB962C8B-B14F-4D97-AF65-F5344CB8AC3E}">
@@ -6369,572 +6436,6 @@
 </p:sld>
 </file>
 
-<file path=ppt/slides/slide10.xml><?xml version="1.0" encoding="utf-8"?>
-<p:sld xmlns:a="http://schemas.openxmlformats.org/drawingml/2006/main" xmlns:r="http://schemas.openxmlformats.org/officeDocument/2006/relationships" xmlns:p="http://schemas.openxmlformats.org/presentationml/2006/main">
-  <p:cSld>
-    <p:bg>
-      <p:bgPr>
-        <a:solidFill>
-          <a:schemeClr val="bg1">
-            <a:lumMod val="90000"/>
-          </a:schemeClr>
-        </a:solidFill>
-        <a:effectLst/>
-      </p:bgPr>
-    </p:bg>
-    <p:spTree>
-      <p:nvGrpSpPr>
-        <p:cNvPr id="1" name=""/>
-        <p:cNvGrpSpPr/>
-        <p:nvPr/>
-      </p:nvGrpSpPr>
-      <p:grpSpPr>
-        <a:xfrm>
-          <a:off x="0" y="0"/>
-          <a:ext cx="0" cy="0"/>
-          <a:chOff x="0" y="0"/>
-          <a:chExt cx="0" cy="0"/>
-        </a:xfrm>
-      </p:grpSpPr>
-      <p:sp>
-        <p:nvSpPr>
-          <p:cNvPr id="3" name="Title 1">
-            <a:extLst>
-              <a:ext uri="{FF2B5EF4-FFF2-40B4-BE49-F238E27FC236}">
-                <a16:creationId xmlns:a16="http://schemas.microsoft.com/office/drawing/2014/main" id="{5293DDAA-B5E7-2D95-74A3-91A199E94E6C}"/>
-              </a:ext>
-            </a:extLst>
-          </p:cNvPr>
-          <p:cNvSpPr txBox="1">
-            <a:spLocks/>
-          </p:cNvSpPr>
-          <p:nvPr/>
-        </p:nvSpPr>
-        <p:spPr>
-          <a:xfrm>
-            <a:off x="6095999" y="3595606"/>
-            <a:ext cx="5040000" cy="3262393"/>
-          </a:xfrm>
-          <a:prstGeom prst="rect">
-            <a:avLst/>
-          </a:prstGeom>
-        </p:spPr>
-        <p:txBody>
-          <a:bodyPr vert="horz" lIns="91440" tIns="45720" rIns="91440" bIns="45720" rtlCol="0" anchor="t" anchorCtr="0">
-            <a:noAutofit/>
-          </a:bodyPr>
-          <a:lstStyle>
-            <a:lvl1pPr algn="l" defTabSz="914377" rtl="0" eaLnBrk="1" latinLnBrk="0" hangingPunct="1">
-              <a:lnSpc>
-                <a:spcPct val="90000"/>
-              </a:lnSpc>
-              <a:spcBef>
-                <a:spcPct val="0"/>
-              </a:spcBef>
-              <a:buNone/>
-              <a:defRPr sz="2600" kern="1200">
-                <a:solidFill>
-                  <a:schemeClr val="tx1"/>
-                </a:solidFill>
-                <a:latin typeface="+mj-lt"/>
-                <a:ea typeface="+mj-ea"/>
-                <a:cs typeface="+mj-cs"/>
-              </a:defRPr>
-            </a:lvl1pPr>
-          </a:lstStyle>
-          <a:p>
-            <a:pPr algn="ctr"/>
-            <a:r>
-              <a:rPr lang="es-CO" sz="1600" dirty="0">
-                <a:solidFill>
-                  <a:schemeClr val="bg1">
-                    <a:lumMod val="25000"/>
-                  </a:schemeClr>
-                </a:solidFill>
-                <a:latin typeface="Segoe UI" panose="020B0502040204020203" pitchFamily="34" charset="0"/>
-                <a:ea typeface="Segoe UI Black" panose="020B0A02040204020203" pitchFamily="34" charset="0"/>
-                <a:cs typeface="Segoe UI" panose="020B0502040204020203" pitchFamily="34" charset="0"/>
-              </a:rPr>
-              <a:t>Expositor</a:t>
-            </a:r>
-          </a:p>
-          <a:p>
-            <a:pPr algn="ctr"/>
-            <a:r>
-              <a:rPr lang="es-CO" sz="1800" dirty="0">
-                <a:solidFill>
-                  <a:schemeClr val="bg1">
-                    <a:lumMod val="25000"/>
-                  </a:schemeClr>
-                </a:solidFill>
-                <a:latin typeface="Segoe UI" panose="020B0502040204020203" pitchFamily="34" charset="0"/>
-                <a:ea typeface="Segoe UI Black" panose="020B0A02040204020203" pitchFamily="34" charset="0"/>
-                <a:cs typeface="Segoe UI" panose="020B0502040204020203" pitchFamily="34" charset="0"/>
-              </a:rPr>
-              <a:t>Juan David Rodríguez Acevedo</a:t>
-            </a:r>
-          </a:p>
-          <a:p>
-            <a:pPr algn="ctr"/>
-            <a:r>
-              <a:rPr lang="es-CO" sz="1400" dirty="0">
-                <a:solidFill>
-                  <a:schemeClr val="bg1">
-                    <a:lumMod val="25000"/>
-                  </a:schemeClr>
-                </a:solidFill>
-                <a:latin typeface="Segoe UI" panose="020B0502040204020203" pitchFamily="34" charset="0"/>
-                <a:ea typeface="Segoe UI Black" panose="020B0A02040204020203" pitchFamily="34" charset="0"/>
-                <a:cs typeface="Segoe UI" panose="020B0502040204020203" pitchFamily="34" charset="0"/>
-              </a:rPr>
-              <a:t>juan.rodrigueza@escuelaing.edu.co</a:t>
-            </a:r>
-          </a:p>
-          <a:p>
-            <a:pPr algn="ctr"/>
-            <a:r>
-              <a:rPr lang="es-CO" sz="1400" dirty="0">
-                <a:solidFill>
-                  <a:schemeClr val="bg1">
-                    <a:lumMod val="25000"/>
-                  </a:schemeClr>
-                </a:solidFill>
-                <a:latin typeface="Segoe UI" panose="020B0502040204020203" pitchFamily="34" charset="0"/>
-                <a:ea typeface="Segoe UI Black" panose="020B0A02040204020203" pitchFamily="34" charset="0"/>
-                <a:cs typeface="Segoe UI" panose="020B0502040204020203" pitchFamily="34" charset="0"/>
-              </a:rPr>
-              <a:t>https://github.com/juanrodace</a:t>
-            </a:r>
-          </a:p>
-          <a:p>
-            <a:pPr algn="ctr"/>
-            <a:endParaRPr lang="es-CO" sz="1600" dirty="0">
-              <a:solidFill>
-                <a:schemeClr val="bg1">
-                  <a:lumMod val="25000"/>
-                </a:schemeClr>
-              </a:solidFill>
-              <a:latin typeface="Segoe UI" panose="020B0502040204020203" pitchFamily="34" charset="0"/>
-              <a:ea typeface="Segoe UI Black" panose="020B0A02040204020203" pitchFamily="34" charset="0"/>
-              <a:cs typeface="Segoe UI" panose="020B0502040204020203" pitchFamily="34" charset="0"/>
-            </a:endParaRPr>
-          </a:p>
-          <a:p>
-            <a:pPr algn="ctr"/>
-            <a:endParaRPr lang="es-CO" sz="1600" dirty="0">
-              <a:solidFill>
-                <a:schemeClr val="bg1">
-                  <a:lumMod val="25000"/>
-                </a:schemeClr>
-              </a:solidFill>
-              <a:latin typeface="Segoe UI" panose="020B0502040204020203" pitchFamily="34" charset="0"/>
-              <a:ea typeface="Segoe UI Black" panose="020B0A02040204020203" pitchFamily="34" charset="0"/>
-              <a:cs typeface="Segoe UI" panose="020B0502040204020203" pitchFamily="34" charset="0"/>
-            </a:endParaRPr>
-          </a:p>
-          <a:p>
-            <a:pPr algn="ctr"/>
-            <a:r>
-              <a:rPr lang="es-CO" sz="1600" dirty="0">
-                <a:solidFill>
-                  <a:schemeClr val="bg1">
-                    <a:lumMod val="25000"/>
-                  </a:schemeClr>
-                </a:solidFill>
-                <a:latin typeface="Segoe UI" panose="020B0502040204020203" pitchFamily="34" charset="0"/>
-                <a:ea typeface="Segoe UI Black" panose="020B0A02040204020203" pitchFamily="34" charset="0"/>
-                <a:cs typeface="Segoe UI" panose="020B0502040204020203" pitchFamily="34" charset="0"/>
-              </a:rPr>
-              <a:t>Cámara, edición y música</a:t>
-            </a:r>
-            <a:endParaRPr lang="es-CO" sz="1800" dirty="0">
-              <a:solidFill>
-                <a:schemeClr val="bg1">
-                  <a:lumMod val="25000"/>
-                </a:schemeClr>
-              </a:solidFill>
-              <a:latin typeface="Segoe UI" panose="020B0502040204020203" pitchFamily="34" charset="0"/>
-              <a:ea typeface="Segoe UI Black" panose="020B0A02040204020203" pitchFamily="34" charset="0"/>
-              <a:cs typeface="Segoe UI" panose="020B0502040204020203" pitchFamily="34" charset="0"/>
-            </a:endParaRPr>
-          </a:p>
-          <a:p>
-            <a:pPr algn="ctr"/>
-            <a:r>
-              <a:rPr lang="es-CO" sz="1800" dirty="0">
-                <a:solidFill>
-                  <a:schemeClr val="bg1">
-                    <a:lumMod val="25000"/>
-                  </a:schemeClr>
-                </a:solidFill>
-                <a:latin typeface="Segoe UI" panose="020B0502040204020203" pitchFamily="34" charset="0"/>
-                <a:ea typeface="Segoe UI Black" panose="020B0A02040204020203" pitchFamily="34" charset="0"/>
-                <a:cs typeface="Segoe UI" panose="020B0502040204020203" pitchFamily="34" charset="0"/>
-              </a:rPr>
-              <a:t>Juan Manuel Corredor</a:t>
-            </a:r>
-          </a:p>
-          <a:p>
-            <a:pPr algn="ctr"/>
-            <a:r>
-              <a:rPr lang="es-CO" sz="1400" dirty="0">
-                <a:solidFill>
-                  <a:schemeClr val="bg1">
-                    <a:lumMod val="25000"/>
-                  </a:schemeClr>
-                </a:solidFill>
-                <a:latin typeface="Segoe UI" panose="020B0502040204020203" pitchFamily="34" charset="0"/>
-                <a:ea typeface="Segoe UI Black" panose="020B0A02040204020203" pitchFamily="34" charset="0"/>
-                <a:cs typeface="Segoe UI" panose="020B0502040204020203" pitchFamily="34" charset="0"/>
-              </a:rPr>
-              <a:t>juan.corredor-u@escuelaing.edu.co</a:t>
-            </a:r>
-          </a:p>
-          <a:p>
-            <a:pPr algn="ctr"/>
-            <a:endParaRPr lang="es-CO" sz="1400" dirty="0">
-              <a:solidFill>
-                <a:schemeClr val="bg1">
-                  <a:lumMod val="25000"/>
-                </a:schemeClr>
-              </a:solidFill>
-              <a:latin typeface="Segoe UI" panose="020B0502040204020203" pitchFamily="34" charset="0"/>
-              <a:ea typeface="Segoe UI Black" panose="020B0A02040204020203" pitchFamily="34" charset="0"/>
-              <a:cs typeface="Segoe UI" panose="020B0502040204020203" pitchFamily="34" charset="0"/>
-            </a:endParaRPr>
-          </a:p>
-          <a:p>
-            <a:pPr algn="ctr"/>
-            <a:endParaRPr lang="es-CO" sz="1400" dirty="0">
-              <a:solidFill>
-                <a:schemeClr val="bg1">
-                  <a:lumMod val="25000"/>
-                </a:schemeClr>
-              </a:solidFill>
-              <a:latin typeface="Segoe UI" panose="020B0502040204020203" pitchFamily="34" charset="0"/>
-              <a:ea typeface="Segoe UI Black" panose="020B0A02040204020203" pitchFamily="34" charset="0"/>
-              <a:cs typeface="Segoe UI" panose="020B0502040204020203" pitchFamily="34" charset="0"/>
-            </a:endParaRPr>
-          </a:p>
-        </p:txBody>
-      </p:sp>
-      <p:sp>
-        <p:nvSpPr>
-          <p:cNvPr id="7" name="Title 1">
-            <a:extLst>
-              <a:ext uri="{FF2B5EF4-FFF2-40B4-BE49-F238E27FC236}">
-                <a16:creationId xmlns:a16="http://schemas.microsoft.com/office/drawing/2014/main" id="{4D31B05A-2637-641E-855D-FABE24D5B5FC}"/>
-              </a:ext>
-            </a:extLst>
-          </p:cNvPr>
-          <p:cNvSpPr txBox="1">
-            <a:spLocks/>
-          </p:cNvSpPr>
-          <p:nvPr/>
-        </p:nvSpPr>
-        <p:spPr>
-          <a:xfrm>
-            <a:off x="1055999" y="3595606"/>
-            <a:ext cx="5040000" cy="2071770"/>
-          </a:xfrm>
-          <a:prstGeom prst="rect">
-            <a:avLst/>
-          </a:prstGeom>
-        </p:spPr>
-        <p:txBody>
-          <a:bodyPr vert="horz" lIns="91440" tIns="45720" rIns="91440" bIns="45720" rtlCol="0" anchor="t" anchorCtr="0">
-            <a:noAutofit/>
-          </a:bodyPr>
-          <a:lstStyle>
-            <a:lvl1pPr algn="l" defTabSz="914377" rtl="0" eaLnBrk="1" latinLnBrk="0" hangingPunct="1">
-              <a:lnSpc>
-                <a:spcPct val="90000"/>
-              </a:lnSpc>
-              <a:spcBef>
-                <a:spcPct val="0"/>
-              </a:spcBef>
-              <a:buNone/>
-              <a:defRPr sz="2600" kern="1200">
-                <a:solidFill>
-                  <a:schemeClr val="tx1"/>
-                </a:solidFill>
-                <a:latin typeface="+mj-lt"/>
-                <a:ea typeface="+mj-ea"/>
-                <a:cs typeface="+mj-cs"/>
-              </a:defRPr>
-            </a:lvl1pPr>
-          </a:lstStyle>
-          <a:p>
-            <a:pPr algn="ctr"/>
-            <a:r>
-              <a:rPr lang="es-CO" sz="1600" dirty="0">
-                <a:solidFill>
-                  <a:schemeClr val="bg1">
-                    <a:lumMod val="25000"/>
-                  </a:schemeClr>
-                </a:solidFill>
-                <a:latin typeface="Segoe UI" panose="020B0502040204020203" pitchFamily="34" charset="0"/>
-                <a:ea typeface="Segoe UI Black" panose="020B0A02040204020203" pitchFamily="34" charset="0"/>
-                <a:cs typeface="Segoe UI" panose="020B0502040204020203" pitchFamily="34" charset="0"/>
-              </a:rPr>
-              <a:t>Dirección</a:t>
-            </a:r>
-            <a:endParaRPr lang="es-CO" sz="1800" dirty="0">
-              <a:solidFill>
-                <a:schemeClr val="bg1">
-                  <a:lumMod val="25000"/>
-                </a:schemeClr>
-              </a:solidFill>
-              <a:latin typeface="Segoe UI" panose="020B0502040204020203" pitchFamily="34" charset="0"/>
-              <a:ea typeface="Segoe UI Black" panose="020B0A02040204020203" pitchFamily="34" charset="0"/>
-              <a:cs typeface="Segoe UI" panose="020B0502040204020203" pitchFamily="34" charset="0"/>
-            </a:endParaRPr>
-          </a:p>
-          <a:p>
-            <a:pPr algn="ctr"/>
-            <a:r>
-              <a:rPr lang="es-CO" sz="1800" dirty="0">
-                <a:solidFill>
-                  <a:schemeClr val="bg1">
-                    <a:lumMod val="25000"/>
-                  </a:schemeClr>
-                </a:solidFill>
-                <a:latin typeface="Segoe UI" panose="020B0502040204020203" pitchFamily="34" charset="0"/>
-                <a:ea typeface="Segoe UI Black" panose="020B0A02040204020203" pitchFamily="34" charset="0"/>
-                <a:cs typeface="Segoe UI" panose="020B0502040204020203" pitchFamily="34" charset="0"/>
-              </a:rPr>
-              <a:t>Héctor Alfonso Rodríguez Díaz</a:t>
-            </a:r>
-          </a:p>
-          <a:p>
-            <a:pPr algn="ctr"/>
-            <a:r>
-              <a:rPr lang="es-CO" sz="1400" dirty="0">
-                <a:solidFill>
-                  <a:schemeClr val="bg1">
-                    <a:lumMod val="25000"/>
-                  </a:schemeClr>
-                </a:solidFill>
-                <a:latin typeface="Segoe UI" panose="020B0502040204020203" pitchFamily="34" charset="0"/>
-                <a:ea typeface="Segoe UI Black" panose="020B0A02040204020203" pitchFamily="34" charset="0"/>
-                <a:cs typeface="Segoe UI" panose="020B0502040204020203" pitchFamily="34" charset="0"/>
-              </a:rPr>
-              <a:t>alfonso.rodriguez@escuelaing.edu.co</a:t>
-            </a:r>
-          </a:p>
-          <a:p>
-            <a:pPr algn="ctr"/>
-            <a:endParaRPr lang="es-CO" sz="1400" dirty="0">
-              <a:solidFill>
-                <a:schemeClr val="bg1">
-                  <a:lumMod val="25000"/>
-                </a:schemeClr>
-              </a:solidFill>
-              <a:latin typeface="Segoe UI" panose="020B0502040204020203" pitchFamily="34" charset="0"/>
-              <a:ea typeface="Segoe UI Black" panose="020B0A02040204020203" pitchFamily="34" charset="0"/>
-              <a:cs typeface="Segoe UI" panose="020B0502040204020203" pitchFamily="34" charset="0"/>
-            </a:endParaRPr>
-          </a:p>
-          <a:p>
-            <a:pPr algn="ctr"/>
-            <a:endParaRPr lang="es-CO" sz="1400" dirty="0">
-              <a:solidFill>
-                <a:schemeClr val="bg1">
-                  <a:lumMod val="25000"/>
-                </a:schemeClr>
-              </a:solidFill>
-              <a:latin typeface="Segoe UI" panose="020B0502040204020203" pitchFamily="34" charset="0"/>
-              <a:ea typeface="Segoe UI Black" panose="020B0A02040204020203" pitchFamily="34" charset="0"/>
-              <a:cs typeface="Segoe UI" panose="020B0502040204020203" pitchFamily="34" charset="0"/>
-            </a:endParaRPr>
-          </a:p>
-          <a:p>
-            <a:pPr algn="ctr"/>
-            <a:r>
-              <a:rPr lang="es-CO" sz="1600" dirty="0">
-                <a:solidFill>
-                  <a:schemeClr val="bg1">
-                    <a:lumMod val="25000"/>
-                  </a:schemeClr>
-                </a:solidFill>
-                <a:latin typeface="Segoe UI" panose="020B0502040204020203" pitchFamily="34" charset="0"/>
-                <a:ea typeface="Segoe UI Black" panose="020B0A02040204020203" pitchFamily="34" charset="0"/>
-                <a:cs typeface="Segoe UI" panose="020B0502040204020203" pitchFamily="34" charset="0"/>
-              </a:rPr>
-              <a:t>Contenido digital</a:t>
-            </a:r>
-          </a:p>
-          <a:p>
-            <a:pPr algn="ctr"/>
-            <a:r>
-              <a:rPr lang="es-CO" sz="1800" dirty="0">
-                <a:solidFill>
-                  <a:schemeClr val="bg1">
-                    <a:lumMod val="25000"/>
-                  </a:schemeClr>
-                </a:solidFill>
-                <a:latin typeface="Segoe UI" panose="020B0502040204020203" pitchFamily="34" charset="0"/>
-                <a:ea typeface="Segoe UI Black" panose="020B0A02040204020203" pitchFamily="34" charset="0"/>
-                <a:cs typeface="Segoe UI" panose="020B0502040204020203" pitchFamily="34" charset="0"/>
-              </a:rPr>
-              <a:t>Juan David Rodríguez Acevedo</a:t>
-            </a:r>
-          </a:p>
-          <a:p>
-            <a:pPr algn="ctr"/>
-            <a:r>
-              <a:rPr lang="es-CO" sz="1400" dirty="0">
-                <a:solidFill>
-                  <a:schemeClr val="bg1">
-                    <a:lumMod val="25000"/>
-                  </a:schemeClr>
-                </a:solidFill>
-                <a:latin typeface="Segoe UI" panose="020B0502040204020203" pitchFamily="34" charset="0"/>
-                <a:ea typeface="Segoe UI Black" panose="020B0A02040204020203" pitchFamily="34" charset="0"/>
-                <a:cs typeface="Segoe UI" panose="020B0502040204020203" pitchFamily="34" charset="0"/>
-              </a:rPr>
-              <a:t>juan.rodrigueza@escuelaing.edu.co</a:t>
-            </a:r>
-          </a:p>
-          <a:p>
-            <a:pPr algn="ctr"/>
-            <a:r>
-              <a:rPr lang="es-CO" sz="1400" dirty="0">
-                <a:solidFill>
-                  <a:schemeClr val="bg1">
-                    <a:lumMod val="25000"/>
-                  </a:schemeClr>
-                </a:solidFill>
-                <a:latin typeface="Segoe UI" panose="020B0502040204020203" pitchFamily="34" charset="0"/>
-                <a:ea typeface="Segoe UI Black" panose="020B0A02040204020203" pitchFamily="34" charset="0"/>
-                <a:cs typeface="Segoe UI" panose="020B0502040204020203" pitchFamily="34" charset="0"/>
-              </a:rPr>
-              <a:t>https://github.com/juanrodace/</a:t>
-            </a:r>
-          </a:p>
-        </p:txBody>
-      </p:sp>
-      <p:pic>
-        <p:nvPicPr>
-          <p:cNvPr id="4" name="Graphic 3">
-            <a:extLst>
-              <a:ext uri="{FF2B5EF4-FFF2-40B4-BE49-F238E27FC236}">
-                <a16:creationId xmlns:a16="http://schemas.microsoft.com/office/drawing/2014/main" id="{50FD19C5-BDA1-AA73-30F7-387B18E48D1F}"/>
-              </a:ext>
-            </a:extLst>
-          </p:cNvPr>
-          <p:cNvPicPr>
-            <a:picLocks noChangeAspect="1"/>
-          </p:cNvPicPr>
-          <p:nvPr/>
-        </p:nvPicPr>
-        <p:blipFill>
-          <a:blip r:embed="rId3">
-            <a:extLst>
-              <a:ext uri="{96DAC541-7B7A-43D3-8B79-37D633B846F1}">
-                <asvg:svgBlip xmlns:asvg="http://schemas.microsoft.com/office/drawing/2016/SVG/main" r:embed="rId4"/>
-              </a:ext>
-            </a:extLst>
-          </a:blip>
-          <a:stretch>
-            <a:fillRect/>
-          </a:stretch>
-        </p:blipFill>
-        <p:spPr>
-          <a:xfrm>
-            <a:off x="4851374" y="1647144"/>
-            <a:ext cx="2160000" cy="1037739"/>
-          </a:xfrm>
-          <a:prstGeom prst="rect">
-            <a:avLst/>
-          </a:prstGeom>
-        </p:spPr>
-      </p:pic>
-      <p:pic>
-        <p:nvPicPr>
-          <p:cNvPr id="8" name="Graphic 7">
-            <a:extLst>
-              <a:ext uri="{FF2B5EF4-FFF2-40B4-BE49-F238E27FC236}">
-                <a16:creationId xmlns:a16="http://schemas.microsoft.com/office/drawing/2014/main" id="{75C469DA-D012-E443-0DB2-0AC049C3A920}"/>
-              </a:ext>
-            </a:extLst>
-          </p:cNvPr>
-          <p:cNvPicPr>
-            <a:picLocks noChangeAspect="1"/>
-          </p:cNvPicPr>
-          <p:nvPr/>
-        </p:nvPicPr>
-        <p:blipFill>
-          <a:blip r:embed="rId5">
-            <a:extLst>
-              <a:ext uri="{96DAC541-7B7A-43D3-8B79-37D633B846F1}">
-                <asvg:svgBlip xmlns:asvg="http://schemas.microsoft.com/office/drawing/2016/SVG/main" r:embed="rId6"/>
-              </a:ext>
-            </a:extLst>
-          </a:blip>
-          <a:stretch>
-            <a:fillRect/>
-          </a:stretch>
-        </p:blipFill>
-        <p:spPr>
-          <a:xfrm>
-            <a:off x="1415999" y="1604884"/>
-            <a:ext cx="2160000" cy="1122261"/>
-          </a:xfrm>
-          <a:prstGeom prst="rect">
-            <a:avLst/>
-          </a:prstGeom>
-        </p:spPr>
-      </p:pic>
-      <p:pic>
-        <p:nvPicPr>
-          <p:cNvPr id="10" name="Graphic 9">
-            <a:extLst>
-              <a:ext uri="{FF2B5EF4-FFF2-40B4-BE49-F238E27FC236}">
-                <a16:creationId xmlns:a16="http://schemas.microsoft.com/office/drawing/2014/main" id="{0F4EC895-97D1-6A45-FE7D-7DA1B49F55B1}"/>
-              </a:ext>
-            </a:extLst>
-          </p:cNvPr>
-          <p:cNvPicPr>
-            <a:picLocks noChangeAspect="1"/>
-          </p:cNvPicPr>
-          <p:nvPr/>
-        </p:nvPicPr>
-        <p:blipFill>
-          <a:blip r:embed="rId7">
-            <a:extLst>
-              <a:ext uri="{96DAC541-7B7A-43D3-8B79-37D633B846F1}">
-                <asvg:svgBlip xmlns:asvg="http://schemas.microsoft.com/office/drawing/2016/SVG/main" r:embed="rId8"/>
-              </a:ext>
-            </a:extLst>
-          </a:blip>
-          <a:stretch>
-            <a:fillRect/>
-          </a:stretch>
-        </p:blipFill>
-        <p:spPr>
-          <a:xfrm>
-            <a:off x="8286750" y="1658885"/>
-            <a:ext cx="2160000" cy="1014261"/>
-          </a:xfrm>
-          <a:prstGeom prst="rect">
-            <a:avLst/>
-          </a:prstGeom>
-        </p:spPr>
-      </p:pic>
-    </p:spTree>
-    <p:extLst>
-      <p:ext uri="{BB962C8B-B14F-4D97-AF65-F5344CB8AC3E}">
-        <p14:creationId xmlns:p14="http://schemas.microsoft.com/office/powerpoint/2010/main" val="3656004048"/>
-      </p:ext>
-    </p:extLst>
-  </p:cSld>
-  <p:clrMapOvr>
-    <a:masterClrMapping/>
-  </p:clrMapOvr>
-</p:sld>
-</file>
-
 <file path=ppt/slides/slide2.xml><?xml version="1.0" encoding="utf-8"?>
 <p:sld xmlns:a="http://schemas.openxmlformats.org/drawingml/2006/main" xmlns:r="http://schemas.openxmlformats.org/officeDocument/2006/relationships" xmlns:p="http://schemas.openxmlformats.org/presentationml/2006/main">
   <p:cSld>
@@ -7000,7 +6501,7 @@
         </p:nvGrpSpPr>
         <p:grpSpPr>
           <a:xfrm>
-            <a:off x="1582361" y="1620000"/>
+            <a:off x="1563311" y="1504950"/>
             <a:ext cx="4816103" cy="3848100"/>
             <a:chOff x="834755" y="1714500"/>
             <a:chExt cx="4816103" cy="3848100"/>
@@ -7214,15 +6715,15 @@
               </a:ext>
             </a:extLst>
           </a:blip>
-          <a:srcRect b="9622"/>
+          <a:srcRect l="10119" t="1219" r="5750" b="42879"/>
           <a:stretch/>
         </p:blipFill>
         <p:spPr bwMode="auto">
           <a:xfrm>
-            <a:off x="2405446" y="3657225"/>
-            <a:ext cx="1905000" cy="2591175"/>
+            <a:off x="1196836" y="4152745"/>
+            <a:ext cx="1602718" cy="1602718"/>
           </a:xfrm>
-          <a:prstGeom prst="rect">
+          <a:prstGeom prst="ellipse">
             <a:avLst/>
           </a:prstGeom>
           <a:noFill/>
@@ -7251,7 +6752,7 @@
         </p:nvSpPr>
         <p:spPr>
           <a:xfrm>
-            <a:off x="4310446" y="5879068"/>
+            <a:off x="2397350" y="5638204"/>
             <a:ext cx="1785554" cy="369332"/>
           </a:xfrm>
           <a:prstGeom prst="rect">
@@ -7289,8 +6790,8 @@
             </p:nvSpPr>
             <p:spPr>
               <a:xfrm>
-                <a:off x="2101645" y="1499197"/>
-                <a:ext cx="2752099" cy="925190"/>
+                <a:off x="868051" y="2131333"/>
+                <a:ext cx="2410212" cy="809389"/>
               </a:xfrm>
               <a:prstGeom prst="rect">
                 <a:avLst/>
@@ -7310,13 +6811,13 @@
                     </m:oMathParaPr>
                     <m:oMath xmlns:m="http://schemas.openxmlformats.org/officeDocument/2006/math">
                       <m:r>
-                        <a:rPr lang="es-CO" sz="3200" b="0" i="1" smtClean="0">
+                        <a:rPr lang="es-CO" sz="2800" b="0" i="1" smtClean="0">
                           <a:latin typeface="Cambria Math" panose="02040503050406030204" pitchFamily="18" charset="0"/>
                         </a:rPr>
                         <m:t>𝑉</m:t>
                       </m:r>
                       <m:r>
-                        <a:rPr lang="es-CO" sz="3200" b="0" i="1" smtClean="0">
+                        <a:rPr lang="es-CO" sz="2800" b="0" i="1" smtClean="0">
                           <a:latin typeface="Cambria Math" panose="02040503050406030204" pitchFamily="18" charset="0"/>
                         </a:rPr>
                         <m:t>=</m:t>
@@ -7324,14 +6825,14 @@
                       <m:f>
                         <m:fPr>
                           <m:ctrlPr>
-                            <a:rPr lang="es-CO" sz="3200" b="0" i="1" smtClean="0">
+                            <a:rPr lang="es-CO" sz="2800" b="0" i="1" smtClean="0">
                               <a:latin typeface="Cambria Math" panose="02040503050406030204" pitchFamily="18" charset="0"/>
                             </a:rPr>
                           </m:ctrlPr>
                         </m:fPr>
                         <m:num>
                           <m:r>
-                            <a:rPr lang="es-CO" sz="3200" b="0" i="1" smtClean="0">
+                            <a:rPr lang="es-CO" sz="2800" b="0" i="1" smtClean="0">
                               <a:latin typeface="Cambria Math" panose="02040503050406030204" pitchFamily="18" charset="0"/>
                             </a:rPr>
                             <m:t>1</m:t>
@@ -7339,7 +6840,7 @@
                         </m:num>
                         <m:den>
                           <m:r>
-                            <a:rPr lang="es-CO" sz="3200" b="0" i="1" smtClean="0">
+                            <a:rPr lang="es-CO" sz="2800" b="0" i="1" smtClean="0">
                               <a:latin typeface="Cambria Math" panose="02040503050406030204" pitchFamily="18" charset="0"/>
                             </a:rPr>
                             <m:t>𝑛</m:t>
@@ -7349,14 +6850,14 @@
                       <m:sSup>
                         <m:sSupPr>
                           <m:ctrlPr>
-                            <a:rPr lang="es-CO" sz="3200" b="0" i="1" smtClean="0">
+                            <a:rPr lang="es-CO" sz="2800" b="0" i="1" smtClean="0">
                               <a:latin typeface="Cambria Math" panose="02040503050406030204" pitchFamily="18" charset="0"/>
                             </a:rPr>
                           </m:ctrlPr>
                         </m:sSupPr>
                         <m:e>
                           <m:r>
-                            <a:rPr lang="es-CO" sz="3200" b="0" i="1" smtClean="0">
+                            <a:rPr lang="es-CO" sz="2800" b="0" i="1" smtClean="0">
                               <a:latin typeface="Cambria Math" panose="02040503050406030204" pitchFamily="18" charset="0"/>
                             </a:rPr>
                             <m:t>𝑅</m:t>
@@ -7364,7 +6865,7 @@
                         </m:e>
                         <m:sup>
                           <m:r>
-                            <a:rPr lang="es-CO" sz="3200" b="0" i="1" smtClean="0">
+                            <a:rPr lang="es-CO" sz="2800" b="0" i="1" smtClean="0">
                               <a:latin typeface="Cambria Math" panose="02040503050406030204" pitchFamily="18" charset="0"/>
                             </a:rPr>
                             <m:t>2/3</m:t>
@@ -7374,14 +6875,14 @@
                       <m:sSubSup>
                         <m:sSubSupPr>
                           <m:ctrlPr>
-                            <a:rPr lang="es-CO" sz="3200" b="0" i="1" smtClean="0">
+                            <a:rPr lang="es-CO" sz="2800" b="0" i="1" smtClean="0">
                               <a:latin typeface="Cambria Math" panose="02040503050406030204" pitchFamily="18" charset="0"/>
                             </a:rPr>
                           </m:ctrlPr>
                         </m:sSubSupPr>
                         <m:e>
                           <m:r>
-                            <a:rPr lang="es-CO" sz="3200" b="0" i="1" smtClean="0">
+                            <a:rPr lang="es-CO" sz="2800" b="0" i="1" smtClean="0">
                               <a:latin typeface="Cambria Math" panose="02040503050406030204" pitchFamily="18" charset="0"/>
                             </a:rPr>
                             <m:t>𝑆</m:t>
@@ -7389,7 +6890,7 @@
                         </m:e>
                         <m:sub>
                           <m:r>
-                            <a:rPr lang="es-CO" sz="3200" b="0" i="1" smtClean="0">
+                            <a:rPr lang="es-CO" sz="2800" b="0" i="1" smtClean="0">
                               <a:latin typeface="Cambria Math" panose="02040503050406030204" pitchFamily="18" charset="0"/>
                             </a:rPr>
                             <m:t>0</m:t>
@@ -7397,7 +6898,7 @@
                         </m:sub>
                         <m:sup>
                           <m:r>
-                            <a:rPr lang="es-CO" sz="3200" b="0" i="1" smtClean="0">
+                            <a:rPr lang="es-CO" sz="2800" b="0" i="1" smtClean="0">
                               <a:latin typeface="Cambria Math" panose="02040503050406030204" pitchFamily="18" charset="0"/>
                             </a:rPr>
                             <m:t>1/2</m:t>
@@ -7407,7 +6908,7 @@
                     </m:oMath>
                   </m:oMathPara>
                 </a14:m>
-                <a:endParaRPr lang="en-US" sz="3200" dirty="0"/>
+                <a:endParaRPr lang="en-US" sz="2800" dirty="0"/>
               </a:p>
             </p:txBody>
           </p:sp>
@@ -7429,8 +6930,8 @@
             </p:nvSpPr>
             <p:spPr>
               <a:xfrm>
-                <a:off x="2101645" y="1499197"/>
-                <a:ext cx="2752099" cy="925190"/>
+                <a:off x="868051" y="2131333"/>
+                <a:ext cx="2410212" cy="809389"/>
               </a:xfrm>
               <a:prstGeom prst="rect">
                 <a:avLst/>
@@ -7473,8 +6974,8 @@
             </p:nvSpPr>
             <p:spPr>
               <a:xfrm>
-                <a:off x="1834279" y="2578211"/>
-                <a:ext cx="3277307" cy="925190"/>
+                <a:off x="3566963" y="2122361"/>
+                <a:ext cx="2867323" cy="809389"/>
               </a:xfrm>
               <a:prstGeom prst="rect">
                 <a:avLst/>
@@ -7494,13 +6995,13 @@
                     </m:oMathParaPr>
                     <m:oMath xmlns:m="http://schemas.openxmlformats.org/officeDocument/2006/math">
                       <m:r>
-                        <a:rPr lang="es-CO" sz="3200" b="0" i="1" smtClean="0">
+                        <a:rPr lang="es-CO" sz="2800" b="0" i="1" smtClean="0">
                           <a:latin typeface="Cambria Math" panose="02040503050406030204" pitchFamily="18" charset="0"/>
                         </a:rPr>
                         <m:t>𝑉</m:t>
                       </m:r>
                       <m:r>
-                        <a:rPr lang="es-CO" sz="3200" b="0" i="1" smtClean="0">
+                        <a:rPr lang="es-CO" sz="2800" b="0" i="1" smtClean="0">
                           <a:latin typeface="Cambria Math" panose="02040503050406030204" pitchFamily="18" charset="0"/>
                         </a:rPr>
                         <m:t>=</m:t>
@@ -7508,14 +7009,14 @@
                       <m:f>
                         <m:fPr>
                           <m:ctrlPr>
-                            <a:rPr lang="es-CO" sz="3200" b="0" i="1" smtClean="0">
+                            <a:rPr lang="es-CO" sz="2800" b="0" i="1" smtClean="0">
                               <a:latin typeface="Cambria Math" panose="02040503050406030204" pitchFamily="18" charset="0"/>
                             </a:rPr>
                           </m:ctrlPr>
                         </m:fPr>
                         <m:num>
                           <m:r>
-                            <a:rPr lang="es-CO" sz="3200" b="0" i="1" smtClean="0">
+                            <a:rPr lang="es-CO" sz="2800" b="0" i="1" smtClean="0">
                               <a:latin typeface="Cambria Math" panose="02040503050406030204" pitchFamily="18" charset="0"/>
                             </a:rPr>
                             <m:t>1.49</m:t>
@@ -7523,7 +7024,7 @@
                         </m:num>
                         <m:den>
                           <m:r>
-                            <a:rPr lang="es-CO" sz="3200" b="0" i="1" smtClean="0">
+                            <a:rPr lang="es-CO" sz="2800" b="0" i="1" smtClean="0">
                               <a:latin typeface="Cambria Math" panose="02040503050406030204" pitchFamily="18" charset="0"/>
                             </a:rPr>
                             <m:t>𝑛</m:t>
@@ -7533,14 +7034,14 @@
                       <m:sSup>
                         <m:sSupPr>
                           <m:ctrlPr>
-                            <a:rPr lang="es-CO" sz="3200" b="0" i="1" smtClean="0">
+                            <a:rPr lang="es-CO" sz="2800" b="0" i="1" smtClean="0">
                               <a:latin typeface="Cambria Math" panose="02040503050406030204" pitchFamily="18" charset="0"/>
                             </a:rPr>
                           </m:ctrlPr>
                         </m:sSupPr>
                         <m:e>
                           <m:r>
-                            <a:rPr lang="es-CO" sz="3200" b="0" i="1" smtClean="0">
+                            <a:rPr lang="es-CO" sz="2800" b="0" i="1" smtClean="0">
                               <a:latin typeface="Cambria Math" panose="02040503050406030204" pitchFamily="18" charset="0"/>
                             </a:rPr>
                             <m:t>𝑅</m:t>
@@ -7548,7 +7049,7 @@
                         </m:e>
                         <m:sup>
                           <m:r>
-                            <a:rPr lang="es-CO" sz="3200" b="0" i="1" smtClean="0">
+                            <a:rPr lang="es-CO" sz="2800" b="0" i="1" smtClean="0">
                               <a:latin typeface="Cambria Math" panose="02040503050406030204" pitchFamily="18" charset="0"/>
                             </a:rPr>
                             <m:t>2/3</m:t>
@@ -7558,14 +7059,14 @@
                       <m:sSubSup>
                         <m:sSubSupPr>
                           <m:ctrlPr>
-                            <a:rPr lang="es-CO" sz="3200" b="0" i="1" smtClean="0">
+                            <a:rPr lang="es-CO" sz="2800" b="0" i="1" smtClean="0">
                               <a:latin typeface="Cambria Math" panose="02040503050406030204" pitchFamily="18" charset="0"/>
                             </a:rPr>
                           </m:ctrlPr>
                         </m:sSubSupPr>
                         <m:e>
                           <m:r>
-                            <a:rPr lang="es-CO" sz="3200" b="0" i="1" smtClean="0">
+                            <a:rPr lang="es-CO" sz="2800" b="0" i="1" smtClean="0">
                               <a:latin typeface="Cambria Math" panose="02040503050406030204" pitchFamily="18" charset="0"/>
                             </a:rPr>
                             <m:t>𝑆</m:t>
@@ -7573,7 +7074,7 @@
                         </m:e>
                         <m:sub>
                           <m:r>
-                            <a:rPr lang="es-CO" sz="3200" b="0" i="1" smtClean="0">
+                            <a:rPr lang="es-CO" sz="2800" b="0" i="1" smtClean="0">
                               <a:latin typeface="Cambria Math" panose="02040503050406030204" pitchFamily="18" charset="0"/>
                             </a:rPr>
                             <m:t>0</m:t>
@@ -7581,7 +7082,7 @@
                         </m:sub>
                         <m:sup>
                           <m:r>
-                            <a:rPr lang="es-CO" sz="3200" b="0" i="1" smtClean="0">
+                            <a:rPr lang="es-CO" sz="2800" b="0" i="1" smtClean="0">
                               <a:latin typeface="Cambria Math" panose="02040503050406030204" pitchFamily="18" charset="0"/>
                             </a:rPr>
                             <m:t>1/2</m:t>
@@ -7591,7 +7092,7 @@
                     </m:oMath>
                   </m:oMathPara>
                 </a14:m>
-                <a:endParaRPr lang="en-US" sz="3200" dirty="0"/>
+                <a:endParaRPr lang="en-US" sz="2800" dirty="0"/>
               </a:p>
             </p:txBody>
           </p:sp>
@@ -7613,8 +7114,8 @@
             </p:nvSpPr>
             <p:spPr>
               <a:xfrm>
-                <a:off x="1834279" y="2578211"/>
-                <a:ext cx="3277307" cy="925190"/>
+                <a:off x="3566963" y="2122361"/>
+                <a:ext cx="2867323" cy="809389"/>
               </a:xfrm>
               <a:prstGeom prst="rect">
                 <a:avLst/>
@@ -7655,8 +7156,8 @@
         </p:nvSpPr>
         <p:spPr>
           <a:xfrm>
-            <a:off x="4971284" y="3167681"/>
-            <a:ext cx="1785554" cy="369332"/>
+            <a:off x="6096000" y="2757523"/>
+            <a:ext cx="761090" cy="369332"/>
           </a:xfrm>
           <a:prstGeom prst="rect">
             <a:avLst/>
@@ -7691,8 +7192,8 @@
         </p:nvSpPr>
         <p:spPr>
           <a:xfrm>
-            <a:off x="4954958" y="2131967"/>
-            <a:ext cx="1785554" cy="369332"/>
+            <a:off x="2984036" y="2706203"/>
+            <a:ext cx="454141" cy="369332"/>
           </a:xfrm>
           <a:prstGeom prst="rect">
             <a:avLst/>
@@ -7713,6 +7214,183 @@
           </a:p>
         </p:txBody>
       </p:sp>
+      <mc:AlternateContent xmlns:mc="http://schemas.openxmlformats.org/markup-compatibility/2006">
+        <mc:Choice xmlns:a14="http://schemas.microsoft.com/office/drawing/2010/main" Requires="a14">
+          <p:sp>
+            <p:nvSpPr>
+              <p:cNvPr id="18" name="CuadroTexto 17">
+                <a:extLst>
+                  <a:ext uri="{FF2B5EF4-FFF2-40B4-BE49-F238E27FC236}">
+                    <a16:creationId xmlns:a16="http://schemas.microsoft.com/office/drawing/2014/main" id="{D006AF0A-4131-FD1A-CF32-57518A497311}"/>
+                  </a:ext>
+                </a:extLst>
+              </p:cNvPr>
+              <p:cNvSpPr txBox="1"/>
+              <p:nvPr/>
+            </p:nvSpPr>
+            <p:spPr>
+              <a:xfrm>
+                <a:off x="3461172" y="3700104"/>
+                <a:ext cx="2867323" cy="1200329"/>
+              </a:xfrm>
+              <a:prstGeom prst="rect">
+                <a:avLst/>
+              </a:prstGeom>
+              <a:noFill/>
+            </p:spPr>
+            <p:txBody>
+              <a:bodyPr wrap="square">
+                <a:spAutoFit/>
+              </a:bodyPr>
+              <a:lstStyle/>
+              <a:p>
+                <a:pPr/>
+                <a14:m>
+                  <m:oMath xmlns:m="http://schemas.openxmlformats.org/officeDocument/2006/math">
+                    <m:r>
+                      <m:rPr>
+                        <m:sty m:val="p"/>
+                      </m:rPr>
+                      <a:rPr lang="es-CO" sz="1800" b="0" i="0" smtClean="0">
+                        <a:latin typeface="Cambria Math" panose="02040503050406030204" pitchFamily="18" charset="0"/>
+                      </a:rPr>
+                      <m:t>V</m:t>
+                    </m:r>
+                  </m:oMath>
+                </a14:m>
+                <a:r>
+                  <a:rPr lang="es-CO" sz="1800" b="0" dirty="0"/>
+                  <a:t>, velocidad media de flujo.</a:t>
+                </a:r>
+                <a:br>
+                  <a:rPr lang="es-CO" sz="1800" b="0" dirty="0"/>
+                </a:br>
+                <a14:m>
+                  <m:oMath xmlns:m="http://schemas.openxmlformats.org/officeDocument/2006/math">
+                    <m:r>
+                      <a:rPr lang="es-CO" sz="1800" b="0" i="1" smtClean="0">
+                        <a:latin typeface="Cambria Math" panose="02040503050406030204" pitchFamily="18" charset="0"/>
+                      </a:rPr>
+                      <m:t>𝑛</m:t>
+                    </m:r>
+                  </m:oMath>
+                </a14:m>
+                <a:r>
+                  <a:rPr lang="es-CO" sz="1800" b="0" dirty="0"/>
+                  <a:t>, coeficiente de Manning.</a:t>
+                </a:r>
+              </a:p>
+              <a:p>
+                <a:pPr/>
+                <a14:m>
+                  <m:oMath xmlns:m="http://schemas.openxmlformats.org/officeDocument/2006/math">
+                    <m:r>
+                      <m:rPr>
+                        <m:sty m:val="p"/>
+                      </m:rPr>
+                      <a:rPr lang="es-CO" sz="1800" b="0" i="0" smtClean="0">
+                        <a:latin typeface="Cambria Math" panose="02040503050406030204" pitchFamily="18" charset="0"/>
+                      </a:rPr>
+                      <m:t>R</m:t>
+                    </m:r>
+                  </m:oMath>
+                </a14:m>
+                <a:r>
+                  <a:rPr lang="es-CO" sz="1800" b="0" dirty="0"/>
+                  <a:t>, radio hidráulico.</a:t>
+                </a:r>
+              </a:p>
+              <a:p>
+                <a:pPr/>
+                <a14:m>
+                  <m:oMath xmlns:m="http://schemas.openxmlformats.org/officeDocument/2006/math">
+                    <m:sSub>
+                      <m:sSubPr>
+                        <m:ctrlPr>
+                          <a:rPr lang="es-CO" sz="1800" b="0" smtClean="0">
+                            <a:latin typeface="Cambria Math" panose="02040503050406030204" pitchFamily="18" charset="0"/>
+                          </a:rPr>
+                        </m:ctrlPr>
+                      </m:sSubPr>
+                      <m:e>
+                        <m:r>
+                          <m:rPr>
+                            <m:sty m:val="p"/>
+                          </m:rPr>
+                          <a:rPr lang="es-CO" sz="1800" b="0" i="0" smtClean="0">
+                            <a:latin typeface="Cambria Math" panose="02040503050406030204" pitchFamily="18" charset="0"/>
+                          </a:rPr>
+                          <m:t>S</m:t>
+                        </m:r>
+                      </m:e>
+                      <m:sub>
+                        <m:r>
+                          <m:rPr>
+                            <m:sty m:val="p"/>
+                          </m:rPr>
+                          <a:rPr lang="es-CO" sz="1800" b="0" i="0" smtClean="0">
+                            <a:latin typeface="Cambria Math" panose="02040503050406030204" pitchFamily="18" charset="0"/>
+                          </a:rPr>
+                          <m:t>o</m:t>
+                        </m:r>
+                      </m:sub>
+                    </m:sSub>
+                  </m:oMath>
+                </a14:m>
+                <a:r>
+                  <a:rPr lang="es-CO" sz="1800" b="0" dirty="0"/>
+                  <a:t>, pendiente del fondo.</a:t>
+                </a:r>
+                <a:endParaRPr lang="en-US" dirty="0"/>
+              </a:p>
+            </p:txBody>
+          </p:sp>
+        </mc:Choice>
+        <mc:Fallback>
+          <p:sp>
+            <p:nvSpPr>
+              <p:cNvPr id="18" name="CuadroTexto 17">
+                <a:extLst>
+                  <a:ext uri="{FF2B5EF4-FFF2-40B4-BE49-F238E27FC236}">
+                    <a16:creationId xmlns:a16="http://schemas.microsoft.com/office/drawing/2014/main" id="{D006AF0A-4131-FD1A-CF32-57518A497311}"/>
+                  </a:ext>
+                </a:extLst>
+              </p:cNvPr>
+              <p:cNvSpPr txBox="1">
+                <a:spLocks noRot="1" noChangeAspect="1" noMove="1" noResize="1" noEditPoints="1" noAdjustHandles="1" noChangeArrowheads="1" noChangeShapeType="1" noTextEdit="1"/>
+              </p:cNvSpPr>
+              <p:nvPr/>
+            </p:nvSpPr>
+            <p:spPr>
+              <a:xfrm>
+                <a:off x="3461172" y="3700104"/>
+                <a:ext cx="2867323" cy="1200329"/>
+              </a:xfrm>
+              <a:prstGeom prst="rect">
+                <a:avLst/>
+              </a:prstGeom>
+              <a:blipFill>
+                <a:blip r:embed="rId5"/>
+                <a:stretch>
+                  <a:fillRect t="-2538" r="-426" b="-7614"/>
+                </a:stretch>
+              </a:blipFill>
+            </p:spPr>
+            <p:txBody>
+              <a:bodyPr/>
+              <a:lstStyle/>
+              <a:p>
+                <a:r>
+                  <a:rPr lang="en-US">
+                    <a:noFill/>
+                  </a:rPr>
+                  <a:t> </a:t>
+                </a:r>
+              </a:p>
+            </p:txBody>
+          </p:sp>
+        </mc:Fallback>
+      </mc:AlternateContent>
     </p:spTree>
     <p:extLst>
       <p:ext uri="{BB962C8B-B14F-4D97-AF65-F5344CB8AC3E}">
@@ -7745,10 +7423,10 @@
       </p:grpSpPr>
       <p:sp>
         <p:nvSpPr>
-          <p:cNvPr id="11" name="Título 10">
+          <p:cNvPr id="2" name="Título 1">
             <a:extLst>
               <a:ext uri="{FF2B5EF4-FFF2-40B4-BE49-F238E27FC236}">
-                <a16:creationId xmlns:a16="http://schemas.microsoft.com/office/drawing/2014/main" id="{18394C73-C688-1688-3BC3-45D7C33A4C00}"/>
+                <a16:creationId xmlns:a16="http://schemas.microsoft.com/office/drawing/2014/main" id="{B7A326E0-7378-DEAD-3AFB-15247D7E203A}"/>
               </a:ext>
             </a:extLst>
           </p:cNvPr>
@@ -7759,14 +7437,19 @@
             <p:ph type="title"/>
           </p:nvPr>
         </p:nvSpPr>
-        <p:spPr/>
+        <p:spPr>
+          <a:xfrm>
+            <a:off x="720001" y="810000"/>
+            <a:ext cx="6121725" cy="810000"/>
+          </a:xfrm>
+        </p:spPr>
         <p:txBody>
           <a:bodyPr anchor="t"/>
           <a:lstStyle/>
           <a:p>
             <a:r>
               <a:rPr lang="es-CO" dirty="0"/>
-              <a:t>Conservación de la energía</a:t>
+              <a:t>Flujo uniforme. Canal compuesto.</a:t>
             </a:r>
             <a:endParaRPr lang="en-US" dirty="0"/>
           </a:p>
@@ -7774,50 +7457,10 @@
       </p:sp>
       <p:pic>
         <p:nvPicPr>
-          <p:cNvPr id="13" name="Imagen 12" descr="Diagrama&#10;&#10;Descripción generada automáticamente">
+          <p:cNvPr id="4" name="Imagen 3" descr="Imagen que contiene interior, viendo, cuarto, frente&#10;&#10;Descripción generada automáticamente">
             <a:extLst>
               <a:ext uri="{FF2B5EF4-FFF2-40B4-BE49-F238E27FC236}">
-                <a16:creationId xmlns:a16="http://schemas.microsoft.com/office/drawing/2014/main" id="{B8F79DBE-E237-D5BC-4E42-0D5044BD7F2C}"/>
-              </a:ext>
-            </a:extLst>
-          </p:cNvPr>
-          <p:cNvPicPr>
-            <a:picLocks noChangeAspect="1"/>
-          </p:cNvPicPr>
-          <p:nvPr/>
-        </p:nvPicPr>
-        <p:blipFill rotWithShape="1">
-          <a:blip r:embed="rId2">
-            <a:clrChange>
-              <a:clrFrom>
-                <a:srgbClr val="FFFFFF"/>
-              </a:clrFrom>
-              <a:clrTo>
-                <a:srgbClr val="FFFFFF">
-                  <a:alpha val="0"/>
-                </a:srgbClr>
-              </a:clrTo>
-            </a:clrChange>
-          </a:blip>
-          <a:srcRect l="1971"/>
-          <a:stretch/>
-        </p:blipFill>
-        <p:spPr>
-          <a:xfrm>
-            <a:off x="957655" y="2581275"/>
-            <a:ext cx="6364690" cy="3794851"/>
-          </a:xfrm>
-          <a:prstGeom prst="rect">
-            <a:avLst/>
-          </a:prstGeom>
-        </p:spPr>
-      </p:pic>
-      <p:pic>
-        <p:nvPicPr>
-          <p:cNvPr id="17" name="Imagen 16" descr="Diagrama&#10;&#10;Descripción generada automáticamente">
-            <a:extLst>
-              <a:ext uri="{FF2B5EF4-FFF2-40B4-BE49-F238E27FC236}">
-                <a16:creationId xmlns:a16="http://schemas.microsoft.com/office/drawing/2014/main" id="{8469B3D4-044A-3568-B19E-D0705A58796B}"/>
+                <a16:creationId xmlns:a16="http://schemas.microsoft.com/office/drawing/2014/main" id="{DCC3C4EE-27CA-184C-CF08-12E888334B33}"/>
               </a:ext>
             </a:extLst>
           </p:cNvPr>
@@ -7827,36 +7470,312 @@
           <p:nvPr/>
         </p:nvPicPr>
         <p:blipFill>
-          <a:blip r:embed="rId3">
-            <a:clrChange>
-              <a:clrFrom>
-                <a:srgbClr val="FFFFFF"/>
-              </a:clrFrom>
-              <a:clrTo>
-                <a:srgbClr val="FFFFFF">
-                  <a:alpha val="0"/>
-                </a:srgbClr>
-              </a:clrTo>
-            </a:clrChange>
-          </a:blip>
+          <a:blip r:embed="rId2"/>
           <a:stretch>
             <a:fillRect/>
           </a:stretch>
         </p:blipFill>
         <p:spPr>
           <a:xfrm>
-            <a:off x="1737069" y="1386254"/>
-            <a:ext cx="4572000" cy="814890"/>
+            <a:off x="108700" y="3429000"/>
+            <a:ext cx="7605614" cy="2714625"/>
           </a:xfrm>
           <a:prstGeom prst="rect">
             <a:avLst/>
           </a:prstGeom>
         </p:spPr>
       </p:pic>
+      <mc:AlternateContent xmlns:mc="http://schemas.openxmlformats.org/markup-compatibility/2006">
+        <mc:Choice xmlns:a14="http://schemas.microsoft.com/office/drawing/2010/main" Requires="a14">
+          <p:sp>
+            <p:nvSpPr>
+              <p:cNvPr id="5" name="CuadroTexto 4">
+                <a:extLst>
+                  <a:ext uri="{FF2B5EF4-FFF2-40B4-BE49-F238E27FC236}">
+                    <a16:creationId xmlns:a16="http://schemas.microsoft.com/office/drawing/2014/main" id="{AEAB082F-718A-5E14-3150-5484211A972D}"/>
+                  </a:ext>
+                </a:extLst>
+              </p:cNvPr>
+              <p:cNvSpPr txBox="1"/>
+              <p:nvPr/>
+            </p:nvSpPr>
+            <p:spPr>
+              <a:xfrm>
+                <a:off x="1857937" y="1836159"/>
+                <a:ext cx="2414507" cy="1056571"/>
+              </a:xfrm>
+              <a:prstGeom prst="rect">
+                <a:avLst/>
+              </a:prstGeom>
+              <a:noFill/>
+            </p:spPr>
+            <p:txBody>
+              <a:bodyPr wrap="none" lIns="0" tIns="0" rIns="0" bIns="0" rtlCol="0">
+                <a:spAutoFit/>
+              </a:bodyPr>
+              <a:lstStyle/>
+              <a:p>
+                <a14:m>
+                  <m:oMathPara xmlns:m="http://schemas.openxmlformats.org/officeDocument/2006/math">
+                    <m:oMathParaPr>
+                      <m:jc m:val="centerGroup"/>
+                    </m:oMathParaPr>
+                    <m:oMath xmlns:m="http://schemas.openxmlformats.org/officeDocument/2006/math">
+                      <m:r>
+                        <a:rPr lang="es-CO" sz="2400" b="0" i="1" smtClean="0">
+                          <a:latin typeface="Cambria Math" panose="02040503050406030204" pitchFamily="18" charset="0"/>
+                        </a:rPr>
+                        <m:t>𝑛</m:t>
+                      </m:r>
+                      <m:r>
+                        <a:rPr lang="es-CO" sz="2400" b="0" i="1" smtClean="0">
+                          <a:latin typeface="Cambria Math" panose="02040503050406030204" pitchFamily="18" charset="0"/>
+                        </a:rPr>
+                        <m:t>=</m:t>
+                      </m:r>
+                      <m:sSup>
+                        <m:sSupPr>
+                          <m:ctrlPr>
+                            <a:rPr lang="es-CO" sz="2400" b="0" i="1" smtClean="0">
+                              <a:latin typeface="Cambria Math" panose="02040503050406030204" pitchFamily="18" charset="0"/>
+                              <a:ea typeface="Cambria Math" panose="02040503050406030204" pitchFamily="18" charset="0"/>
+                            </a:rPr>
+                          </m:ctrlPr>
+                        </m:sSupPr>
+                        <m:e>
+                          <m:d>
+                            <m:dPr>
+                              <m:ctrlPr>
+                                <a:rPr lang="es-CO" sz="2400" b="0" i="1" smtClean="0">
+                                  <a:latin typeface="Cambria Math" panose="02040503050406030204" pitchFamily="18" charset="0"/>
+                                  <a:ea typeface="Cambria Math" panose="02040503050406030204" pitchFamily="18" charset="0"/>
+                                </a:rPr>
+                              </m:ctrlPr>
+                            </m:dPr>
+                            <m:e>
+                              <m:f>
+                                <m:fPr>
+                                  <m:ctrlPr>
+                                    <a:rPr lang="es-CO" sz="2400" b="0" i="1" smtClean="0">
+                                      <a:latin typeface="Cambria Math" panose="02040503050406030204" pitchFamily="18" charset="0"/>
+                                      <a:ea typeface="Cambria Math" panose="02040503050406030204" pitchFamily="18" charset="0"/>
+                                    </a:rPr>
+                                  </m:ctrlPr>
+                                </m:fPr>
+                                <m:num>
+                                  <m:r>
+                                    <m:rPr>
+                                      <m:sty m:val="p"/>
+                                    </m:rPr>
+                                    <a:rPr lang="el-GR" sz="2400" i="1">
+                                      <a:latin typeface="Cambria Math" panose="02040503050406030204" pitchFamily="18" charset="0"/>
+                                      <a:ea typeface="Cambria Math" panose="02040503050406030204" pitchFamily="18" charset="0"/>
+                                    </a:rPr>
+                                    <m:t>Σ</m:t>
+                                  </m:r>
+                                  <m:sSub>
+                                    <m:sSubPr>
+                                      <m:ctrlPr>
+                                        <a:rPr lang="es-CO" sz="2400" b="0" i="1" smtClean="0">
+                                          <a:latin typeface="Cambria Math" panose="02040503050406030204" pitchFamily="18" charset="0"/>
+                                          <a:ea typeface="Cambria Math" panose="02040503050406030204" pitchFamily="18" charset="0"/>
+                                        </a:rPr>
+                                      </m:ctrlPr>
+                                    </m:sSubPr>
+                                    <m:e>
+                                      <m:r>
+                                        <a:rPr lang="es-CO" sz="2400" b="0" i="1" smtClean="0">
+                                          <a:latin typeface="Cambria Math" panose="02040503050406030204" pitchFamily="18" charset="0"/>
+                                          <a:ea typeface="Cambria Math" panose="02040503050406030204" pitchFamily="18" charset="0"/>
+                                        </a:rPr>
+                                        <m:t>𝑃</m:t>
+                                      </m:r>
+                                    </m:e>
+                                    <m:sub>
+                                      <m:r>
+                                        <a:rPr lang="es-CO" sz="2400" b="0" i="1" smtClean="0">
+                                          <a:latin typeface="Cambria Math" panose="02040503050406030204" pitchFamily="18" charset="0"/>
+                                          <a:ea typeface="Cambria Math" panose="02040503050406030204" pitchFamily="18" charset="0"/>
+                                        </a:rPr>
+                                        <m:t>𝑖</m:t>
+                                      </m:r>
+                                    </m:sub>
+                                  </m:sSub>
+                                  <m:sSubSup>
+                                    <m:sSubSupPr>
+                                      <m:ctrlPr>
+                                        <a:rPr lang="es-CO" sz="2400" b="0" i="1" smtClean="0">
+                                          <a:latin typeface="Cambria Math" panose="02040503050406030204" pitchFamily="18" charset="0"/>
+                                          <a:ea typeface="Cambria Math" panose="02040503050406030204" pitchFamily="18" charset="0"/>
+                                        </a:rPr>
+                                      </m:ctrlPr>
+                                    </m:sSubSupPr>
+                                    <m:e>
+                                      <m:r>
+                                        <a:rPr lang="es-CO" sz="2400" b="0" i="1" smtClean="0">
+                                          <a:latin typeface="Cambria Math" panose="02040503050406030204" pitchFamily="18" charset="0"/>
+                                          <a:ea typeface="Cambria Math" panose="02040503050406030204" pitchFamily="18" charset="0"/>
+                                        </a:rPr>
+                                        <m:t>𝑛</m:t>
+                                      </m:r>
+                                    </m:e>
+                                    <m:sub>
+                                      <m:r>
+                                        <a:rPr lang="es-CO" sz="2400" b="0" i="1" smtClean="0">
+                                          <a:latin typeface="Cambria Math" panose="02040503050406030204" pitchFamily="18" charset="0"/>
+                                          <a:ea typeface="Cambria Math" panose="02040503050406030204" pitchFamily="18" charset="0"/>
+                                        </a:rPr>
+                                        <m:t>𝑖</m:t>
+                                      </m:r>
+                                    </m:sub>
+                                    <m:sup>
+                                      <m:r>
+                                        <a:rPr lang="es-CO" sz="2400" b="0" i="1" smtClean="0">
+                                          <a:latin typeface="Cambria Math" panose="02040503050406030204" pitchFamily="18" charset="0"/>
+                                          <a:ea typeface="Cambria Math" panose="02040503050406030204" pitchFamily="18" charset="0"/>
+                                        </a:rPr>
+                                        <m:t>3/2</m:t>
+                                      </m:r>
+                                    </m:sup>
+                                  </m:sSubSup>
+                                </m:num>
+                                <m:den>
+                                  <m:sSub>
+                                    <m:sSubPr>
+                                      <m:ctrlPr>
+                                        <a:rPr lang="es-CO" sz="2400" b="0" i="1" smtClean="0">
+                                          <a:latin typeface="Cambria Math" panose="02040503050406030204" pitchFamily="18" charset="0"/>
+                                          <a:ea typeface="Cambria Math" panose="02040503050406030204" pitchFamily="18" charset="0"/>
+                                        </a:rPr>
+                                      </m:ctrlPr>
+                                    </m:sSubPr>
+                                    <m:e>
+                                      <m:r>
+                                        <a:rPr lang="es-CO" sz="2400" b="0" i="1" smtClean="0">
+                                          <a:latin typeface="Cambria Math" panose="02040503050406030204" pitchFamily="18" charset="0"/>
+                                          <a:ea typeface="Cambria Math" panose="02040503050406030204" pitchFamily="18" charset="0"/>
+                                        </a:rPr>
+                                        <m:t>𝑃</m:t>
+                                      </m:r>
+                                    </m:e>
+                                    <m:sub>
+                                      <m:r>
+                                        <a:rPr lang="es-CO" sz="2400" b="0" i="1" smtClean="0">
+                                          <a:latin typeface="Cambria Math" panose="02040503050406030204" pitchFamily="18" charset="0"/>
+                                          <a:ea typeface="Cambria Math" panose="02040503050406030204" pitchFamily="18" charset="0"/>
+                                        </a:rPr>
+                                        <m:t>𝑡</m:t>
+                                      </m:r>
+                                    </m:sub>
+                                  </m:sSub>
+                                </m:den>
+                              </m:f>
+                            </m:e>
+                          </m:d>
+                        </m:e>
+                        <m:sup>
+                          <m:r>
+                            <a:rPr lang="es-CO" sz="2400" b="0" i="1" smtClean="0">
+                              <a:latin typeface="Cambria Math" panose="02040503050406030204" pitchFamily="18" charset="0"/>
+                              <a:ea typeface="Cambria Math" panose="02040503050406030204" pitchFamily="18" charset="0"/>
+                            </a:rPr>
+                            <m:t>2/3</m:t>
+                          </m:r>
+                        </m:sup>
+                      </m:sSup>
+                    </m:oMath>
+                  </m:oMathPara>
+                </a14:m>
+                <a:endParaRPr lang="en-US" sz="2400" dirty="0"/>
+              </a:p>
+            </p:txBody>
+          </p:sp>
+        </mc:Choice>
+        <mc:Fallback>
+          <p:sp>
+            <p:nvSpPr>
+              <p:cNvPr id="5" name="CuadroTexto 4">
+                <a:extLst>
+                  <a:ext uri="{FF2B5EF4-FFF2-40B4-BE49-F238E27FC236}">
+                    <a16:creationId xmlns:a16="http://schemas.microsoft.com/office/drawing/2014/main" id="{AEAB082F-718A-5E14-3150-5484211A972D}"/>
+                  </a:ext>
+                </a:extLst>
+              </p:cNvPr>
+              <p:cNvSpPr txBox="1">
+                <a:spLocks noRot="1" noChangeAspect="1" noMove="1" noResize="1" noEditPoints="1" noAdjustHandles="1" noChangeArrowheads="1" noChangeShapeType="1" noTextEdit="1"/>
+              </p:cNvSpPr>
+              <p:nvPr/>
+            </p:nvSpPr>
+            <p:spPr>
+              <a:xfrm>
+                <a:off x="1857937" y="1836159"/>
+                <a:ext cx="2414507" cy="1056571"/>
+              </a:xfrm>
+              <a:prstGeom prst="rect">
+                <a:avLst/>
+              </a:prstGeom>
+              <a:blipFill>
+                <a:blip r:embed="rId3"/>
+                <a:stretch>
+                  <a:fillRect/>
+                </a:stretch>
+              </a:blipFill>
+            </p:spPr>
+            <p:txBody>
+              <a:bodyPr/>
+              <a:lstStyle/>
+              <a:p>
+                <a:r>
+                  <a:rPr lang="en-US">
+                    <a:noFill/>
+                  </a:rPr>
+                  <a:t> </a:t>
+                </a:r>
+              </a:p>
+            </p:txBody>
+          </p:sp>
+        </mc:Fallback>
+      </mc:AlternateContent>
+      <p:sp>
+        <p:nvSpPr>
+          <p:cNvPr id="9" name="CuadroTexto 8">
+            <a:extLst>
+              <a:ext uri="{FF2B5EF4-FFF2-40B4-BE49-F238E27FC236}">
+                <a16:creationId xmlns:a16="http://schemas.microsoft.com/office/drawing/2014/main" id="{BE4B75A7-518C-ED96-2874-7B5AFF1B7E5E}"/>
+              </a:ext>
+            </a:extLst>
+          </p:cNvPr>
+          <p:cNvSpPr txBox="1"/>
+          <p:nvPr/>
+        </p:nvSpPr>
+        <p:spPr>
+          <a:xfrm>
+            <a:off x="3987274" y="2763237"/>
+            <a:ext cx="1785554" cy="338554"/>
+          </a:xfrm>
+          <a:prstGeom prst="rect">
+            <a:avLst/>
+          </a:prstGeom>
+          <a:noFill/>
+        </p:spPr>
+        <p:txBody>
+          <a:bodyPr wrap="square">
+            <a:spAutoFit/>
+          </a:bodyPr>
+          <a:lstStyle/>
+          <a:p>
+            <a:r>
+              <a:rPr lang="es-CO" sz="1600" dirty="0"/>
+              <a:t>Einstein-Horton</a:t>
+            </a:r>
+            <a:endParaRPr lang="en-US" sz="1600" dirty="0"/>
+          </a:p>
+        </p:txBody>
+      </p:sp>
     </p:spTree>
     <p:extLst>
       <p:ext uri="{BB962C8B-B14F-4D97-AF65-F5344CB8AC3E}">
-        <p14:creationId xmlns:p14="http://schemas.microsoft.com/office/powerpoint/2010/main" val="1186712927"/>
+        <p14:creationId xmlns:p14="http://schemas.microsoft.com/office/powerpoint/2010/main" val="284813920"/>
       </p:ext>
     </p:extLst>
   </p:cSld>
@@ -7885,10 +7804,10 @@
       </p:grpSpPr>
       <p:sp>
         <p:nvSpPr>
-          <p:cNvPr id="11" name="Título 10">
+          <p:cNvPr id="2" name="Título 1">
             <a:extLst>
               <a:ext uri="{FF2B5EF4-FFF2-40B4-BE49-F238E27FC236}">
-                <a16:creationId xmlns:a16="http://schemas.microsoft.com/office/drawing/2014/main" id="{18394C73-C688-1688-3BC3-45D7C33A4C00}"/>
+                <a16:creationId xmlns:a16="http://schemas.microsoft.com/office/drawing/2014/main" id="{B7A326E0-7378-DEAD-3AFB-15247D7E203A}"/>
               </a:ext>
             </a:extLst>
           </p:cNvPr>
@@ -7899,14 +7818,19 @@
             <p:ph type="title"/>
           </p:nvPr>
         </p:nvSpPr>
-        <p:spPr/>
+        <p:spPr>
+          <a:xfrm>
+            <a:off x="720001" y="810000"/>
+            <a:ext cx="6121725" cy="810000"/>
+          </a:xfrm>
+        </p:spPr>
         <p:txBody>
           <a:bodyPr anchor="t"/>
           <a:lstStyle/>
           <a:p>
             <a:r>
               <a:rPr lang="es-CO" dirty="0"/>
-              <a:t>Conservación energía. Energía específica</a:t>
+              <a:t>Flujo gradualmente variado (FGV)</a:t>
             </a:r>
             <a:endParaRPr lang="en-US" dirty="0"/>
           </a:p>
@@ -7914,10 +7838,10 @@
       </p:sp>
       <p:pic>
         <p:nvPicPr>
-          <p:cNvPr id="5" name="Imagen 4" descr="Diagrama, Dibujo de ingeniería&#10;&#10;Descripción generada automáticamente">
+          <p:cNvPr id="4" name="Imagen 3" descr="Diagrama&#10;&#10;Descripción generada automáticamente">
             <a:extLst>
               <a:ext uri="{FF2B5EF4-FFF2-40B4-BE49-F238E27FC236}">
-                <a16:creationId xmlns:a16="http://schemas.microsoft.com/office/drawing/2014/main" id="{56F5DE2D-9F9D-C90D-541F-9BC1EC442544}"/>
+                <a16:creationId xmlns:a16="http://schemas.microsoft.com/office/drawing/2014/main" id="{71BF6235-A5DC-DDAF-237F-75BCE8BB19A2}"/>
               </a:ext>
             </a:extLst>
           </p:cNvPr>
@@ -7945,59 +7869,301 @@
         </p:blipFill>
         <p:spPr>
           <a:xfrm>
-            <a:off x="1035375" y="2850453"/>
-            <a:ext cx="6524625" cy="3611398"/>
+            <a:off x="225425" y="2211662"/>
+            <a:ext cx="6823075" cy="4254573"/>
           </a:xfrm>
           <a:prstGeom prst="rect">
             <a:avLst/>
           </a:prstGeom>
         </p:spPr>
       </p:pic>
-      <p:pic>
-        <p:nvPicPr>
-          <p:cNvPr id="2" name="Imagen 1" descr="Diagrama&#10;&#10;Descripción generada automáticamente">
-            <a:extLst>
-              <a:ext uri="{FF2B5EF4-FFF2-40B4-BE49-F238E27FC236}">
-                <a16:creationId xmlns:a16="http://schemas.microsoft.com/office/drawing/2014/main" id="{2D684F7C-244E-4FBA-482C-1D64252A6EAF}"/>
-              </a:ext>
-            </a:extLst>
-          </p:cNvPr>
-          <p:cNvPicPr>
-            <a:picLocks noChangeAspect="1"/>
-          </p:cNvPicPr>
-          <p:nvPr/>
-        </p:nvPicPr>
-        <p:blipFill>
-          <a:blip r:embed="rId3">
-            <a:clrChange>
-              <a:clrFrom>
-                <a:srgbClr val="FFFFFF"/>
-              </a:clrFrom>
-              <a:clrTo>
-                <a:srgbClr val="FFFFFF">
-                  <a:alpha val="0"/>
-                </a:srgbClr>
-              </a:clrTo>
-            </a:clrChange>
-          </a:blip>
-          <a:stretch>
-            <a:fillRect/>
-          </a:stretch>
-        </p:blipFill>
-        <p:spPr>
-          <a:xfrm>
-            <a:off x="2594990" y="1604713"/>
-            <a:ext cx="2194560" cy="968863"/>
-          </a:xfrm>
-          <a:prstGeom prst="rect">
-            <a:avLst/>
-          </a:prstGeom>
-        </p:spPr>
-      </p:pic>
+      <mc:AlternateContent xmlns:mc="http://schemas.openxmlformats.org/markup-compatibility/2006">
+        <mc:Choice xmlns:a14="http://schemas.microsoft.com/office/drawing/2010/main" Requires="a14">
+          <p:sp>
+            <p:nvSpPr>
+              <p:cNvPr id="6" name="CuadroTexto 5">
+                <a:extLst>
+                  <a:ext uri="{FF2B5EF4-FFF2-40B4-BE49-F238E27FC236}">
+                    <a16:creationId xmlns:a16="http://schemas.microsoft.com/office/drawing/2014/main" id="{52B3CC38-FFB6-2A41-81B8-E041DAD5ACE5}"/>
+                  </a:ext>
+                </a:extLst>
+              </p:cNvPr>
+              <p:cNvSpPr txBox="1"/>
+              <p:nvPr/>
+            </p:nvSpPr>
+            <p:spPr>
+              <a:xfrm>
+                <a:off x="3921770" y="1753350"/>
+                <a:ext cx="2177006" cy="1115883"/>
+              </a:xfrm>
+              <a:prstGeom prst="rect">
+                <a:avLst/>
+              </a:prstGeom>
+              <a:noFill/>
+            </p:spPr>
+            <p:txBody>
+              <a:bodyPr wrap="none" lIns="0" tIns="0" rIns="0" bIns="0" rtlCol="0">
+                <a:spAutoFit/>
+              </a:bodyPr>
+              <a:lstStyle/>
+              <a:p>
+                <a14:m>
+                  <m:oMathPara xmlns:m="http://schemas.openxmlformats.org/officeDocument/2006/math">
+                    <m:oMathParaPr>
+                      <m:jc m:val="centerGroup"/>
+                    </m:oMathParaPr>
+                    <m:oMath xmlns:m="http://schemas.openxmlformats.org/officeDocument/2006/math">
+                      <m:f>
+                        <m:fPr>
+                          <m:ctrlPr>
+                            <a:rPr lang="es-CO" sz="2400" b="0" i="1" smtClean="0">
+                              <a:latin typeface="Cambria Math" panose="02040503050406030204" pitchFamily="18" charset="0"/>
+                            </a:rPr>
+                          </m:ctrlPr>
+                        </m:fPr>
+                        <m:num>
+                          <m:r>
+                            <a:rPr lang="es-CO" sz="2400" b="0" i="1" smtClean="0">
+                              <a:latin typeface="Cambria Math" panose="02040503050406030204" pitchFamily="18" charset="0"/>
+                            </a:rPr>
+                            <m:t>𝑑𝑦</m:t>
+                          </m:r>
+                        </m:num>
+                        <m:den>
+                          <m:r>
+                            <a:rPr lang="es-CO" sz="2400" b="0" i="1" smtClean="0">
+                              <a:latin typeface="Cambria Math" panose="02040503050406030204" pitchFamily="18" charset="0"/>
+                            </a:rPr>
+                            <m:t>𝑑𝑥</m:t>
+                          </m:r>
+                        </m:den>
+                      </m:f>
+                      <m:r>
+                        <a:rPr lang="es-CO" sz="2400" b="0" i="1" smtClean="0">
+                          <a:latin typeface="Cambria Math" panose="02040503050406030204" pitchFamily="18" charset="0"/>
+                        </a:rPr>
+                        <m:t>=</m:t>
+                      </m:r>
+                      <m:f>
+                        <m:fPr>
+                          <m:ctrlPr>
+                            <a:rPr lang="es-CO" sz="2400" b="0" i="1" smtClean="0">
+                              <a:latin typeface="Cambria Math" panose="02040503050406030204" pitchFamily="18" charset="0"/>
+                            </a:rPr>
+                          </m:ctrlPr>
+                        </m:fPr>
+                        <m:num>
+                          <m:sSub>
+                            <m:sSubPr>
+                              <m:ctrlPr>
+                                <a:rPr lang="es-CO" sz="2400" b="0" i="1" smtClean="0">
+                                  <a:latin typeface="Cambria Math" panose="02040503050406030204" pitchFamily="18" charset="0"/>
+                                </a:rPr>
+                              </m:ctrlPr>
+                            </m:sSubPr>
+                            <m:e>
+                              <m:r>
+                                <a:rPr lang="es-CO" sz="2400" b="0" i="1" smtClean="0">
+                                  <a:latin typeface="Cambria Math" panose="02040503050406030204" pitchFamily="18" charset="0"/>
+                                </a:rPr>
+                                <m:t>𝑆</m:t>
+                              </m:r>
+                            </m:e>
+                            <m:sub>
+                              <m:r>
+                                <a:rPr lang="es-CO" sz="2400" b="0" i="1" smtClean="0">
+                                  <a:latin typeface="Cambria Math" panose="02040503050406030204" pitchFamily="18" charset="0"/>
+                                </a:rPr>
+                                <m:t>𝑜</m:t>
+                              </m:r>
+                            </m:sub>
+                          </m:sSub>
+                          <m:r>
+                            <a:rPr lang="es-CO" sz="2400" b="0" i="1" smtClean="0">
+                              <a:latin typeface="Cambria Math" panose="02040503050406030204" pitchFamily="18" charset="0"/>
+                            </a:rPr>
+                            <m:t>−</m:t>
+                          </m:r>
+                          <m:sSub>
+                            <m:sSubPr>
+                              <m:ctrlPr>
+                                <a:rPr lang="es-CO" sz="2400" b="0" i="1" smtClean="0">
+                                  <a:latin typeface="Cambria Math" panose="02040503050406030204" pitchFamily="18" charset="0"/>
+                                </a:rPr>
+                              </m:ctrlPr>
+                            </m:sSubPr>
+                            <m:e>
+                              <m:r>
+                                <a:rPr lang="es-CO" sz="2400" b="0" i="1" smtClean="0">
+                                  <a:latin typeface="Cambria Math" panose="02040503050406030204" pitchFamily="18" charset="0"/>
+                                </a:rPr>
+                                <m:t>𝑆</m:t>
+                              </m:r>
+                            </m:e>
+                            <m:sub>
+                              <m:r>
+                                <a:rPr lang="es-CO" sz="2400" b="0" i="1" smtClean="0">
+                                  <a:latin typeface="Cambria Math" panose="02040503050406030204" pitchFamily="18" charset="0"/>
+                                </a:rPr>
+                                <m:t>𝑓</m:t>
+                              </m:r>
+                            </m:sub>
+                          </m:sSub>
+                        </m:num>
+                        <m:den>
+                          <m:r>
+                            <a:rPr lang="es-CO" sz="2400" b="0" i="1" smtClean="0">
+                              <a:latin typeface="Cambria Math" panose="02040503050406030204" pitchFamily="18" charset="0"/>
+                            </a:rPr>
+                            <m:t>1−</m:t>
+                          </m:r>
+                          <m:f>
+                            <m:fPr>
+                              <m:ctrlPr>
+                                <a:rPr lang="es-CO" sz="2400" b="0" i="1" smtClean="0">
+                                  <a:latin typeface="Cambria Math" panose="02040503050406030204" pitchFamily="18" charset="0"/>
+                                </a:rPr>
+                              </m:ctrlPr>
+                            </m:fPr>
+                            <m:num>
+                              <m:sSup>
+                                <m:sSupPr>
+                                  <m:ctrlPr>
+                                    <a:rPr lang="es-CO" sz="2400" b="0" i="1" smtClean="0">
+                                      <a:latin typeface="Cambria Math" panose="02040503050406030204" pitchFamily="18" charset="0"/>
+                                    </a:rPr>
+                                  </m:ctrlPr>
+                                </m:sSupPr>
+                                <m:e>
+                                  <m:r>
+                                    <a:rPr lang="es-CO" sz="2400" b="0" i="1" smtClean="0">
+                                      <a:latin typeface="Cambria Math" panose="02040503050406030204" pitchFamily="18" charset="0"/>
+                                      <a:ea typeface="Cambria Math" panose="02040503050406030204" pitchFamily="18" charset="0"/>
+                                    </a:rPr>
+                                    <m:t>𝛼</m:t>
+                                  </m:r>
+                                  <m:r>
+                                    <a:rPr lang="es-CO" sz="2400" b="0" i="1" smtClean="0">
+                                      <a:latin typeface="Cambria Math" panose="02040503050406030204" pitchFamily="18" charset="0"/>
+                                    </a:rPr>
+                                    <m:t>𝑄</m:t>
+                                  </m:r>
+                                </m:e>
+                                <m:sup>
+                                  <m:r>
+                                    <a:rPr lang="es-CO" sz="2400" b="0" i="1" smtClean="0">
+                                      <a:latin typeface="Cambria Math" panose="02040503050406030204" pitchFamily="18" charset="0"/>
+                                    </a:rPr>
+                                    <m:t>2</m:t>
+                                  </m:r>
+                                </m:sup>
+                              </m:sSup>
+                              <m:r>
+                                <a:rPr lang="es-CO" sz="2400" b="0" i="1" smtClean="0">
+                                  <a:latin typeface="Cambria Math" panose="02040503050406030204" pitchFamily="18" charset="0"/>
+                                </a:rPr>
+                                <m:t>𝑇</m:t>
+                              </m:r>
+                            </m:num>
+                            <m:den>
+                              <m:r>
+                                <a:rPr lang="es-CO" sz="2400" b="0" i="1" smtClean="0">
+                                  <a:latin typeface="Cambria Math" panose="02040503050406030204" pitchFamily="18" charset="0"/>
+                                </a:rPr>
+                                <m:t>𝑔</m:t>
+                              </m:r>
+                              <m:sSup>
+                                <m:sSupPr>
+                                  <m:ctrlPr>
+                                    <a:rPr lang="es-CO" sz="2400" b="0" i="1" smtClean="0">
+                                      <a:latin typeface="Cambria Math" panose="02040503050406030204" pitchFamily="18" charset="0"/>
+                                    </a:rPr>
+                                  </m:ctrlPr>
+                                </m:sSupPr>
+                                <m:e>
+                                  <m:r>
+                                    <a:rPr lang="es-CO" sz="2400" b="0" i="1" smtClean="0">
+                                      <a:latin typeface="Cambria Math" panose="02040503050406030204" pitchFamily="18" charset="0"/>
+                                    </a:rPr>
+                                    <m:t>𝐴</m:t>
+                                  </m:r>
+                                </m:e>
+                                <m:sup>
+                                  <m:r>
+                                    <a:rPr lang="es-CO" sz="2400" b="0" i="1" smtClean="0">
+                                      <a:latin typeface="Cambria Math" panose="02040503050406030204" pitchFamily="18" charset="0"/>
+                                    </a:rPr>
+                                    <m:t>3</m:t>
+                                  </m:r>
+                                </m:sup>
+                              </m:sSup>
+                            </m:den>
+                          </m:f>
+                        </m:den>
+                      </m:f>
+                      <m:r>
+                        <a:rPr lang="es-CO" sz="2400" b="0" i="1" smtClean="0">
+                          <a:latin typeface="Cambria Math" panose="02040503050406030204" pitchFamily="18" charset="0"/>
+                        </a:rPr>
+                        <m:t> </m:t>
+                      </m:r>
+                    </m:oMath>
+                  </m:oMathPara>
+                </a14:m>
+                <a:endParaRPr lang="en-US" sz="2400" dirty="0"/>
+              </a:p>
+            </p:txBody>
+          </p:sp>
+        </mc:Choice>
+        <mc:Fallback>
+          <p:sp>
+            <p:nvSpPr>
+              <p:cNvPr id="6" name="CuadroTexto 5">
+                <a:extLst>
+                  <a:ext uri="{FF2B5EF4-FFF2-40B4-BE49-F238E27FC236}">
+                    <a16:creationId xmlns:a16="http://schemas.microsoft.com/office/drawing/2014/main" id="{52B3CC38-FFB6-2A41-81B8-E041DAD5ACE5}"/>
+                  </a:ext>
+                </a:extLst>
+              </p:cNvPr>
+              <p:cNvSpPr txBox="1">
+                <a:spLocks noRot="1" noChangeAspect="1" noMove="1" noResize="1" noEditPoints="1" noAdjustHandles="1" noChangeArrowheads="1" noChangeShapeType="1" noTextEdit="1"/>
+              </p:cNvSpPr>
+              <p:nvPr/>
+            </p:nvSpPr>
+            <p:spPr>
+              <a:xfrm>
+                <a:off x="3921770" y="1753350"/>
+                <a:ext cx="2177006" cy="1115883"/>
+              </a:xfrm>
+              <a:prstGeom prst="rect">
+                <a:avLst/>
+              </a:prstGeom>
+              <a:blipFill>
+                <a:blip r:embed="rId3"/>
+                <a:stretch>
+                  <a:fillRect/>
+                </a:stretch>
+              </a:blipFill>
+            </p:spPr>
+            <p:txBody>
+              <a:bodyPr/>
+              <a:lstStyle/>
+              <a:p>
+                <a:r>
+                  <a:rPr lang="en-US">
+                    <a:noFill/>
+                  </a:rPr>
+                  <a:t> </a:t>
+                </a:r>
+              </a:p>
+            </p:txBody>
+          </p:sp>
+        </mc:Fallback>
+      </mc:AlternateContent>
     </p:spTree>
     <p:extLst>
       <p:ext uri="{BB962C8B-B14F-4D97-AF65-F5344CB8AC3E}">
-        <p14:creationId xmlns:p14="http://schemas.microsoft.com/office/powerpoint/2010/main" val="1154385616"/>
+        <p14:creationId xmlns:p14="http://schemas.microsoft.com/office/powerpoint/2010/main" val="4202401583"/>
       </p:ext>
     </p:extLst>
   </p:cSld>
@@ -8026,10 +8192,10 @@
       </p:grpSpPr>
       <p:sp>
         <p:nvSpPr>
-          <p:cNvPr id="11" name="Título 10">
+          <p:cNvPr id="2" name="Título 1">
             <a:extLst>
               <a:ext uri="{FF2B5EF4-FFF2-40B4-BE49-F238E27FC236}">
-                <a16:creationId xmlns:a16="http://schemas.microsoft.com/office/drawing/2014/main" id="{18394C73-C688-1688-3BC3-45D7C33A4C00}"/>
+                <a16:creationId xmlns:a16="http://schemas.microsoft.com/office/drawing/2014/main" id="{B7A326E0-7378-DEAD-3AFB-15247D7E203A}"/>
               </a:ext>
             </a:extLst>
           </p:cNvPr>
@@ -8040,14 +8206,19 @@
             <p:ph type="title"/>
           </p:nvPr>
         </p:nvSpPr>
-        <p:spPr/>
+        <p:spPr>
+          <a:xfrm>
+            <a:off x="720001" y="810000"/>
+            <a:ext cx="6121725" cy="810000"/>
+          </a:xfrm>
+        </p:spPr>
         <p:txBody>
           <a:bodyPr anchor="t"/>
           <a:lstStyle/>
           <a:p>
             <a:r>
               <a:rPr lang="es-CO" dirty="0"/>
-              <a:t>Conservación energía. Energía específica</a:t>
+              <a:t>Flujo gradualmente variado (FGV)</a:t>
             </a:r>
             <a:endParaRPr lang="en-US" dirty="0"/>
           </a:p>
@@ -8055,10 +8226,10 @@
       </p:sp>
       <p:pic>
         <p:nvPicPr>
-          <p:cNvPr id="7" name="Imagen 6" descr="Diagrama&#10;&#10;Descripción generada automáticamente">
+          <p:cNvPr id="5" name="Imagen 4" descr="Diagrama, Carta&#10;&#10;Descripción generada automáticamente">
             <a:extLst>
               <a:ext uri="{FF2B5EF4-FFF2-40B4-BE49-F238E27FC236}">
-                <a16:creationId xmlns:a16="http://schemas.microsoft.com/office/drawing/2014/main" id="{4CA7F923-B398-C99A-CEDC-8CA7B06A8ABA}"/>
+                <a16:creationId xmlns:a16="http://schemas.microsoft.com/office/drawing/2014/main" id="{76090853-B96B-D882-6055-BDEE8EA14ED9}"/>
               </a:ext>
             </a:extLst>
           </p:cNvPr>
@@ -8067,7 +8238,7 @@
           </p:cNvPicPr>
           <p:nvPr/>
         </p:nvPicPr>
-        <p:blipFill>
+        <p:blipFill rotWithShape="1">
           <a:blip r:embed="rId2">
             <a:clrChange>
               <a:clrFrom>
@@ -8080,395 +8251,63 @@
               </a:clrTo>
             </a:clrChange>
           </a:blip>
-          <a:stretch>
-            <a:fillRect/>
-          </a:stretch>
+          <a:srcRect r="51641"/>
+          <a:stretch/>
         </p:blipFill>
         <p:spPr>
           <a:xfrm>
-            <a:off x="2594990" y="1604713"/>
-            <a:ext cx="2194560" cy="968863"/>
+            <a:off x="1920153" y="1548817"/>
+            <a:ext cx="3657600" cy="2380033"/>
           </a:xfrm>
           <a:prstGeom prst="rect">
             <a:avLst/>
           </a:prstGeom>
         </p:spPr>
       </p:pic>
-      <mc:AlternateContent xmlns:mc="http://schemas.openxmlformats.org/markup-compatibility/2006">
-        <mc:Choice xmlns:a14="http://schemas.microsoft.com/office/drawing/2010/main" Requires="a14">
-          <p:sp>
-            <p:nvSpPr>
-              <p:cNvPr id="2" name="Marcador de contenido 2">
-                <a:extLst>
-                  <a:ext uri="{FF2B5EF4-FFF2-40B4-BE49-F238E27FC236}">
-                    <a16:creationId xmlns:a16="http://schemas.microsoft.com/office/drawing/2014/main" id="{8EB3E2B2-6146-8C9B-81A5-8A83593AA4FB}"/>
-                  </a:ext>
-                </a:extLst>
-              </p:cNvPr>
-              <p:cNvSpPr txBox="1">
-                <a:spLocks/>
-              </p:cNvSpPr>
-              <p:nvPr/>
-            </p:nvSpPr>
-            <p:spPr>
-              <a:xfrm>
-                <a:off x="1262925" y="3047999"/>
-                <a:ext cx="6840000" cy="3323925"/>
-              </a:xfrm>
-              <a:prstGeom prst="rect">
-                <a:avLst/>
-              </a:prstGeom>
-            </p:spPr>
-            <p:txBody>
-              <a:bodyPr vert="horz" lIns="91440" tIns="45720" rIns="91440" bIns="45720" rtlCol="0" anchor="t">
-                <a:normAutofit/>
-              </a:bodyPr>
-              <a:lstStyle>
-                <a:lvl1pPr marL="0" indent="0" algn="l" defTabSz="914377" rtl="0" eaLnBrk="1" latinLnBrk="0" hangingPunct="1">
-                  <a:lnSpc>
-                    <a:spcPct val="90000"/>
-                  </a:lnSpc>
-                  <a:spcBef>
-                    <a:spcPts val="1000"/>
-                  </a:spcBef>
-                  <a:buFont typeface="Arial" panose="020B0604020202020204" pitchFamily="34" charset="0"/>
-                  <a:buNone/>
-                  <a:defRPr sz="2400" kern="1200">
-                    <a:solidFill>
-                      <a:schemeClr val="tx1"/>
-                    </a:solidFill>
-                    <a:latin typeface="+mn-lt"/>
-                    <a:ea typeface="+mn-ea"/>
-                    <a:cs typeface="+mn-cs"/>
-                  </a:defRPr>
-                </a:lvl1pPr>
-                <a:lvl2pPr marL="457189" indent="0" algn="l" defTabSz="914377" rtl="0" eaLnBrk="1" latinLnBrk="0" hangingPunct="1">
-                  <a:lnSpc>
-                    <a:spcPct val="90000"/>
-                  </a:lnSpc>
-                  <a:spcBef>
-                    <a:spcPts val="500"/>
-                  </a:spcBef>
-                  <a:buFont typeface="Arial" panose="020B0604020202020204" pitchFamily="34" charset="0"/>
-                  <a:buNone/>
-                  <a:defRPr sz="2800" kern="1200">
-                    <a:solidFill>
-                      <a:schemeClr val="tx1"/>
-                    </a:solidFill>
-                    <a:latin typeface="+mn-lt"/>
-                    <a:ea typeface="+mn-ea"/>
-                    <a:cs typeface="+mn-cs"/>
-                  </a:defRPr>
-                </a:lvl2pPr>
-                <a:lvl3pPr marL="914377" indent="0" algn="l" defTabSz="914377" rtl="0" eaLnBrk="1" latinLnBrk="0" hangingPunct="1">
-                  <a:lnSpc>
-                    <a:spcPct val="90000"/>
-                  </a:lnSpc>
-                  <a:spcBef>
-                    <a:spcPts val="500"/>
-                  </a:spcBef>
-                  <a:buFont typeface="Arial" panose="020B0604020202020204" pitchFamily="34" charset="0"/>
-                  <a:buNone/>
-                  <a:defRPr sz="2400" kern="1200">
-                    <a:solidFill>
-                      <a:schemeClr val="tx1"/>
-                    </a:solidFill>
-                    <a:latin typeface="+mn-lt"/>
-                    <a:ea typeface="+mn-ea"/>
-                    <a:cs typeface="+mn-cs"/>
-                  </a:defRPr>
-                </a:lvl3pPr>
-                <a:lvl4pPr marL="1371566" indent="0" algn="l" defTabSz="914377" rtl="0" eaLnBrk="1" latinLnBrk="0" hangingPunct="1">
-                  <a:lnSpc>
-                    <a:spcPct val="90000"/>
-                  </a:lnSpc>
-                  <a:spcBef>
-                    <a:spcPts val="500"/>
-                  </a:spcBef>
-                  <a:buFont typeface="Arial" panose="020B0604020202020204" pitchFamily="34" charset="0"/>
-                  <a:buNone/>
-                  <a:defRPr sz="2000" kern="1200">
-                    <a:solidFill>
-                      <a:schemeClr val="tx1"/>
-                    </a:solidFill>
-                    <a:latin typeface="+mn-lt"/>
-                    <a:ea typeface="+mn-ea"/>
-                    <a:cs typeface="+mn-cs"/>
-                  </a:defRPr>
-                </a:lvl4pPr>
-                <a:lvl5pPr marL="1828754" indent="0" algn="l" defTabSz="914377" rtl="0" eaLnBrk="1" latinLnBrk="0" hangingPunct="1">
-                  <a:lnSpc>
-                    <a:spcPct val="90000"/>
-                  </a:lnSpc>
-                  <a:spcBef>
-                    <a:spcPts val="500"/>
-                  </a:spcBef>
-                  <a:buFont typeface="Arial" panose="020B0604020202020204" pitchFamily="34" charset="0"/>
-                  <a:buNone/>
-                  <a:defRPr sz="2000" kern="1200">
-                    <a:solidFill>
-                      <a:schemeClr val="tx1"/>
-                    </a:solidFill>
-                    <a:latin typeface="+mn-lt"/>
-                    <a:ea typeface="+mn-ea"/>
-                    <a:cs typeface="+mn-cs"/>
-                  </a:defRPr>
-                </a:lvl5pPr>
-                <a:lvl6pPr marL="2285943" indent="0" algn="l" defTabSz="914377" rtl="0" eaLnBrk="1" latinLnBrk="0" hangingPunct="1">
-                  <a:lnSpc>
-                    <a:spcPct val="90000"/>
-                  </a:lnSpc>
-                  <a:spcBef>
-                    <a:spcPts val="500"/>
-                  </a:spcBef>
-                  <a:buFont typeface="Arial" panose="020B0604020202020204" pitchFamily="34" charset="0"/>
-                  <a:buNone/>
-                  <a:defRPr sz="2000" kern="1200">
-                    <a:solidFill>
-                      <a:schemeClr val="tx1"/>
-                    </a:solidFill>
-                    <a:latin typeface="+mn-lt"/>
-                    <a:ea typeface="+mn-ea"/>
-                    <a:cs typeface="+mn-cs"/>
-                  </a:defRPr>
-                </a:lvl6pPr>
-                <a:lvl7pPr marL="2743131" indent="0" algn="l" defTabSz="914377" rtl="0" eaLnBrk="1" latinLnBrk="0" hangingPunct="1">
-                  <a:lnSpc>
-                    <a:spcPct val="90000"/>
-                  </a:lnSpc>
-                  <a:spcBef>
-                    <a:spcPts val="500"/>
-                  </a:spcBef>
-                  <a:buFont typeface="Arial" panose="020B0604020202020204" pitchFamily="34" charset="0"/>
-                  <a:buNone/>
-                  <a:defRPr sz="2000" kern="1200">
-                    <a:solidFill>
-                      <a:schemeClr val="tx1"/>
-                    </a:solidFill>
-                    <a:latin typeface="+mn-lt"/>
-                    <a:ea typeface="+mn-ea"/>
-                    <a:cs typeface="+mn-cs"/>
-                  </a:defRPr>
-                </a:lvl7pPr>
-                <a:lvl8pPr marL="3200320" indent="0" algn="l" defTabSz="914377" rtl="0" eaLnBrk="1" latinLnBrk="0" hangingPunct="1">
-                  <a:lnSpc>
-                    <a:spcPct val="90000"/>
-                  </a:lnSpc>
-                  <a:spcBef>
-                    <a:spcPts val="500"/>
-                  </a:spcBef>
-                  <a:buFont typeface="Arial" panose="020B0604020202020204" pitchFamily="34" charset="0"/>
-                  <a:buNone/>
-                  <a:defRPr sz="2000" kern="1200">
-                    <a:solidFill>
-                      <a:schemeClr val="tx1"/>
-                    </a:solidFill>
-                    <a:latin typeface="+mn-lt"/>
-                    <a:ea typeface="+mn-ea"/>
-                    <a:cs typeface="+mn-cs"/>
-                  </a:defRPr>
-                </a:lvl8pPr>
-                <a:lvl9pPr marL="3657509" indent="0" algn="l" defTabSz="914377" rtl="0" eaLnBrk="1" latinLnBrk="0" hangingPunct="1">
-                  <a:lnSpc>
-                    <a:spcPct val="90000"/>
-                  </a:lnSpc>
-                  <a:spcBef>
-                    <a:spcPts val="500"/>
-                  </a:spcBef>
-                  <a:buFont typeface="Arial" panose="020B0604020202020204" pitchFamily="34" charset="0"/>
-                  <a:buNone/>
-                  <a:defRPr sz="2000" kern="1200">
-                    <a:solidFill>
-                      <a:schemeClr val="tx1"/>
-                    </a:solidFill>
-                    <a:latin typeface="+mn-lt"/>
-                    <a:ea typeface="+mn-ea"/>
-                    <a:cs typeface="+mn-cs"/>
-                  </a:defRPr>
-                </a:lvl9pPr>
-              </a:lstStyle>
-              <a:p>
-                <a:pPr marL="342900" indent="-342900">
-                  <a:buFont typeface="Arial" panose="020B0604020202020204" pitchFamily="34" charset="0"/>
-                  <a:buChar char="•"/>
-                </a:pPr>
-                <a:r>
-                  <a:rPr lang="es-CO" sz="2200" dirty="0"/>
-                  <a:t>Fondo del canal como nivel de referencia.</a:t>
-                </a:r>
-              </a:p>
-              <a:p>
-                <a:pPr marL="342900" indent="-342900">
-                  <a:buFont typeface="Arial" panose="020B0604020202020204" pitchFamily="34" charset="0"/>
-                  <a:buChar char="•"/>
-                </a:pPr>
-                <a:r>
-                  <a:rPr lang="es-CO" sz="2200" dirty="0"/>
-                  <a:t>Carga dinámica + carga de presión.</a:t>
-                </a:r>
-              </a:p>
-              <a:p>
-                <a:pPr marL="342900" indent="-342900">
-                  <a:buFont typeface="Arial" panose="020B0604020202020204" pitchFamily="34" charset="0"/>
-                  <a:buChar char="•"/>
-                </a:pPr>
-                <a:r>
-                  <a:rPr lang="es-CO" sz="2200" dirty="0"/>
-                  <a:t>Si y</a:t>
-                </a:r>
-                <a14:m>
-                  <m:oMath xmlns:m="http://schemas.openxmlformats.org/officeDocument/2006/math">
-                    <m:r>
-                      <a:rPr lang="es-CO" sz="2200" i="1" smtClean="0">
-                        <a:latin typeface="Cambria Math" panose="02040503050406030204" pitchFamily="18" charset="0"/>
-                        <a:ea typeface="Cambria Math" panose="02040503050406030204" pitchFamily="18" charset="0"/>
-                      </a:rPr>
-                      <m:t>→</m:t>
-                    </m:r>
-                  </m:oMath>
-                </a14:m>
-                <a:r>
-                  <a:rPr lang="es-CO" sz="2200" dirty="0"/>
-                  <a:t>0, la E</a:t>
-                </a:r>
-                <a:r>
-                  <a:rPr lang="es-CO" sz="2200" baseline="-25000" dirty="0"/>
-                  <a:t>s</a:t>
-                </a:r>
-                <a:r>
-                  <a:rPr lang="es-CO" sz="2200" dirty="0"/>
-                  <a:t> tiende al infinito.</a:t>
-                </a:r>
-              </a:p>
-              <a:p>
-                <a:pPr marL="342900" indent="-342900">
-                  <a:buFont typeface="Arial" panose="020B0604020202020204" pitchFamily="34" charset="0"/>
-                  <a:buChar char="•"/>
-                </a:pPr>
-                <a:r>
-                  <a:rPr lang="es-CO" sz="2200" dirty="0"/>
-                  <a:t>Cuando y=y</a:t>
-                </a:r>
-                <a:r>
-                  <a:rPr lang="es-CO" sz="2200" baseline="-25000" dirty="0"/>
-                  <a:t>c</a:t>
-                </a:r>
-                <a:r>
-                  <a:rPr lang="es-CO" sz="2200" dirty="0"/>
-                  <a:t>, la E</a:t>
-                </a:r>
-                <a:r>
-                  <a:rPr lang="es-CO" sz="2200" baseline="-25000" dirty="0"/>
-                  <a:t>s</a:t>
-                </a:r>
-                <a:r>
-                  <a:rPr lang="es-CO" sz="2200" dirty="0"/>
-                  <a:t> es mínima.</a:t>
-                </a:r>
-              </a:p>
-              <a:p>
-                <a:pPr marL="342900" indent="-342900">
-                  <a:buFont typeface="Arial" panose="020B0604020202020204" pitchFamily="34" charset="0"/>
-                  <a:buChar char="•"/>
-                </a:pPr>
-                <a:r>
-                  <a:rPr lang="es-CO" sz="2200" dirty="0"/>
-                  <a:t>El caudal es máximo para una E</a:t>
-                </a:r>
-                <a:r>
-                  <a:rPr lang="es-CO" sz="2200" baseline="-25000" dirty="0"/>
-                  <a:t>s </a:t>
-                </a:r>
-                <a:r>
-                  <a:rPr lang="es-CO" sz="2200" dirty="0"/>
-                  <a:t>dada.</a:t>
-                </a:r>
-                <a:endParaRPr lang="es-CO" sz="2200" baseline="-25000" dirty="0"/>
-              </a:p>
-              <a:p>
-                <a:pPr marL="342900" indent="-342900">
-                  <a:buFont typeface="Arial" panose="020B0604020202020204" pitchFamily="34" charset="0"/>
-                  <a:buChar char="•"/>
-                </a:pPr>
-                <a:r>
-                  <a:rPr lang="es-CO" sz="2200" dirty="0"/>
-                  <a:t>Profundidades alternas para una E</a:t>
-                </a:r>
-                <a:r>
-                  <a:rPr lang="es-CO" sz="2200" baseline="-25000" dirty="0"/>
-                  <a:t>s</a:t>
-                </a:r>
-                <a:r>
-                  <a:rPr lang="es-CO" sz="2200" dirty="0"/>
-                  <a:t> dada.</a:t>
-                </a:r>
-              </a:p>
-              <a:p>
-                <a:pPr marL="342900" indent="-342900">
-                  <a:buFont typeface="Arial" panose="020B0604020202020204" pitchFamily="34" charset="0"/>
-                  <a:buChar char="•"/>
-                </a:pPr>
-                <a:endParaRPr lang="es-CO" sz="2200" dirty="0"/>
-              </a:p>
-              <a:p>
-                <a:pPr marL="342900" indent="-342900">
-                  <a:buFont typeface="Arial" panose="020B0604020202020204" pitchFamily="34" charset="0"/>
-                  <a:buChar char="•"/>
-                </a:pPr>
-                <a:endParaRPr lang="en-US" sz="2200" dirty="0"/>
-              </a:p>
-            </p:txBody>
-          </p:sp>
-        </mc:Choice>
-        <mc:Fallback>
-          <p:sp>
-            <p:nvSpPr>
-              <p:cNvPr id="2" name="Marcador de contenido 2">
-                <a:extLst>
-                  <a:ext uri="{FF2B5EF4-FFF2-40B4-BE49-F238E27FC236}">
-                    <a16:creationId xmlns:a16="http://schemas.microsoft.com/office/drawing/2014/main" id="{8EB3E2B2-6146-8C9B-81A5-8A83593AA4FB}"/>
-                  </a:ext>
-                </a:extLst>
-              </p:cNvPr>
-              <p:cNvSpPr txBox="1">
-                <a:spLocks noRot="1" noChangeAspect="1" noMove="1" noResize="1" noEditPoints="1" noAdjustHandles="1" noChangeArrowheads="1" noChangeShapeType="1" noTextEdit="1"/>
-              </p:cNvSpPr>
-              <p:nvPr/>
-            </p:nvSpPr>
-            <p:spPr>
-              <a:xfrm>
-                <a:off x="1262925" y="3047999"/>
-                <a:ext cx="6840000" cy="3323925"/>
-              </a:xfrm>
-              <a:prstGeom prst="rect">
-                <a:avLst/>
-              </a:prstGeom>
-              <a:blipFill>
-                <a:blip r:embed="rId3"/>
-                <a:stretch>
-                  <a:fillRect l="-980" t="-2202"/>
-                </a:stretch>
-              </a:blipFill>
-            </p:spPr>
-            <p:txBody>
-              <a:bodyPr/>
-              <a:lstStyle/>
-              <a:p>
-                <a:r>
-                  <a:rPr lang="en-US">
-                    <a:noFill/>
-                  </a:rPr>
-                  <a:t> </a:t>
-                </a:r>
-              </a:p>
-            </p:txBody>
-          </p:sp>
-        </mc:Fallback>
-      </mc:AlternateContent>
+      <p:pic>
+        <p:nvPicPr>
+          <p:cNvPr id="7" name="Imagen 6" descr="Diagrama, Carta&#10;&#10;Descripción generada automáticamente">
+            <a:extLst>
+              <a:ext uri="{FF2B5EF4-FFF2-40B4-BE49-F238E27FC236}">
+                <a16:creationId xmlns:a16="http://schemas.microsoft.com/office/drawing/2014/main" id="{BCA31257-16F1-F219-B921-9AA15C13F3F2}"/>
+              </a:ext>
+            </a:extLst>
+          </p:cNvPr>
+          <p:cNvPicPr>
+            <a:picLocks noChangeAspect="1"/>
+          </p:cNvPicPr>
+          <p:nvPr/>
+        </p:nvPicPr>
+        <p:blipFill rotWithShape="1">
+          <a:blip r:embed="rId2">
+            <a:clrChange>
+              <a:clrFrom>
+                <a:srgbClr val="FFFFFF"/>
+              </a:clrFrom>
+              <a:clrTo>
+                <a:srgbClr val="FFFFFF">
+                  <a:alpha val="0"/>
+                </a:srgbClr>
+              </a:clrTo>
+            </a:clrChange>
+          </a:blip>
+          <a:srcRect l="52523"/>
+          <a:stretch/>
+        </p:blipFill>
+        <p:spPr>
+          <a:xfrm>
+            <a:off x="1920153" y="3995525"/>
+            <a:ext cx="3657600" cy="2424256"/>
+          </a:xfrm>
+          <a:prstGeom prst="rect">
+            <a:avLst/>
+          </a:prstGeom>
+        </p:spPr>
+      </p:pic>
     </p:spTree>
     <p:extLst>
       <p:ext uri="{BB962C8B-B14F-4D97-AF65-F5344CB8AC3E}">
-        <p14:creationId xmlns:p14="http://schemas.microsoft.com/office/powerpoint/2010/main" val="1661187618"/>
+        <p14:creationId xmlns:p14="http://schemas.microsoft.com/office/powerpoint/2010/main" val="108691881"/>
       </p:ext>
     </p:extLst>
   </p:cSld>
@@ -8495,53 +8334,12 @@
           <a:chExt cx="0" cy="0"/>
         </a:xfrm>
       </p:grpSpPr>
-      <p:pic>
-        <p:nvPicPr>
-          <p:cNvPr id="12" name="Imagen 11" descr="Diagrama, Dibujo de ingeniería&#10;&#10;Descripción generada automáticamente">
+      <p:sp>
+        <p:nvSpPr>
+          <p:cNvPr id="2" name="Título 1">
             <a:extLst>
               <a:ext uri="{FF2B5EF4-FFF2-40B4-BE49-F238E27FC236}">
-                <a16:creationId xmlns:a16="http://schemas.microsoft.com/office/drawing/2014/main" id="{9D5DAA2C-1573-5955-959E-7214C33E4A02}"/>
-              </a:ext>
-            </a:extLst>
-          </p:cNvPr>
-          <p:cNvPicPr>
-            <a:picLocks noChangeAspect="1"/>
-          </p:cNvPicPr>
-          <p:nvPr/>
-        </p:nvPicPr>
-        <p:blipFill>
-          <a:blip r:embed="rId2">
-            <a:clrChange>
-              <a:clrFrom>
-                <a:srgbClr val="FFFFFF"/>
-              </a:clrFrom>
-              <a:clrTo>
-                <a:srgbClr val="FFFFFF">
-                  <a:alpha val="0"/>
-                </a:srgbClr>
-              </a:clrTo>
-            </a:clrChange>
-          </a:blip>
-          <a:stretch>
-            <a:fillRect/>
-          </a:stretch>
-        </p:blipFill>
-        <p:spPr>
-          <a:xfrm>
-            <a:off x="720000" y="2625545"/>
-            <a:ext cx="6620715" cy="3593205"/>
-          </a:xfrm>
-          <a:prstGeom prst="rect">
-            <a:avLst/>
-          </a:prstGeom>
-        </p:spPr>
-      </p:pic>
-      <p:sp>
-        <p:nvSpPr>
-          <p:cNvPr id="11" name="Título 10">
-            <a:extLst>
-              <a:ext uri="{FF2B5EF4-FFF2-40B4-BE49-F238E27FC236}">
-                <a16:creationId xmlns:a16="http://schemas.microsoft.com/office/drawing/2014/main" id="{18394C73-C688-1688-3BC3-45D7C33A4C00}"/>
+                <a16:creationId xmlns:a16="http://schemas.microsoft.com/office/drawing/2014/main" id="{B7A326E0-7378-DEAD-3AFB-15247D7E203A}"/>
               </a:ext>
             </a:extLst>
           </p:cNvPr>
@@ -8552,63 +8350,2232 @@
             <p:ph type="title"/>
           </p:nvPr>
         </p:nvSpPr>
-        <p:spPr/>
+        <p:spPr>
+          <a:xfrm>
+            <a:off x="720001" y="810000"/>
+            <a:ext cx="6121725" cy="810000"/>
+          </a:xfrm>
+        </p:spPr>
         <p:txBody>
           <a:bodyPr anchor="t"/>
           <a:lstStyle/>
           <a:p>
             <a:r>
               <a:rPr lang="es-CO" dirty="0"/>
-              <a:t>Conservación del momentum.</a:t>
+              <a:t>Flujo gradualmente variado (FGV)</a:t>
             </a:r>
             <a:endParaRPr lang="en-US" dirty="0"/>
           </a:p>
         </p:txBody>
       </p:sp>
-      <p:pic>
-        <p:nvPicPr>
-          <p:cNvPr id="9" name="Marcador de contenido 8" descr="Diagrama&#10;&#10;Descripción generada automáticamente con confianza media">
+      <p:graphicFrame>
+        <p:nvGraphicFramePr>
+          <p:cNvPr id="9" name="Tabla 9">
             <a:extLst>
               <a:ext uri="{FF2B5EF4-FFF2-40B4-BE49-F238E27FC236}">
-                <a16:creationId xmlns:a16="http://schemas.microsoft.com/office/drawing/2014/main" id="{76EEC264-432E-B536-73E6-D87F2D3B7DF5}"/>
+                <a16:creationId xmlns:a16="http://schemas.microsoft.com/office/drawing/2014/main" id="{930AD5D2-0C83-50D5-0CCE-510AE266CC67}"/>
               </a:ext>
             </a:extLst>
           </p:cNvPr>
-          <p:cNvPicPr>
-            <a:picLocks noGrp="1" noChangeAspect="1"/>
-          </p:cNvPicPr>
+          <p:cNvGraphicFramePr>
+            <a:graphicFrameLocks noGrp="1"/>
+          </p:cNvGraphicFramePr>
           <p:nvPr>
-            <p:ph idx="1"/>
+            <p:extLst>
+              <p:ext uri="{D42A27DB-BD31-4B8C-83A1-F6EECF244321}">
+                <p14:modId xmlns:p14="http://schemas.microsoft.com/office/powerpoint/2010/main" val="232985664"/>
+              </p:ext>
+            </p:extLst>
           </p:nvPr>
-        </p:nvPicPr>
-        <p:blipFill>
-          <a:blip r:embed="rId3">
-            <a:clrChange>
-              <a:clrFrom>
-                <a:srgbClr val="FFFFFF"/>
-              </a:clrFrom>
-              <a:clrTo>
-                <a:srgbClr val="FFFFFF">
-                  <a:alpha val="0"/>
-                </a:srgbClr>
-              </a:clrTo>
-            </a:clrChange>
-          </a:blip>
-          <a:stretch>
-            <a:fillRect/>
-          </a:stretch>
-        </p:blipFill>
-        <p:spPr>
-          <a:xfrm>
-            <a:off x="1677174" y="1757732"/>
-            <a:ext cx="4925651" cy="640080"/>
-          </a:xfrm>
-        </p:spPr>
-      </p:pic>
+        </p:nvGraphicFramePr>
+        <p:xfrm>
+          <a:off x="1489825" y="1835568"/>
+          <a:ext cx="3796354" cy="4358640"/>
+        </p:xfrm>
+        <a:graphic>
+          <a:graphicData uri="http://schemas.openxmlformats.org/drawingml/2006/table">
+            <a:tbl>
+              <a:tblPr firstRow="1">
+                <a:tableStyleId>{3C2FFA5D-87B4-456A-9821-1D502468CF0F}</a:tableStyleId>
+              </a:tblPr>
+              <a:tblGrid>
+                <a:gridCol w="690002">
+                  <a:extLst>
+                    <a:ext uri="{9D8B030D-6E8A-4147-A177-3AD203B41FA5}">
+                      <a16:colId xmlns:a16="http://schemas.microsoft.com/office/drawing/2014/main" val="337724528"/>
+                    </a:ext>
+                  </a:extLst>
+                </a:gridCol>
+                <a:gridCol w="707631">
+                  <a:extLst>
+                    <a:ext uri="{9D8B030D-6E8A-4147-A177-3AD203B41FA5}">
+                      <a16:colId xmlns:a16="http://schemas.microsoft.com/office/drawing/2014/main" val="12610463"/>
+                    </a:ext>
+                  </a:extLst>
+                </a:gridCol>
+                <a:gridCol w="1390650">
+                  <a:extLst>
+                    <a:ext uri="{9D8B030D-6E8A-4147-A177-3AD203B41FA5}">
+                      <a16:colId xmlns:a16="http://schemas.microsoft.com/office/drawing/2014/main" val="3918772437"/>
+                    </a:ext>
+                  </a:extLst>
+                </a:gridCol>
+                <a:gridCol w="1008071">
+                  <a:extLst>
+                    <a:ext uri="{9D8B030D-6E8A-4147-A177-3AD203B41FA5}">
+                      <a16:colId xmlns:a16="http://schemas.microsoft.com/office/drawing/2014/main" val="4199767705"/>
+                    </a:ext>
+                  </a:extLst>
+                </a:gridCol>
+              </a:tblGrid>
+              <a:tr h="329184">
+                <a:tc>
+                  <a:txBody>
+                    <a:bodyPr/>
+                    <a:lstStyle/>
+                    <a:p>
+                      <a:pPr algn="ctr"/>
+                      <a:r>
+                        <a:rPr lang="es-CO" sz="1600" dirty="0"/>
+                        <a:t>Perfil</a:t>
+                      </a:r>
+                      <a:endParaRPr lang="en-US" sz="1600" dirty="0"/>
+                    </a:p>
+                  </a:txBody>
+                  <a:tcPr anchor="ctr">
+                    <a:solidFill>
+                      <a:schemeClr val="bg1">
+                        <a:lumMod val="50000"/>
+                      </a:schemeClr>
+                    </a:solidFill>
+                  </a:tcPr>
+                </a:tc>
+                <a:tc>
+                  <a:txBody>
+                    <a:bodyPr/>
+                    <a:lstStyle/>
+                    <a:p>
+                      <a:pPr algn="ctr"/>
+                      <a:r>
+                        <a:rPr lang="es-CO" sz="1600" dirty="0"/>
+                        <a:t>So</a:t>
+                      </a:r>
+                      <a:endParaRPr lang="en-US" sz="1600" dirty="0"/>
+                    </a:p>
+                  </a:txBody>
+                  <a:tcPr anchor="ctr">
+                    <a:solidFill>
+                      <a:schemeClr val="bg1">
+                        <a:lumMod val="50000"/>
+                      </a:schemeClr>
+                    </a:solidFill>
+                  </a:tcPr>
+                </a:tc>
+                <a:tc>
+                  <a:txBody>
+                    <a:bodyPr/>
+                    <a:lstStyle/>
+                    <a:p>
+                      <a:pPr algn="ctr"/>
+                      <a:r>
+                        <a:rPr lang="es-CO" sz="1600" dirty="0"/>
+                        <a:t>Flujo</a:t>
+                      </a:r>
+                      <a:endParaRPr lang="en-US" sz="1600" dirty="0"/>
+                    </a:p>
+                  </a:txBody>
+                  <a:tcPr anchor="ctr">
+                    <a:solidFill>
+                      <a:schemeClr val="bg1">
+                        <a:lumMod val="50000"/>
+                      </a:schemeClr>
+                    </a:solidFill>
+                  </a:tcPr>
+                </a:tc>
+                <a:tc>
+                  <a:txBody>
+                    <a:bodyPr/>
+                    <a:lstStyle/>
+                    <a:p>
+                      <a:pPr algn="ctr"/>
+                      <a:r>
+                        <a:rPr lang="es-CO" sz="1600" dirty="0"/>
+                        <a:t>y</a:t>
+                      </a:r>
+                      <a:endParaRPr lang="en-US" sz="1600" dirty="0"/>
+                    </a:p>
+                  </a:txBody>
+                  <a:tcPr anchor="ctr">
+                    <a:solidFill>
+                      <a:schemeClr val="bg1">
+                        <a:lumMod val="50000"/>
+                      </a:schemeClr>
+                    </a:solidFill>
+                  </a:tcPr>
+                </a:tc>
+                <a:extLst>
+                  <a:ext uri="{0D108BD9-81ED-4DB2-BD59-A6C34878D82A}">
+                    <a16:rowId xmlns:a16="http://schemas.microsoft.com/office/drawing/2014/main" val="2181016861"/>
+                  </a:ext>
+                </a:extLst>
+              </a:tr>
+              <a:tr h="329184">
+                <a:tc>
+                  <a:txBody>
+                    <a:bodyPr/>
+                    <a:lstStyle/>
+                    <a:p>
+                      <a:pPr algn="ctr"/>
+                      <a:r>
+                        <a:rPr lang="es-CO" sz="1600" dirty="0"/>
+                        <a:t>M1</a:t>
+                      </a:r>
+                      <a:endParaRPr lang="en-US" sz="1600" dirty="0"/>
+                    </a:p>
+                  </a:txBody>
+                  <a:tcPr anchor="ctr">
+                    <a:solidFill>
+                      <a:schemeClr val="bg1">
+                        <a:lumMod val="90000"/>
+                      </a:schemeClr>
+                    </a:solidFill>
+                  </a:tcPr>
+                </a:tc>
+                <a:tc rowSpan="3">
+                  <a:txBody>
+                    <a:bodyPr/>
+                    <a:lstStyle/>
+                    <a:p>
+                      <a:pPr marL="0" marR="0" lvl="0" indent="0" algn="ctr" defTabSz="914377" rtl="0" eaLnBrk="1" fontAlgn="auto" latinLnBrk="0" hangingPunct="1">
+                        <a:lnSpc>
+                          <a:spcPct val="100000"/>
+                        </a:lnSpc>
+                        <a:spcBef>
+                          <a:spcPts val="0"/>
+                        </a:spcBef>
+                        <a:spcAft>
+                          <a:spcPts val="0"/>
+                        </a:spcAft>
+                        <a:buClrTx/>
+                        <a:buSzTx/>
+                        <a:buFontTx/>
+                        <a:buNone/>
+                        <a:tabLst/>
+                        <a:defRPr/>
+                      </a:pPr>
+                      <a:r>
+                        <a:rPr lang="es-CO" sz="1600" dirty="0"/>
+                        <a:t>&lt;S</a:t>
+                      </a:r>
+                      <a:r>
+                        <a:rPr lang="es-CO" sz="1600" baseline="-25000" dirty="0"/>
+                        <a:t>c</a:t>
+                      </a:r>
+                      <a:endParaRPr lang="en-US" sz="1600" dirty="0"/>
+                    </a:p>
+                    <a:p>
+                      <a:pPr algn="ctr"/>
+                      <a:endParaRPr lang="en-US" sz="1600" dirty="0"/>
+                    </a:p>
+                  </a:txBody>
+                  <a:tcPr anchor="ctr">
+                    <a:lnB w="9525" cap="flat" cmpd="sng" algn="ctr">
+                      <a:solidFill>
+                        <a:schemeClr val="tx1"/>
+                      </a:solidFill>
+                      <a:prstDash val="sysDot"/>
+                      <a:round/>
+                      <a:headEnd type="none" w="med" len="med"/>
+                      <a:tailEnd type="none" w="med" len="med"/>
+                    </a:lnB>
+                    <a:solidFill>
+                      <a:schemeClr val="bg1">
+                        <a:lumMod val="90000"/>
+                      </a:schemeClr>
+                    </a:solidFill>
+                  </a:tcPr>
+                </a:tc>
+                <a:tc>
+                  <a:txBody>
+                    <a:bodyPr/>
+                    <a:lstStyle/>
+                    <a:p>
+                      <a:pPr algn="ctr"/>
+                      <a:r>
+                        <a:rPr lang="es-CO" sz="1600" dirty="0"/>
+                        <a:t>Subcrítico</a:t>
+                      </a:r>
+                      <a:endParaRPr lang="en-US" sz="1600" dirty="0"/>
+                    </a:p>
+                  </a:txBody>
+                  <a:tcPr anchor="ctr">
+                    <a:solidFill>
+                      <a:schemeClr val="bg1">
+                        <a:lumMod val="90000"/>
+                      </a:schemeClr>
+                    </a:solidFill>
+                  </a:tcPr>
+                </a:tc>
+                <a:tc>
+                  <a:txBody>
+                    <a:bodyPr/>
+                    <a:lstStyle/>
+                    <a:p>
+                      <a:pPr algn="ctr"/>
+                      <a:r>
+                        <a:rPr lang="es-CO" sz="1600" dirty="0"/>
+                        <a:t>y&gt;</a:t>
+                      </a:r>
+                      <a:r>
+                        <a:rPr lang="es-CO" sz="1600" dirty="0" err="1"/>
+                        <a:t>y</a:t>
+                      </a:r>
+                      <a:r>
+                        <a:rPr lang="es-CO" sz="1600" baseline="-25000" dirty="0" err="1"/>
+                        <a:t>n</a:t>
+                      </a:r>
+                      <a:endParaRPr lang="en-US" sz="1600" baseline="-25000" dirty="0"/>
+                    </a:p>
+                  </a:txBody>
+                  <a:tcPr anchor="ctr">
+                    <a:solidFill>
+                      <a:schemeClr val="bg1">
+                        <a:lumMod val="90000"/>
+                      </a:schemeClr>
+                    </a:solidFill>
+                  </a:tcPr>
+                </a:tc>
+                <a:extLst>
+                  <a:ext uri="{0D108BD9-81ED-4DB2-BD59-A6C34878D82A}">
+                    <a16:rowId xmlns:a16="http://schemas.microsoft.com/office/drawing/2014/main" val="635261192"/>
+                  </a:ext>
+                </a:extLst>
+              </a:tr>
+              <a:tr h="329184">
+                <a:tc>
+                  <a:txBody>
+                    <a:bodyPr/>
+                    <a:lstStyle/>
+                    <a:p>
+                      <a:pPr algn="ctr"/>
+                      <a:r>
+                        <a:rPr lang="es-CO" sz="1600" dirty="0"/>
+                        <a:t>M2</a:t>
+                      </a:r>
+                      <a:endParaRPr lang="en-US" sz="1600" dirty="0"/>
+                    </a:p>
+                  </a:txBody>
+                  <a:tcPr anchor="ctr">
+                    <a:solidFill>
+                      <a:schemeClr val="bg1">
+                        <a:lumMod val="90000"/>
+                      </a:schemeClr>
+                    </a:solidFill>
+                  </a:tcPr>
+                </a:tc>
+                <a:tc vMerge="1">
+                  <a:txBody>
+                    <a:bodyPr/>
+                    <a:lstStyle/>
+                    <a:p>
+                      <a:pPr algn="ctr"/>
+                      <a:endParaRPr lang="en-US" dirty="0"/>
+                    </a:p>
+                  </a:txBody>
+                  <a:tcPr anchor="ctr">
+                    <a:solidFill>
+                      <a:schemeClr val="bg1">
+                        <a:lumMod val="90000"/>
+                      </a:schemeClr>
+                    </a:solidFill>
+                  </a:tcPr>
+                </a:tc>
+                <a:tc>
+                  <a:txBody>
+                    <a:bodyPr/>
+                    <a:lstStyle/>
+                    <a:p>
+                      <a:pPr marL="0" marR="0" lvl="0" indent="0" algn="ctr" defTabSz="914377" rtl="0" eaLnBrk="1" fontAlgn="auto" latinLnBrk="0" hangingPunct="1">
+                        <a:lnSpc>
+                          <a:spcPct val="100000"/>
+                        </a:lnSpc>
+                        <a:spcBef>
+                          <a:spcPts val="0"/>
+                        </a:spcBef>
+                        <a:spcAft>
+                          <a:spcPts val="0"/>
+                        </a:spcAft>
+                        <a:buClrTx/>
+                        <a:buSzTx/>
+                        <a:buFontTx/>
+                        <a:buNone/>
+                        <a:tabLst/>
+                        <a:defRPr/>
+                      </a:pPr>
+                      <a:r>
+                        <a:rPr lang="es-CO" sz="1600" dirty="0"/>
+                        <a:t>Subcrítico</a:t>
+                      </a:r>
+                      <a:endParaRPr lang="en-US" sz="1600" dirty="0"/>
+                    </a:p>
+                  </a:txBody>
+                  <a:tcPr anchor="ctr">
+                    <a:solidFill>
+                      <a:schemeClr val="bg1">
+                        <a:lumMod val="90000"/>
+                      </a:schemeClr>
+                    </a:solidFill>
+                  </a:tcPr>
+                </a:tc>
+                <a:tc>
+                  <a:txBody>
+                    <a:bodyPr/>
+                    <a:lstStyle/>
+                    <a:p>
+                      <a:pPr algn="ctr"/>
+                      <a:r>
+                        <a:rPr lang="es-CO" sz="1600" dirty="0"/>
+                        <a:t>y</a:t>
+                      </a:r>
+                      <a:r>
+                        <a:rPr lang="es-CO" sz="1600" baseline="-25000" dirty="0"/>
+                        <a:t>c</a:t>
+                      </a:r>
+                      <a:r>
+                        <a:rPr lang="es-CO" sz="1600" dirty="0"/>
+                        <a:t>&lt;y&lt;</a:t>
+                      </a:r>
+                      <a:r>
+                        <a:rPr lang="es-CO" sz="1600" dirty="0" err="1"/>
+                        <a:t>y</a:t>
+                      </a:r>
+                      <a:r>
+                        <a:rPr lang="es-CO" sz="1600" baseline="-25000" dirty="0" err="1"/>
+                        <a:t>n</a:t>
+                      </a:r>
+                      <a:endParaRPr lang="en-US" sz="1600" dirty="0"/>
+                    </a:p>
+                  </a:txBody>
+                  <a:tcPr anchor="ctr">
+                    <a:solidFill>
+                      <a:schemeClr val="bg1">
+                        <a:lumMod val="90000"/>
+                      </a:schemeClr>
+                    </a:solidFill>
+                  </a:tcPr>
+                </a:tc>
+                <a:extLst>
+                  <a:ext uri="{0D108BD9-81ED-4DB2-BD59-A6C34878D82A}">
+                    <a16:rowId xmlns:a16="http://schemas.microsoft.com/office/drawing/2014/main" val="3148373442"/>
+                  </a:ext>
+                </a:extLst>
+              </a:tr>
+              <a:tr h="329184">
+                <a:tc>
+                  <a:txBody>
+                    <a:bodyPr/>
+                    <a:lstStyle/>
+                    <a:p>
+                      <a:pPr algn="ctr"/>
+                      <a:r>
+                        <a:rPr lang="es-CO" sz="1600" dirty="0"/>
+                        <a:t>M3</a:t>
+                      </a:r>
+                      <a:endParaRPr lang="en-US" sz="1600" dirty="0"/>
+                    </a:p>
+                  </a:txBody>
+                  <a:tcPr anchor="ctr">
+                    <a:lnB w="9525" cap="flat" cmpd="sng" algn="ctr">
+                      <a:solidFill>
+                        <a:schemeClr val="tx1"/>
+                      </a:solidFill>
+                      <a:prstDash val="sysDot"/>
+                      <a:round/>
+                      <a:headEnd type="none" w="med" len="med"/>
+                      <a:tailEnd type="none" w="med" len="med"/>
+                    </a:lnB>
+                    <a:solidFill>
+                      <a:schemeClr val="bg1">
+                        <a:lumMod val="90000"/>
+                      </a:schemeClr>
+                    </a:solidFill>
+                  </a:tcPr>
+                </a:tc>
+                <a:tc vMerge="1">
+                  <a:txBody>
+                    <a:bodyPr/>
+                    <a:lstStyle/>
+                    <a:p>
+                      <a:pPr algn="ctr"/>
+                      <a:endParaRPr lang="en-US" dirty="0"/>
+                    </a:p>
+                  </a:txBody>
+                  <a:tcPr anchor="ctr">
+                    <a:solidFill>
+                      <a:schemeClr val="bg1">
+                        <a:lumMod val="90000"/>
+                      </a:schemeClr>
+                    </a:solidFill>
+                  </a:tcPr>
+                </a:tc>
+                <a:tc>
+                  <a:txBody>
+                    <a:bodyPr/>
+                    <a:lstStyle/>
+                    <a:p>
+                      <a:pPr algn="ctr"/>
+                      <a:r>
+                        <a:rPr lang="es-CO" sz="1600" dirty="0"/>
+                        <a:t>Supercrítico</a:t>
+                      </a:r>
+                      <a:endParaRPr lang="en-US" sz="1600" dirty="0"/>
+                    </a:p>
+                  </a:txBody>
+                  <a:tcPr anchor="ctr">
+                    <a:lnB w="9525" cap="flat" cmpd="sng" algn="ctr">
+                      <a:solidFill>
+                        <a:schemeClr val="tx1"/>
+                      </a:solidFill>
+                      <a:prstDash val="sysDot"/>
+                      <a:round/>
+                      <a:headEnd type="none" w="med" len="med"/>
+                      <a:tailEnd type="none" w="med" len="med"/>
+                    </a:lnB>
+                    <a:solidFill>
+                      <a:schemeClr val="bg1">
+                        <a:lumMod val="90000"/>
+                      </a:schemeClr>
+                    </a:solidFill>
+                  </a:tcPr>
+                </a:tc>
+                <a:tc>
+                  <a:txBody>
+                    <a:bodyPr/>
+                    <a:lstStyle/>
+                    <a:p>
+                      <a:pPr marL="0" marR="0" lvl="0" indent="0" algn="ctr" defTabSz="914377" rtl="0" eaLnBrk="1" fontAlgn="auto" latinLnBrk="0" hangingPunct="1">
+                        <a:lnSpc>
+                          <a:spcPct val="100000"/>
+                        </a:lnSpc>
+                        <a:spcBef>
+                          <a:spcPts val="0"/>
+                        </a:spcBef>
+                        <a:spcAft>
+                          <a:spcPts val="0"/>
+                        </a:spcAft>
+                        <a:buClrTx/>
+                        <a:buSzTx/>
+                        <a:buFontTx/>
+                        <a:buNone/>
+                        <a:tabLst/>
+                        <a:defRPr/>
+                      </a:pPr>
+                      <a:r>
+                        <a:rPr lang="es-CO" sz="1600" dirty="0"/>
+                        <a:t>y&lt;y</a:t>
+                      </a:r>
+                      <a:r>
+                        <a:rPr lang="es-CO" sz="1600" baseline="-25000" dirty="0"/>
+                        <a:t>c</a:t>
+                      </a:r>
+                      <a:endParaRPr lang="en-US" sz="1600" baseline="-25000" dirty="0"/>
+                    </a:p>
+                  </a:txBody>
+                  <a:tcPr anchor="ctr">
+                    <a:lnB w="9525" cap="flat" cmpd="sng" algn="ctr">
+                      <a:solidFill>
+                        <a:schemeClr val="tx1"/>
+                      </a:solidFill>
+                      <a:prstDash val="sysDot"/>
+                      <a:round/>
+                      <a:headEnd type="none" w="med" len="med"/>
+                      <a:tailEnd type="none" w="med" len="med"/>
+                    </a:lnB>
+                    <a:solidFill>
+                      <a:schemeClr val="bg1">
+                        <a:lumMod val="90000"/>
+                      </a:schemeClr>
+                    </a:solidFill>
+                  </a:tcPr>
+                </a:tc>
+                <a:extLst>
+                  <a:ext uri="{0D108BD9-81ED-4DB2-BD59-A6C34878D82A}">
+                    <a16:rowId xmlns:a16="http://schemas.microsoft.com/office/drawing/2014/main" val="13854"/>
+                  </a:ext>
+                </a:extLst>
+              </a:tr>
+              <a:tr h="329184">
+                <a:tc>
+                  <a:txBody>
+                    <a:bodyPr/>
+                    <a:lstStyle/>
+                    <a:p>
+                      <a:pPr algn="ctr"/>
+                      <a:r>
+                        <a:rPr lang="es-CO" sz="1600" dirty="0"/>
+                        <a:t>S1</a:t>
+                      </a:r>
+                      <a:endParaRPr lang="en-US" sz="1600" dirty="0"/>
+                    </a:p>
+                  </a:txBody>
+                  <a:tcPr anchor="ctr">
+                    <a:lnT w="9525" cap="flat" cmpd="sng" algn="ctr">
+                      <a:solidFill>
+                        <a:schemeClr val="tx1"/>
+                      </a:solidFill>
+                      <a:prstDash val="sysDot"/>
+                      <a:round/>
+                      <a:headEnd type="none" w="med" len="med"/>
+                      <a:tailEnd type="none" w="med" len="med"/>
+                    </a:lnT>
+                    <a:solidFill>
+                      <a:schemeClr val="bg1">
+                        <a:lumMod val="90000"/>
+                      </a:schemeClr>
+                    </a:solidFill>
+                  </a:tcPr>
+                </a:tc>
+                <a:tc rowSpan="3">
+                  <a:txBody>
+                    <a:bodyPr/>
+                    <a:lstStyle/>
+                    <a:p>
+                      <a:pPr algn="ctr"/>
+                      <a:r>
+                        <a:rPr lang="es-CO" sz="1600" dirty="0"/>
+                        <a:t>&gt;S</a:t>
+                      </a:r>
+                      <a:r>
+                        <a:rPr lang="es-CO" sz="1600" baseline="-25000" dirty="0"/>
+                        <a:t>c</a:t>
+                      </a:r>
+                      <a:endParaRPr lang="en-US" sz="1600" dirty="0"/>
+                    </a:p>
+                  </a:txBody>
+                  <a:tcPr anchor="ctr">
+                    <a:lnT w="9525" cap="flat" cmpd="sng" algn="ctr">
+                      <a:solidFill>
+                        <a:schemeClr val="tx1"/>
+                      </a:solidFill>
+                      <a:prstDash val="sysDot"/>
+                      <a:round/>
+                      <a:headEnd type="none" w="med" len="med"/>
+                      <a:tailEnd type="none" w="med" len="med"/>
+                    </a:lnT>
+                    <a:lnB w="9525" cap="flat" cmpd="sng" algn="ctr">
+                      <a:solidFill>
+                        <a:schemeClr val="tx1"/>
+                      </a:solidFill>
+                      <a:prstDash val="sysDot"/>
+                      <a:round/>
+                      <a:headEnd type="none" w="med" len="med"/>
+                      <a:tailEnd type="none" w="med" len="med"/>
+                    </a:lnB>
+                    <a:solidFill>
+                      <a:schemeClr val="bg1">
+                        <a:lumMod val="90000"/>
+                      </a:schemeClr>
+                    </a:solidFill>
+                  </a:tcPr>
+                </a:tc>
+                <a:tc>
+                  <a:txBody>
+                    <a:bodyPr/>
+                    <a:lstStyle/>
+                    <a:p>
+                      <a:pPr algn="ctr"/>
+                      <a:r>
+                        <a:rPr lang="es-CO" sz="1600" dirty="0"/>
+                        <a:t>Subcrítico</a:t>
+                      </a:r>
+                      <a:endParaRPr lang="en-US" sz="1600" dirty="0"/>
+                    </a:p>
+                  </a:txBody>
+                  <a:tcPr anchor="ctr">
+                    <a:lnT w="9525" cap="flat" cmpd="sng" algn="ctr">
+                      <a:solidFill>
+                        <a:schemeClr val="tx1"/>
+                      </a:solidFill>
+                      <a:prstDash val="sysDot"/>
+                      <a:round/>
+                      <a:headEnd type="none" w="med" len="med"/>
+                      <a:tailEnd type="none" w="med" len="med"/>
+                    </a:lnT>
+                    <a:solidFill>
+                      <a:schemeClr val="bg1">
+                        <a:lumMod val="90000"/>
+                      </a:schemeClr>
+                    </a:solidFill>
+                  </a:tcPr>
+                </a:tc>
+                <a:tc>
+                  <a:txBody>
+                    <a:bodyPr/>
+                    <a:lstStyle/>
+                    <a:p>
+                      <a:pPr algn="ctr"/>
+                      <a:r>
+                        <a:rPr lang="es-CO" sz="1600" dirty="0"/>
+                        <a:t>y&gt;y</a:t>
+                      </a:r>
+                      <a:r>
+                        <a:rPr lang="es-CO" sz="1600" baseline="-25000" dirty="0"/>
+                        <a:t>c</a:t>
+                      </a:r>
+                      <a:endParaRPr lang="en-US" sz="1600" baseline="-25000" dirty="0"/>
+                    </a:p>
+                  </a:txBody>
+                  <a:tcPr anchor="ctr">
+                    <a:lnT w="9525" cap="flat" cmpd="sng" algn="ctr">
+                      <a:solidFill>
+                        <a:schemeClr val="tx1"/>
+                      </a:solidFill>
+                      <a:prstDash val="sysDot"/>
+                      <a:round/>
+                      <a:headEnd type="none" w="med" len="med"/>
+                      <a:tailEnd type="none" w="med" len="med"/>
+                    </a:lnT>
+                    <a:solidFill>
+                      <a:schemeClr val="bg1">
+                        <a:lumMod val="90000"/>
+                      </a:schemeClr>
+                    </a:solidFill>
+                  </a:tcPr>
+                </a:tc>
+                <a:extLst>
+                  <a:ext uri="{0D108BD9-81ED-4DB2-BD59-A6C34878D82A}">
+                    <a16:rowId xmlns:a16="http://schemas.microsoft.com/office/drawing/2014/main" val="1205070847"/>
+                  </a:ext>
+                </a:extLst>
+              </a:tr>
+              <a:tr h="329184">
+                <a:tc>
+                  <a:txBody>
+                    <a:bodyPr/>
+                    <a:lstStyle/>
+                    <a:p>
+                      <a:pPr algn="ctr"/>
+                      <a:r>
+                        <a:rPr lang="es-CO" sz="1600" dirty="0"/>
+                        <a:t>S2</a:t>
+                      </a:r>
+                      <a:endParaRPr lang="en-US" sz="1600" dirty="0"/>
+                    </a:p>
+                  </a:txBody>
+                  <a:tcPr anchor="ctr">
+                    <a:solidFill>
+                      <a:schemeClr val="bg1">
+                        <a:lumMod val="90000"/>
+                      </a:schemeClr>
+                    </a:solidFill>
+                  </a:tcPr>
+                </a:tc>
+                <a:tc vMerge="1">
+                  <a:txBody>
+                    <a:bodyPr/>
+                    <a:lstStyle/>
+                    <a:p>
+                      <a:pPr algn="ctr"/>
+                      <a:endParaRPr lang="en-US" dirty="0"/>
+                    </a:p>
+                  </a:txBody>
+                  <a:tcPr anchor="ctr">
+                    <a:solidFill>
+                      <a:schemeClr val="bg1">
+                        <a:lumMod val="90000"/>
+                      </a:schemeClr>
+                    </a:solidFill>
+                  </a:tcPr>
+                </a:tc>
+                <a:tc>
+                  <a:txBody>
+                    <a:bodyPr/>
+                    <a:lstStyle/>
+                    <a:p>
+                      <a:pPr marL="0" marR="0" lvl="0" indent="0" algn="ctr" defTabSz="914377" rtl="0" eaLnBrk="1" fontAlgn="auto" latinLnBrk="0" hangingPunct="1">
+                        <a:lnSpc>
+                          <a:spcPct val="100000"/>
+                        </a:lnSpc>
+                        <a:spcBef>
+                          <a:spcPts val="0"/>
+                        </a:spcBef>
+                        <a:spcAft>
+                          <a:spcPts val="0"/>
+                        </a:spcAft>
+                        <a:buClrTx/>
+                        <a:buSzTx/>
+                        <a:buFontTx/>
+                        <a:buNone/>
+                        <a:tabLst/>
+                        <a:defRPr/>
+                      </a:pPr>
+                      <a:r>
+                        <a:rPr lang="es-CO" sz="1600" dirty="0"/>
+                        <a:t>Supercrítico</a:t>
+                      </a:r>
+                      <a:endParaRPr lang="en-US" sz="1600" dirty="0"/>
+                    </a:p>
+                  </a:txBody>
+                  <a:tcPr anchor="ctr">
+                    <a:solidFill>
+                      <a:schemeClr val="bg1">
+                        <a:lumMod val="90000"/>
+                      </a:schemeClr>
+                    </a:solidFill>
+                  </a:tcPr>
+                </a:tc>
+                <a:tc>
+                  <a:txBody>
+                    <a:bodyPr/>
+                    <a:lstStyle/>
+                    <a:p>
+                      <a:pPr algn="ctr"/>
+                      <a:r>
+                        <a:rPr lang="es-CO" sz="1600" dirty="0" err="1"/>
+                        <a:t>y</a:t>
+                      </a:r>
+                      <a:r>
+                        <a:rPr lang="es-CO" sz="1600" baseline="-25000" dirty="0" err="1"/>
+                        <a:t>n</a:t>
+                      </a:r>
+                      <a:r>
+                        <a:rPr lang="es-CO" sz="1600" dirty="0"/>
+                        <a:t>&lt;y&lt;y</a:t>
+                      </a:r>
+                      <a:r>
+                        <a:rPr lang="es-CO" sz="1600" baseline="-25000" dirty="0"/>
+                        <a:t>c</a:t>
+                      </a:r>
+                      <a:endParaRPr lang="en-US" sz="1600" dirty="0"/>
+                    </a:p>
+                  </a:txBody>
+                  <a:tcPr anchor="ctr">
+                    <a:solidFill>
+                      <a:schemeClr val="bg1">
+                        <a:lumMod val="90000"/>
+                      </a:schemeClr>
+                    </a:solidFill>
+                  </a:tcPr>
+                </a:tc>
+                <a:extLst>
+                  <a:ext uri="{0D108BD9-81ED-4DB2-BD59-A6C34878D82A}">
+                    <a16:rowId xmlns:a16="http://schemas.microsoft.com/office/drawing/2014/main" val="4204432161"/>
+                  </a:ext>
+                </a:extLst>
+              </a:tr>
+              <a:tr h="329184">
+                <a:tc>
+                  <a:txBody>
+                    <a:bodyPr/>
+                    <a:lstStyle/>
+                    <a:p>
+                      <a:pPr algn="ctr"/>
+                      <a:r>
+                        <a:rPr lang="es-CO" sz="1600" dirty="0"/>
+                        <a:t>S3</a:t>
+                      </a:r>
+                      <a:endParaRPr lang="en-US" sz="1600" dirty="0"/>
+                    </a:p>
+                  </a:txBody>
+                  <a:tcPr anchor="ctr">
+                    <a:lnB w="9525" cap="flat" cmpd="sng" algn="ctr">
+                      <a:solidFill>
+                        <a:schemeClr val="tx1"/>
+                      </a:solidFill>
+                      <a:prstDash val="sysDot"/>
+                      <a:round/>
+                      <a:headEnd type="none" w="med" len="med"/>
+                      <a:tailEnd type="none" w="med" len="med"/>
+                    </a:lnB>
+                    <a:solidFill>
+                      <a:schemeClr val="bg1">
+                        <a:lumMod val="90000"/>
+                      </a:schemeClr>
+                    </a:solidFill>
+                  </a:tcPr>
+                </a:tc>
+                <a:tc vMerge="1">
+                  <a:txBody>
+                    <a:bodyPr/>
+                    <a:lstStyle/>
+                    <a:p>
+                      <a:pPr algn="ctr"/>
+                      <a:endParaRPr lang="en-US" dirty="0"/>
+                    </a:p>
+                  </a:txBody>
+                  <a:tcPr anchor="ctr">
+                    <a:solidFill>
+                      <a:schemeClr val="bg1">
+                        <a:lumMod val="90000"/>
+                      </a:schemeClr>
+                    </a:solidFill>
+                  </a:tcPr>
+                </a:tc>
+                <a:tc>
+                  <a:txBody>
+                    <a:bodyPr/>
+                    <a:lstStyle/>
+                    <a:p>
+                      <a:pPr algn="ctr"/>
+                      <a:r>
+                        <a:rPr lang="es-CO" sz="1600" dirty="0"/>
+                        <a:t>Supercrítico</a:t>
+                      </a:r>
+                      <a:endParaRPr lang="en-US" sz="1600" dirty="0"/>
+                    </a:p>
+                  </a:txBody>
+                  <a:tcPr anchor="ctr">
+                    <a:lnB w="9525" cap="flat" cmpd="sng" algn="ctr">
+                      <a:solidFill>
+                        <a:schemeClr val="tx1"/>
+                      </a:solidFill>
+                      <a:prstDash val="sysDot"/>
+                      <a:round/>
+                      <a:headEnd type="none" w="med" len="med"/>
+                      <a:tailEnd type="none" w="med" len="med"/>
+                    </a:lnB>
+                    <a:solidFill>
+                      <a:schemeClr val="bg1">
+                        <a:lumMod val="90000"/>
+                      </a:schemeClr>
+                    </a:solidFill>
+                  </a:tcPr>
+                </a:tc>
+                <a:tc>
+                  <a:txBody>
+                    <a:bodyPr/>
+                    <a:lstStyle/>
+                    <a:p>
+                      <a:pPr marL="0" marR="0" lvl="0" indent="0" algn="ctr" defTabSz="914377" rtl="0" eaLnBrk="1" fontAlgn="auto" latinLnBrk="0" hangingPunct="1">
+                        <a:lnSpc>
+                          <a:spcPct val="100000"/>
+                        </a:lnSpc>
+                        <a:spcBef>
+                          <a:spcPts val="0"/>
+                        </a:spcBef>
+                        <a:spcAft>
+                          <a:spcPts val="0"/>
+                        </a:spcAft>
+                        <a:buClrTx/>
+                        <a:buSzTx/>
+                        <a:buFontTx/>
+                        <a:buNone/>
+                        <a:tabLst/>
+                        <a:defRPr/>
+                      </a:pPr>
+                      <a:r>
+                        <a:rPr lang="es-CO" sz="1600" dirty="0"/>
+                        <a:t>y&lt;</a:t>
+                      </a:r>
+                      <a:r>
+                        <a:rPr lang="es-CO" sz="1600" dirty="0" err="1"/>
+                        <a:t>y</a:t>
+                      </a:r>
+                      <a:r>
+                        <a:rPr lang="es-CO" sz="1600" baseline="-25000" dirty="0" err="1"/>
+                        <a:t>n</a:t>
+                      </a:r>
+                      <a:endParaRPr lang="en-US" sz="1600" baseline="-25000" dirty="0"/>
+                    </a:p>
+                  </a:txBody>
+                  <a:tcPr anchor="ctr">
+                    <a:lnB w="9525" cap="flat" cmpd="sng" algn="ctr">
+                      <a:solidFill>
+                        <a:schemeClr val="tx1"/>
+                      </a:solidFill>
+                      <a:prstDash val="sysDot"/>
+                      <a:round/>
+                      <a:headEnd type="none" w="med" len="med"/>
+                      <a:tailEnd type="none" w="med" len="med"/>
+                    </a:lnB>
+                    <a:solidFill>
+                      <a:schemeClr val="bg1">
+                        <a:lumMod val="90000"/>
+                      </a:schemeClr>
+                    </a:solidFill>
+                  </a:tcPr>
+                </a:tc>
+                <a:extLst>
+                  <a:ext uri="{0D108BD9-81ED-4DB2-BD59-A6C34878D82A}">
+                    <a16:rowId xmlns:a16="http://schemas.microsoft.com/office/drawing/2014/main" val="3690394784"/>
+                  </a:ext>
+                </a:extLst>
+              </a:tr>
+              <a:tr h="329184">
+                <a:tc>
+                  <a:txBody>
+                    <a:bodyPr/>
+                    <a:lstStyle/>
+                    <a:p>
+                      <a:pPr algn="ctr"/>
+                      <a:r>
+                        <a:rPr lang="es-CO" sz="1600" dirty="0"/>
+                        <a:t>H2</a:t>
+                      </a:r>
+                      <a:endParaRPr lang="en-US" sz="1600" dirty="0"/>
+                    </a:p>
+                  </a:txBody>
+                  <a:tcPr anchor="ctr">
+                    <a:lnT w="9525" cap="flat" cmpd="sng" algn="ctr">
+                      <a:solidFill>
+                        <a:schemeClr val="tx1"/>
+                      </a:solidFill>
+                      <a:prstDash val="sysDot"/>
+                      <a:round/>
+                      <a:headEnd type="none" w="med" len="med"/>
+                      <a:tailEnd type="none" w="med" len="med"/>
+                    </a:lnT>
+                    <a:solidFill>
+                      <a:schemeClr val="bg1">
+                        <a:lumMod val="90000"/>
+                      </a:schemeClr>
+                    </a:solidFill>
+                  </a:tcPr>
+                </a:tc>
+                <a:tc rowSpan="2">
+                  <a:txBody>
+                    <a:bodyPr/>
+                    <a:lstStyle/>
+                    <a:p>
+                      <a:pPr algn="ctr"/>
+                      <a:r>
+                        <a:rPr lang="es-CO" sz="1600" dirty="0"/>
+                        <a:t>0</a:t>
+                      </a:r>
+                      <a:endParaRPr lang="en-US" sz="1600" dirty="0"/>
+                    </a:p>
+                  </a:txBody>
+                  <a:tcPr anchor="ctr">
+                    <a:lnT w="9525" cap="flat" cmpd="sng" algn="ctr">
+                      <a:solidFill>
+                        <a:schemeClr val="tx1"/>
+                      </a:solidFill>
+                      <a:prstDash val="sysDot"/>
+                      <a:round/>
+                      <a:headEnd type="none" w="med" len="med"/>
+                      <a:tailEnd type="none" w="med" len="med"/>
+                    </a:lnT>
+                    <a:lnB w="9525" cap="flat" cmpd="sng" algn="ctr">
+                      <a:solidFill>
+                        <a:schemeClr val="tx1"/>
+                      </a:solidFill>
+                      <a:prstDash val="sysDot"/>
+                      <a:round/>
+                      <a:headEnd type="none" w="med" len="med"/>
+                      <a:tailEnd type="none" w="med" len="med"/>
+                    </a:lnB>
+                    <a:solidFill>
+                      <a:schemeClr val="bg1">
+                        <a:lumMod val="90000"/>
+                      </a:schemeClr>
+                    </a:solidFill>
+                  </a:tcPr>
+                </a:tc>
+                <a:tc>
+                  <a:txBody>
+                    <a:bodyPr/>
+                    <a:lstStyle/>
+                    <a:p>
+                      <a:pPr algn="ctr"/>
+                      <a:r>
+                        <a:rPr lang="es-CO" sz="1600" dirty="0"/>
+                        <a:t>Subcrítico</a:t>
+                      </a:r>
+                      <a:endParaRPr lang="en-US" sz="1600" dirty="0"/>
+                    </a:p>
+                  </a:txBody>
+                  <a:tcPr anchor="ctr">
+                    <a:lnT w="9525" cap="flat" cmpd="sng" algn="ctr">
+                      <a:solidFill>
+                        <a:schemeClr val="tx1"/>
+                      </a:solidFill>
+                      <a:prstDash val="sysDot"/>
+                      <a:round/>
+                      <a:headEnd type="none" w="med" len="med"/>
+                      <a:tailEnd type="none" w="med" len="med"/>
+                    </a:lnT>
+                    <a:solidFill>
+                      <a:schemeClr val="bg1">
+                        <a:lumMod val="90000"/>
+                      </a:schemeClr>
+                    </a:solidFill>
+                  </a:tcPr>
+                </a:tc>
+                <a:tc>
+                  <a:txBody>
+                    <a:bodyPr/>
+                    <a:lstStyle/>
+                    <a:p>
+                      <a:pPr marL="0" marR="0" lvl="0" indent="0" algn="ctr" defTabSz="914377" rtl="0" eaLnBrk="1" fontAlgn="auto" latinLnBrk="0" hangingPunct="1">
+                        <a:lnSpc>
+                          <a:spcPct val="100000"/>
+                        </a:lnSpc>
+                        <a:spcBef>
+                          <a:spcPts val="0"/>
+                        </a:spcBef>
+                        <a:spcAft>
+                          <a:spcPts val="0"/>
+                        </a:spcAft>
+                        <a:buClrTx/>
+                        <a:buSzTx/>
+                        <a:buFontTx/>
+                        <a:buNone/>
+                        <a:tabLst/>
+                        <a:defRPr/>
+                      </a:pPr>
+                      <a:r>
+                        <a:rPr lang="es-CO" sz="1600" dirty="0"/>
+                        <a:t>y&gt;y</a:t>
+                      </a:r>
+                      <a:r>
+                        <a:rPr lang="es-CO" sz="1600" baseline="-25000" dirty="0"/>
+                        <a:t>c</a:t>
+                      </a:r>
+                      <a:endParaRPr lang="en-US" sz="1600" baseline="-25000" dirty="0"/>
+                    </a:p>
+                  </a:txBody>
+                  <a:tcPr anchor="ctr">
+                    <a:lnT w="9525" cap="flat" cmpd="sng" algn="ctr">
+                      <a:solidFill>
+                        <a:schemeClr val="tx1"/>
+                      </a:solidFill>
+                      <a:prstDash val="sysDot"/>
+                      <a:round/>
+                      <a:headEnd type="none" w="med" len="med"/>
+                      <a:tailEnd type="none" w="med" len="med"/>
+                    </a:lnT>
+                    <a:solidFill>
+                      <a:schemeClr val="bg1">
+                        <a:lumMod val="90000"/>
+                      </a:schemeClr>
+                    </a:solidFill>
+                  </a:tcPr>
+                </a:tc>
+                <a:extLst>
+                  <a:ext uri="{0D108BD9-81ED-4DB2-BD59-A6C34878D82A}">
+                    <a16:rowId xmlns:a16="http://schemas.microsoft.com/office/drawing/2014/main" val="1679333306"/>
+                  </a:ext>
+                </a:extLst>
+              </a:tr>
+              <a:tr h="329184">
+                <a:tc>
+                  <a:txBody>
+                    <a:bodyPr/>
+                    <a:lstStyle/>
+                    <a:p>
+                      <a:pPr algn="ctr"/>
+                      <a:r>
+                        <a:rPr lang="es-CO" sz="1600" dirty="0"/>
+                        <a:t>H3</a:t>
+                      </a:r>
+                      <a:endParaRPr lang="en-US" sz="1600" dirty="0"/>
+                    </a:p>
+                  </a:txBody>
+                  <a:tcPr anchor="ctr">
+                    <a:lnB w="9525" cap="flat" cmpd="sng" algn="ctr">
+                      <a:solidFill>
+                        <a:schemeClr val="tx1"/>
+                      </a:solidFill>
+                      <a:prstDash val="sysDot"/>
+                      <a:round/>
+                      <a:headEnd type="none" w="med" len="med"/>
+                      <a:tailEnd type="none" w="med" len="med"/>
+                    </a:lnB>
+                    <a:solidFill>
+                      <a:schemeClr val="bg1">
+                        <a:lumMod val="90000"/>
+                      </a:schemeClr>
+                    </a:solidFill>
+                  </a:tcPr>
+                </a:tc>
+                <a:tc vMerge="1">
+                  <a:txBody>
+                    <a:bodyPr/>
+                    <a:lstStyle/>
+                    <a:p>
+                      <a:pPr algn="ctr"/>
+                      <a:r>
+                        <a:rPr lang="es-CO" dirty="0"/>
+                        <a:t>0</a:t>
+                      </a:r>
+                      <a:endParaRPr lang="en-US" dirty="0"/>
+                    </a:p>
+                  </a:txBody>
+                  <a:tcPr anchor="ctr">
+                    <a:lnB w="6350" cap="flat" cmpd="sng" algn="ctr">
+                      <a:noFill/>
+                      <a:prstDash val="solid"/>
+                      <a:miter lim="800000"/>
+                    </a:lnB>
+                    <a:solidFill>
+                      <a:schemeClr val="bg1">
+                        <a:lumMod val="90000"/>
+                      </a:schemeClr>
+                    </a:solidFill>
+                  </a:tcPr>
+                </a:tc>
+                <a:tc>
+                  <a:txBody>
+                    <a:bodyPr/>
+                    <a:lstStyle/>
+                    <a:p>
+                      <a:pPr algn="ctr"/>
+                      <a:r>
+                        <a:rPr lang="es-CO" sz="1600" dirty="0"/>
+                        <a:t>Supercrítico</a:t>
+                      </a:r>
+                      <a:endParaRPr lang="en-US" sz="1600" dirty="0"/>
+                    </a:p>
+                  </a:txBody>
+                  <a:tcPr anchor="ctr">
+                    <a:lnB w="9525" cap="flat" cmpd="sng" algn="ctr">
+                      <a:solidFill>
+                        <a:schemeClr val="tx1"/>
+                      </a:solidFill>
+                      <a:prstDash val="sysDot"/>
+                      <a:round/>
+                      <a:headEnd type="none" w="med" len="med"/>
+                      <a:tailEnd type="none" w="med" len="med"/>
+                    </a:lnB>
+                    <a:solidFill>
+                      <a:schemeClr val="bg1">
+                        <a:lumMod val="90000"/>
+                      </a:schemeClr>
+                    </a:solidFill>
+                  </a:tcPr>
+                </a:tc>
+                <a:tc>
+                  <a:txBody>
+                    <a:bodyPr/>
+                    <a:lstStyle/>
+                    <a:p>
+                      <a:pPr marL="0" marR="0" lvl="0" indent="0" algn="ctr" defTabSz="914377" rtl="0" eaLnBrk="1" fontAlgn="auto" latinLnBrk="0" hangingPunct="1">
+                        <a:lnSpc>
+                          <a:spcPct val="100000"/>
+                        </a:lnSpc>
+                        <a:spcBef>
+                          <a:spcPts val="0"/>
+                        </a:spcBef>
+                        <a:spcAft>
+                          <a:spcPts val="0"/>
+                        </a:spcAft>
+                        <a:buClrTx/>
+                        <a:buSzTx/>
+                        <a:buFontTx/>
+                        <a:buNone/>
+                        <a:tabLst/>
+                        <a:defRPr/>
+                      </a:pPr>
+                      <a:r>
+                        <a:rPr lang="es-CO" sz="1600" dirty="0"/>
+                        <a:t>y&lt;y</a:t>
+                      </a:r>
+                      <a:r>
+                        <a:rPr lang="es-CO" sz="1600" baseline="-25000" dirty="0"/>
+                        <a:t>c</a:t>
+                      </a:r>
+                      <a:endParaRPr lang="en-US" sz="1600" baseline="-25000" dirty="0"/>
+                    </a:p>
+                  </a:txBody>
+                  <a:tcPr anchor="ctr">
+                    <a:lnB w="9525" cap="flat" cmpd="sng" algn="ctr">
+                      <a:solidFill>
+                        <a:schemeClr val="tx1"/>
+                      </a:solidFill>
+                      <a:prstDash val="sysDot"/>
+                      <a:round/>
+                      <a:headEnd type="none" w="med" len="med"/>
+                      <a:tailEnd type="none" w="med" len="med"/>
+                    </a:lnB>
+                    <a:solidFill>
+                      <a:schemeClr val="bg1">
+                        <a:lumMod val="90000"/>
+                      </a:schemeClr>
+                    </a:solidFill>
+                  </a:tcPr>
+                </a:tc>
+                <a:extLst>
+                  <a:ext uri="{0D108BD9-81ED-4DB2-BD59-A6C34878D82A}">
+                    <a16:rowId xmlns:a16="http://schemas.microsoft.com/office/drawing/2014/main" val="3919748864"/>
+                  </a:ext>
+                </a:extLst>
+              </a:tr>
+              <a:tr h="329184">
+                <a:tc>
+                  <a:txBody>
+                    <a:bodyPr/>
+                    <a:lstStyle/>
+                    <a:p>
+                      <a:pPr algn="ctr"/>
+                      <a:r>
+                        <a:rPr lang="es-CO" sz="1600" dirty="0"/>
+                        <a:t>A2</a:t>
+                      </a:r>
+                      <a:endParaRPr lang="en-US" sz="1600" dirty="0"/>
+                    </a:p>
+                  </a:txBody>
+                  <a:tcPr anchor="ctr">
+                    <a:lnL w="6350" cap="flat" cmpd="sng" algn="ctr">
+                      <a:noFill/>
+                      <a:prstDash val="solid"/>
+                      <a:miter lim="800000"/>
+                    </a:lnL>
+                    <a:lnR w="6350" cap="flat" cmpd="sng" algn="ctr">
+                      <a:noFill/>
+                      <a:prstDash val="solid"/>
+                      <a:miter lim="800000"/>
+                    </a:lnR>
+                    <a:lnT w="9525" cap="flat" cmpd="sng" algn="ctr">
+                      <a:solidFill>
+                        <a:schemeClr val="tx1"/>
+                      </a:solidFill>
+                      <a:prstDash val="sysDot"/>
+                      <a:round/>
+                      <a:headEnd type="none" w="med" len="med"/>
+                      <a:tailEnd type="none" w="med" len="med"/>
+                    </a:lnT>
+                    <a:lnB w="12700" cap="flat" cmpd="sng" algn="ctr">
+                      <a:noFill/>
+                      <a:prstDash val="solid"/>
+                      <a:round/>
+                      <a:headEnd type="none" w="med" len="med"/>
+                      <a:tailEnd type="none" w="med" len="med"/>
+                    </a:lnB>
+                    <a:lnTlToBr w="12700" cmpd="sng">
+                      <a:noFill/>
+                      <a:prstDash val="solid"/>
+                    </a:lnTlToBr>
+                    <a:lnBlToTr w="12700" cmpd="sng">
+                      <a:noFill/>
+                      <a:prstDash val="solid"/>
+                    </a:lnBlToTr>
+                    <a:solidFill>
+                      <a:schemeClr val="bg1">
+                        <a:lumMod val="90000"/>
+                      </a:schemeClr>
+                    </a:solidFill>
+                  </a:tcPr>
+                </a:tc>
+                <a:tc rowSpan="2">
+                  <a:txBody>
+                    <a:bodyPr/>
+                    <a:lstStyle/>
+                    <a:p>
+                      <a:pPr algn="ctr"/>
+                      <a:r>
+                        <a:rPr lang="es-CO" sz="1600" dirty="0"/>
+                        <a:t>&lt;0</a:t>
+                      </a:r>
+                      <a:endParaRPr lang="en-US" sz="1600" dirty="0"/>
+                    </a:p>
+                  </a:txBody>
+                  <a:tcPr anchor="ctr">
+                    <a:lnL w="6350" cap="flat" cmpd="sng" algn="ctr">
+                      <a:noFill/>
+                      <a:prstDash val="solid"/>
+                      <a:miter lim="800000"/>
+                    </a:lnL>
+                    <a:lnR w="6350" cap="flat" cmpd="sng" algn="ctr">
+                      <a:noFill/>
+                      <a:prstDash val="solid"/>
+                      <a:miter lim="800000"/>
+                    </a:lnR>
+                    <a:lnT w="9525" cap="flat" cmpd="sng" algn="ctr">
+                      <a:solidFill>
+                        <a:schemeClr val="tx1"/>
+                      </a:solidFill>
+                      <a:prstDash val="sysDot"/>
+                      <a:round/>
+                      <a:headEnd type="none" w="med" len="med"/>
+                      <a:tailEnd type="none" w="med" len="med"/>
+                    </a:lnT>
+                    <a:lnB w="9525" cap="flat" cmpd="sng" algn="ctr">
+                      <a:solidFill>
+                        <a:schemeClr val="tx1"/>
+                      </a:solidFill>
+                      <a:prstDash val="sysDot"/>
+                      <a:round/>
+                      <a:headEnd type="none" w="med" len="med"/>
+                      <a:tailEnd type="none" w="med" len="med"/>
+                    </a:lnB>
+                    <a:lnTlToBr w="12700" cmpd="sng">
+                      <a:noFill/>
+                      <a:prstDash val="solid"/>
+                    </a:lnTlToBr>
+                    <a:lnBlToTr w="12700" cmpd="sng">
+                      <a:noFill/>
+                      <a:prstDash val="solid"/>
+                    </a:lnBlToTr>
+                    <a:solidFill>
+                      <a:schemeClr val="bg1">
+                        <a:lumMod val="90000"/>
+                      </a:schemeClr>
+                    </a:solidFill>
+                  </a:tcPr>
+                </a:tc>
+                <a:tc>
+                  <a:txBody>
+                    <a:bodyPr/>
+                    <a:lstStyle/>
+                    <a:p>
+                      <a:pPr algn="ctr"/>
+                      <a:r>
+                        <a:rPr lang="es-CO" sz="1600" dirty="0"/>
+                        <a:t>Subcrítico</a:t>
+                      </a:r>
+                      <a:endParaRPr lang="en-US" sz="1600" dirty="0"/>
+                    </a:p>
+                  </a:txBody>
+                  <a:tcPr anchor="ctr">
+                    <a:lnL w="6350" cap="flat" cmpd="sng" algn="ctr">
+                      <a:noFill/>
+                      <a:prstDash val="solid"/>
+                      <a:miter lim="800000"/>
+                    </a:lnL>
+                    <a:lnR w="6350" cap="flat" cmpd="sng" algn="ctr">
+                      <a:noFill/>
+                      <a:prstDash val="solid"/>
+                      <a:miter lim="800000"/>
+                    </a:lnR>
+                    <a:lnT w="9525" cap="flat" cmpd="sng" algn="ctr">
+                      <a:solidFill>
+                        <a:schemeClr val="tx1"/>
+                      </a:solidFill>
+                      <a:prstDash val="sysDot"/>
+                      <a:round/>
+                      <a:headEnd type="none" w="med" len="med"/>
+                      <a:tailEnd type="none" w="med" len="med"/>
+                    </a:lnT>
+                    <a:lnB w="12700" cap="flat" cmpd="sng" algn="ctr">
+                      <a:noFill/>
+                      <a:prstDash val="solid"/>
+                      <a:round/>
+                      <a:headEnd type="none" w="med" len="med"/>
+                      <a:tailEnd type="none" w="med" len="med"/>
+                    </a:lnB>
+                    <a:lnTlToBr w="12700" cmpd="sng">
+                      <a:noFill/>
+                      <a:prstDash val="solid"/>
+                    </a:lnTlToBr>
+                    <a:lnBlToTr w="12700" cmpd="sng">
+                      <a:noFill/>
+                      <a:prstDash val="solid"/>
+                    </a:lnBlToTr>
+                    <a:solidFill>
+                      <a:schemeClr val="bg1">
+                        <a:lumMod val="90000"/>
+                      </a:schemeClr>
+                    </a:solidFill>
+                  </a:tcPr>
+                </a:tc>
+                <a:tc>
+                  <a:txBody>
+                    <a:bodyPr/>
+                    <a:lstStyle/>
+                    <a:p>
+                      <a:pPr marL="0" marR="0" lvl="0" indent="0" algn="ctr" defTabSz="914377" rtl="0" eaLnBrk="1" fontAlgn="auto" latinLnBrk="0" hangingPunct="1">
+                        <a:lnSpc>
+                          <a:spcPct val="100000"/>
+                        </a:lnSpc>
+                        <a:spcBef>
+                          <a:spcPts val="0"/>
+                        </a:spcBef>
+                        <a:spcAft>
+                          <a:spcPts val="0"/>
+                        </a:spcAft>
+                        <a:buClrTx/>
+                        <a:buSzTx/>
+                        <a:buFontTx/>
+                        <a:buNone/>
+                        <a:tabLst/>
+                        <a:defRPr/>
+                      </a:pPr>
+                      <a:r>
+                        <a:rPr lang="es-CO" sz="1600" dirty="0"/>
+                        <a:t>y&gt;y</a:t>
+                      </a:r>
+                      <a:r>
+                        <a:rPr lang="es-CO" sz="1600" baseline="-25000" dirty="0"/>
+                        <a:t>c</a:t>
+                      </a:r>
+                      <a:endParaRPr lang="en-US" sz="1600" baseline="-25000" dirty="0"/>
+                    </a:p>
+                  </a:txBody>
+                  <a:tcPr anchor="ctr">
+                    <a:lnL w="6350" cap="flat" cmpd="sng" algn="ctr">
+                      <a:noFill/>
+                      <a:prstDash val="solid"/>
+                      <a:miter lim="800000"/>
+                    </a:lnL>
+                    <a:lnR w="6350" cap="flat" cmpd="sng" algn="ctr">
+                      <a:noFill/>
+                      <a:prstDash val="solid"/>
+                      <a:miter lim="800000"/>
+                    </a:lnR>
+                    <a:lnT w="9525" cap="flat" cmpd="sng" algn="ctr">
+                      <a:solidFill>
+                        <a:schemeClr val="tx1"/>
+                      </a:solidFill>
+                      <a:prstDash val="sysDot"/>
+                      <a:round/>
+                      <a:headEnd type="none" w="med" len="med"/>
+                      <a:tailEnd type="none" w="med" len="med"/>
+                    </a:lnT>
+                    <a:lnB w="12700" cap="flat" cmpd="sng" algn="ctr">
+                      <a:noFill/>
+                      <a:prstDash val="solid"/>
+                      <a:round/>
+                      <a:headEnd type="none" w="med" len="med"/>
+                      <a:tailEnd type="none" w="med" len="med"/>
+                    </a:lnB>
+                    <a:lnTlToBr w="12700" cmpd="sng">
+                      <a:noFill/>
+                      <a:prstDash val="solid"/>
+                    </a:lnTlToBr>
+                    <a:lnBlToTr w="12700" cmpd="sng">
+                      <a:noFill/>
+                      <a:prstDash val="solid"/>
+                    </a:lnBlToTr>
+                    <a:solidFill>
+                      <a:schemeClr val="bg1">
+                        <a:lumMod val="90000"/>
+                      </a:schemeClr>
+                    </a:solidFill>
+                  </a:tcPr>
+                </a:tc>
+                <a:extLst>
+                  <a:ext uri="{0D108BD9-81ED-4DB2-BD59-A6C34878D82A}">
+                    <a16:rowId xmlns:a16="http://schemas.microsoft.com/office/drawing/2014/main" val="2606736990"/>
+                  </a:ext>
+                </a:extLst>
+              </a:tr>
+              <a:tr h="329184">
+                <a:tc>
+                  <a:txBody>
+                    <a:bodyPr/>
+                    <a:lstStyle/>
+                    <a:p>
+                      <a:pPr algn="ctr"/>
+                      <a:r>
+                        <a:rPr lang="es-CO" sz="1600" dirty="0"/>
+                        <a:t>A3</a:t>
+                      </a:r>
+                      <a:endParaRPr lang="en-US" sz="1600" dirty="0"/>
+                    </a:p>
+                  </a:txBody>
+                  <a:tcPr anchor="ctr">
+                    <a:lnL w="6350" cap="flat" cmpd="sng" algn="ctr">
+                      <a:noFill/>
+                      <a:prstDash val="solid"/>
+                      <a:miter lim="800000"/>
+                    </a:lnL>
+                    <a:lnR w="6350" cap="flat" cmpd="sng" algn="ctr">
+                      <a:noFill/>
+                      <a:prstDash val="solid"/>
+                      <a:miter lim="800000"/>
+                    </a:lnR>
+                    <a:lnT w="6350" cap="flat" cmpd="sng" algn="ctr">
+                      <a:noFill/>
+                      <a:prstDash val="solid"/>
+                      <a:miter lim="800000"/>
+                    </a:lnT>
+                    <a:lnB w="9525" cap="flat" cmpd="sng" algn="ctr">
+                      <a:solidFill>
+                        <a:schemeClr val="tx1"/>
+                      </a:solidFill>
+                      <a:prstDash val="sysDot"/>
+                      <a:round/>
+                      <a:headEnd type="none" w="med" len="med"/>
+                      <a:tailEnd type="none" w="med" len="med"/>
+                    </a:lnB>
+                    <a:lnTlToBr w="12700" cmpd="sng">
+                      <a:noFill/>
+                      <a:prstDash val="solid"/>
+                    </a:lnTlToBr>
+                    <a:lnBlToTr w="12700" cmpd="sng">
+                      <a:noFill/>
+                      <a:prstDash val="solid"/>
+                    </a:lnBlToTr>
+                    <a:solidFill>
+                      <a:schemeClr val="bg1">
+                        <a:lumMod val="90000"/>
+                      </a:schemeClr>
+                    </a:solidFill>
+                  </a:tcPr>
+                </a:tc>
+                <a:tc vMerge="1">
+                  <a:txBody>
+                    <a:bodyPr/>
+                    <a:lstStyle/>
+                    <a:p>
+                      <a:pPr algn="ctr"/>
+                      <a:r>
+                        <a:rPr lang="es-CO" dirty="0"/>
+                        <a:t>0</a:t>
+                      </a:r>
+                      <a:endParaRPr lang="en-US" dirty="0"/>
+                    </a:p>
+                  </a:txBody>
+                  <a:tcPr anchor="ctr">
+                    <a:lnL w="6350" cap="flat" cmpd="sng" algn="ctr">
+                      <a:noFill/>
+                      <a:prstDash val="solid"/>
+                      <a:miter lim="800000"/>
+                    </a:lnL>
+                    <a:lnR w="6350" cap="flat" cmpd="sng" algn="ctr">
+                      <a:noFill/>
+                      <a:prstDash val="solid"/>
+                      <a:miter lim="800000"/>
+                    </a:lnR>
+                    <a:lnT w="6350" cap="flat" cmpd="sng" algn="ctr">
+                      <a:noFill/>
+                      <a:prstDash val="solid"/>
+                      <a:miter lim="800000"/>
+                    </a:lnT>
+                    <a:lnB w="12700" cap="flat" cmpd="sng" algn="ctr">
+                      <a:noFill/>
+                      <a:prstDash val="solid"/>
+                      <a:round/>
+                      <a:headEnd type="none" w="med" len="med"/>
+                      <a:tailEnd type="none" w="med" len="med"/>
+                    </a:lnB>
+                    <a:lnTlToBr w="12700" cmpd="sng">
+                      <a:noFill/>
+                      <a:prstDash val="solid"/>
+                    </a:lnTlToBr>
+                    <a:lnBlToTr w="12700" cmpd="sng">
+                      <a:noFill/>
+                      <a:prstDash val="solid"/>
+                    </a:lnBlToTr>
+                    <a:solidFill>
+                      <a:schemeClr val="bg1">
+                        <a:lumMod val="90000"/>
+                      </a:schemeClr>
+                    </a:solidFill>
+                  </a:tcPr>
+                </a:tc>
+                <a:tc>
+                  <a:txBody>
+                    <a:bodyPr/>
+                    <a:lstStyle/>
+                    <a:p>
+                      <a:pPr algn="ctr"/>
+                      <a:r>
+                        <a:rPr lang="es-CO" sz="1600" dirty="0"/>
+                        <a:t>Supercrítico</a:t>
+                      </a:r>
+                      <a:endParaRPr lang="en-US" sz="1600" dirty="0"/>
+                    </a:p>
+                  </a:txBody>
+                  <a:tcPr anchor="ctr">
+                    <a:lnL w="6350" cap="flat" cmpd="sng" algn="ctr">
+                      <a:noFill/>
+                      <a:prstDash val="solid"/>
+                      <a:miter lim="800000"/>
+                    </a:lnL>
+                    <a:lnR w="6350" cap="flat" cmpd="sng" algn="ctr">
+                      <a:noFill/>
+                      <a:prstDash val="solid"/>
+                      <a:miter lim="800000"/>
+                    </a:lnR>
+                    <a:lnT w="6350" cap="flat" cmpd="sng" algn="ctr">
+                      <a:noFill/>
+                      <a:prstDash val="solid"/>
+                      <a:miter lim="800000"/>
+                    </a:lnT>
+                    <a:lnB w="9525" cap="flat" cmpd="sng" algn="ctr">
+                      <a:solidFill>
+                        <a:schemeClr val="tx1"/>
+                      </a:solidFill>
+                      <a:prstDash val="sysDot"/>
+                      <a:round/>
+                      <a:headEnd type="none" w="med" len="med"/>
+                      <a:tailEnd type="none" w="med" len="med"/>
+                    </a:lnB>
+                    <a:lnTlToBr w="12700" cmpd="sng">
+                      <a:noFill/>
+                      <a:prstDash val="solid"/>
+                    </a:lnTlToBr>
+                    <a:lnBlToTr w="12700" cmpd="sng">
+                      <a:noFill/>
+                      <a:prstDash val="solid"/>
+                    </a:lnBlToTr>
+                    <a:solidFill>
+                      <a:schemeClr val="bg1">
+                        <a:lumMod val="90000"/>
+                      </a:schemeClr>
+                    </a:solidFill>
+                  </a:tcPr>
+                </a:tc>
+                <a:tc>
+                  <a:txBody>
+                    <a:bodyPr/>
+                    <a:lstStyle/>
+                    <a:p>
+                      <a:pPr marL="0" marR="0" lvl="0" indent="0" algn="ctr" defTabSz="914377" rtl="0" eaLnBrk="1" fontAlgn="auto" latinLnBrk="0" hangingPunct="1">
+                        <a:lnSpc>
+                          <a:spcPct val="100000"/>
+                        </a:lnSpc>
+                        <a:spcBef>
+                          <a:spcPts val="0"/>
+                        </a:spcBef>
+                        <a:spcAft>
+                          <a:spcPts val="0"/>
+                        </a:spcAft>
+                        <a:buClrTx/>
+                        <a:buSzTx/>
+                        <a:buFontTx/>
+                        <a:buNone/>
+                        <a:tabLst/>
+                        <a:defRPr/>
+                      </a:pPr>
+                      <a:r>
+                        <a:rPr lang="es-CO" sz="1600" dirty="0"/>
+                        <a:t>y&lt;y</a:t>
+                      </a:r>
+                      <a:r>
+                        <a:rPr lang="es-CO" sz="1600" baseline="-25000" dirty="0"/>
+                        <a:t>c</a:t>
+                      </a:r>
+                      <a:endParaRPr lang="en-US" sz="1600" baseline="-25000" dirty="0"/>
+                    </a:p>
+                  </a:txBody>
+                  <a:tcPr anchor="ctr">
+                    <a:lnL w="6350" cap="flat" cmpd="sng" algn="ctr">
+                      <a:noFill/>
+                      <a:prstDash val="solid"/>
+                      <a:miter lim="800000"/>
+                    </a:lnL>
+                    <a:lnR w="6350" cap="flat" cmpd="sng" algn="ctr">
+                      <a:noFill/>
+                      <a:prstDash val="solid"/>
+                      <a:miter lim="800000"/>
+                    </a:lnR>
+                    <a:lnT w="6350" cap="flat" cmpd="sng" algn="ctr">
+                      <a:noFill/>
+                      <a:prstDash val="solid"/>
+                      <a:miter lim="800000"/>
+                    </a:lnT>
+                    <a:lnB w="9525" cap="flat" cmpd="sng" algn="ctr">
+                      <a:solidFill>
+                        <a:schemeClr val="tx1"/>
+                      </a:solidFill>
+                      <a:prstDash val="sysDot"/>
+                      <a:round/>
+                      <a:headEnd type="none" w="med" len="med"/>
+                      <a:tailEnd type="none" w="med" len="med"/>
+                    </a:lnB>
+                    <a:lnTlToBr w="12700" cmpd="sng">
+                      <a:noFill/>
+                      <a:prstDash val="solid"/>
+                    </a:lnTlToBr>
+                    <a:lnBlToTr w="12700" cmpd="sng">
+                      <a:noFill/>
+                      <a:prstDash val="solid"/>
+                    </a:lnBlToTr>
+                    <a:solidFill>
+                      <a:schemeClr val="bg1">
+                        <a:lumMod val="90000"/>
+                      </a:schemeClr>
+                    </a:solidFill>
+                  </a:tcPr>
+                </a:tc>
+                <a:extLst>
+                  <a:ext uri="{0D108BD9-81ED-4DB2-BD59-A6C34878D82A}">
+                    <a16:rowId xmlns:a16="http://schemas.microsoft.com/office/drawing/2014/main" val="3014092112"/>
+                  </a:ext>
+                </a:extLst>
+              </a:tr>
+              <a:tr h="329184">
+                <a:tc>
+                  <a:txBody>
+                    <a:bodyPr/>
+                    <a:lstStyle/>
+                    <a:p>
+                      <a:pPr algn="ctr"/>
+                      <a:r>
+                        <a:rPr lang="es-CO" sz="1600" dirty="0"/>
+                        <a:t>C1</a:t>
+                      </a:r>
+                      <a:endParaRPr lang="en-US" sz="1600" dirty="0"/>
+                    </a:p>
+                  </a:txBody>
+                  <a:tcPr anchor="ctr">
+                    <a:lnL w="6350" cap="flat" cmpd="sng" algn="ctr">
+                      <a:noFill/>
+                      <a:prstDash val="solid"/>
+                      <a:miter lim="800000"/>
+                    </a:lnL>
+                    <a:lnR w="6350" cap="flat" cmpd="sng" algn="ctr">
+                      <a:noFill/>
+                      <a:prstDash val="solid"/>
+                      <a:miter lim="800000"/>
+                    </a:lnR>
+                    <a:lnT w="9525" cap="flat" cmpd="sng" algn="ctr">
+                      <a:solidFill>
+                        <a:schemeClr val="tx1"/>
+                      </a:solidFill>
+                      <a:prstDash val="sysDot"/>
+                      <a:round/>
+                      <a:headEnd type="none" w="med" len="med"/>
+                      <a:tailEnd type="none" w="med" len="med"/>
+                    </a:lnT>
+                    <a:lnB w="12700" cap="flat" cmpd="sng" algn="ctr">
+                      <a:noFill/>
+                      <a:prstDash val="solid"/>
+                      <a:round/>
+                      <a:headEnd type="none" w="med" len="med"/>
+                      <a:tailEnd type="none" w="med" len="med"/>
+                    </a:lnB>
+                    <a:lnTlToBr w="12700" cmpd="sng">
+                      <a:noFill/>
+                      <a:prstDash val="solid"/>
+                    </a:lnTlToBr>
+                    <a:lnBlToTr w="12700" cmpd="sng">
+                      <a:noFill/>
+                      <a:prstDash val="solid"/>
+                    </a:lnBlToTr>
+                    <a:solidFill>
+                      <a:schemeClr val="bg1">
+                        <a:lumMod val="90000"/>
+                      </a:schemeClr>
+                    </a:solidFill>
+                  </a:tcPr>
+                </a:tc>
+                <a:tc rowSpan="2">
+                  <a:txBody>
+                    <a:bodyPr/>
+                    <a:lstStyle/>
+                    <a:p>
+                      <a:pPr algn="ctr"/>
+                      <a:r>
+                        <a:rPr lang="es-CO" sz="1600" dirty="0"/>
+                        <a:t>S</a:t>
+                      </a:r>
+                      <a:r>
+                        <a:rPr lang="es-CO" sz="1600" baseline="-25000" dirty="0"/>
+                        <a:t>c</a:t>
+                      </a:r>
+                      <a:endParaRPr lang="en-US" sz="1600" dirty="0"/>
+                    </a:p>
+                  </a:txBody>
+                  <a:tcPr anchor="ctr">
+                    <a:lnL w="6350" cap="flat" cmpd="sng" algn="ctr">
+                      <a:noFill/>
+                      <a:prstDash val="solid"/>
+                      <a:miter lim="800000"/>
+                    </a:lnL>
+                    <a:lnR w="6350" cap="flat" cmpd="sng" algn="ctr">
+                      <a:noFill/>
+                      <a:prstDash val="solid"/>
+                      <a:miter lim="800000"/>
+                    </a:lnR>
+                    <a:lnT w="9525" cap="flat" cmpd="sng" algn="ctr">
+                      <a:solidFill>
+                        <a:schemeClr val="tx1"/>
+                      </a:solidFill>
+                      <a:prstDash val="sysDot"/>
+                      <a:round/>
+                      <a:headEnd type="none" w="med" len="med"/>
+                      <a:tailEnd type="none" w="med" len="med"/>
+                    </a:lnT>
+                    <a:lnB w="12700" cap="flat" cmpd="sng" algn="ctr">
+                      <a:noFill/>
+                      <a:prstDash val="solid"/>
+                      <a:round/>
+                      <a:headEnd type="none" w="med" len="med"/>
+                      <a:tailEnd type="none" w="med" len="med"/>
+                    </a:lnB>
+                    <a:lnTlToBr w="12700" cmpd="sng">
+                      <a:noFill/>
+                      <a:prstDash val="solid"/>
+                    </a:lnTlToBr>
+                    <a:lnBlToTr w="12700" cmpd="sng">
+                      <a:noFill/>
+                      <a:prstDash val="solid"/>
+                    </a:lnBlToTr>
+                    <a:solidFill>
+                      <a:schemeClr val="bg1">
+                        <a:lumMod val="90000"/>
+                      </a:schemeClr>
+                    </a:solidFill>
+                  </a:tcPr>
+                </a:tc>
+                <a:tc>
+                  <a:txBody>
+                    <a:bodyPr/>
+                    <a:lstStyle/>
+                    <a:p>
+                      <a:pPr algn="ctr"/>
+                      <a:r>
+                        <a:rPr lang="es-CO" sz="1600" dirty="0"/>
+                        <a:t>Subcrítico</a:t>
+                      </a:r>
+                      <a:endParaRPr lang="en-US" sz="1600" dirty="0"/>
+                    </a:p>
+                  </a:txBody>
+                  <a:tcPr anchor="ctr">
+                    <a:lnL w="6350" cap="flat" cmpd="sng" algn="ctr">
+                      <a:noFill/>
+                      <a:prstDash val="solid"/>
+                      <a:miter lim="800000"/>
+                    </a:lnL>
+                    <a:lnR w="6350" cap="flat" cmpd="sng" algn="ctr">
+                      <a:noFill/>
+                      <a:prstDash val="solid"/>
+                      <a:miter lim="800000"/>
+                    </a:lnR>
+                    <a:lnT w="9525" cap="flat" cmpd="sng" algn="ctr">
+                      <a:solidFill>
+                        <a:schemeClr val="tx1"/>
+                      </a:solidFill>
+                      <a:prstDash val="sysDot"/>
+                      <a:round/>
+                      <a:headEnd type="none" w="med" len="med"/>
+                      <a:tailEnd type="none" w="med" len="med"/>
+                    </a:lnT>
+                    <a:lnB w="12700" cap="flat" cmpd="sng" algn="ctr">
+                      <a:noFill/>
+                      <a:prstDash val="solid"/>
+                      <a:round/>
+                      <a:headEnd type="none" w="med" len="med"/>
+                      <a:tailEnd type="none" w="med" len="med"/>
+                    </a:lnB>
+                    <a:lnTlToBr w="12700" cmpd="sng">
+                      <a:noFill/>
+                      <a:prstDash val="solid"/>
+                    </a:lnTlToBr>
+                    <a:lnBlToTr w="12700" cmpd="sng">
+                      <a:noFill/>
+                      <a:prstDash val="solid"/>
+                    </a:lnBlToTr>
+                    <a:solidFill>
+                      <a:schemeClr val="bg1">
+                        <a:lumMod val="90000"/>
+                      </a:schemeClr>
+                    </a:solidFill>
+                  </a:tcPr>
+                </a:tc>
+                <a:tc>
+                  <a:txBody>
+                    <a:bodyPr/>
+                    <a:lstStyle/>
+                    <a:p>
+                      <a:pPr marL="0" marR="0" lvl="0" indent="0" algn="ctr" defTabSz="914377" rtl="0" eaLnBrk="1" fontAlgn="auto" latinLnBrk="0" hangingPunct="1">
+                        <a:lnSpc>
+                          <a:spcPct val="100000"/>
+                        </a:lnSpc>
+                        <a:spcBef>
+                          <a:spcPts val="0"/>
+                        </a:spcBef>
+                        <a:spcAft>
+                          <a:spcPts val="0"/>
+                        </a:spcAft>
+                        <a:buClrTx/>
+                        <a:buSzTx/>
+                        <a:buFontTx/>
+                        <a:buNone/>
+                        <a:tabLst/>
+                        <a:defRPr/>
+                      </a:pPr>
+                      <a:r>
+                        <a:rPr lang="es-CO" sz="1600" dirty="0"/>
+                        <a:t>y&gt;y</a:t>
+                      </a:r>
+                      <a:r>
+                        <a:rPr lang="es-CO" sz="1600" baseline="-25000" dirty="0"/>
+                        <a:t>c</a:t>
+                      </a:r>
+                      <a:endParaRPr lang="en-US" sz="1600" baseline="-25000" dirty="0"/>
+                    </a:p>
+                  </a:txBody>
+                  <a:tcPr anchor="ctr">
+                    <a:lnL w="6350" cap="flat" cmpd="sng" algn="ctr">
+                      <a:noFill/>
+                      <a:prstDash val="solid"/>
+                      <a:miter lim="800000"/>
+                    </a:lnL>
+                    <a:lnR w="6350" cap="flat" cmpd="sng" algn="ctr">
+                      <a:noFill/>
+                      <a:prstDash val="solid"/>
+                      <a:miter lim="800000"/>
+                    </a:lnR>
+                    <a:lnT w="9525" cap="flat" cmpd="sng" algn="ctr">
+                      <a:solidFill>
+                        <a:schemeClr val="tx1"/>
+                      </a:solidFill>
+                      <a:prstDash val="sysDot"/>
+                      <a:round/>
+                      <a:headEnd type="none" w="med" len="med"/>
+                      <a:tailEnd type="none" w="med" len="med"/>
+                    </a:lnT>
+                    <a:lnB w="12700" cap="flat" cmpd="sng" algn="ctr">
+                      <a:noFill/>
+                      <a:prstDash val="solid"/>
+                      <a:round/>
+                      <a:headEnd type="none" w="med" len="med"/>
+                      <a:tailEnd type="none" w="med" len="med"/>
+                    </a:lnB>
+                    <a:lnTlToBr w="12700" cmpd="sng">
+                      <a:noFill/>
+                      <a:prstDash val="solid"/>
+                    </a:lnTlToBr>
+                    <a:lnBlToTr w="12700" cmpd="sng">
+                      <a:noFill/>
+                      <a:prstDash val="solid"/>
+                    </a:lnBlToTr>
+                    <a:solidFill>
+                      <a:schemeClr val="bg1">
+                        <a:lumMod val="90000"/>
+                      </a:schemeClr>
+                    </a:solidFill>
+                  </a:tcPr>
+                </a:tc>
+                <a:extLst>
+                  <a:ext uri="{0D108BD9-81ED-4DB2-BD59-A6C34878D82A}">
+                    <a16:rowId xmlns:a16="http://schemas.microsoft.com/office/drawing/2014/main" val="3664025990"/>
+                  </a:ext>
+                </a:extLst>
+              </a:tr>
+              <a:tr h="329184">
+                <a:tc>
+                  <a:txBody>
+                    <a:bodyPr/>
+                    <a:lstStyle/>
+                    <a:p>
+                      <a:pPr algn="ctr"/>
+                      <a:r>
+                        <a:rPr lang="es-CO" sz="1600" dirty="0"/>
+                        <a:t>C3</a:t>
+                      </a:r>
+                      <a:endParaRPr lang="en-US" sz="1600" dirty="0"/>
+                    </a:p>
+                  </a:txBody>
+                  <a:tcPr anchor="ctr">
+                    <a:lnL w="6350" cap="flat" cmpd="sng" algn="ctr">
+                      <a:noFill/>
+                      <a:prstDash val="solid"/>
+                      <a:miter lim="800000"/>
+                    </a:lnL>
+                    <a:lnR w="6350" cap="flat" cmpd="sng" algn="ctr">
+                      <a:noFill/>
+                      <a:prstDash val="solid"/>
+                      <a:miter lim="800000"/>
+                    </a:lnR>
+                    <a:lnT w="6350" cap="flat" cmpd="sng" algn="ctr">
+                      <a:noFill/>
+                      <a:prstDash val="solid"/>
+                      <a:miter lim="800000"/>
+                    </a:lnT>
+                    <a:lnB w="12700" cap="flat" cmpd="sng" algn="ctr">
+                      <a:noFill/>
+                      <a:prstDash val="solid"/>
+                      <a:round/>
+                      <a:headEnd type="none" w="med" len="med"/>
+                      <a:tailEnd type="none" w="med" len="med"/>
+                    </a:lnB>
+                    <a:lnTlToBr w="12700" cmpd="sng">
+                      <a:noFill/>
+                      <a:prstDash val="solid"/>
+                    </a:lnTlToBr>
+                    <a:lnBlToTr w="12700" cmpd="sng">
+                      <a:noFill/>
+                      <a:prstDash val="solid"/>
+                    </a:lnBlToTr>
+                    <a:solidFill>
+                      <a:schemeClr val="bg1">
+                        <a:lumMod val="90000"/>
+                      </a:schemeClr>
+                    </a:solidFill>
+                  </a:tcPr>
+                </a:tc>
+                <a:tc vMerge="1">
+                  <a:txBody>
+                    <a:bodyPr/>
+                    <a:lstStyle/>
+                    <a:p>
+                      <a:pPr algn="ctr"/>
+                      <a:r>
+                        <a:rPr lang="es-CO" dirty="0"/>
+                        <a:t>0</a:t>
+                      </a:r>
+                      <a:endParaRPr lang="en-US" dirty="0"/>
+                    </a:p>
+                  </a:txBody>
+                  <a:tcPr anchor="ctr">
+                    <a:lnL w="6350" cap="flat" cmpd="sng" algn="ctr">
+                      <a:noFill/>
+                      <a:prstDash val="solid"/>
+                      <a:miter lim="800000"/>
+                    </a:lnL>
+                    <a:lnR w="6350" cap="flat" cmpd="sng" algn="ctr">
+                      <a:noFill/>
+                      <a:prstDash val="solid"/>
+                      <a:miter lim="800000"/>
+                    </a:lnR>
+                    <a:lnT w="6350" cap="flat" cmpd="sng" algn="ctr">
+                      <a:noFill/>
+                      <a:prstDash val="solid"/>
+                      <a:miter lim="800000"/>
+                    </a:lnT>
+                    <a:lnB w="12700" cap="flat" cmpd="sng" algn="ctr">
+                      <a:noFill/>
+                      <a:prstDash val="solid"/>
+                      <a:round/>
+                      <a:headEnd type="none" w="med" len="med"/>
+                      <a:tailEnd type="none" w="med" len="med"/>
+                    </a:lnB>
+                    <a:lnTlToBr w="12700" cmpd="sng">
+                      <a:noFill/>
+                      <a:prstDash val="solid"/>
+                    </a:lnTlToBr>
+                    <a:lnBlToTr w="12700" cmpd="sng">
+                      <a:noFill/>
+                      <a:prstDash val="solid"/>
+                    </a:lnBlToTr>
+                    <a:solidFill>
+                      <a:schemeClr val="bg1">
+                        <a:lumMod val="90000"/>
+                      </a:schemeClr>
+                    </a:solidFill>
+                  </a:tcPr>
+                </a:tc>
+                <a:tc>
+                  <a:txBody>
+                    <a:bodyPr/>
+                    <a:lstStyle/>
+                    <a:p>
+                      <a:pPr algn="ctr"/>
+                      <a:r>
+                        <a:rPr lang="es-CO" sz="1600" dirty="0"/>
+                        <a:t>Supercrítico</a:t>
+                      </a:r>
+                      <a:endParaRPr lang="en-US" sz="1600" dirty="0"/>
+                    </a:p>
+                  </a:txBody>
+                  <a:tcPr anchor="ctr">
+                    <a:lnL w="6350" cap="flat" cmpd="sng" algn="ctr">
+                      <a:noFill/>
+                      <a:prstDash val="solid"/>
+                      <a:miter lim="800000"/>
+                    </a:lnL>
+                    <a:lnR w="6350" cap="flat" cmpd="sng" algn="ctr">
+                      <a:noFill/>
+                      <a:prstDash val="solid"/>
+                      <a:miter lim="800000"/>
+                    </a:lnR>
+                    <a:lnT w="6350" cap="flat" cmpd="sng" algn="ctr">
+                      <a:noFill/>
+                      <a:prstDash val="solid"/>
+                      <a:miter lim="800000"/>
+                    </a:lnT>
+                    <a:lnB w="12700" cap="flat" cmpd="sng" algn="ctr">
+                      <a:noFill/>
+                      <a:prstDash val="solid"/>
+                      <a:round/>
+                      <a:headEnd type="none" w="med" len="med"/>
+                      <a:tailEnd type="none" w="med" len="med"/>
+                    </a:lnB>
+                    <a:lnTlToBr w="12700" cmpd="sng">
+                      <a:noFill/>
+                      <a:prstDash val="solid"/>
+                    </a:lnTlToBr>
+                    <a:lnBlToTr w="12700" cmpd="sng">
+                      <a:noFill/>
+                      <a:prstDash val="solid"/>
+                    </a:lnBlToTr>
+                    <a:solidFill>
+                      <a:schemeClr val="bg1">
+                        <a:lumMod val="90000"/>
+                      </a:schemeClr>
+                    </a:solidFill>
+                  </a:tcPr>
+                </a:tc>
+                <a:tc>
+                  <a:txBody>
+                    <a:bodyPr/>
+                    <a:lstStyle/>
+                    <a:p>
+                      <a:pPr marL="0" marR="0" lvl="0" indent="0" algn="ctr" defTabSz="914377" rtl="0" eaLnBrk="1" fontAlgn="auto" latinLnBrk="0" hangingPunct="1">
+                        <a:lnSpc>
+                          <a:spcPct val="100000"/>
+                        </a:lnSpc>
+                        <a:spcBef>
+                          <a:spcPts val="0"/>
+                        </a:spcBef>
+                        <a:spcAft>
+                          <a:spcPts val="0"/>
+                        </a:spcAft>
+                        <a:buClrTx/>
+                        <a:buSzTx/>
+                        <a:buFontTx/>
+                        <a:buNone/>
+                        <a:tabLst/>
+                        <a:defRPr/>
+                      </a:pPr>
+                      <a:r>
+                        <a:rPr lang="es-CO" sz="1600" dirty="0"/>
+                        <a:t>y&lt;y</a:t>
+                      </a:r>
+                      <a:r>
+                        <a:rPr lang="es-CO" sz="1600" baseline="-25000" dirty="0"/>
+                        <a:t>c</a:t>
+                      </a:r>
+                      <a:endParaRPr lang="en-US" sz="1600" baseline="-25000" dirty="0"/>
+                    </a:p>
+                  </a:txBody>
+                  <a:tcPr anchor="ctr">
+                    <a:lnL w="6350" cap="flat" cmpd="sng" algn="ctr">
+                      <a:noFill/>
+                      <a:prstDash val="solid"/>
+                      <a:miter lim="800000"/>
+                    </a:lnL>
+                    <a:lnR w="6350" cap="flat" cmpd="sng" algn="ctr">
+                      <a:noFill/>
+                      <a:prstDash val="solid"/>
+                      <a:miter lim="800000"/>
+                    </a:lnR>
+                    <a:lnT w="6350" cap="flat" cmpd="sng" algn="ctr">
+                      <a:noFill/>
+                      <a:prstDash val="solid"/>
+                      <a:miter lim="800000"/>
+                    </a:lnT>
+                    <a:lnB w="12700" cap="flat" cmpd="sng" algn="ctr">
+                      <a:noFill/>
+                      <a:prstDash val="solid"/>
+                      <a:round/>
+                      <a:headEnd type="none" w="med" len="med"/>
+                      <a:tailEnd type="none" w="med" len="med"/>
+                    </a:lnB>
+                    <a:lnTlToBr w="12700" cmpd="sng">
+                      <a:noFill/>
+                      <a:prstDash val="solid"/>
+                    </a:lnTlToBr>
+                    <a:lnBlToTr w="12700" cmpd="sng">
+                      <a:noFill/>
+                      <a:prstDash val="solid"/>
+                    </a:lnBlToTr>
+                    <a:solidFill>
+                      <a:schemeClr val="bg1">
+                        <a:lumMod val="90000"/>
+                      </a:schemeClr>
+                    </a:solidFill>
+                  </a:tcPr>
+                </a:tc>
+                <a:extLst>
+                  <a:ext uri="{0D108BD9-81ED-4DB2-BD59-A6C34878D82A}">
+                    <a16:rowId xmlns:a16="http://schemas.microsoft.com/office/drawing/2014/main" val="947038247"/>
+                  </a:ext>
+                </a:extLst>
+              </a:tr>
+            </a:tbl>
+          </a:graphicData>
+        </a:graphic>
+      </p:graphicFrame>
     </p:spTree>
     <p:extLst>
       <p:ext uri="{BB962C8B-B14F-4D97-AF65-F5344CB8AC3E}">
-        <p14:creationId xmlns:p14="http://schemas.microsoft.com/office/powerpoint/2010/main" val="2709437168"/>
+        <p14:creationId xmlns:p14="http://schemas.microsoft.com/office/powerpoint/2010/main" val="3943943027"/>
       </p:ext>
     </p:extLst>
   </p:cSld>
@@ -8637,10 +10604,10 @@
       </p:grpSpPr>
       <p:sp>
         <p:nvSpPr>
-          <p:cNvPr id="11" name="Título 10">
+          <p:cNvPr id="2" name="Título 1">
             <a:extLst>
               <a:ext uri="{FF2B5EF4-FFF2-40B4-BE49-F238E27FC236}">
-                <a16:creationId xmlns:a16="http://schemas.microsoft.com/office/drawing/2014/main" id="{18394C73-C688-1688-3BC3-45D7C33A4C00}"/>
+                <a16:creationId xmlns:a16="http://schemas.microsoft.com/office/drawing/2014/main" id="{B7A326E0-7378-DEAD-3AFB-15247D7E203A}"/>
               </a:ext>
             </a:extLst>
           </p:cNvPr>
@@ -8653,8 +10620,8 @@
         </p:nvSpPr>
         <p:spPr>
           <a:xfrm>
-            <a:off x="720000" y="719999"/>
-            <a:ext cx="6995250" cy="810000"/>
+            <a:off x="720001" y="810000"/>
+            <a:ext cx="6121725" cy="810000"/>
           </a:xfrm>
         </p:spPr>
         <p:txBody>
@@ -8663,98 +10630,376 @@
           <a:p>
             <a:r>
               <a:rPr lang="es-CO" dirty="0"/>
-              <a:t>Conservación del momentum. Fuerza específica.</a:t>
+              <a:t>Flujo rápidamente variado (FRV)</a:t>
             </a:r>
             <a:endParaRPr lang="en-US" dirty="0"/>
           </a:p>
         </p:txBody>
       </p:sp>
-      <p:pic>
-        <p:nvPicPr>
-          <p:cNvPr id="3" name="Imagen 2" descr="Diagrama&#10;&#10;Descripción generada automáticamente">
-            <a:extLst>
-              <a:ext uri="{FF2B5EF4-FFF2-40B4-BE49-F238E27FC236}">
-                <a16:creationId xmlns:a16="http://schemas.microsoft.com/office/drawing/2014/main" id="{4CEC9CF4-05A1-BE60-E26A-E0927E3D418D}"/>
-              </a:ext>
-            </a:extLst>
-          </p:cNvPr>
-          <p:cNvPicPr>
-            <a:picLocks noChangeAspect="1"/>
-          </p:cNvPicPr>
-          <p:nvPr/>
-        </p:nvPicPr>
-        <p:blipFill>
-          <a:blip r:embed="rId2">
-            <a:clrChange>
-              <a:clrFrom>
-                <a:srgbClr val="FFFFFF"/>
-              </a:clrFrom>
-              <a:clrTo>
-                <a:srgbClr val="FFFFFF">
-                  <a:alpha val="0"/>
-                </a:srgbClr>
-              </a:clrTo>
-            </a:clrChange>
-          </a:blip>
-          <a:stretch>
-            <a:fillRect/>
-          </a:stretch>
-        </p:blipFill>
-        <p:spPr>
-          <a:xfrm>
-            <a:off x="379051" y="2850390"/>
-            <a:ext cx="7164750" cy="3702810"/>
-          </a:xfrm>
-          <a:prstGeom prst="rect">
-            <a:avLst/>
-          </a:prstGeom>
-        </p:spPr>
-      </p:pic>
-      <p:pic>
-        <p:nvPicPr>
-          <p:cNvPr id="8" name="Imagen 7" descr="Diagrama&#10;&#10;Descripción generada automáticamente con confianza media">
-            <a:extLst>
-              <a:ext uri="{FF2B5EF4-FFF2-40B4-BE49-F238E27FC236}">
-                <a16:creationId xmlns:a16="http://schemas.microsoft.com/office/drawing/2014/main" id="{D2052E52-1A6B-9D86-0ACA-61E58E40C21D}"/>
-              </a:ext>
-            </a:extLst>
-          </p:cNvPr>
-          <p:cNvPicPr>
-            <a:picLocks noChangeAspect="1"/>
-          </p:cNvPicPr>
-          <p:nvPr/>
-        </p:nvPicPr>
-        <p:blipFill>
-          <a:blip r:embed="rId3">
-            <a:clrChange>
-              <a:clrFrom>
-                <a:srgbClr val="FFFFFF"/>
-              </a:clrFrom>
-              <a:clrTo>
-                <a:srgbClr val="FFFFFF">
-                  <a:alpha val="0"/>
-                </a:srgbClr>
-              </a:clrTo>
-            </a:clrChange>
-          </a:blip>
-          <a:stretch>
-            <a:fillRect/>
-          </a:stretch>
-        </p:blipFill>
-        <p:spPr>
-          <a:xfrm>
-            <a:off x="2843229" y="1613876"/>
-            <a:ext cx="2701164" cy="1073512"/>
-          </a:xfrm>
-          <a:prstGeom prst="rect">
-            <a:avLst/>
-          </a:prstGeom>
-        </p:spPr>
-      </p:pic>
+      <mc:AlternateContent xmlns:mc="http://schemas.openxmlformats.org/markup-compatibility/2006">
+        <mc:Choice xmlns:a14="http://schemas.microsoft.com/office/drawing/2010/main" Requires="a14">
+          <p:sp>
+            <p:nvSpPr>
+              <p:cNvPr id="6" name="CuadroTexto 5">
+                <a:extLst>
+                  <a:ext uri="{FF2B5EF4-FFF2-40B4-BE49-F238E27FC236}">
+                    <a16:creationId xmlns:a16="http://schemas.microsoft.com/office/drawing/2014/main" id="{52B3CC38-FFB6-2A41-81B8-E041DAD5ACE5}"/>
+                  </a:ext>
+                </a:extLst>
+              </p:cNvPr>
+              <p:cNvSpPr txBox="1"/>
+              <p:nvPr/>
+            </p:nvSpPr>
+            <p:spPr>
+              <a:xfrm>
+                <a:off x="3921770" y="1753350"/>
+                <a:ext cx="2177006" cy="1115883"/>
+              </a:xfrm>
+              <a:prstGeom prst="rect">
+                <a:avLst/>
+              </a:prstGeom>
+              <a:noFill/>
+            </p:spPr>
+            <p:txBody>
+              <a:bodyPr wrap="none" lIns="0" tIns="0" rIns="0" bIns="0" rtlCol="0">
+                <a:spAutoFit/>
+              </a:bodyPr>
+              <a:lstStyle/>
+              <a:p>
+                <a:pPr/>
+                <a14:m>
+                  <m:oMathPara xmlns:m="http://schemas.openxmlformats.org/officeDocument/2006/math">
+                    <m:oMathParaPr>
+                      <m:jc m:val="centerGroup"/>
+                    </m:oMathParaPr>
+                    <m:oMath xmlns:m="http://schemas.openxmlformats.org/officeDocument/2006/math">
+                      <m:f>
+                        <m:fPr>
+                          <m:ctrlPr>
+                            <a:rPr lang="es-CO" sz="2400" b="0" i="1" smtClean="0">
+                              <a:highlight>
+                                <a:srgbClr val="FFFF00"/>
+                              </a:highlight>
+                              <a:latin typeface="Cambria Math" panose="02040503050406030204" pitchFamily="18" charset="0"/>
+                            </a:rPr>
+                          </m:ctrlPr>
+                        </m:fPr>
+                        <m:num>
+                          <m:r>
+                            <a:rPr lang="es-CO" sz="2400" b="0" i="1" smtClean="0">
+                              <a:highlight>
+                                <a:srgbClr val="FFFF00"/>
+                              </a:highlight>
+                              <a:latin typeface="Cambria Math" panose="02040503050406030204" pitchFamily="18" charset="0"/>
+                            </a:rPr>
+                            <m:t>𝑑𝑦</m:t>
+                          </m:r>
+                        </m:num>
+                        <m:den>
+                          <m:r>
+                            <a:rPr lang="es-CO" sz="2400" b="0" i="1" smtClean="0">
+                              <a:highlight>
+                                <a:srgbClr val="FFFF00"/>
+                              </a:highlight>
+                              <a:latin typeface="Cambria Math" panose="02040503050406030204" pitchFamily="18" charset="0"/>
+                            </a:rPr>
+                            <m:t>𝑑𝑥</m:t>
+                          </m:r>
+                        </m:den>
+                      </m:f>
+                      <m:r>
+                        <a:rPr lang="es-CO" sz="2400" b="0" i="1" smtClean="0">
+                          <a:highlight>
+                            <a:srgbClr val="FFFF00"/>
+                          </a:highlight>
+                          <a:latin typeface="Cambria Math" panose="02040503050406030204" pitchFamily="18" charset="0"/>
+                        </a:rPr>
+                        <m:t>=</m:t>
+                      </m:r>
+                      <m:f>
+                        <m:fPr>
+                          <m:ctrlPr>
+                            <a:rPr lang="es-CO" sz="2400" b="0" i="1" smtClean="0">
+                              <a:highlight>
+                                <a:srgbClr val="FFFF00"/>
+                              </a:highlight>
+                              <a:latin typeface="Cambria Math" panose="02040503050406030204" pitchFamily="18" charset="0"/>
+                            </a:rPr>
+                          </m:ctrlPr>
+                        </m:fPr>
+                        <m:num>
+                          <m:sSub>
+                            <m:sSubPr>
+                              <m:ctrlPr>
+                                <a:rPr lang="es-CO" sz="2400" b="0" i="1" smtClean="0">
+                                  <a:highlight>
+                                    <a:srgbClr val="FFFF00"/>
+                                  </a:highlight>
+                                  <a:latin typeface="Cambria Math" panose="02040503050406030204" pitchFamily="18" charset="0"/>
+                                </a:rPr>
+                              </m:ctrlPr>
+                            </m:sSubPr>
+                            <m:e>
+                              <m:r>
+                                <a:rPr lang="es-CO" sz="2400" b="0" i="1" smtClean="0">
+                                  <a:highlight>
+                                    <a:srgbClr val="FFFF00"/>
+                                  </a:highlight>
+                                  <a:latin typeface="Cambria Math" panose="02040503050406030204" pitchFamily="18" charset="0"/>
+                                </a:rPr>
+                                <m:t>𝑆</m:t>
+                              </m:r>
+                            </m:e>
+                            <m:sub>
+                              <m:r>
+                                <a:rPr lang="es-CO" sz="2400" b="0" i="1" smtClean="0">
+                                  <a:highlight>
+                                    <a:srgbClr val="FFFF00"/>
+                                  </a:highlight>
+                                  <a:latin typeface="Cambria Math" panose="02040503050406030204" pitchFamily="18" charset="0"/>
+                                </a:rPr>
+                                <m:t>𝑜</m:t>
+                              </m:r>
+                            </m:sub>
+                          </m:sSub>
+                          <m:r>
+                            <a:rPr lang="es-CO" sz="2400" b="0" i="1" smtClean="0">
+                              <a:highlight>
+                                <a:srgbClr val="FFFF00"/>
+                              </a:highlight>
+                              <a:latin typeface="Cambria Math" panose="02040503050406030204" pitchFamily="18" charset="0"/>
+                            </a:rPr>
+                            <m:t>−</m:t>
+                          </m:r>
+                          <m:sSub>
+                            <m:sSubPr>
+                              <m:ctrlPr>
+                                <a:rPr lang="es-CO" sz="2400" b="0" i="1" smtClean="0">
+                                  <a:highlight>
+                                    <a:srgbClr val="FFFF00"/>
+                                  </a:highlight>
+                                  <a:latin typeface="Cambria Math" panose="02040503050406030204" pitchFamily="18" charset="0"/>
+                                </a:rPr>
+                              </m:ctrlPr>
+                            </m:sSubPr>
+                            <m:e>
+                              <m:r>
+                                <a:rPr lang="es-CO" sz="2400" b="0" i="1" smtClean="0">
+                                  <a:highlight>
+                                    <a:srgbClr val="FFFF00"/>
+                                  </a:highlight>
+                                  <a:latin typeface="Cambria Math" panose="02040503050406030204" pitchFamily="18" charset="0"/>
+                                </a:rPr>
+                                <m:t>𝑆</m:t>
+                              </m:r>
+                            </m:e>
+                            <m:sub>
+                              <m:r>
+                                <a:rPr lang="es-CO" sz="2400" b="0" i="1" smtClean="0">
+                                  <a:highlight>
+                                    <a:srgbClr val="FFFF00"/>
+                                  </a:highlight>
+                                  <a:latin typeface="Cambria Math" panose="02040503050406030204" pitchFamily="18" charset="0"/>
+                                </a:rPr>
+                                <m:t>𝑓</m:t>
+                              </m:r>
+                            </m:sub>
+                          </m:sSub>
+                        </m:num>
+                        <m:den>
+                          <m:r>
+                            <a:rPr lang="es-CO" sz="2400" b="0" i="1" smtClean="0">
+                              <a:highlight>
+                                <a:srgbClr val="FFFF00"/>
+                              </a:highlight>
+                              <a:latin typeface="Cambria Math" panose="02040503050406030204" pitchFamily="18" charset="0"/>
+                            </a:rPr>
+                            <m:t>1−</m:t>
+                          </m:r>
+                          <m:f>
+                            <m:fPr>
+                              <m:ctrlPr>
+                                <a:rPr lang="es-CO" sz="2400" b="0" i="1" smtClean="0">
+                                  <a:highlight>
+                                    <a:srgbClr val="FFFF00"/>
+                                  </a:highlight>
+                                  <a:latin typeface="Cambria Math" panose="02040503050406030204" pitchFamily="18" charset="0"/>
+                                </a:rPr>
+                              </m:ctrlPr>
+                            </m:fPr>
+                            <m:num>
+                              <m:sSup>
+                                <m:sSupPr>
+                                  <m:ctrlPr>
+                                    <a:rPr lang="es-CO" sz="2400" b="0" i="1" smtClean="0">
+                                      <a:highlight>
+                                        <a:srgbClr val="FFFF00"/>
+                                      </a:highlight>
+                                      <a:latin typeface="Cambria Math" panose="02040503050406030204" pitchFamily="18" charset="0"/>
+                                    </a:rPr>
+                                  </m:ctrlPr>
+                                </m:sSupPr>
+                                <m:e>
+                                  <m:r>
+                                    <a:rPr lang="es-CO" sz="2400" b="0" i="1" smtClean="0">
+                                      <a:highlight>
+                                        <a:srgbClr val="FFFF00"/>
+                                      </a:highlight>
+                                      <a:latin typeface="Cambria Math" panose="02040503050406030204" pitchFamily="18" charset="0"/>
+                                      <a:ea typeface="Cambria Math" panose="02040503050406030204" pitchFamily="18" charset="0"/>
+                                    </a:rPr>
+                                    <m:t>𝛼</m:t>
+                                  </m:r>
+                                  <m:r>
+                                    <a:rPr lang="es-CO" sz="2400" b="0" i="1" smtClean="0">
+                                      <a:highlight>
+                                        <a:srgbClr val="FFFF00"/>
+                                      </a:highlight>
+                                      <a:latin typeface="Cambria Math" panose="02040503050406030204" pitchFamily="18" charset="0"/>
+                                    </a:rPr>
+                                    <m:t>𝑄</m:t>
+                                  </m:r>
+                                </m:e>
+                                <m:sup>
+                                  <m:r>
+                                    <a:rPr lang="es-CO" sz="2400" b="0" i="1" smtClean="0">
+                                      <a:highlight>
+                                        <a:srgbClr val="FFFF00"/>
+                                      </a:highlight>
+                                      <a:latin typeface="Cambria Math" panose="02040503050406030204" pitchFamily="18" charset="0"/>
+                                    </a:rPr>
+                                    <m:t>2</m:t>
+                                  </m:r>
+                                </m:sup>
+                              </m:sSup>
+                              <m:r>
+                                <a:rPr lang="es-CO" sz="2400" b="0" i="1" smtClean="0">
+                                  <a:highlight>
+                                    <a:srgbClr val="FFFF00"/>
+                                  </a:highlight>
+                                  <a:latin typeface="Cambria Math" panose="02040503050406030204" pitchFamily="18" charset="0"/>
+                                </a:rPr>
+                                <m:t>𝑇</m:t>
+                              </m:r>
+                            </m:num>
+                            <m:den>
+                              <m:r>
+                                <a:rPr lang="es-CO" sz="2400" b="0" i="1" smtClean="0">
+                                  <a:highlight>
+                                    <a:srgbClr val="FFFF00"/>
+                                  </a:highlight>
+                                  <a:latin typeface="Cambria Math" panose="02040503050406030204" pitchFamily="18" charset="0"/>
+                                </a:rPr>
+                                <m:t>𝑔</m:t>
+                              </m:r>
+                              <m:sSup>
+                                <m:sSupPr>
+                                  <m:ctrlPr>
+                                    <a:rPr lang="es-CO" sz="2400" b="0" i="1" smtClean="0">
+                                      <a:highlight>
+                                        <a:srgbClr val="FFFF00"/>
+                                      </a:highlight>
+                                      <a:latin typeface="Cambria Math" panose="02040503050406030204" pitchFamily="18" charset="0"/>
+                                    </a:rPr>
+                                  </m:ctrlPr>
+                                </m:sSupPr>
+                                <m:e>
+                                  <m:r>
+                                    <a:rPr lang="es-CO" sz="2400" b="0" i="1" smtClean="0">
+                                      <a:highlight>
+                                        <a:srgbClr val="FFFF00"/>
+                                      </a:highlight>
+                                      <a:latin typeface="Cambria Math" panose="02040503050406030204" pitchFamily="18" charset="0"/>
+                                    </a:rPr>
+                                    <m:t>𝐴</m:t>
+                                  </m:r>
+                                </m:e>
+                                <m:sup>
+                                  <m:r>
+                                    <a:rPr lang="es-CO" sz="2400" b="0" i="1" smtClean="0">
+                                      <a:highlight>
+                                        <a:srgbClr val="FFFF00"/>
+                                      </a:highlight>
+                                      <a:latin typeface="Cambria Math" panose="02040503050406030204" pitchFamily="18" charset="0"/>
+                                    </a:rPr>
+                                    <m:t>3</m:t>
+                                  </m:r>
+                                </m:sup>
+                              </m:sSup>
+                            </m:den>
+                          </m:f>
+                        </m:den>
+                      </m:f>
+                      <m:r>
+                        <a:rPr lang="es-CO" sz="2400" b="0" i="1" smtClean="0">
+                          <a:highlight>
+                            <a:srgbClr val="FFFF00"/>
+                          </a:highlight>
+                          <a:latin typeface="Cambria Math" panose="02040503050406030204" pitchFamily="18" charset="0"/>
+                        </a:rPr>
+                        <m:t> </m:t>
+                      </m:r>
+                    </m:oMath>
+                  </m:oMathPara>
+                </a14:m>
+                <a:endParaRPr lang="en-US" sz="2400" dirty="0">
+                  <a:highlight>
+                    <a:srgbClr val="FFFF00"/>
+                  </a:highlight>
+                </a:endParaRPr>
+              </a:p>
+            </p:txBody>
+          </p:sp>
+        </mc:Choice>
+        <mc:Fallback>
+          <p:sp>
+            <p:nvSpPr>
+              <p:cNvPr id="6" name="CuadroTexto 5">
+                <a:extLst>
+                  <a:ext uri="{FF2B5EF4-FFF2-40B4-BE49-F238E27FC236}">
+                    <a16:creationId xmlns:a16="http://schemas.microsoft.com/office/drawing/2014/main" id="{52B3CC38-FFB6-2A41-81B8-E041DAD5ACE5}"/>
+                  </a:ext>
+                </a:extLst>
+              </p:cNvPr>
+              <p:cNvSpPr txBox="1">
+                <a:spLocks noRot="1" noChangeAspect="1" noMove="1" noResize="1" noEditPoints="1" noAdjustHandles="1" noChangeArrowheads="1" noChangeShapeType="1" noTextEdit="1"/>
+              </p:cNvSpPr>
+              <p:nvPr/>
+            </p:nvSpPr>
+            <p:spPr>
+              <a:xfrm>
+                <a:off x="3921770" y="1753350"/>
+                <a:ext cx="2177006" cy="1115883"/>
+              </a:xfrm>
+              <a:prstGeom prst="rect">
+                <a:avLst/>
+              </a:prstGeom>
+              <a:blipFill>
+                <a:blip r:embed="rId2"/>
+                <a:stretch>
+                  <a:fillRect/>
+                </a:stretch>
+              </a:blipFill>
+            </p:spPr>
+            <p:txBody>
+              <a:bodyPr/>
+              <a:lstStyle/>
+              <a:p>
+                <a:r>
+                  <a:rPr lang="en-US">
+                    <a:noFill/>
+                  </a:rPr>
+                  <a:t> </a:t>
+                </a:r>
+              </a:p>
+            </p:txBody>
+          </p:sp>
+        </mc:Fallback>
+      </mc:AlternateContent>
     </p:spTree>
     <p:extLst>
       <p:ext uri="{BB962C8B-B14F-4D97-AF65-F5344CB8AC3E}">
-        <p14:creationId xmlns:p14="http://schemas.microsoft.com/office/powerpoint/2010/main" val="3429922597"/>
+        <p14:creationId xmlns:p14="http://schemas.microsoft.com/office/powerpoint/2010/main" val="2490225753"/>
       </p:ext>
     </p:extLst>
   </p:cSld>
@@ -8767,6 +11012,16 @@
 <file path=ppt/slides/slide9.xml><?xml version="1.0" encoding="utf-8"?>
 <p:sld xmlns:a="http://schemas.openxmlformats.org/drawingml/2006/main" xmlns:r="http://schemas.openxmlformats.org/officeDocument/2006/relationships" xmlns:p="http://schemas.openxmlformats.org/presentationml/2006/main">
   <p:cSld>
+    <p:bg>
+      <p:bgPr>
+        <a:solidFill>
+          <a:schemeClr val="bg1">
+            <a:lumMod val="90000"/>
+          </a:schemeClr>
+        </a:solidFill>
+        <a:effectLst/>
+      </p:bgPr>
+    </p:bg>
     <p:spTree>
       <p:nvGrpSpPr>
         <p:cNvPr id="1" name=""/>
@@ -8783,44 +11038,10 @@
       </p:grpSpPr>
       <p:sp>
         <p:nvSpPr>
-          <p:cNvPr id="11" name="Título 10">
+          <p:cNvPr id="3" name="Title 1">
             <a:extLst>
               <a:ext uri="{FF2B5EF4-FFF2-40B4-BE49-F238E27FC236}">
-                <a16:creationId xmlns:a16="http://schemas.microsoft.com/office/drawing/2014/main" id="{18394C73-C688-1688-3BC3-45D7C33A4C00}"/>
-              </a:ext>
-            </a:extLst>
-          </p:cNvPr>
-          <p:cNvSpPr>
-            <a:spLocks noGrp="1"/>
-          </p:cNvSpPr>
-          <p:nvPr>
-            <p:ph type="title"/>
-          </p:nvPr>
-        </p:nvSpPr>
-        <p:spPr>
-          <a:xfrm>
-            <a:off x="719999" y="719999"/>
-            <a:ext cx="6947625" cy="810000"/>
-          </a:xfrm>
-        </p:spPr>
-        <p:txBody>
-          <a:bodyPr anchor="t"/>
-          <a:lstStyle/>
-          <a:p>
-            <a:r>
-              <a:rPr lang="es-CO" dirty="0"/>
-              <a:t>Conservación del momentum. Fuerza específica.</a:t>
-            </a:r>
-            <a:endParaRPr lang="en-US" dirty="0"/>
-          </a:p>
-        </p:txBody>
-      </p:sp>
-      <p:sp>
-        <p:nvSpPr>
-          <p:cNvPr id="2" name="Marcador de contenido 2">
-            <a:extLst>
-              <a:ext uri="{FF2B5EF4-FFF2-40B4-BE49-F238E27FC236}">
-                <a16:creationId xmlns:a16="http://schemas.microsoft.com/office/drawing/2014/main" id="{8EB3E2B2-6146-8C9B-81A5-8A83593AA4FB}"/>
+                <a16:creationId xmlns:a16="http://schemas.microsoft.com/office/drawing/2014/main" id="{5293DDAA-B5E7-2D95-74A3-91A199E94E6C}"/>
               </a:ext>
             </a:extLst>
           </p:cNvPr>
@@ -8831,287 +11052,414 @@
         </p:nvSpPr>
         <p:spPr>
           <a:xfrm>
-            <a:off x="1262925" y="3047999"/>
-            <a:ext cx="6840000" cy="3323925"/>
+            <a:off x="6095999" y="3595606"/>
+            <a:ext cx="5040000" cy="3262393"/>
           </a:xfrm>
           <a:prstGeom prst="rect">
             <a:avLst/>
           </a:prstGeom>
         </p:spPr>
         <p:txBody>
-          <a:bodyPr vert="horz" lIns="91440" tIns="45720" rIns="91440" bIns="45720" rtlCol="0" anchor="t">
-            <a:normAutofit/>
+          <a:bodyPr vert="horz" lIns="91440" tIns="45720" rIns="91440" bIns="45720" rtlCol="0" anchor="t" anchorCtr="0">
+            <a:noAutofit/>
           </a:bodyPr>
           <a:lstStyle>
-            <a:lvl1pPr marL="0" indent="0" algn="l" defTabSz="914377" rtl="0" eaLnBrk="1" latinLnBrk="0" hangingPunct="1">
+            <a:lvl1pPr algn="l" defTabSz="914377" rtl="0" eaLnBrk="1" latinLnBrk="0" hangingPunct="1">
               <a:lnSpc>
                 <a:spcPct val="90000"/>
               </a:lnSpc>
               <a:spcBef>
-                <a:spcPts val="1000"/>
+                <a:spcPct val="0"/>
               </a:spcBef>
-              <a:buFont typeface="Arial" panose="020B0604020202020204" pitchFamily="34" charset="0"/>
               <a:buNone/>
-              <a:defRPr sz="2400" kern="1200">
+              <a:defRPr sz="2600" kern="1200">
                 <a:solidFill>
                   <a:schemeClr val="tx1"/>
                 </a:solidFill>
-                <a:latin typeface="+mn-lt"/>
-                <a:ea typeface="+mn-ea"/>
-                <a:cs typeface="+mn-cs"/>
+                <a:latin typeface="+mj-lt"/>
+                <a:ea typeface="+mj-ea"/>
+                <a:cs typeface="+mj-cs"/>
               </a:defRPr>
             </a:lvl1pPr>
-            <a:lvl2pPr marL="457189" indent="0" algn="l" defTabSz="914377" rtl="0" eaLnBrk="1" latinLnBrk="0" hangingPunct="1">
+          </a:lstStyle>
+          <a:p>
+            <a:pPr algn="ctr"/>
+            <a:r>
+              <a:rPr lang="es-CO" sz="1600" dirty="0">
+                <a:solidFill>
+                  <a:schemeClr val="bg1">
+                    <a:lumMod val="25000"/>
+                  </a:schemeClr>
+                </a:solidFill>
+                <a:latin typeface="Segoe UI" panose="020B0502040204020203" pitchFamily="34" charset="0"/>
+                <a:ea typeface="Segoe UI Black" panose="020B0A02040204020203" pitchFamily="34" charset="0"/>
+                <a:cs typeface="Segoe UI" panose="020B0502040204020203" pitchFamily="34" charset="0"/>
+              </a:rPr>
+              <a:t>Expositor</a:t>
+            </a:r>
+          </a:p>
+          <a:p>
+            <a:pPr algn="ctr"/>
+            <a:r>
+              <a:rPr lang="es-CO" sz="1800" dirty="0">
+                <a:solidFill>
+                  <a:schemeClr val="bg1">
+                    <a:lumMod val="25000"/>
+                  </a:schemeClr>
+                </a:solidFill>
+                <a:latin typeface="Segoe UI" panose="020B0502040204020203" pitchFamily="34" charset="0"/>
+                <a:ea typeface="Segoe UI Black" panose="020B0A02040204020203" pitchFamily="34" charset="0"/>
+                <a:cs typeface="Segoe UI" panose="020B0502040204020203" pitchFamily="34" charset="0"/>
+              </a:rPr>
+              <a:t>Juan David Rodríguez Acevedo</a:t>
+            </a:r>
+          </a:p>
+          <a:p>
+            <a:pPr algn="ctr"/>
+            <a:r>
+              <a:rPr lang="es-CO" sz="1400" dirty="0">
+                <a:solidFill>
+                  <a:schemeClr val="bg1">
+                    <a:lumMod val="25000"/>
+                  </a:schemeClr>
+                </a:solidFill>
+                <a:latin typeface="Segoe UI" panose="020B0502040204020203" pitchFamily="34" charset="0"/>
+                <a:ea typeface="Segoe UI Black" panose="020B0A02040204020203" pitchFamily="34" charset="0"/>
+                <a:cs typeface="Segoe UI" panose="020B0502040204020203" pitchFamily="34" charset="0"/>
+              </a:rPr>
+              <a:t>juan.rodrigueza@escuelaing.edu.co</a:t>
+            </a:r>
+          </a:p>
+          <a:p>
+            <a:pPr algn="ctr"/>
+            <a:r>
+              <a:rPr lang="es-CO" sz="1400" dirty="0">
+                <a:solidFill>
+                  <a:schemeClr val="bg1">
+                    <a:lumMod val="25000"/>
+                  </a:schemeClr>
+                </a:solidFill>
+                <a:latin typeface="Segoe UI" panose="020B0502040204020203" pitchFamily="34" charset="0"/>
+                <a:ea typeface="Segoe UI Black" panose="020B0A02040204020203" pitchFamily="34" charset="0"/>
+                <a:cs typeface="Segoe UI" panose="020B0502040204020203" pitchFamily="34" charset="0"/>
+              </a:rPr>
+              <a:t>https://github.com/juanrodace</a:t>
+            </a:r>
+          </a:p>
+          <a:p>
+            <a:pPr algn="ctr"/>
+            <a:endParaRPr lang="es-CO" sz="1600" dirty="0">
+              <a:solidFill>
+                <a:schemeClr val="bg1">
+                  <a:lumMod val="25000"/>
+                </a:schemeClr>
+              </a:solidFill>
+              <a:latin typeface="Segoe UI" panose="020B0502040204020203" pitchFamily="34" charset="0"/>
+              <a:ea typeface="Segoe UI Black" panose="020B0A02040204020203" pitchFamily="34" charset="0"/>
+              <a:cs typeface="Segoe UI" panose="020B0502040204020203" pitchFamily="34" charset="0"/>
+            </a:endParaRPr>
+          </a:p>
+          <a:p>
+            <a:pPr algn="ctr"/>
+            <a:endParaRPr lang="es-CO" sz="1600" dirty="0">
+              <a:solidFill>
+                <a:schemeClr val="bg1">
+                  <a:lumMod val="25000"/>
+                </a:schemeClr>
+              </a:solidFill>
+              <a:latin typeface="Segoe UI" panose="020B0502040204020203" pitchFamily="34" charset="0"/>
+              <a:ea typeface="Segoe UI Black" panose="020B0A02040204020203" pitchFamily="34" charset="0"/>
+              <a:cs typeface="Segoe UI" panose="020B0502040204020203" pitchFamily="34" charset="0"/>
+            </a:endParaRPr>
+          </a:p>
+          <a:p>
+            <a:pPr algn="ctr"/>
+            <a:r>
+              <a:rPr lang="es-CO" sz="1600" dirty="0">
+                <a:solidFill>
+                  <a:schemeClr val="bg1">
+                    <a:lumMod val="25000"/>
+                  </a:schemeClr>
+                </a:solidFill>
+                <a:latin typeface="Segoe UI" panose="020B0502040204020203" pitchFamily="34" charset="0"/>
+                <a:ea typeface="Segoe UI Black" panose="020B0A02040204020203" pitchFamily="34" charset="0"/>
+                <a:cs typeface="Segoe UI" panose="020B0502040204020203" pitchFamily="34" charset="0"/>
+              </a:rPr>
+              <a:t>Cámara, edición y música</a:t>
+            </a:r>
+            <a:endParaRPr lang="es-CO" sz="1800" dirty="0">
+              <a:solidFill>
+                <a:schemeClr val="bg1">
+                  <a:lumMod val="25000"/>
+                </a:schemeClr>
+              </a:solidFill>
+              <a:latin typeface="Segoe UI" panose="020B0502040204020203" pitchFamily="34" charset="0"/>
+              <a:ea typeface="Segoe UI Black" panose="020B0A02040204020203" pitchFamily="34" charset="0"/>
+              <a:cs typeface="Segoe UI" panose="020B0502040204020203" pitchFamily="34" charset="0"/>
+            </a:endParaRPr>
+          </a:p>
+          <a:p>
+            <a:pPr algn="ctr"/>
+            <a:r>
+              <a:rPr lang="es-CO" sz="1800" dirty="0">
+                <a:solidFill>
+                  <a:schemeClr val="bg1">
+                    <a:lumMod val="25000"/>
+                  </a:schemeClr>
+                </a:solidFill>
+                <a:latin typeface="Segoe UI" panose="020B0502040204020203" pitchFamily="34" charset="0"/>
+                <a:ea typeface="Segoe UI Black" panose="020B0A02040204020203" pitchFamily="34" charset="0"/>
+                <a:cs typeface="Segoe UI" panose="020B0502040204020203" pitchFamily="34" charset="0"/>
+              </a:rPr>
+              <a:t>Juan Manuel Corredor</a:t>
+            </a:r>
+          </a:p>
+          <a:p>
+            <a:pPr algn="ctr"/>
+            <a:r>
+              <a:rPr lang="es-CO" sz="1400" dirty="0">
+                <a:solidFill>
+                  <a:schemeClr val="bg1">
+                    <a:lumMod val="25000"/>
+                  </a:schemeClr>
+                </a:solidFill>
+                <a:latin typeface="Segoe UI" panose="020B0502040204020203" pitchFamily="34" charset="0"/>
+                <a:ea typeface="Segoe UI Black" panose="020B0A02040204020203" pitchFamily="34" charset="0"/>
+                <a:cs typeface="Segoe UI" panose="020B0502040204020203" pitchFamily="34" charset="0"/>
+              </a:rPr>
+              <a:t>juan.corredor-u@escuelaing.edu.co</a:t>
+            </a:r>
+          </a:p>
+          <a:p>
+            <a:pPr algn="ctr"/>
+            <a:endParaRPr lang="es-CO" sz="1400" dirty="0">
+              <a:solidFill>
+                <a:schemeClr val="bg1">
+                  <a:lumMod val="25000"/>
+                </a:schemeClr>
+              </a:solidFill>
+              <a:latin typeface="Segoe UI" panose="020B0502040204020203" pitchFamily="34" charset="0"/>
+              <a:ea typeface="Segoe UI Black" panose="020B0A02040204020203" pitchFamily="34" charset="0"/>
+              <a:cs typeface="Segoe UI" panose="020B0502040204020203" pitchFamily="34" charset="0"/>
+            </a:endParaRPr>
+          </a:p>
+          <a:p>
+            <a:pPr algn="ctr"/>
+            <a:endParaRPr lang="es-CO" sz="1400" dirty="0">
+              <a:solidFill>
+                <a:schemeClr val="bg1">
+                  <a:lumMod val="25000"/>
+                </a:schemeClr>
+              </a:solidFill>
+              <a:latin typeface="Segoe UI" panose="020B0502040204020203" pitchFamily="34" charset="0"/>
+              <a:ea typeface="Segoe UI Black" panose="020B0A02040204020203" pitchFamily="34" charset="0"/>
+              <a:cs typeface="Segoe UI" panose="020B0502040204020203" pitchFamily="34" charset="0"/>
+            </a:endParaRPr>
+          </a:p>
+        </p:txBody>
+      </p:sp>
+      <p:sp>
+        <p:nvSpPr>
+          <p:cNvPr id="7" name="Title 1">
+            <a:extLst>
+              <a:ext uri="{FF2B5EF4-FFF2-40B4-BE49-F238E27FC236}">
+                <a16:creationId xmlns:a16="http://schemas.microsoft.com/office/drawing/2014/main" id="{4D31B05A-2637-641E-855D-FABE24D5B5FC}"/>
+              </a:ext>
+            </a:extLst>
+          </p:cNvPr>
+          <p:cNvSpPr txBox="1">
+            <a:spLocks/>
+          </p:cNvSpPr>
+          <p:nvPr/>
+        </p:nvSpPr>
+        <p:spPr>
+          <a:xfrm>
+            <a:off x="1055999" y="3595606"/>
+            <a:ext cx="5040000" cy="2071770"/>
+          </a:xfrm>
+          <a:prstGeom prst="rect">
+            <a:avLst/>
+          </a:prstGeom>
+        </p:spPr>
+        <p:txBody>
+          <a:bodyPr vert="horz" lIns="91440" tIns="45720" rIns="91440" bIns="45720" rtlCol="0" anchor="t" anchorCtr="0">
+            <a:noAutofit/>
+          </a:bodyPr>
+          <a:lstStyle>
+            <a:lvl1pPr algn="l" defTabSz="914377" rtl="0" eaLnBrk="1" latinLnBrk="0" hangingPunct="1">
               <a:lnSpc>
                 <a:spcPct val="90000"/>
               </a:lnSpc>
               <a:spcBef>
-                <a:spcPts val="500"/>
+                <a:spcPct val="0"/>
               </a:spcBef>
-              <a:buFont typeface="Arial" panose="020B0604020202020204" pitchFamily="34" charset="0"/>
               <a:buNone/>
-              <a:defRPr sz="2800" kern="1200">
+              <a:defRPr sz="2600" kern="1200">
                 <a:solidFill>
                   <a:schemeClr val="tx1"/>
                 </a:solidFill>
-                <a:latin typeface="+mn-lt"/>
-                <a:ea typeface="+mn-ea"/>
-                <a:cs typeface="+mn-cs"/>
+                <a:latin typeface="+mj-lt"/>
+                <a:ea typeface="+mj-ea"/>
+                <a:cs typeface="+mj-cs"/>
               </a:defRPr>
-            </a:lvl2pPr>
-            <a:lvl3pPr marL="914377" indent="0" algn="l" defTabSz="914377" rtl="0" eaLnBrk="1" latinLnBrk="0" hangingPunct="1">
-              <a:lnSpc>
-                <a:spcPct val="90000"/>
-              </a:lnSpc>
-              <a:spcBef>
-                <a:spcPts val="500"/>
-              </a:spcBef>
-              <a:buFont typeface="Arial" panose="020B0604020202020204" pitchFamily="34" charset="0"/>
-              <a:buNone/>
-              <a:defRPr sz="2400" kern="1200">
+            </a:lvl1pPr>
+          </a:lstStyle>
+          <a:p>
+            <a:pPr algn="ctr"/>
+            <a:r>
+              <a:rPr lang="es-CO" sz="1600" dirty="0">
                 <a:solidFill>
-                  <a:schemeClr val="tx1"/>
+                  <a:schemeClr val="bg1">
+                    <a:lumMod val="25000"/>
+                  </a:schemeClr>
                 </a:solidFill>
-                <a:latin typeface="+mn-lt"/>
-                <a:ea typeface="+mn-ea"/>
-                <a:cs typeface="+mn-cs"/>
-              </a:defRPr>
-            </a:lvl3pPr>
-            <a:lvl4pPr marL="1371566" indent="0" algn="l" defTabSz="914377" rtl="0" eaLnBrk="1" latinLnBrk="0" hangingPunct="1">
-              <a:lnSpc>
-                <a:spcPct val="90000"/>
-              </a:lnSpc>
-              <a:spcBef>
-                <a:spcPts val="500"/>
-              </a:spcBef>
-              <a:buFont typeface="Arial" panose="020B0604020202020204" pitchFamily="34" charset="0"/>
-              <a:buNone/>
-              <a:defRPr sz="2000" kern="1200">
+                <a:latin typeface="Segoe UI" panose="020B0502040204020203" pitchFamily="34" charset="0"/>
+                <a:ea typeface="Segoe UI Black" panose="020B0A02040204020203" pitchFamily="34" charset="0"/>
+                <a:cs typeface="Segoe UI" panose="020B0502040204020203" pitchFamily="34" charset="0"/>
+              </a:rPr>
+              <a:t>Dirección</a:t>
+            </a:r>
+            <a:endParaRPr lang="es-CO" sz="1800" dirty="0">
+              <a:solidFill>
+                <a:schemeClr val="bg1">
+                  <a:lumMod val="25000"/>
+                </a:schemeClr>
+              </a:solidFill>
+              <a:latin typeface="Segoe UI" panose="020B0502040204020203" pitchFamily="34" charset="0"/>
+              <a:ea typeface="Segoe UI Black" panose="020B0A02040204020203" pitchFamily="34" charset="0"/>
+              <a:cs typeface="Segoe UI" panose="020B0502040204020203" pitchFamily="34" charset="0"/>
+            </a:endParaRPr>
+          </a:p>
+          <a:p>
+            <a:pPr algn="ctr"/>
+            <a:r>
+              <a:rPr lang="es-CO" sz="1800" dirty="0">
                 <a:solidFill>
-                  <a:schemeClr val="tx1"/>
+                  <a:schemeClr val="bg1">
+                    <a:lumMod val="25000"/>
+                  </a:schemeClr>
                 </a:solidFill>
-                <a:latin typeface="+mn-lt"/>
-                <a:ea typeface="+mn-ea"/>
-                <a:cs typeface="+mn-cs"/>
-              </a:defRPr>
-            </a:lvl4pPr>
-            <a:lvl5pPr marL="1828754" indent="0" algn="l" defTabSz="914377" rtl="0" eaLnBrk="1" latinLnBrk="0" hangingPunct="1">
-              <a:lnSpc>
-                <a:spcPct val="90000"/>
-              </a:lnSpc>
-              <a:spcBef>
-                <a:spcPts val="500"/>
-              </a:spcBef>
-              <a:buFont typeface="Arial" panose="020B0604020202020204" pitchFamily="34" charset="0"/>
-              <a:buNone/>
-              <a:defRPr sz="2000" kern="1200">
+                <a:latin typeface="Segoe UI" panose="020B0502040204020203" pitchFamily="34" charset="0"/>
+                <a:ea typeface="Segoe UI Black" panose="020B0A02040204020203" pitchFamily="34" charset="0"/>
+                <a:cs typeface="Segoe UI" panose="020B0502040204020203" pitchFamily="34" charset="0"/>
+              </a:rPr>
+              <a:t>Héctor Alfonso Rodríguez Díaz</a:t>
+            </a:r>
+          </a:p>
+          <a:p>
+            <a:pPr algn="ctr"/>
+            <a:r>
+              <a:rPr lang="es-CO" sz="1400" dirty="0">
                 <a:solidFill>
-                  <a:schemeClr val="tx1"/>
+                  <a:schemeClr val="bg1">
+                    <a:lumMod val="25000"/>
+                  </a:schemeClr>
                 </a:solidFill>
-                <a:latin typeface="+mn-lt"/>
-                <a:ea typeface="+mn-ea"/>
-                <a:cs typeface="+mn-cs"/>
-              </a:defRPr>
-            </a:lvl5pPr>
-            <a:lvl6pPr marL="2285943" indent="0" algn="l" defTabSz="914377" rtl="0" eaLnBrk="1" latinLnBrk="0" hangingPunct="1">
-              <a:lnSpc>
-                <a:spcPct val="90000"/>
-              </a:lnSpc>
-              <a:spcBef>
-                <a:spcPts val="500"/>
-              </a:spcBef>
-              <a:buFont typeface="Arial" panose="020B0604020202020204" pitchFamily="34" charset="0"/>
-              <a:buNone/>
-              <a:defRPr sz="2000" kern="1200">
+                <a:latin typeface="Segoe UI" panose="020B0502040204020203" pitchFamily="34" charset="0"/>
+                <a:ea typeface="Segoe UI Black" panose="020B0A02040204020203" pitchFamily="34" charset="0"/>
+                <a:cs typeface="Segoe UI" panose="020B0502040204020203" pitchFamily="34" charset="0"/>
+              </a:rPr>
+              <a:t>alfonso.rodriguez@escuelaing.edu.co</a:t>
+            </a:r>
+          </a:p>
+          <a:p>
+            <a:pPr algn="ctr"/>
+            <a:endParaRPr lang="es-CO" sz="1400" dirty="0">
+              <a:solidFill>
+                <a:schemeClr val="bg1">
+                  <a:lumMod val="25000"/>
+                </a:schemeClr>
+              </a:solidFill>
+              <a:latin typeface="Segoe UI" panose="020B0502040204020203" pitchFamily="34" charset="0"/>
+              <a:ea typeface="Segoe UI Black" panose="020B0A02040204020203" pitchFamily="34" charset="0"/>
+              <a:cs typeface="Segoe UI" panose="020B0502040204020203" pitchFamily="34" charset="0"/>
+            </a:endParaRPr>
+          </a:p>
+          <a:p>
+            <a:pPr algn="ctr"/>
+            <a:endParaRPr lang="es-CO" sz="1400" dirty="0">
+              <a:solidFill>
+                <a:schemeClr val="bg1">
+                  <a:lumMod val="25000"/>
+                </a:schemeClr>
+              </a:solidFill>
+              <a:latin typeface="Segoe UI" panose="020B0502040204020203" pitchFamily="34" charset="0"/>
+              <a:ea typeface="Segoe UI Black" panose="020B0A02040204020203" pitchFamily="34" charset="0"/>
+              <a:cs typeface="Segoe UI" panose="020B0502040204020203" pitchFamily="34" charset="0"/>
+            </a:endParaRPr>
+          </a:p>
+          <a:p>
+            <a:pPr algn="ctr"/>
+            <a:r>
+              <a:rPr lang="es-CO" sz="1600" dirty="0">
                 <a:solidFill>
-                  <a:schemeClr val="tx1"/>
+                  <a:schemeClr val="bg1">
+                    <a:lumMod val="25000"/>
+                  </a:schemeClr>
                 </a:solidFill>
-                <a:latin typeface="+mn-lt"/>
-                <a:ea typeface="+mn-ea"/>
-                <a:cs typeface="+mn-cs"/>
-              </a:defRPr>
-            </a:lvl6pPr>
-            <a:lvl7pPr marL="2743131" indent="0" algn="l" defTabSz="914377" rtl="0" eaLnBrk="1" latinLnBrk="0" hangingPunct="1">
-              <a:lnSpc>
-                <a:spcPct val="90000"/>
-              </a:lnSpc>
-              <a:spcBef>
-                <a:spcPts val="500"/>
-              </a:spcBef>
-              <a:buFont typeface="Arial" panose="020B0604020202020204" pitchFamily="34" charset="0"/>
-              <a:buNone/>
-              <a:defRPr sz="2000" kern="1200">
+                <a:latin typeface="Segoe UI" panose="020B0502040204020203" pitchFamily="34" charset="0"/>
+                <a:ea typeface="Segoe UI Black" panose="020B0A02040204020203" pitchFamily="34" charset="0"/>
+                <a:cs typeface="Segoe UI" panose="020B0502040204020203" pitchFamily="34" charset="0"/>
+              </a:rPr>
+              <a:t>Contenido digital</a:t>
+            </a:r>
+          </a:p>
+          <a:p>
+            <a:pPr algn="ctr"/>
+            <a:r>
+              <a:rPr lang="es-CO" sz="1800" dirty="0">
                 <a:solidFill>
-                  <a:schemeClr val="tx1"/>
+                  <a:schemeClr val="bg1">
+                    <a:lumMod val="25000"/>
+                  </a:schemeClr>
                 </a:solidFill>
-                <a:latin typeface="+mn-lt"/>
-                <a:ea typeface="+mn-ea"/>
-                <a:cs typeface="+mn-cs"/>
-              </a:defRPr>
-            </a:lvl7pPr>
-            <a:lvl8pPr marL="3200320" indent="0" algn="l" defTabSz="914377" rtl="0" eaLnBrk="1" latinLnBrk="0" hangingPunct="1">
-              <a:lnSpc>
-                <a:spcPct val="90000"/>
-              </a:lnSpc>
-              <a:spcBef>
-                <a:spcPts val="500"/>
-              </a:spcBef>
-              <a:buFont typeface="Arial" panose="020B0604020202020204" pitchFamily="34" charset="0"/>
-              <a:buNone/>
-              <a:defRPr sz="2000" kern="1200">
+                <a:latin typeface="Segoe UI" panose="020B0502040204020203" pitchFamily="34" charset="0"/>
+                <a:ea typeface="Segoe UI Black" panose="020B0A02040204020203" pitchFamily="34" charset="0"/>
+                <a:cs typeface="Segoe UI" panose="020B0502040204020203" pitchFamily="34" charset="0"/>
+              </a:rPr>
+              <a:t>Juan David Rodríguez Acevedo</a:t>
+            </a:r>
+          </a:p>
+          <a:p>
+            <a:pPr algn="ctr"/>
+            <a:r>
+              <a:rPr lang="es-CO" sz="1400" dirty="0">
                 <a:solidFill>
-                  <a:schemeClr val="tx1"/>
+                  <a:schemeClr val="bg1">
+                    <a:lumMod val="25000"/>
+                  </a:schemeClr>
                 </a:solidFill>
-                <a:latin typeface="+mn-lt"/>
-                <a:ea typeface="+mn-ea"/>
-                <a:cs typeface="+mn-cs"/>
-              </a:defRPr>
-            </a:lvl8pPr>
-            <a:lvl9pPr marL="3657509" indent="0" algn="l" defTabSz="914377" rtl="0" eaLnBrk="1" latinLnBrk="0" hangingPunct="1">
-              <a:lnSpc>
-                <a:spcPct val="90000"/>
-              </a:lnSpc>
-              <a:spcBef>
-                <a:spcPts val="500"/>
-              </a:spcBef>
-              <a:buFont typeface="Arial" panose="020B0604020202020204" pitchFamily="34" charset="0"/>
-              <a:buNone/>
-              <a:defRPr sz="2000" kern="1200">
+                <a:latin typeface="Segoe UI" panose="020B0502040204020203" pitchFamily="34" charset="0"/>
+                <a:ea typeface="Segoe UI Black" panose="020B0A02040204020203" pitchFamily="34" charset="0"/>
+                <a:cs typeface="Segoe UI" panose="020B0502040204020203" pitchFamily="34" charset="0"/>
+              </a:rPr>
+              <a:t>juan.rodrigueza@escuelaing.edu.co</a:t>
+            </a:r>
+          </a:p>
+          <a:p>
+            <a:pPr algn="ctr"/>
+            <a:r>
+              <a:rPr lang="es-CO" sz="1400" dirty="0">
                 <a:solidFill>
-                  <a:schemeClr val="tx1"/>
+                  <a:schemeClr val="bg1">
+                    <a:lumMod val="25000"/>
+                  </a:schemeClr>
                 </a:solidFill>
-                <a:latin typeface="+mn-lt"/>
-                <a:ea typeface="+mn-ea"/>
-                <a:cs typeface="+mn-cs"/>
-              </a:defRPr>
-            </a:lvl9pPr>
-          </a:lstStyle>
-          <a:p>
-            <a:pPr marL="342900" indent="-342900">
-              <a:buFont typeface="Arial" panose="020B0604020202020204" pitchFamily="34" charset="0"/>
-              <a:buChar char="•"/>
-            </a:pPr>
-            <a:r>
-              <a:rPr lang="es-CO" sz="2200" dirty="0"/>
-              <a:t>Tramo corto, sin fricción.</a:t>
-            </a:r>
-          </a:p>
-          <a:p>
-            <a:pPr marL="342900" indent="-342900">
-              <a:buFont typeface="Arial" panose="020B0604020202020204" pitchFamily="34" charset="0"/>
-              <a:buChar char="•"/>
-            </a:pPr>
-            <a:r>
-              <a:rPr lang="es-CO" sz="2200" dirty="0"/>
-              <a:t>Presión hidrostática.</a:t>
-            </a:r>
-          </a:p>
-          <a:p>
-            <a:pPr marL="342900" indent="-342900">
-              <a:buFont typeface="Arial" panose="020B0604020202020204" pitchFamily="34" charset="0"/>
-              <a:buChar char="•"/>
-            </a:pPr>
-            <a:r>
-              <a:rPr lang="es-CO" sz="2200" dirty="0"/>
-              <a:t>Fuerza hidrostática + flujo de momentum.</a:t>
-            </a:r>
-          </a:p>
-          <a:p>
-            <a:pPr marL="342900" indent="-342900">
-              <a:buFont typeface="Arial" panose="020B0604020202020204" pitchFamily="34" charset="0"/>
-              <a:buChar char="•"/>
-            </a:pPr>
-            <a:r>
-              <a:rPr lang="es-CO" sz="2200" dirty="0"/>
-              <a:t>Cuando y=y</a:t>
-            </a:r>
-            <a:r>
-              <a:rPr lang="es-CO" sz="2200" baseline="-25000" dirty="0"/>
-              <a:t>c</a:t>
-            </a:r>
-            <a:r>
-              <a:rPr lang="es-CO" sz="2200" dirty="0"/>
-              <a:t>, la F</a:t>
-            </a:r>
-            <a:r>
-              <a:rPr lang="es-CO" sz="2200" baseline="-25000" dirty="0"/>
-              <a:t>e</a:t>
-            </a:r>
-            <a:r>
-              <a:rPr lang="es-CO" sz="2200" dirty="0"/>
-              <a:t> es mínima.</a:t>
-            </a:r>
-          </a:p>
-          <a:p>
-            <a:pPr marL="342900" indent="-342900">
-              <a:buFont typeface="Arial" panose="020B0604020202020204" pitchFamily="34" charset="0"/>
-              <a:buChar char="•"/>
-            </a:pPr>
-            <a:r>
-              <a:rPr lang="es-CO" sz="2200" dirty="0"/>
-              <a:t>Profundidades conjugadas para una F</a:t>
-            </a:r>
-            <a:r>
-              <a:rPr lang="es-CO" sz="2200" baseline="-25000" dirty="0"/>
-              <a:t>e</a:t>
-            </a:r>
-            <a:r>
-              <a:rPr lang="es-CO" sz="2200" dirty="0"/>
-              <a:t> dada.</a:t>
-            </a:r>
-          </a:p>
-          <a:p>
-            <a:pPr marL="342900" indent="-342900">
-              <a:buFont typeface="Arial" panose="020B0604020202020204" pitchFamily="34" charset="0"/>
-              <a:buChar char="•"/>
-            </a:pPr>
-            <a:r>
-              <a:rPr lang="es-CO" sz="2200" dirty="0"/>
-              <a:t>Resalto hidráulico.</a:t>
-            </a:r>
-          </a:p>
-          <a:p>
-            <a:pPr marL="342900" indent="-342900">
-              <a:buFont typeface="Arial" panose="020B0604020202020204" pitchFamily="34" charset="0"/>
-              <a:buChar char="•"/>
-            </a:pPr>
-            <a:endParaRPr lang="es-CO" sz="2200" dirty="0"/>
-          </a:p>
-          <a:p>
-            <a:pPr marL="342900" indent="-342900">
-              <a:buFont typeface="Arial" panose="020B0604020202020204" pitchFamily="34" charset="0"/>
-              <a:buChar char="•"/>
-            </a:pPr>
-            <a:endParaRPr lang="en-US" sz="2200" dirty="0"/>
+                <a:latin typeface="Segoe UI" panose="020B0502040204020203" pitchFamily="34" charset="0"/>
+                <a:ea typeface="Segoe UI Black" panose="020B0A02040204020203" pitchFamily="34" charset="0"/>
+                <a:cs typeface="Segoe UI" panose="020B0502040204020203" pitchFamily="34" charset="0"/>
+              </a:rPr>
+              <a:t>https://github.com/juanrodace/</a:t>
+            </a:r>
           </a:p>
         </p:txBody>
       </p:sp>
       <p:pic>
         <p:nvPicPr>
-          <p:cNvPr id="3" name="Imagen 2" descr="Diagrama&#10;&#10;Descripción generada automáticamente con confianza media">
+          <p:cNvPr id="4" name="Graphic 3">
             <a:extLst>
               <a:ext uri="{FF2B5EF4-FFF2-40B4-BE49-F238E27FC236}">
-                <a16:creationId xmlns:a16="http://schemas.microsoft.com/office/drawing/2014/main" id="{3C0BD5C7-CBBB-66A1-7C86-015D7C7968C5}"/>
+                <a16:creationId xmlns:a16="http://schemas.microsoft.com/office/drawing/2014/main" id="{50FD19C5-BDA1-AA73-30F7-387B18E48D1F}"/>
               </a:ext>
             </a:extLst>
           </p:cNvPr>
@@ -9121,17 +11469,12 @@
           <p:nvPr/>
         </p:nvPicPr>
         <p:blipFill>
-          <a:blip r:embed="rId2">
-            <a:clrChange>
-              <a:clrFrom>
-                <a:srgbClr val="FFFFFF"/>
-              </a:clrFrom>
-              <a:clrTo>
-                <a:srgbClr val="FFFFFF">
-                  <a:alpha val="0"/>
-                </a:srgbClr>
-              </a:clrTo>
-            </a:clrChange>
+          <a:blip r:embed="rId3">
+            <a:extLst>
+              <a:ext uri="{96DAC541-7B7A-43D3-8B79-37D633B846F1}">
+                <asvg:svgBlip xmlns:asvg="http://schemas.microsoft.com/office/drawing/2016/SVG/main" r:embed="rId4"/>
+              </a:ext>
+            </a:extLst>
           </a:blip>
           <a:stretch>
             <a:fillRect/>
@@ -9139,8 +11482,80 @@
         </p:blipFill>
         <p:spPr>
           <a:xfrm>
-            <a:off x="2843229" y="1613876"/>
-            <a:ext cx="2701164" cy="1073512"/>
+            <a:off x="4851374" y="1647144"/>
+            <a:ext cx="2160000" cy="1037739"/>
+          </a:xfrm>
+          <a:prstGeom prst="rect">
+            <a:avLst/>
+          </a:prstGeom>
+        </p:spPr>
+      </p:pic>
+      <p:pic>
+        <p:nvPicPr>
+          <p:cNvPr id="8" name="Graphic 7">
+            <a:extLst>
+              <a:ext uri="{FF2B5EF4-FFF2-40B4-BE49-F238E27FC236}">
+                <a16:creationId xmlns:a16="http://schemas.microsoft.com/office/drawing/2014/main" id="{75C469DA-D012-E443-0DB2-0AC049C3A920}"/>
+              </a:ext>
+            </a:extLst>
+          </p:cNvPr>
+          <p:cNvPicPr>
+            <a:picLocks noChangeAspect="1"/>
+          </p:cNvPicPr>
+          <p:nvPr/>
+        </p:nvPicPr>
+        <p:blipFill>
+          <a:blip r:embed="rId5">
+            <a:extLst>
+              <a:ext uri="{96DAC541-7B7A-43D3-8B79-37D633B846F1}">
+                <asvg:svgBlip xmlns:asvg="http://schemas.microsoft.com/office/drawing/2016/SVG/main" r:embed="rId6"/>
+              </a:ext>
+            </a:extLst>
+          </a:blip>
+          <a:stretch>
+            <a:fillRect/>
+          </a:stretch>
+        </p:blipFill>
+        <p:spPr>
+          <a:xfrm>
+            <a:off x="1415999" y="1604884"/>
+            <a:ext cx="2160000" cy="1122261"/>
+          </a:xfrm>
+          <a:prstGeom prst="rect">
+            <a:avLst/>
+          </a:prstGeom>
+        </p:spPr>
+      </p:pic>
+      <p:pic>
+        <p:nvPicPr>
+          <p:cNvPr id="10" name="Graphic 9">
+            <a:extLst>
+              <a:ext uri="{FF2B5EF4-FFF2-40B4-BE49-F238E27FC236}">
+                <a16:creationId xmlns:a16="http://schemas.microsoft.com/office/drawing/2014/main" id="{0F4EC895-97D1-6A45-FE7D-7DA1B49F55B1}"/>
+              </a:ext>
+            </a:extLst>
+          </p:cNvPr>
+          <p:cNvPicPr>
+            <a:picLocks noChangeAspect="1"/>
+          </p:cNvPicPr>
+          <p:nvPr/>
+        </p:nvPicPr>
+        <p:blipFill>
+          <a:blip r:embed="rId7">
+            <a:extLst>
+              <a:ext uri="{96DAC541-7B7A-43D3-8B79-37D633B846F1}">
+                <asvg:svgBlip xmlns:asvg="http://schemas.microsoft.com/office/drawing/2016/SVG/main" r:embed="rId8"/>
+              </a:ext>
+            </a:extLst>
+          </a:blip>
+          <a:stretch>
+            <a:fillRect/>
+          </a:stretch>
+        </p:blipFill>
+        <p:spPr>
+          <a:xfrm>
+            <a:off x="8286750" y="1658885"/>
+            <a:ext cx="2160000" cy="1014261"/>
           </a:xfrm>
           <a:prstGeom prst="rect">
             <a:avLst/>
@@ -9150,7 +11565,7 @@
     </p:spTree>
     <p:extLst>
       <p:ext uri="{BB962C8B-B14F-4D97-AF65-F5344CB8AC3E}">
-        <p14:creationId xmlns:p14="http://schemas.microsoft.com/office/powerpoint/2010/main" val="1813581611"/>
+        <p14:creationId xmlns:p14="http://schemas.microsoft.com/office/powerpoint/2010/main" val="3656004048"/>
       </p:ext>
     </p:extLst>
   </p:cSld>

--- a/Section01/VariedFlow/HRAS.S1.VF.pptx
+++ b/Section01/VariedFlow/HRAS.S1.VF.pptx
@@ -5,10 +5,10 @@
     <p:sldMasterId id="2147483778" r:id="rId4"/>
   </p:sldMasterIdLst>
   <p:notesMasterIdLst>
-    <p:notesMasterId r:id="rId14"/>
+    <p:notesMasterId r:id="rId15"/>
   </p:notesMasterIdLst>
   <p:handoutMasterIdLst>
-    <p:handoutMasterId r:id="rId15"/>
+    <p:handoutMasterId r:id="rId16"/>
   </p:handoutMasterIdLst>
   <p:sldIdLst>
     <p:sldId id="314" r:id="rId5"/>
@@ -19,7 +19,8 @@
     <p:sldId id="353" r:id="rId10"/>
     <p:sldId id="354" r:id="rId11"/>
     <p:sldId id="355" r:id="rId12"/>
-    <p:sldId id="341" r:id="rId13"/>
+    <p:sldId id="356" r:id="rId13"/>
+    <p:sldId id="341" r:id="rId14"/>
   </p:sldIdLst>
   <p:sldSz cx="12192000" cy="6858000"/>
   <p:notesSz cx="6858000" cy="9144000"/>
@@ -131,6 +132,7 @@
             <p14:sldId id="353"/>
             <p14:sldId id="354"/>
             <p14:sldId id="355"/>
+            <p14:sldId id="356"/>
             <p14:sldId id="341"/>
           </p14:sldIdLst>
         </p14:section>
@@ -840,7 +842,7 @@
             <a:pPr rtl="0"/>
             <a:fld id="{810E1E9A-E921-4174-A0FC-51868D7AC568}" type="slidenum">
               <a:rPr lang="es-ES" noProof="0" smtClean="0"/>
-              <a:t>9</a:t>
+              <a:t>10</a:t>
             </a:fld>
             <a:endParaRPr lang="es-ES" noProof="0" dirty="0"/>
           </a:p>
@@ -6433,6 +6435,572 @@
       </p:transition>
     </mc:Fallback>
   </mc:AlternateContent>
+</p:sld>
+</file>
+
+<file path=ppt/slides/slide10.xml><?xml version="1.0" encoding="utf-8"?>
+<p:sld xmlns:a="http://schemas.openxmlformats.org/drawingml/2006/main" xmlns:r="http://schemas.openxmlformats.org/officeDocument/2006/relationships" xmlns:p="http://schemas.openxmlformats.org/presentationml/2006/main">
+  <p:cSld>
+    <p:bg>
+      <p:bgPr>
+        <a:solidFill>
+          <a:schemeClr val="bg1">
+            <a:lumMod val="90000"/>
+          </a:schemeClr>
+        </a:solidFill>
+        <a:effectLst/>
+      </p:bgPr>
+    </p:bg>
+    <p:spTree>
+      <p:nvGrpSpPr>
+        <p:cNvPr id="1" name=""/>
+        <p:cNvGrpSpPr/>
+        <p:nvPr/>
+      </p:nvGrpSpPr>
+      <p:grpSpPr>
+        <a:xfrm>
+          <a:off x="0" y="0"/>
+          <a:ext cx="0" cy="0"/>
+          <a:chOff x="0" y="0"/>
+          <a:chExt cx="0" cy="0"/>
+        </a:xfrm>
+      </p:grpSpPr>
+      <p:sp>
+        <p:nvSpPr>
+          <p:cNvPr id="3" name="Title 1">
+            <a:extLst>
+              <a:ext uri="{FF2B5EF4-FFF2-40B4-BE49-F238E27FC236}">
+                <a16:creationId xmlns:a16="http://schemas.microsoft.com/office/drawing/2014/main" id="{5293DDAA-B5E7-2D95-74A3-91A199E94E6C}"/>
+              </a:ext>
+            </a:extLst>
+          </p:cNvPr>
+          <p:cNvSpPr txBox="1">
+            <a:spLocks/>
+          </p:cNvSpPr>
+          <p:nvPr/>
+        </p:nvSpPr>
+        <p:spPr>
+          <a:xfrm>
+            <a:off x="6095999" y="3595606"/>
+            <a:ext cx="5040000" cy="3262393"/>
+          </a:xfrm>
+          <a:prstGeom prst="rect">
+            <a:avLst/>
+          </a:prstGeom>
+        </p:spPr>
+        <p:txBody>
+          <a:bodyPr vert="horz" lIns="91440" tIns="45720" rIns="91440" bIns="45720" rtlCol="0" anchor="t" anchorCtr="0">
+            <a:noAutofit/>
+          </a:bodyPr>
+          <a:lstStyle>
+            <a:lvl1pPr algn="l" defTabSz="914377" rtl="0" eaLnBrk="1" latinLnBrk="0" hangingPunct="1">
+              <a:lnSpc>
+                <a:spcPct val="90000"/>
+              </a:lnSpc>
+              <a:spcBef>
+                <a:spcPct val="0"/>
+              </a:spcBef>
+              <a:buNone/>
+              <a:defRPr sz="2600" kern="1200">
+                <a:solidFill>
+                  <a:schemeClr val="tx1"/>
+                </a:solidFill>
+                <a:latin typeface="+mj-lt"/>
+                <a:ea typeface="+mj-ea"/>
+                <a:cs typeface="+mj-cs"/>
+              </a:defRPr>
+            </a:lvl1pPr>
+          </a:lstStyle>
+          <a:p>
+            <a:pPr algn="ctr"/>
+            <a:r>
+              <a:rPr lang="es-CO" sz="1600" dirty="0">
+                <a:solidFill>
+                  <a:schemeClr val="bg1">
+                    <a:lumMod val="25000"/>
+                  </a:schemeClr>
+                </a:solidFill>
+                <a:latin typeface="Segoe UI" panose="020B0502040204020203" pitchFamily="34" charset="0"/>
+                <a:ea typeface="Segoe UI Black" panose="020B0A02040204020203" pitchFamily="34" charset="0"/>
+                <a:cs typeface="Segoe UI" panose="020B0502040204020203" pitchFamily="34" charset="0"/>
+              </a:rPr>
+              <a:t>Expositor</a:t>
+            </a:r>
+          </a:p>
+          <a:p>
+            <a:pPr algn="ctr"/>
+            <a:r>
+              <a:rPr lang="es-CO" sz="1800" dirty="0">
+                <a:solidFill>
+                  <a:schemeClr val="bg1">
+                    <a:lumMod val="25000"/>
+                  </a:schemeClr>
+                </a:solidFill>
+                <a:latin typeface="Segoe UI" panose="020B0502040204020203" pitchFamily="34" charset="0"/>
+                <a:ea typeface="Segoe UI Black" panose="020B0A02040204020203" pitchFamily="34" charset="0"/>
+                <a:cs typeface="Segoe UI" panose="020B0502040204020203" pitchFamily="34" charset="0"/>
+              </a:rPr>
+              <a:t>Juan David Rodríguez Acevedo</a:t>
+            </a:r>
+          </a:p>
+          <a:p>
+            <a:pPr algn="ctr"/>
+            <a:r>
+              <a:rPr lang="es-CO" sz="1400" dirty="0">
+                <a:solidFill>
+                  <a:schemeClr val="bg1">
+                    <a:lumMod val="25000"/>
+                  </a:schemeClr>
+                </a:solidFill>
+                <a:latin typeface="Segoe UI" panose="020B0502040204020203" pitchFamily="34" charset="0"/>
+                <a:ea typeface="Segoe UI Black" panose="020B0A02040204020203" pitchFamily="34" charset="0"/>
+                <a:cs typeface="Segoe UI" panose="020B0502040204020203" pitchFamily="34" charset="0"/>
+              </a:rPr>
+              <a:t>juan.rodrigueza@escuelaing.edu.co</a:t>
+            </a:r>
+          </a:p>
+          <a:p>
+            <a:pPr algn="ctr"/>
+            <a:r>
+              <a:rPr lang="es-CO" sz="1400" dirty="0">
+                <a:solidFill>
+                  <a:schemeClr val="bg1">
+                    <a:lumMod val="25000"/>
+                  </a:schemeClr>
+                </a:solidFill>
+                <a:latin typeface="Segoe UI" panose="020B0502040204020203" pitchFamily="34" charset="0"/>
+                <a:ea typeface="Segoe UI Black" panose="020B0A02040204020203" pitchFamily="34" charset="0"/>
+                <a:cs typeface="Segoe UI" panose="020B0502040204020203" pitchFamily="34" charset="0"/>
+              </a:rPr>
+              <a:t>https://github.com/juanrodace</a:t>
+            </a:r>
+          </a:p>
+          <a:p>
+            <a:pPr algn="ctr"/>
+            <a:endParaRPr lang="es-CO" sz="1600" dirty="0">
+              <a:solidFill>
+                <a:schemeClr val="bg1">
+                  <a:lumMod val="25000"/>
+                </a:schemeClr>
+              </a:solidFill>
+              <a:latin typeface="Segoe UI" panose="020B0502040204020203" pitchFamily="34" charset="0"/>
+              <a:ea typeface="Segoe UI Black" panose="020B0A02040204020203" pitchFamily="34" charset="0"/>
+              <a:cs typeface="Segoe UI" panose="020B0502040204020203" pitchFamily="34" charset="0"/>
+            </a:endParaRPr>
+          </a:p>
+          <a:p>
+            <a:pPr algn="ctr"/>
+            <a:endParaRPr lang="es-CO" sz="1600" dirty="0">
+              <a:solidFill>
+                <a:schemeClr val="bg1">
+                  <a:lumMod val="25000"/>
+                </a:schemeClr>
+              </a:solidFill>
+              <a:latin typeface="Segoe UI" panose="020B0502040204020203" pitchFamily="34" charset="0"/>
+              <a:ea typeface="Segoe UI Black" panose="020B0A02040204020203" pitchFamily="34" charset="0"/>
+              <a:cs typeface="Segoe UI" panose="020B0502040204020203" pitchFamily="34" charset="0"/>
+            </a:endParaRPr>
+          </a:p>
+          <a:p>
+            <a:pPr algn="ctr"/>
+            <a:r>
+              <a:rPr lang="es-CO" sz="1600" dirty="0">
+                <a:solidFill>
+                  <a:schemeClr val="bg1">
+                    <a:lumMod val="25000"/>
+                  </a:schemeClr>
+                </a:solidFill>
+                <a:latin typeface="Segoe UI" panose="020B0502040204020203" pitchFamily="34" charset="0"/>
+                <a:ea typeface="Segoe UI Black" panose="020B0A02040204020203" pitchFamily="34" charset="0"/>
+                <a:cs typeface="Segoe UI" panose="020B0502040204020203" pitchFamily="34" charset="0"/>
+              </a:rPr>
+              <a:t>Cámara, edición y música</a:t>
+            </a:r>
+            <a:endParaRPr lang="es-CO" sz="1800" dirty="0">
+              <a:solidFill>
+                <a:schemeClr val="bg1">
+                  <a:lumMod val="25000"/>
+                </a:schemeClr>
+              </a:solidFill>
+              <a:latin typeface="Segoe UI" panose="020B0502040204020203" pitchFamily="34" charset="0"/>
+              <a:ea typeface="Segoe UI Black" panose="020B0A02040204020203" pitchFamily="34" charset="0"/>
+              <a:cs typeface="Segoe UI" panose="020B0502040204020203" pitchFamily="34" charset="0"/>
+            </a:endParaRPr>
+          </a:p>
+          <a:p>
+            <a:pPr algn="ctr"/>
+            <a:r>
+              <a:rPr lang="es-CO" sz="1800" dirty="0">
+                <a:solidFill>
+                  <a:schemeClr val="bg1">
+                    <a:lumMod val="25000"/>
+                  </a:schemeClr>
+                </a:solidFill>
+                <a:latin typeface="Segoe UI" panose="020B0502040204020203" pitchFamily="34" charset="0"/>
+                <a:ea typeface="Segoe UI Black" panose="020B0A02040204020203" pitchFamily="34" charset="0"/>
+                <a:cs typeface="Segoe UI" panose="020B0502040204020203" pitchFamily="34" charset="0"/>
+              </a:rPr>
+              <a:t>Juan Manuel Corredor</a:t>
+            </a:r>
+          </a:p>
+          <a:p>
+            <a:pPr algn="ctr"/>
+            <a:r>
+              <a:rPr lang="es-CO" sz="1400" dirty="0">
+                <a:solidFill>
+                  <a:schemeClr val="bg1">
+                    <a:lumMod val="25000"/>
+                  </a:schemeClr>
+                </a:solidFill>
+                <a:latin typeface="Segoe UI" panose="020B0502040204020203" pitchFamily="34" charset="0"/>
+                <a:ea typeface="Segoe UI Black" panose="020B0A02040204020203" pitchFamily="34" charset="0"/>
+                <a:cs typeface="Segoe UI" panose="020B0502040204020203" pitchFamily="34" charset="0"/>
+              </a:rPr>
+              <a:t>juan.corredor-u@escuelaing.edu.co</a:t>
+            </a:r>
+          </a:p>
+          <a:p>
+            <a:pPr algn="ctr"/>
+            <a:endParaRPr lang="es-CO" sz="1400" dirty="0">
+              <a:solidFill>
+                <a:schemeClr val="bg1">
+                  <a:lumMod val="25000"/>
+                </a:schemeClr>
+              </a:solidFill>
+              <a:latin typeface="Segoe UI" panose="020B0502040204020203" pitchFamily="34" charset="0"/>
+              <a:ea typeface="Segoe UI Black" panose="020B0A02040204020203" pitchFamily="34" charset="0"/>
+              <a:cs typeface="Segoe UI" panose="020B0502040204020203" pitchFamily="34" charset="0"/>
+            </a:endParaRPr>
+          </a:p>
+          <a:p>
+            <a:pPr algn="ctr"/>
+            <a:endParaRPr lang="es-CO" sz="1400" dirty="0">
+              <a:solidFill>
+                <a:schemeClr val="bg1">
+                  <a:lumMod val="25000"/>
+                </a:schemeClr>
+              </a:solidFill>
+              <a:latin typeface="Segoe UI" panose="020B0502040204020203" pitchFamily="34" charset="0"/>
+              <a:ea typeface="Segoe UI Black" panose="020B0A02040204020203" pitchFamily="34" charset="0"/>
+              <a:cs typeface="Segoe UI" panose="020B0502040204020203" pitchFamily="34" charset="0"/>
+            </a:endParaRPr>
+          </a:p>
+        </p:txBody>
+      </p:sp>
+      <p:sp>
+        <p:nvSpPr>
+          <p:cNvPr id="7" name="Title 1">
+            <a:extLst>
+              <a:ext uri="{FF2B5EF4-FFF2-40B4-BE49-F238E27FC236}">
+                <a16:creationId xmlns:a16="http://schemas.microsoft.com/office/drawing/2014/main" id="{4D31B05A-2637-641E-855D-FABE24D5B5FC}"/>
+              </a:ext>
+            </a:extLst>
+          </p:cNvPr>
+          <p:cNvSpPr txBox="1">
+            <a:spLocks/>
+          </p:cNvSpPr>
+          <p:nvPr/>
+        </p:nvSpPr>
+        <p:spPr>
+          <a:xfrm>
+            <a:off x="1055999" y="3595606"/>
+            <a:ext cx="5040000" cy="2071770"/>
+          </a:xfrm>
+          <a:prstGeom prst="rect">
+            <a:avLst/>
+          </a:prstGeom>
+        </p:spPr>
+        <p:txBody>
+          <a:bodyPr vert="horz" lIns="91440" tIns="45720" rIns="91440" bIns="45720" rtlCol="0" anchor="t" anchorCtr="0">
+            <a:noAutofit/>
+          </a:bodyPr>
+          <a:lstStyle>
+            <a:lvl1pPr algn="l" defTabSz="914377" rtl="0" eaLnBrk="1" latinLnBrk="0" hangingPunct="1">
+              <a:lnSpc>
+                <a:spcPct val="90000"/>
+              </a:lnSpc>
+              <a:spcBef>
+                <a:spcPct val="0"/>
+              </a:spcBef>
+              <a:buNone/>
+              <a:defRPr sz="2600" kern="1200">
+                <a:solidFill>
+                  <a:schemeClr val="tx1"/>
+                </a:solidFill>
+                <a:latin typeface="+mj-lt"/>
+                <a:ea typeface="+mj-ea"/>
+                <a:cs typeface="+mj-cs"/>
+              </a:defRPr>
+            </a:lvl1pPr>
+          </a:lstStyle>
+          <a:p>
+            <a:pPr algn="ctr"/>
+            <a:r>
+              <a:rPr lang="es-CO" sz="1600" dirty="0">
+                <a:solidFill>
+                  <a:schemeClr val="bg1">
+                    <a:lumMod val="25000"/>
+                  </a:schemeClr>
+                </a:solidFill>
+                <a:latin typeface="Segoe UI" panose="020B0502040204020203" pitchFamily="34" charset="0"/>
+                <a:ea typeface="Segoe UI Black" panose="020B0A02040204020203" pitchFamily="34" charset="0"/>
+                <a:cs typeface="Segoe UI" panose="020B0502040204020203" pitchFamily="34" charset="0"/>
+              </a:rPr>
+              <a:t>Dirección</a:t>
+            </a:r>
+            <a:endParaRPr lang="es-CO" sz="1800" dirty="0">
+              <a:solidFill>
+                <a:schemeClr val="bg1">
+                  <a:lumMod val="25000"/>
+                </a:schemeClr>
+              </a:solidFill>
+              <a:latin typeface="Segoe UI" panose="020B0502040204020203" pitchFamily="34" charset="0"/>
+              <a:ea typeface="Segoe UI Black" panose="020B0A02040204020203" pitchFamily="34" charset="0"/>
+              <a:cs typeface="Segoe UI" panose="020B0502040204020203" pitchFamily="34" charset="0"/>
+            </a:endParaRPr>
+          </a:p>
+          <a:p>
+            <a:pPr algn="ctr"/>
+            <a:r>
+              <a:rPr lang="es-CO" sz="1800" dirty="0">
+                <a:solidFill>
+                  <a:schemeClr val="bg1">
+                    <a:lumMod val="25000"/>
+                  </a:schemeClr>
+                </a:solidFill>
+                <a:latin typeface="Segoe UI" panose="020B0502040204020203" pitchFamily="34" charset="0"/>
+                <a:ea typeface="Segoe UI Black" panose="020B0A02040204020203" pitchFamily="34" charset="0"/>
+                <a:cs typeface="Segoe UI" panose="020B0502040204020203" pitchFamily="34" charset="0"/>
+              </a:rPr>
+              <a:t>Héctor Alfonso Rodríguez Díaz</a:t>
+            </a:r>
+          </a:p>
+          <a:p>
+            <a:pPr algn="ctr"/>
+            <a:r>
+              <a:rPr lang="es-CO" sz="1400" dirty="0">
+                <a:solidFill>
+                  <a:schemeClr val="bg1">
+                    <a:lumMod val="25000"/>
+                  </a:schemeClr>
+                </a:solidFill>
+                <a:latin typeface="Segoe UI" panose="020B0502040204020203" pitchFamily="34" charset="0"/>
+                <a:ea typeface="Segoe UI Black" panose="020B0A02040204020203" pitchFamily="34" charset="0"/>
+                <a:cs typeface="Segoe UI" panose="020B0502040204020203" pitchFamily="34" charset="0"/>
+              </a:rPr>
+              <a:t>alfonso.rodriguez@escuelaing.edu.co</a:t>
+            </a:r>
+          </a:p>
+          <a:p>
+            <a:pPr algn="ctr"/>
+            <a:endParaRPr lang="es-CO" sz="1400" dirty="0">
+              <a:solidFill>
+                <a:schemeClr val="bg1">
+                  <a:lumMod val="25000"/>
+                </a:schemeClr>
+              </a:solidFill>
+              <a:latin typeface="Segoe UI" panose="020B0502040204020203" pitchFamily="34" charset="0"/>
+              <a:ea typeface="Segoe UI Black" panose="020B0A02040204020203" pitchFamily="34" charset="0"/>
+              <a:cs typeface="Segoe UI" panose="020B0502040204020203" pitchFamily="34" charset="0"/>
+            </a:endParaRPr>
+          </a:p>
+          <a:p>
+            <a:pPr algn="ctr"/>
+            <a:endParaRPr lang="es-CO" sz="1400" dirty="0">
+              <a:solidFill>
+                <a:schemeClr val="bg1">
+                  <a:lumMod val="25000"/>
+                </a:schemeClr>
+              </a:solidFill>
+              <a:latin typeface="Segoe UI" panose="020B0502040204020203" pitchFamily="34" charset="0"/>
+              <a:ea typeface="Segoe UI Black" panose="020B0A02040204020203" pitchFamily="34" charset="0"/>
+              <a:cs typeface="Segoe UI" panose="020B0502040204020203" pitchFamily="34" charset="0"/>
+            </a:endParaRPr>
+          </a:p>
+          <a:p>
+            <a:pPr algn="ctr"/>
+            <a:r>
+              <a:rPr lang="es-CO" sz="1600" dirty="0">
+                <a:solidFill>
+                  <a:schemeClr val="bg1">
+                    <a:lumMod val="25000"/>
+                  </a:schemeClr>
+                </a:solidFill>
+                <a:latin typeface="Segoe UI" panose="020B0502040204020203" pitchFamily="34" charset="0"/>
+                <a:ea typeface="Segoe UI Black" panose="020B0A02040204020203" pitchFamily="34" charset="0"/>
+                <a:cs typeface="Segoe UI" panose="020B0502040204020203" pitchFamily="34" charset="0"/>
+              </a:rPr>
+              <a:t>Contenido digital</a:t>
+            </a:r>
+          </a:p>
+          <a:p>
+            <a:pPr algn="ctr"/>
+            <a:r>
+              <a:rPr lang="es-CO" sz="1800" dirty="0">
+                <a:solidFill>
+                  <a:schemeClr val="bg1">
+                    <a:lumMod val="25000"/>
+                  </a:schemeClr>
+                </a:solidFill>
+                <a:latin typeface="Segoe UI" panose="020B0502040204020203" pitchFamily="34" charset="0"/>
+                <a:ea typeface="Segoe UI Black" panose="020B0A02040204020203" pitchFamily="34" charset="0"/>
+                <a:cs typeface="Segoe UI" panose="020B0502040204020203" pitchFamily="34" charset="0"/>
+              </a:rPr>
+              <a:t>Juan David Rodríguez Acevedo</a:t>
+            </a:r>
+          </a:p>
+          <a:p>
+            <a:pPr algn="ctr"/>
+            <a:r>
+              <a:rPr lang="es-CO" sz="1400" dirty="0">
+                <a:solidFill>
+                  <a:schemeClr val="bg1">
+                    <a:lumMod val="25000"/>
+                  </a:schemeClr>
+                </a:solidFill>
+                <a:latin typeface="Segoe UI" panose="020B0502040204020203" pitchFamily="34" charset="0"/>
+                <a:ea typeface="Segoe UI Black" panose="020B0A02040204020203" pitchFamily="34" charset="0"/>
+                <a:cs typeface="Segoe UI" panose="020B0502040204020203" pitchFamily="34" charset="0"/>
+              </a:rPr>
+              <a:t>juan.rodrigueza@escuelaing.edu.co</a:t>
+            </a:r>
+          </a:p>
+          <a:p>
+            <a:pPr algn="ctr"/>
+            <a:r>
+              <a:rPr lang="es-CO" sz="1400" dirty="0">
+                <a:solidFill>
+                  <a:schemeClr val="bg1">
+                    <a:lumMod val="25000"/>
+                  </a:schemeClr>
+                </a:solidFill>
+                <a:latin typeface="Segoe UI" panose="020B0502040204020203" pitchFamily="34" charset="0"/>
+                <a:ea typeface="Segoe UI Black" panose="020B0A02040204020203" pitchFamily="34" charset="0"/>
+                <a:cs typeface="Segoe UI" panose="020B0502040204020203" pitchFamily="34" charset="0"/>
+              </a:rPr>
+              <a:t>https://github.com/juanrodace/</a:t>
+            </a:r>
+          </a:p>
+        </p:txBody>
+      </p:sp>
+      <p:pic>
+        <p:nvPicPr>
+          <p:cNvPr id="4" name="Graphic 3">
+            <a:extLst>
+              <a:ext uri="{FF2B5EF4-FFF2-40B4-BE49-F238E27FC236}">
+                <a16:creationId xmlns:a16="http://schemas.microsoft.com/office/drawing/2014/main" id="{50FD19C5-BDA1-AA73-30F7-387B18E48D1F}"/>
+              </a:ext>
+            </a:extLst>
+          </p:cNvPr>
+          <p:cNvPicPr>
+            <a:picLocks noChangeAspect="1"/>
+          </p:cNvPicPr>
+          <p:nvPr/>
+        </p:nvPicPr>
+        <p:blipFill>
+          <a:blip r:embed="rId3">
+            <a:extLst>
+              <a:ext uri="{96DAC541-7B7A-43D3-8B79-37D633B846F1}">
+                <asvg:svgBlip xmlns:asvg="http://schemas.microsoft.com/office/drawing/2016/SVG/main" r:embed="rId4"/>
+              </a:ext>
+            </a:extLst>
+          </a:blip>
+          <a:stretch>
+            <a:fillRect/>
+          </a:stretch>
+        </p:blipFill>
+        <p:spPr>
+          <a:xfrm>
+            <a:off x="4851374" y="1647144"/>
+            <a:ext cx="2160000" cy="1037739"/>
+          </a:xfrm>
+          <a:prstGeom prst="rect">
+            <a:avLst/>
+          </a:prstGeom>
+        </p:spPr>
+      </p:pic>
+      <p:pic>
+        <p:nvPicPr>
+          <p:cNvPr id="8" name="Graphic 7">
+            <a:extLst>
+              <a:ext uri="{FF2B5EF4-FFF2-40B4-BE49-F238E27FC236}">
+                <a16:creationId xmlns:a16="http://schemas.microsoft.com/office/drawing/2014/main" id="{75C469DA-D012-E443-0DB2-0AC049C3A920}"/>
+              </a:ext>
+            </a:extLst>
+          </p:cNvPr>
+          <p:cNvPicPr>
+            <a:picLocks noChangeAspect="1"/>
+          </p:cNvPicPr>
+          <p:nvPr/>
+        </p:nvPicPr>
+        <p:blipFill>
+          <a:blip r:embed="rId5">
+            <a:extLst>
+              <a:ext uri="{96DAC541-7B7A-43D3-8B79-37D633B846F1}">
+                <asvg:svgBlip xmlns:asvg="http://schemas.microsoft.com/office/drawing/2016/SVG/main" r:embed="rId6"/>
+              </a:ext>
+            </a:extLst>
+          </a:blip>
+          <a:stretch>
+            <a:fillRect/>
+          </a:stretch>
+        </p:blipFill>
+        <p:spPr>
+          <a:xfrm>
+            <a:off x="1415999" y="1604884"/>
+            <a:ext cx="2160000" cy="1122261"/>
+          </a:xfrm>
+          <a:prstGeom prst="rect">
+            <a:avLst/>
+          </a:prstGeom>
+        </p:spPr>
+      </p:pic>
+      <p:pic>
+        <p:nvPicPr>
+          <p:cNvPr id="10" name="Graphic 9">
+            <a:extLst>
+              <a:ext uri="{FF2B5EF4-FFF2-40B4-BE49-F238E27FC236}">
+                <a16:creationId xmlns:a16="http://schemas.microsoft.com/office/drawing/2014/main" id="{0F4EC895-97D1-6A45-FE7D-7DA1B49F55B1}"/>
+              </a:ext>
+            </a:extLst>
+          </p:cNvPr>
+          <p:cNvPicPr>
+            <a:picLocks noChangeAspect="1"/>
+          </p:cNvPicPr>
+          <p:nvPr/>
+        </p:nvPicPr>
+        <p:blipFill>
+          <a:blip r:embed="rId7">
+            <a:extLst>
+              <a:ext uri="{96DAC541-7B7A-43D3-8B79-37D633B846F1}">
+                <asvg:svgBlip xmlns:asvg="http://schemas.microsoft.com/office/drawing/2016/SVG/main" r:embed="rId8"/>
+              </a:ext>
+            </a:extLst>
+          </a:blip>
+          <a:stretch>
+            <a:fillRect/>
+          </a:stretch>
+        </p:blipFill>
+        <p:spPr>
+          <a:xfrm>
+            <a:off x="8286750" y="1658885"/>
+            <a:ext cx="2160000" cy="1014261"/>
+          </a:xfrm>
+          <a:prstGeom prst="rect">
+            <a:avLst/>
+          </a:prstGeom>
+        </p:spPr>
+      </p:pic>
+    </p:spTree>
+    <p:extLst>
+      <p:ext uri="{BB962C8B-B14F-4D97-AF65-F5344CB8AC3E}">
+        <p14:creationId xmlns:p14="http://schemas.microsoft.com/office/powerpoint/2010/main" val="3656004048"/>
+      </p:ext>
+    </p:extLst>
+  </p:cSld>
+  <p:clrMapOvr>
+    <a:masterClrMapping/>
+  </p:clrMapOvr>
 </p:sld>
 </file>
 
@@ -10630,7 +11198,7 @@
           <a:p>
             <a:r>
               <a:rPr lang="es-CO" dirty="0"/>
-              <a:t>Flujo rápidamente variado (FRV)</a:t>
+              <a:t>Flujo espacialmente variado (FEV)</a:t>
             </a:r>
             <a:endParaRPr lang="en-US" dirty="0"/>
           </a:p>
@@ -10652,8 +11220,8 @@
             </p:nvSpPr>
             <p:spPr>
               <a:xfrm>
-                <a:off x="3921770" y="1753350"/>
-                <a:ext cx="2177006" cy="1115883"/>
+                <a:off x="1350020" y="1925568"/>
+                <a:ext cx="3374578" cy="1674882"/>
               </a:xfrm>
               <a:prstGeom prst="rect">
                 <a:avLst/>
@@ -10676,20 +11244,14 @@
                       <m:f>
                         <m:fPr>
                           <m:ctrlPr>
-                            <a:rPr lang="es-CO" sz="2400" b="0" i="1" smtClean="0">
-                              <a:highlight>
-                                <a:srgbClr val="FFFF00"/>
-                              </a:highlight>
+                            <a:rPr lang="es-CO" sz="2800" b="0" i="1" smtClean="0">
                               <a:latin typeface="Cambria Math" panose="02040503050406030204" pitchFamily="18" charset="0"/>
                             </a:rPr>
                           </m:ctrlPr>
                         </m:fPr>
                         <m:num>
                           <m:r>
-                            <a:rPr lang="es-CO" sz="2400" b="0" i="1" smtClean="0">
-                              <a:highlight>
-                                <a:srgbClr val="FFFF00"/>
-                              </a:highlight>
+                            <a:rPr lang="es-CO" sz="2800" b="0" i="1" smtClean="0">
                               <a:latin typeface="Cambria Math" panose="02040503050406030204" pitchFamily="18" charset="0"/>
                             </a:rPr>
                             <m:t>𝑑𝑦</m:t>
@@ -10697,10 +11259,7 @@
                         </m:num>
                         <m:den>
                           <m:r>
-                            <a:rPr lang="es-CO" sz="2400" b="0" i="1" smtClean="0">
-                              <a:highlight>
-                                <a:srgbClr val="FFFF00"/>
-                              </a:highlight>
+                            <a:rPr lang="es-CO" sz="2800" b="0" i="1" smtClean="0">
                               <a:latin typeface="Cambria Math" panose="02040503050406030204" pitchFamily="18" charset="0"/>
                             </a:rPr>
                             <m:t>𝑑𝑥</m:t>
@@ -10708,10 +11267,7 @@
                         </m:den>
                       </m:f>
                       <m:r>
-                        <a:rPr lang="es-CO" sz="2400" b="0" i="1" smtClean="0">
-                          <a:highlight>
-                            <a:srgbClr val="FFFF00"/>
-                          </a:highlight>
+                        <a:rPr lang="es-CO" sz="2800" b="0" i="1" smtClean="0">
                           <a:latin typeface="Cambria Math" panose="02040503050406030204" pitchFamily="18" charset="0"/>
                         </a:rPr>
                         <m:t>=</m:t>
@@ -10719,10 +11275,7 @@
                       <m:f>
                         <m:fPr>
                           <m:ctrlPr>
-                            <a:rPr lang="es-CO" sz="2400" b="0" i="1" smtClean="0">
-                              <a:highlight>
-                                <a:srgbClr val="FFFF00"/>
-                              </a:highlight>
+                            <a:rPr lang="es-CO" sz="2800" b="0" i="1" smtClean="0">
                               <a:latin typeface="Cambria Math" panose="02040503050406030204" pitchFamily="18" charset="0"/>
                             </a:rPr>
                           </m:ctrlPr>
@@ -10731,20 +11284,14 @@
                           <m:sSub>
                             <m:sSubPr>
                               <m:ctrlPr>
-                                <a:rPr lang="es-CO" sz="2400" b="0" i="1" smtClean="0">
-                                  <a:highlight>
-                                    <a:srgbClr val="FFFF00"/>
-                                  </a:highlight>
+                                <a:rPr lang="es-CO" sz="2800" b="0" i="1" smtClean="0">
                                   <a:latin typeface="Cambria Math" panose="02040503050406030204" pitchFamily="18" charset="0"/>
                                 </a:rPr>
                               </m:ctrlPr>
                             </m:sSubPr>
                             <m:e>
                               <m:r>
-                                <a:rPr lang="es-CO" sz="2400" b="0" i="1" smtClean="0">
-                                  <a:highlight>
-                                    <a:srgbClr val="FFFF00"/>
-                                  </a:highlight>
+                                <a:rPr lang="es-CO" sz="2800" b="0" i="1" smtClean="0">
                                   <a:latin typeface="Cambria Math" panose="02040503050406030204" pitchFamily="18" charset="0"/>
                                 </a:rPr>
                                 <m:t>𝑆</m:t>
@@ -10752,10 +11299,7 @@
                             </m:e>
                             <m:sub>
                               <m:r>
-                                <a:rPr lang="es-CO" sz="2400" b="0" i="1" smtClean="0">
-                                  <a:highlight>
-                                    <a:srgbClr val="FFFF00"/>
-                                  </a:highlight>
+                                <a:rPr lang="es-CO" sz="2800" b="0" i="1" smtClean="0">
                                   <a:latin typeface="Cambria Math" panose="02040503050406030204" pitchFamily="18" charset="0"/>
                                 </a:rPr>
                                 <m:t>𝑜</m:t>
@@ -10763,10 +11307,7 @@
                             </m:sub>
                           </m:sSub>
                           <m:r>
-                            <a:rPr lang="es-CO" sz="2400" b="0" i="1" smtClean="0">
-                              <a:highlight>
-                                <a:srgbClr val="FFFF00"/>
-                              </a:highlight>
+                            <a:rPr lang="es-CO" sz="2800" b="0" i="1" smtClean="0">
                               <a:latin typeface="Cambria Math" panose="02040503050406030204" pitchFamily="18" charset="0"/>
                             </a:rPr>
                             <m:t>−</m:t>
@@ -10774,20 +11315,14 @@
                           <m:sSub>
                             <m:sSubPr>
                               <m:ctrlPr>
-                                <a:rPr lang="es-CO" sz="2400" b="0" i="1" smtClean="0">
-                                  <a:highlight>
-                                    <a:srgbClr val="FFFF00"/>
-                                  </a:highlight>
+                                <a:rPr lang="es-CO" sz="2800" b="0" i="1" smtClean="0">
                                   <a:latin typeface="Cambria Math" panose="02040503050406030204" pitchFamily="18" charset="0"/>
                                 </a:rPr>
                               </m:ctrlPr>
                             </m:sSubPr>
                             <m:e>
                               <m:r>
-                                <a:rPr lang="es-CO" sz="2400" b="0" i="1" smtClean="0">
-                                  <a:highlight>
-                                    <a:srgbClr val="FFFF00"/>
-                                  </a:highlight>
+                                <a:rPr lang="es-CO" sz="2800" b="0" i="1" smtClean="0">
                                   <a:latin typeface="Cambria Math" panose="02040503050406030204" pitchFamily="18" charset="0"/>
                                 </a:rPr>
                                 <m:t>𝑆</m:t>
@@ -10795,23 +11330,104 @@
                             </m:e>
                             <m:sub>
                               <m:r>
-                                <a:rPr lang="es-CO" sz="2400" b="0" i="1" smtClean="0">
-                                  <a:highlight>
-                                    <a:srgbClr val="FFFF00"/>
-                                  </a:highlight>
+                                <a:rPr lang="es-CO" sz="2800" b="0" i="1" smtClean="0">
                                   <a:latin typeface="Cambria Math" panose="02040503050406030204" pitchFamily="18" charset="0"/>
                                 </a:rPr>
                                 <m:t>𝑓</m:t>
                               </m:r>
                             </m:sub>
                           </m:sSub>
+                          <m:r>
+                            <a:rPr lang="es-CO" sz="2800" b="0" i="1" smtClean="0">
+                              <a:latin typeface="Cambria Math" panose="02040503050406030204" pitchFamily="18" charset="0"/>
+                            </a:rPr>
+                            <m:t>−</m:t>
+                          </m:r>
+                          <m:f>
+                            <m:fPr>
+                              <m:ctrlPr>
+                                <a:rPr lang="es-CO" sz="2800" b="0" i="1" smtClean="0">
+                                  <a:latin typeface="Cambria Math" panose="02040503050406030204" pitchFamily="18" charset="0"/>
+                                </a:rPr>
+                              </m:ctrlPr>
+                            </m:fPr>
+                            <m:num>
+                              <m:r>
+                                <a:rPr lang="es-CO" sz="2800" b="0" i="1" smtClean="0">
+                                  <a:latin typeface="Cambria Math" panose="02040503050406030204" pitchFamily="18" charset="0"/>
+                                </a:rPr>
+                                <m:t>2</m:t>
+                              </m:r>
+                              <m:r>
+                                <a:rPr lang="es-CO" sz="2800" b="0" i="1" smtClean="0">
+                                  <a:latin typeface="Cambria Math" panose="02040503050406030204" pitchFamily="18" charset="0"/>
+                                </a:rPr>
+                                <m:t>𝑄</m:t>
+                              </m:r>
+                              <m:sSub>
+                                <m:sSubPr>
+                                  <m:ctrlPr>
+                                    <a:rPr lang="es-CO" sz="2800" b="0" i="1" smtClean="0">
+                                      <a:latin typeface="Cambria Math" panose="02040503050406030204" pitchFamily="18" charset="0"/>
+                                    </a:rPr>
+                                  </m:ctrlPr>
+                                </m:sSubPr>
+                                <m:e>
+                                  <m:r>
+                                    <a:rPr lang="es-CO" sz="2800" b="0" i="1" smtClean="0">
+                                      <a:latin typeface="Cambria Math" panose="02040503050406030204" pitchFamily="18" charset="0"/>
+                                    </a:rPr>
+                                    <m:t>𝑞</m:t>
+                                  </m:r>
+                                </m:e>
+                                <m:sub>
+                                  <m:r>
+                                    <a:rPr lang="es-CO" sz="2800" b="0" i="1" smtClean="0">
+                                      <a:latin typeface="Cambria Math" panose="02040503050406030204" pitchFamily="18" charset="0"/>
+                                    </a:rPr>
+                                    <m:t>∗</m:t>
+                                  </m:r>
+                                </m:sub>
+                              </m:sSub>
+                            </m:num>
+                            <m:den>
+                              <m:r>
+                                <a:rPr lang="es-CO" sz="2800" b="0" i="1" smtClean="0">
+                                  <a:latin typeface="Cambria Math" panose="02040503050406030204" pitchFamily="18" charset="0"/>
+                                </a:rPr>
+                                <m:t>𝑔</m:t>
+                              </m:r>
+                              <m:sSup>
+                                <m:sSupPr>
+                                  <m:ctrlPr>
+                                    <a:rPr lang="es-CO" sz="2800" b="0" i="1" smtClean="0">
+                                      <a:latin typeface="Cambria Math" panose="02040503050406030204" pitchFamily="18" charset="0"/>
+                                    </a:rPr>
+                                  </m:ctrlPr>
+                                </m:sSupPr>
+                                <m:e>
+                                  <m:r>
+                                    <a:rPr lang="es-CO" sz="2800" b="0" i="1" smtClean="0">
+                                      <a:latin typeface="Cambria Math" panose="02040503050406030204" pitchFamily="18" charset="0"/>
+                                    </a:rPr>
+                                    <m:t>𝐴</m:t>
+                                  </m:r>
+                                </m:e>
+                                <m:sup>
+                                  <m:r>
+                                    <a:rPr lang="es-CO" sz="2800" b="0" i="1" smtClean="0">
+                                      <a:latin typeface="Cambria Math" panose="02040503050406030204" pitchFamily="18" charset="0"/>
+                                    </a:rPr>
+                                    <m:t>2</m:t>
+                                  </m:r>
+                                </m:sup>
+                              </m:sSup>
+                            </m:den>
+                          </m:f>
                         </m:num>
                         <m:den>
                           <m:r>
-                            <a:rPr lang="es-CO" sz="2400" b="0" i="1" smtClean="0">
-                              <a:highlight>
-                                <a:srgbClr val="FFFF00"/>
-                              </a:highlight>
+                            <a:rPr lang="es-CO" sz="2800" b="0" i="1" smtClean="0">
                               <a:latin typeface="Cambria Math" panose="02040503050406030204" pitchFamily="18" charset="0"/>
                             </a:rPr>
                             <m:t>1−</m:t>
@@ -10819,10 +11435,7 @@
                           <m:f>
                             <m:fPr>
                               <m:ctrlPr>
-                                <a:rPr lang="es-CO" sz="2400" b="0" i="1" smtClean="0">
-                                  <a:highlight>
-                                    <a:srgbClr val="FFFF00"/>
-                                  </a:highlight>
+                                <a:rPr lang="es-CO" sz="2800" b="0" i="1" smtClean="0">
                                   <a:latin typeface="Cambria Math" panose="02040503050406030204" pitchFamily="18" charset="0"/>
                                 </a:rPr>
                               </m:ctrlPr>
@@ -10831,30 +11444,21 @@
                               <m:sSup>
                                 <m:sSupPr>
                                   <m:ctrlPr>
-                                    <a:rPr lang="es-CO" sz="2400" b="0" i="1" smtClean="0">
-                                      <a:highlight>
-                                        <a:srgbClr val="FFFF00"/>
-                                      </a:highlight>
+                                    <a:rPr lang="es-CO" sz="2800" b="0" i="1" smtClean="0">
                                       <a:latin typeface="Cambria Math" panose="02040503050406030204" pitchFamily="18" charset="0"/>
                                     </a:rPr>
                                   </m:ctrlPr>
                                 </m:sSupPr>
                                 <m:e>
                                   <m:r>
-                                    <a:rPr lang="es-CO" sz="2400" b="0" i="1" smtClean="0">
-                                      <a:highlight>
-                                        <a:srgbClr val="FFFF00"/>
-                                      </a:highlight>
+                                    <a:rPr lang="es-CO" sz="2800" b="0" i="1" smtClean="0">
                                       <a:latin typeface="Cambria Math" panose="02040503050406030204" pitchFamily="18" charset="0"/>
                                       <a:ea typeface="Cambria Math" panose="02040503050406030204" pitchFamily="18" charset="0"/>
                                     </a:rPr>
                                     <m:t>𝛼</m:t>
                                   </m:r>
                                   <m:r>
-                                    <a:rPr lang="es-CO" sz="2400" b="0" i="1" smtClean="0">
-                                      <a:highlight>
-                                        <a:srgbClr val="FFFF00"/>
-                                      </a:highlight>
+                                    <a:rPr lang="es-CO" sz="2800" b="0" i="1" smtClean="0">
                                       <a:latin typeface="Cambria Math" panose="02040503050406030204" pitchFamily="18" charset="0"/>
                                     </a:rPr>
                                     <m:t>𝑄</m:t>
@@ -10862,10 +11466,40 @@
                                 </m:e>
                                 <m:sup>
                                   <m:r>
-                                    <a:rPr lang="es-CO" sz="2400" b="0" i="1" smtClean="0">
-                                      <a:highlight>
-                                        <a:srgbClr val="FFFF00"/>
-                                      </a:highlight>
+                                    <a:rPr lang="es-CO" sz="2800" b="0" i="1" smtClean="0">
+                                      <a:latin typeface="Cambria Math" panose="02040503050406030204" pitchFamily="18" charset="0"/>
+                                    </a:rPr>
+                                    <m:t>2</m:t>
+                                  </m:r>
+                                </m:sup>
+                              </m:sSup>
+                            </m:num>
+                            <m:den>
+                              <m:r>
+                                <a:rPr lang="es-CO" sz="2800" b="0" i="1" smtClean="0">
+                                  <a:latin typeface="Cambria Math" panose="02040503050406030204" pitchFamily="18" charset="0"/>
+                                </a:rPr>
+                                <m:t>𝑔</m:t>
+                              </m:r>
+                              <m:sSup>
+                                <m:sSupPr>
+                                  <m:ctrlPr>
+                                    <a:rPr lang="es-CO" sz="2800" b="0" i="1" smtClean="0">
+                                      <a:latin typeface="Cambria Math" panose="02040503050406030204" pitchFamily="18" charset="0"/>
+                                    </a:rPr>
+                                  </m:ctrlPr>
+                                </m:sSupPr>
+                                <m:e>
+                                  <m:r>
+                                    <a:rPr lang="es-CO" sz="2800" b="0" i="1" smtClean="0">
+                                      <a:latin typeface="Cambria Math" panose="02040503050406030204" pitchFamily="18" charset="0"/>
+                                    </a:rPr>
+                                    <m:t>𝐴</m:t>
+                                  </m:r>
+                                </m:e>
+                                <m:sup>
+                                  <m:r>
+                                    <a:rPr lang="es-CO" sz="2800" b="0" i="1" smtClean="0">
                                       <a:latin typeface="Cambria Math" panose="02040503050406030204" pitchFamily="18" charset="0"/>
                                     </a:rPr>
                                     <m:t>2</m:t>
@@ -10873,68 +11507,17 @@
                                 </m:sup>
                               </m:sSup>
                               <m:r>
-                                <a:rPr lang="es-CO" sz="2400" b="0" i="1" smtClean="0">
-                                  <a:highlight>
-                                    <a:srgbClr val="FFFF00"/>
-                                  </a:highlight>
+                                <a:rPr lang="es-CO" sz="2800" b="0" i="1" smtClean="0">
                                   <a:latin typeface="Cambria Math" panose="02040503050406030204" pitchFamily="18" charset="0"/>
                                 </a:rPr>
-                                <m:t>𝑇</m:t>
+                                <m:t>𝐷</m:t>
                               </m:r>
-                            </m:num>
-                            <m:den>
-                              <m:r>
-                                <a:rPr lang="es-CO" sz="2400" b="0" i="1" smtClean="0">
-                                  <a:highlight>
-                                    <a:srgbClr val="FFFF00"/>
-                                  </a:highlight>
-                                  <a:latin typeface="Cambria Math" panose="02040503050406030204" pitchFamily="18" charset="0"/>
-                                </a:rPr>
-                                <m:t>𝑔</m:t>
-                              </m:r>
-                              <m:sSup>
-                                <m:sSupPr>
-                                  <m:ctrlPr>
-                                    <a:rPr lang="es-CO" sz="2400" b="0" i="1" smtClean="0">
-                                      <a:highlight>
-                                        <a:srgbClr val="FFFF00"/>
-                                      </a:highlight>
-                                      <a:latin typeface="Cambria Math" panose="02040503050406030204" pitchFamily="18" charset="0"/>
-                                    </a:rPr>
-                                  </m:ctrlPr>
-                                </m:sSupPr>
-                                <m:e>
-                                  <m:r>
-                                    <a:rPr lang="es-CO" sz="2400" b="0" i="1" smtClean="0">
-                                      <a:highlight>
-                                        <a:srgbClr val="FFFF00"/>
-                                      </a:highlight>
-                                      <a:latin typeface="Cambria Math" panose="02040503050406030204" pitchFamily="18" charset="0"/>
-                                    </a:rPr>
-                                    <m:t>𝐴</m:t>
-                                  </m:r>
-                                </m:e>
-                                <m:sup>
-                                  <m:r>
-                                    <a:rPr lang="es-CO" sz="2400" b="0" i="1" smtClean="0">
-                                      <a:highlight>
-                                        <a:srgbClr val="FFFF00"/>
-                                      </a:highlight>
-                                      <a:latin typeface="Cambria Math" panose="02040503050406030204" pitchFamily="18" charset="0"/>
-                                    </a:rPr>
-                                    <m:t>3</m:t>
-                                  </m:r>
-                                </m:sup>
-                              </m:sSup>
                             </m:den>
                           </m:f>
                         </m:den>
                       </m:f>
                       <m:r>
-                        <a:rPr lang="es-CO" sz="2400" b="0" i="1" smtClean="0">
-                          <a:highlight>
-                            <a:srgbClr val="FFFF00"/>
-                          </a:highlight>
+                        <a:rPr lang="es-CO" sz="2800" b="0" i="1" smtClean="0">
                           <a:latin typeface="Cambria Math" panose="02040503050406030204" pitchFamily="18" charset="0"/>
                         </a:rPr>
                         <m:t> </m:t>
@@ -10942,11 +11525,7 @@
                     </m:oMath>
                   </m:oMathPara>
                 </a14:m>
-                <a:endParaRPr lang="en-US" sz="2400" dirty="0">
-                  <a:highlight>
-                    <a:srgbClr val="FFFF00"/>
-                  </a:highlight>
-                </a:endParaRPr>
+                <a:endParaRPr lang="en-US" sz="2800" dirty="0"/>
               </a:p>
             </p:txBody>
           </p:sp>
@@ -10968,8 +11547,8 @@
             </p:nvSpPr>
             <p:spPr>
               <a:xfrm>
-                <a:off x="3921770" y="1753350"/>
-                <a:ext cx="2177006" cy="1115883"/>
+                <a:off x="1350020" y="1925568"/>
+                <a:ext cx="3374578" cy="1674882"/>
               </a:xfrm>
               <a:prstGeom prst="rect">
                 <a:avLst/>
@@ -10996,6 +11575,42 @@
           </p:sp>
         </mc:Fallback>
       </mc:AlternateContent>
+      <p:sp>
+        <p:nvSpPr>
+          <p:cNvPr id="3" name="CuadroTexto 2">
+            <a:extLst>
+              <a:ext uri="{FF2B5EF4-FFF2-40B4-BE49-F238E27FC236}">
+                <a16:creationId xmlns:a16="http://schemas.microsoft.com/office/drawing/2014/main" id="{0139BBCC-8B65-9D48-B9E5-6AED4736116B}"/>
+              </a:ext>
+            </a:extLst>
+          </p:cNvPr>
+          <p:cNvSpPr txBox="1"/>
+          <p:nvPr/>
+        </p:nvSpPr>
+        <p:spPr>
+          <a:xfrm>
+            <a:off x="4724598" y="3231118"/>
+            <a:ext cx="1247577" cy="369332"/>
+          </a:xfrm>
+          <a:prstGeom prst="rect">
+            <a:avLst/>
+          </a:prstGeom>
+          <a:noFill/>
+        </p:spPr>
+        <p:txBody>
+          <a:bodyPr wrap="square">
+            <a:spAutoFit/>
+          </a:bodyPr>
+          <a:lstStyle/>
+          <a:p>
+            <a:r>
+              <a:rPr lang="es-CO" dirty="0"/>
+              <a:t>Creciente</a:t>
+            </a:r>
+            <a:endParaRPr lang="en-US" dirty="0"/>
+          </a:p>
+        </p:txBody>
+      </p:sp>
     </p:spTree>
     <p:extLst>
       <p:ext uri="{BB962C8B-B14F-4D97-AF65-F5344CB8AC3E}">
@@ -11012,16 +11627,6 @@
 <file path=ppt/slides/slide9.xml><?xml version="1.0" encoding="utf-8"?>
 <p:sld xmlns:a="http://schemas.openxmlformats.org/drawingml/2006/main" xmlns:r="http://schemas.openxmlformats.org/officeDocument/2006/relationships" xmlns:p="http://schemas.openxmlformats.org/presentationml/2006/main">
   <p:cSld>
-    <p:bg>
-      <p:bgPr>
-        <a:solidFill>
-          <a:schemeClr val="bg1">
-            <a:lumMod val="90000"/>
-          </a:schemeClr>
-        </a:solidFill>
-        <a:effectLst/>
-      </p:bgPr>
-    </p:bg>
     <p:spTree>
       <p:nvGrpSpPr>
         <p:cNvPr id="1" name=""/>
@@ -11038,534 +11643,42 @@
       </p:grpSpPr>
       <p:sp>
         <p:nvSpPr>
-          <p:cNvPr id="3" name="Title 1">
+          <p:cNvPr id="2" name="Título 1">
             <a:extLst>
               <a:ext uri="{FF2B5EF4-FFF2-40B4-BE49-F238E27FC236}">
-                <a16:creationId xmlns:a16="http://schemas.microsoft.com/office/drawing/2014/main" id="{5293DDAA-B5E7-2D95-74A3-91A199E94E6C}"/>
+                <a16:creationId xmlns:a16="http://schemas.microsoft.com/office/drawing/2014/main" id="{B7A326E0-7378-DEAD-3AFB-15247D7E203A}"/>
               </a:ext>
             </a:extLst>
           </p:cNvPr>
-          <p:cNvSpPr txBox="1">
-            <a:spLocks/>
+          <p:cNvSpPr>
+            <a:spLocks noGrp="1"/>
           </p:cNvSpPr>
-          <p:nvPr/>
+          <p:nvPr>
+            <p:ph type="title"/>
+          </p:nvPr>
         </p:nvSpPr>
         <p:spPr>
           <a:xfrm>
-            <a:off x="6095999" y="3595606"/>
-            <a:ext cx="5040000" cy="3262393"/>
+            <a:off x="720001" y="810000"/>
+            <a:ext cx="6121725" cy="810000"/>
           </a:xfrm>
-          <a:prstGeom prst="rect">
-            <a:avLst/>
-          </a:prstGeom>
         </p:spPr>
         <p:txBody>
-          <a:bodyPr vert="horz" lIns="91440" tIns="45720" rIns="91440" bIns="45720" rtlCol="0" anchor="t" anchorCtr="0">
-            <a:noAutofit/>
-          </a:bodyPr>
-          <a:lstStyle>
-            <a:lvl1pPr algn="l" defTabSz="914377" rtl="0" eaLnBrk="1" latinLnBrk="0" hangingPunct="1">
-              <a:lnSpc>
-                <a:spcPct val="90000"/>
-              </a:lnSpc>
-              <a:spcBef>
-                <a:spcPct val="0"/>
-              </a:spcBef>
-              <a:buNone/>
-              <a:defRPr sz="2600" kern="1200">
-                <a:solidFill>
-                  <a:schemeClr val="tx1"/>
-                </a:solidFill>
-                <a:latin typeface="+mj-lt"/>
-                <a:ea typeface="+mj-ea"/>
-                <a:cs typeface="+mj-cs"/>
-              </a:defRPr>
-            </a:lvl1pPr>
-          </a:lstStyle>
-          <a:p>
-            <a:pPr algn="ctr"/>
-            <a:r>
-              <a:rPr lang="es-CO" sz="1600" dirty="0">
-                <a:solidFill>
-                  <a:schemeClr val="bg1">
-                    <a:lumMod val="25000"/>
-                  </a:schemeClr>
-                </a:solidFill>
-                <a:latin typeface="Segoe UI" panose="020B0502040204020203" pitchFamily="34" charset="0"/>
-                <a:ea typeface="Segoe UI Black" panose="020B0A02040204020203" pitchFamily="34" charset="0"/>
-                <a:cs typeface="Segoe UI" panose="020B0502040204020203" pitchFamily="34" charset="0"/>
-              </a:rPr>
-              <a:t>Expositor</a:t>
-            </a:r>
-          </a:p>
-          <a:p>
-            <a:pPr algn="ctr"/>
-            <a:r>
-              <a:rPr lang="es-CO" sz="1800" dirty="0">
-                <a:solidFill>
-                  <a:schemeClr val="bg1">
-                    <a:lumMod val="25000"/>
-                  </a:schemeClr>
-                </a:solidFill>
-                <a:latin typeface="Segoe UI" panose="020B0502040204020203" pitchFamily="34" charset="0"/>
-                <a:ea typeface="Segoe UI Black" panose="020B0A02040204020203" pitchFamily="34" charset="0"/>
-                <a:cs typeface="Segoe UI" panose="020B0502040204020203" pitchFamily="34" charset="0"/>
-              </a:rPr>
-              <a:t>Juan David Rodríguez Acevedo</a:t>
-            </a:r>
-          </a:p>
-          <a:p>
-            <a:pPr algn="ctr"/>
-            <a:r>
-              <a:rPr lang="es-CO" sz="1400" dirty="0">
-                <a:solidFill>
-                  <a:schemeClr val="bg1">
-                    <a:lumMod val="25000"/>
-                  </a:schemeClr>
-                </a:solidFill>
-                <a:latin typeface="Segoe UI" panose="020B0502040204020203" pitchFamily="34" charset="0"/>
-                <a:ea typeface="Segoe UI Black" panose="020B0A02040204020203" pitchFamily="34" charset="0"/>
-                <a:cs typeface="Segoe UI" panose="020B0502040204020203" pitchFamily="34" charset="0"/>
-              </a:rPr>
-              <a:t>juan.rodrigueza@escuelaing.edu.co</a:t>
-            </a:r>
-          </a:p>
-          <a:p>
-            <a:pPr algn="ctr"/>
-            <a:r>
-              <a:rPr lang="es-CO" sz="1400" dirty="0">
-                <a:solidFill>
-                  <a:schemeClr val="bg1">
-                    <a:lumMod val="25000"/>
-                  </a:schemeClr>
-                </a:solidFill>
-                <a:latin typeface="Segoe UI" panose="020B0502040204020203" pitchFamily="34" charset="0"/>
-                <a:ea typeface="Segoe UI Black" panose="020B0A02040204020203" pitchFamily="34" charset="0"/>
-                <a:cs typeface="Segoe UI" panose="020B0502040204020203" pitchFamily="34" charset="0"/>
-              </a:rPr>
-              <a:t>https://github.com/juanrodace</a:t>
-            </a:r>
-          </a:p>
-          <a:p>
-            <a:pPr algn="ctr"/>
-            <a:endParaRPr lang="es-CO" sz="1600" dirty="0">
-              <a:solidFill>
-                <a:schemeClr val="bg1">
-                  <a:lumMod val="25000"/>
-                </a:schemeClr>
-              </a:solidFill>
-              <a:latin typeface="Segoe UI" panose="020B0502040204020203" pitchFamily="34" charset="0"/>
-              <a:ea typeface="Segoe UI Black" panose="020B0A02040204020203" pitchFamily="34" charset="0"/>
-              <a:cs typeface="Segoe UI" panose="020B0502040204020203" pitchFamily="34" charset="0"/>
-            </a:endParaRPr>
-          </a:p>
-          <a:p>
-            <a:pPr algn="ctr"/>
-            <a:endParaRPr lang="es-CO" sz="1600" dirty="0">
-              <a:solidFill>
-                <a:schemeClr val="bg1">
-                  <a:lumMod val="25000"/>
-                </a:schemeClr>
-              </a:solidFill>
-              <a:latin typeface="Segoe UI" panose="020B0502040204020203" pitchFamily="34" charset="0"/>
-              <a:ea typeface="Segoe UI Black" panose="020B0A02040204020203" pitchFamily="34" charset="0"/>
-              <a:cs typeface="Segoe UI" panose="020B0502040204020203" pitchFamily="34" charset="0"/>
-            </a:endParaRPr>
-          </a:p>
-          <a:p>
-            <a:pPr algn="ctr"/>
-            <a:r>
-              <a:rPr lang="es-CO" sz="1600" dirty="0">
-                <a:solidFill>
-                  <a:schemeClr val="bg1">
-                    <a:lumMod val="25000"/>
-                  </a:schemeClr>
-                </a:solidFill>
-                <a:latin typeface="Segoe UI" panose="020B0502040204020203" pitchFamily="34" charset="0"/>
-                <a:ea typeface="Segoe UI Black" panose="020B0A02040204020203" pitchFamily="34" charset="0"/>
-                <a:cs typeface="Segoe UI" panose="020B0502040204020203" pitchFamily="34" charset="0"/>
-              </a:rPr>
-              <a:t>Cámara, edición y música</a:t>
-            </a:r>
-            <a:endParaRPr lang="es-CO" sz="1800" dirty="0">
-              <a:solidFill>
-                <a:schemeClr val="bg1">
-                  <a:lumMod val="25000"/>
-                </a:schemeClr>
-              </a:solidFill>
-              <a:latin typeface="Segoe UI" panose="020B0502040204020203" pitchFamily="34" charset="0"/>
-              <a:ea typeface="Segoe UI Black" panose="020B0A02040204020203" pitchFamily="34" charset="0"/>
-              <a:cs typeface="Segoe UI" panose="020B0502040204020203" pitchFamily="34" charset="0"/>
-            </a:endParaRPr>
-          </a:p>
-          <a:p>
-            <a:pPr algn="ctr"/>
-            <a:r>
-              <a:rPr lang="es-CO" sz="1800" dirty="0">
-                <a:solidFill>
-                  <a:schemeClr val="bg1">
-                    <a:lumMod val="25000"/>
-                  </a:schemeClr>
-                </a:solidFill>
-                <a:latin typeface="Segoe UI" panose="020B0502040204020203" pitchFamily="34" charset="0"/>
-                <a:ea typeface="Segoe UI Black" panose="020B0A02040204020203" pitchFamily="34" charset="0"/>
-                <a:cs typeface="Segoe UI" panose="020B0502040204020203" pitchFamily="34" charset="0"/>
-              </a:rPr>
-              <a:t>Juan Manuel Corredor</a:t>
-            </a:r>
-          </a:p>
-          <a:p>
-            <a:pPr algn="ctr"/>
-            <a:r>
-              <a:rPr lang="es-CO" sz="1400" dirty="0">
-                <a:solidFill>
-                  <a:schemeClr val="bg1">
-                    <a:lumMod val="25000"/>
-                  </a:schemeClr>
-                </a:solidFill>
-                <a:latin typeface="Segoe UI" panose="020B0502040204020203" pitchFamily="34" charset="0"/>
-                <a:ea typeface="Segoe UI Black" panose="020B0A02040204020203" pitchFamily="34" charset="0"/>
-                <a:cs typeface="Segoe UI" panose="020B0502040204020203" pitchFamily="34" charset="0"/>
-              </a:rPr>
-              <a:t>juan.corredor-u@escuelaing.edu.co</a:t>
-            </a:r>
-          </a:p>
-          <a:p>
-            <a:pPr algn="ctr"/>
-            <a:endParaRPr lang="es-CO" sz="1400" dirty="0">
-              <a:solidFill>
-                <a:schemeClr val="bg1">
-                  <a:lumMod val="25000"/>
-                </a:schemeClr>
-              </a:solidFill>
-              <a:latin typeface="Segoe UI" panose="020B0502040204020203" pitchFamily="34" charset="0"/>
-              <a:ea typeface="Segoe UI Black" panose="020B0A02040204020203" pitchFamily="34" charset="0"/>
-              <a:cs typeface="Segoe UI" panose="020B0502040204020203" pitchFamily="34" charset="0"/>
-            </a:endParaRPr>
-          </a:p>
-          <a:p>
-            <a:pPr algn="ctr"/>
-            <a:endParaRPr lang="es-CO" sz="1400" dirty="0">
-              <a:solidFill>
-                <a:schemeClr val="bg1">
-                  <a:lumMod val="25000"/>
-                </a:schemeClr>
-              </a:solidFill>
-              <a:latin typeface="Segoe UI" panose="020B0502040204020203" pitchFamily="34" charset="0"/>
-              <a:ea typeface="Segoe UI Black" panose="020B0A02040204020203" pitchFamily="34" charset="0"/>
-              <a:cs typeface="Segoe UI" panose="020B0502040204020203" pitchFamily="34" charset="0"/>
-            </a:endParaRPr>
+          <a:bodyPr anchor="t"/>
+          <a:lstStyle/>
+          <a:p>
+            <a:r>
+              <a:rPr lang="es-CO" dirty="0"/>
+              <a:t>Flujo rápidamente variado (FRV)</a:t>
+            </a:r>
+            <a:endParaRPr lang="en-US" dirty="0"/>
           </a:p>
         </p:txBody>
       </p:sp>
-      <p:sp>
-        <p:nvSpPr>
-          <p:cNvPr id="7" name="Title 1">
-            <a:extLst>
-              <a:ext uri="{FF2B5EF4-FFF2-40B4-BE49-F238E27FC236}">
-                <a16:creationId xmlns:a16="http://schemas.microsoft.com/office/drawing/2014/main" id="{4D31B05A-2637-641E-855D-FABE24D5B5FC}"/>
-              </a:ext>
-            </a:extLst>
-          </p:cNvPr>
-          <p:cNvSpPr txBox="1">
-            <a:spLocks/>
-          </p:cNvSpPr>
-          <p:nvPr/>
-        </p:nvSpPr>
-        <p:spPr>
-          <a:xfrm>
-            <a:off x="1055999" y="3595606"/>
-            <a:ext cx="5040000" cy="2071770"/>
-          </a:xfrm>
-          <a:prstGeom prst="rect">
-            <a:avLst/>
-          </a:prstGeom>
-        </p:spPr>
-        <p:txBody>
-          <a:bodyPr vert="horz" lIns="91440" tIns="45720" rIns="91440" bIns="45720" rtlCol="0" anchor="t" anchorCtr="0">
-            <a:noAutofit/>
-          </a:bodyPr>
-          <a:lstStyle>
-            <a:lvl1pPr algn="l" defTabSz="914377" rtl="0" eaLnBrk="1" latinLnBrk="0" hangingPunct="1">
-              <a:lnSpc>
-                <a:spcPct val="90000"/>
-              </a:lnSpc>
-              <a:spcBef>
-                <a:spcPct val="0"/>
-              </a:spcBef>
-              <a:buNone/>
-              <a:defRPr sz="2600" kern="1200">
-                <a:solidFill>
-                  <a:schemeClr val="tx1"/>
-                </a:solidFill>
-                <a:latin typeface="+mj-lt"/>
-                <a:ea typeface="+mj-ea"/>
-                <a:cs typeface="+mj-cs"/>
-              </a:defRPr>
-            </a:lvl1pPr>
-          </a:lstStyle>
-          <a:p>
-            <a:pPr algn="ctr"/>
-            <a:r>
-              <a:rPr lang="es-CO" sz="1600" dirty="0">
-                <a:solidFill>
-                  <a:schemeClr val="bg1">
-                    <a:lumMod val="25000"/>
-                  </a:schemeClr>
-                </a:solidFill>
-                <a:latin typeface="Segoe UI" panose="020B0502040204020203" pitchFamily="34" charset="0"/>
-                <a:ea typeface="Segoe UI Black" panose="020B0A02040204020203" pitchFamily="34" charset="0"/>
-                <a:cs typeface="Segoe UI" panose="020B0502040204020203" pitchFamily="34" charset="0"/>
-              </a:rPr>
-              <a:t>Dirección</a:t>
-            </a:r>
-            <a:endParaRPr lang="es-CO" sz="1800" dirty="0">
-              <a:solidFill>
-                <a:schemeClr val="bg1">
-                  <a:lumMod val="25000"/>
-                </a:schemeClr>
-              </a:solidFill>
-              <a:latin typeface="Segoe UI" panose="020B0502040204020203" pitchFamily="34" charset="0"/>
-              <a:ea typeface="Segoe UI Black" panose="020B0A02040204020203" pitchFamily="34" charset="0"/>
-              <a:cs typeface="Segoe UI" panose="020B0502040204020203" pitchFamily="34" charset="0"/>
-            </a:endParaRPr>
-          </a:p>
-          <a:p>
-            <a:pPr algn="ctr"/>
-            <a:r>
-              <a:rPr lang="es-CO" sz="1800" dirty="0">
-                <a:solidFill>
-                  <a:schemeClr val="bg1">
-                    <a:lumMod val="25000"/>
-                  </a:schemeClr>
-                </a:solidFill>
-                <a:latin typeface="Segoe UI" panose="020B0502040204020203" pitchFamily="34" charset="0"/>
-                <a:ea typeface="Segoe UI Black" panose="020B0A02040204020203" pitchFamily="34" charset="0"/>
-                <a:cs typeface="Segoe UI" panose="020B0502040204020203" pitchFamily="34" charset="0"/>
-              </a:rPr>
-              <a:t>Héctor Alfonso Rodríguez Díaz</a:t>
-            </a:r>
-          </a:p>
-          <a:p>
-            <a:pPr algn="ctr"/>
-            <a:r>
-              <a:rPr lang="es-CO" sz="1400" dirty="0">
-                <a:solidFill>
-                  <a:schemeClr val="bg1">
-                    <a:lumMod val="25000"/>
-                  </a:schemeClr>
-                </a:solidFill>
-                <a:latin typeface="Segoe UI" panose="020B0502040204020203" pitchFamily="34" charset="0"/>
-                <a:ea typeface="Segoe UI Black" panose="020B0A02040204020203" pitchFamily="34" charset="0"/>
-                <a:cs typeface="Segoe UI" panose="020B0502040204020203" pitchFamily="34" charset="0"/>
-              </a:rPr>
-              <a:t>alfonso.rodriguez@escuelaing.edu.co</a:t>
-            </a:r>
-          </a:p>
-          <a:p>
-            <a:pPr algn="ctr"/>
-            <a:endParaRPr lang="es-CO" sz="1400" dirty="0">
-              <a:solidFill>
-                <a:schemeClr val="bg1">
-                  <a:lumMod val="25000"/>
-                </a:schemeClr>
-              </a:solidFill>
-              <a:latin typeface="Segoe UI" panose="020B0502040204020203" pitchFamily="34" charset="0"/>
-              <a:ea typeface="Segoe UI Black" panose="020B0A02040204020203" pitchFamily="34" charset="0"/>
-              <a:cs typeface="Segoe UI" panose="020B0502040204020203" pitchFamily="34" charset="0"/>
-            </a:endParaRPr>
-          </a:p>
-          <a:p>
-            <a:pPr algn="ctr"/>
-            <a:endParaRPr lang="es-CO" sz="1400" dirty="0">
-              <a:solidFill>
-                <a:schemeClr val="bg1">
-                  <a:lumMod val="25000"/>
-                </a:schemeClr>
-              </a:solidFill>
-              <a:latin typeface="Segoe UI" panose="020B0502040204020203" pitchFamily="34" charset="0"/>
-              <a:ea typeface="Segoe UI Black" panose="020B0A02040204020203" pitchFamily="34" charset="0"/>
-              <a:cs typeface="Segoe UI" panose="020B0502040204020203" pitchFamily="34" charset="0"/>
-            </a:endParaRPr>
-          </a:p>
-          <a:p>
-            <a:pPr algn="ctr"/>
-            <a:r>
-              <a:rPr lang="es-CO" sz="1600" dirty="0">
-                <a:solidFill>
-                  <a:schemeClr val="bg1">
-                    <a:lumMod val="25000"/>
-                  </a:schemeClr>
-                </a:solidFill>
-                <a:latin typeface="Segoe UI" panose="020B0502040204020203" pitchFamily="34" charset="0"/>
-                <a:ea typeface="Segoe UI Black" panose="020B0A02040204020203" pitchFamily="34" charset="0"/>
-                <a:cs typeface="Segoe UI" panose="020B0502040204020203" pitchFamily="34" charset="0"/>
-              </a:rPr>
-              <a:t>Contenido digital</a:t>
-            </a:r>
-          </a:p>
-          <a:p>
-            <a:pPr algn="ctr"/>
-            <a:r>
-              <a:rPr lang="es-CO" sz="1800" dirty="0">
-                <a:solidFill>
-                  <a:schemeClr val="bg1">
-                    <a:lumMod val="25000"/>
-                  </a:schemeClr>
-                </a:solidFill>
-                <a:latin typeface="Segoe UI" panose="020B0502040204020203" pitchFamily="34" charset="0"/>
-                <a:ea typeface="Segoe UI Black" panose="020B0A02040204020203" pitchFamily="34" charset="0"/>
-                <a:cs typeface="Segoe UI" panose="020B0502040204020203" pitchFamily="34" charset="0"/>
-              </a:rPr>
-              <a:t>Juan David Rodríguez Acevedo</a:t>
-            </a:r>
-          </a:p>
-          <a:p>
-            <a:pPr algn="ctr"/>
-            <a:r>
-              <a:rPr lang="es-CO" sz="1400" dirty="0">
-                <a:solidFill>
-                  <a:schemeClr val="bg1">
-                    <a:lumMod val="25000"/>
-                  </a:schemeClr>
-                </a:solidFill>
-                <a:latin typeface="Segoe UI" panose="020B0502040204020203" pitchFamily="34" charset="0"/>
-                <a:ea typeface="Segoe UI Black" panose="020B0A02040204020203" pitchFamily="34" charset="0"/>
-                <a:cs typeface="Segoe UI" panose="020B0502040204020203" pitchFamily="34" charset="0"/>
-              </a:rPr>
-              <a:t>juan.rodrigueza@escuelaing.edu.co</a:t>
-            </a:r>
-          </a:p>
-          <a:p>
-            <a:pPr algn="ctr"/>
-            <a:r>
-              <a:rPr lang="es-CO" sz="1400" dirty="0">
-                <a:solidFill>
-                  <a:schemeClr val="bg1">
-                    <a:lumMod val="25000"/>
-                  </a:schemeClr>
-                </a:solidFill>
-                <a:latin typeface="Segoe UI" panose="020B0502040204020203" pitchFamily="34" charset="0"/>
-                <a:ea typeface="Segoe UI Black" panose="020B0A02040204020203" pitchFamily="34" charset="0"/>
-                <a:cs typeface="Segoe UI" panose="020B0502040204020203" pitchFamily="34" charset="0"/>
-              </a:rPr>
-              <a:t>https://github.com/juanrodace/</a:t>
-            </a:r>
-          </a:p>
-        </p:txBody>
-      </p:sp>
-      <p:pic>
-        <p:nvPicPr>
-          <p:cNvPr id="4" name="Graphic 3">
-            <a:extLst>
-              <a:ext uri="{FF2B5EF4-FFF2-40B4-BE49-F238E27FC236}">
-                <a16:creationId xmlns:a16="http://schemas.microsoft.com/office/drawing/2014/main" id="{50FD19C5-BDA1-AA73-30F7-387B18E48D1F}"/>
-              </a:ext>
-            </a:extLst>
-          </p:cNvPr>
-          <p:cNvPicPr>
-            <a:picLocks noChangeAspect="1"/>
-          </p:cNvPicPr>
-          <p:nvPr/>
-        </p:nvPicPr>
-        <p:blipFill>
-          <a:blip r:embed="rId3">
-            <a:extLst>
-              <a:ext uri="{96DAC541-7B7A-43D3-8B79-37D633B846F1}">
-                <asvg:svgBlip xmlns:asvg="http://schemas.microsoft.com/office/drawing/2016/SVG/main" r:embed="rId4"/>
-              </a:ext>
-            </a:extLst>
-          </a:blip>
-          <a:stretch>
-            <a:fillRect/>
-          </a:stretch>
-        </p:blipFill>
-        <p:spPr>
-          <a:xfrm>
-            <a:off x="4851374" y="1647144"/>
-            <a:ext cx="2160000" cy="1037739"/>
-          </a:xfrm>
-          <a:prstGeom prst="rect">
-            <a:avLst/>
-          </a:prstGeom>
-        </p:spPr>
-      </p:pic>
-      <p:pic>
-        <p:nvPicPr>
-          <p:cNvPr id="8" name="Graphic 7">
-            <a:extLst>
-              <a:ext uri="{FF2B5EF4-FFF2-40B4-BE49-F238E27FC236}">
-                <a16:creationId xmlns:a16="http://schemas.microsoft.com/office/drawing/2014/main" id="{75C469DA-D012-E443-0DB2-0AC049C3A920}"/>
-              </a:ext>
-            </a:extLst>
-          </p:cNvPr>
-          <p:cNvPicPr>
-            <a:picLocks noChangeAspect="1"/>
-          </p:cNvPicPr>
-          <p:nvPr/>
-        </p:nvPicPr>
-        <p:blipFill>
-          <a:blip r:embed="rId5">
-            <a:extLst>
-              <a:ext uri="{96DAC541-7B7A-43D3-8B79-37D633B846F1}">
-                <asvg:svgBlip xmlns:asvg="http://schemas.microsoft.com/office/drawing/2016/SVG/main" r:embed="rId6"/>
-              </a:ext>
-            </a:extLst>
-          </a:blip>
-          <a:stretch>
-            <a:fillRect/>
-          </a:stretch>
-        </p:blipFill>
-        <p:spPr>
-          <a:xfrm>
-            <a:off x="1415999" y="1604884"/>
-            <a:ext cx="2160000" cy="1122261"/>
-          </a:xfrm>
-          <a:prstGeom prst="rect">
-            <a:avLst/>
-          </a:prstGeom>
-        </p:spPr>
-      </p:pic>
-      <p:pic>
-        <p:nvPicPr>
-          <p:cNvPr id="10" name="Graphic 9">
-            <a:extLst>
-              <a:ext uri="{FF2B5EF4-FFF2-40B4-BE49-F238E27FC236}">
-                <a16:creationId xmlns:a16="http://schemas.microsoft.com/office/drawing/2014/main" id="{0F4EC895-97D1-6A45-FE7D-7DA1B49F55B1}"/>
-              </a:ext>
-            </a:extLst>
-          </p:cNvPr>
-          <p:cNvPicPr>
-            <a:picLocks noChangeAspect="1"/>
-          </p:cNvPicPr>
-          <p:nvPr/>
-        </p:nvPicPr>
-        <p:blipFill>
-          <a:blip r:embed="rId7">
-            <a:extLst>
-              <a:ext uri="{96DAC541-7B7A-43D3-8B79-37D633B846F1}">
-                <asvg:svgBlip xmlns:asvg="http://schemas.microsoft.com/office/drawing/2016/SVG/main" r:embed="rId8"/>
-              </a:ext>
-            </a:extLst>
-          </a:blip>
-          <a:stretch>
-            <a:fillRect/>
-          </a:stretch>
-        </p:blipFill>
-        <p:spPr>
-          <a:xfrm>
-            <a:off x="8286750" y="1658885"/>
-            <a:ext cx="2160000" cy="1014261"/>
-          </a:xfrm>
-          <a:prstGeom prst="rect">
-            <a:avLst/>
-          </a:prstGeom>
-        </p:spPr>
-      </p:pic>
     </p:spTree>
     <p:extLst>
       <p:ext uri="{BB962C8B-B14F-4D97-AF65-F5344CB8AC3E}">
-        <p14:creationId xmlns:p14="http://schemas.microsoft.com/office/powerpoint/2010/main" val="3656004048"/>
+        <p14:creationId xmlns:p14="http://schemas.microsoft.com/office/powerpoint/2010/main" val="2701829586"/>
       </p:ext>
     </p:extLst>
   </p:cSld>

--- a/Section01/VariedFlow/HRAS.S1.VF.pptx
+++ b/Section01/VariedFlow/HRAS.S1.VF.pptx
@@ -5,10 +5,10 @@
     <p:sldMasterId id="2147483778" r:id="rId4"/>
   </p:sldMasterIdLst>
   <p:notesMasterIdLst>
-    <p:notesMasterId r:id="rId15"/>
+    <p:notesMasterId r:id="rId17"/>
   </p:notesMasterIdLst>
   <p:handoutMasterIdLst>
-    <p:handoutMasterId r:id="rId16"/>
+    <p:handoutMasterId r:id="rId18"/>
   </p:handoutMasterIdLst>
   <p:sldIdLst>
     <p:sldId id="314" r:id="rId5"/>
@@ -19,8 +19,10 @@
     <p:sldId id="353" r:id="rId10"/>
     <p:sldId id="354" r:id="rId11"/>
     <p:sldId id="355" r:id="rId12"/>
-    <p:sldId id="356" r:id="rId13"/>
-    <p:sldId id="341" r:id="rId14"/>
+    <p:sldId id="357" r:id="rId13"/>
+    <p:sldId id="356" r:id="rId14"/>
+    <p:sldId id="358" r:id="rId15"/>
+    <p:sldId id="341" r:id="rId16"/>
   </p:sldIdLst>
   <p:sldSz cx="12192000" cy="6858000"/>
   <p:notesSz cx="6858000" cy="9144000"/>
@@ -132,7 +134,9 @@
             <p14:sldId id="353"/>
             <p14:sldId id="354"/>
             <p14:sldId id="355"/>
+            <p14:sldId id="357"/>
             <p14:sldId id="356"/>
+            <p14:sldId id="358"/>
             <p14:sldId id="341"/>
           </p14:sldIdLst>
         </p14:section>
@@ -243,7 +247,7 @@
             <a:pPr rtl="0"/>
             <a:fld id="{FAB3E6E3-061B-41A2-BBDC-C5312A04A40A}" type="datetime1">
               <a:rPr lang="es-ES" smtClean="0"/>
-              <a:t>22/11/2022</a:t>
+              <a:t>25/11/2022</a:t>
             </a:fld>
             <a:endParaRPr lang="es-ES" dirty="0"/>
           </a:p>
@@ -413,7 +417,7 @@
             <a:pPr rtl="0"/>
             <a:fld id="{2145992C-CBBF-4F24-8325-F5CB0EAAC0E9}" type="datetime1">
               <a:rPr lang="es-ES" noProof="0" smtClean="0"/>
-              <a:t>22/11/2022</a:t>
+              <a:t>25/11/2022</a:t>
             </a:fld>
             <a:endParaRPr lang="es-ES" noProof="0" dirty="0"/>
           </a:p>
@@ -842,7 +846,7 @@
             <a:pPr rtl="0"/>
             <a:fld id="{810E1E9A-E921-4174-A0FC-51868D7AC568}" type="slidenum">
               <a:rPr lang="es-ES" noProof="0" smtClean="0"/>
-              <a:t>10</a:t>
+              <a:t>12</a:t>
             </a:fld>
             <a:endParaRPr lang="es-ES" noProof="0" dirty="0"/>
           </a:p>
@@ -1004,7 +1008,7 @@
             <a:pPr rtl="0"/>
             <a:fld id="{55224D71-97F5-4B9D-B11B-235152E09E96}" type="datetime1">
               <a:rPr lang="es-ES" noProof="0" smtClean="0"/>
-              <a:t>22/11/2022</a:t>
+              <a:t>25/11/2022</a:t>
             </a:fld>
             <a:endParaRPr lang="es-ES" noProof="0" dirty="0"/>
           </a:p>
@@ -1353,7 +1357,7 @@
             <a:pPr rtl="0"/>
             <a:fld id="{2AB3A384-AAB1-4A76-A43B-EFE930A802BF}" type="datetime1">
               <a:rPr lang="es-ES" noProof="0" smtClean="0"/>
-              <a:t>22/11/2022</a:t>
+              <a:t>25/11/2022</a:t>
             </a:fld>
             <a:endParaRPr lang="es-ES" noProof="0" dirty="0"/>
           </a:p>
@@ -1495,7 +1499,7 @@
             <a:pPr rtl="0"/>
             <a:fld id="{95F109E8-29A7-4A4D-BBAF-954B5246DC6B}" type="datetime1">
               <a:rPr lang="es-ES" noProof="0" smtClean="0"/>
-              <a:t>22/11/2022</a:t>
+              <a:t>25/11/2022</a:t>
             </a:fld>
             <a:endParaRPr lang="es-ES" noProof="0" dirty="0"/>
           </a:p>
@@ -1609,7 +1613,7 @@
             <a:pPr rtl="0"/>
             <a:fld id="{3EDF4B7F-437B-43B6-8193-868254AADFEB}" type="datetime1">
               <a:rPr lang="es-ES" noProof="0" smtClean="0"/>
-              <a:t>22/11/2022</a:t>
+              <a:t>25/11/2022</a:t>
             </a:fld>
             <a:endParaRPr lang="es-ES" noProof="0" dirty="0"/>
           </a:p>
@@ -1909,7 +1913,7 @@
             <a:pPr rtl="0"/>
             <a:fld id="{5FD9D2A0-9803-4B3F-A6B6-606959F35242}" type="datetime1">
               <a:rPr lang="es-ES" noProof="0" smtClean="0"/>
-              <a:t>22/11/2022</a:t>
+              <a:t>25/11/2022</a:t>
             </a:fld>
             <a:endParaRPr lang="es-ES" noProof="0" dirty="0"/>
           </a:p>
@@ -2180,7 +2184,7 @@
             <a:pPr rtl="0"/>
             <a:fld id="{B48CB6FA-6884-4007-A174-A67BE7A1CA93}" type="datetime1">
               <a:rPr lang="es-ES" noProof="0" smtClean="0"/>
-              <a:t>22/11/2022</a:t>
+              <a:t>25/11/2022</a:t>
             </a:fld>
             <a:endParaRPr lang="es-ES" noProof="0" dirty="0"/>
           </a:p>
@@ -2451,7 +2455,7 @@
             <a:pPr rtl="0"/>
             <a:fld id="{DCA87387-1199-4F13-92EC-EA845724990E}" type="datetime1">
               <a:rPr lang="es-ES" noProof="0" smtClean="0"/>
-              <a:t>22/11/2022</a:t>
+              <a:t>25/11/2022</a:t>
             </a:fld>
             <a:endParaRPr lang="es-ES" noProof="0" dirty="0"/>
           </a:p>
@@ -2629,7 +2633,7 @@
             <a:pPr rtl="0"/>
             <a:fld id="{0277B9E3-6C0A-45A5-BAE5-CD19B242173D}" type="datetime1">
               <a:rPr lang="es-ES" noProof="0" smtClean="0"/>
-              <a:t>22/11/2022</a:t>
+              <a:t>25/11/2022</a:t>
             </a:fld>
             <a:endParaRPr lang="es-ES" noProof="0" dirty="0"/>
           </a:p>
@@ -2817,7 +2821,7 @@
             <a:pPr rtl="0"/>
             <a:fld id="{AB41DD2C-FA4F-413E-A1B5-23565A0780B7}" type="datetime1">
               <a:rPr lang="es-ES" noProof="0" smtClean="0"/>
-              <a:t>22/11/2022</a:t>
+              <a:t>25/11/2022</a:t>
             </a:fld>
             <a:endParaRPr lang="es-ES" noProof="0" dirty="0"/>
           </a:p>
@@ -3067,7 +3071,7 @@
             <a:pPr rtl="0"/>
             <a:fld id="{0D82DBE2-B5E9-4999-A9C0-55ED93FCE73D}" type="datetime1">
               <a:rPr lang="es-ES" noProof="0" smtClean="0"/>
-              <a:t>22/11/2022</a:t>
+              <a:t>25/11/2022</a:t>
             </a:fld>
             <a:endParaRPr lang="es-ES" noProof="0" dirty="0"/>
           </a:p>
@@ -3317,7 +3321,7 @@
             <a:pPr rtl="0"/>
             <a:fld id="{89B7BC24-C90D-4DAD-A6CB-BBA58C4D57BB}" type="datetime1">
               <a:rPr lang="es-ES" noProof="0" smtClean="0"/>
-              <a:t>22/11/2022</a:t>
+              <a:t>25/11/2022</a:t>
             </a:fld>
             <a:endParaRPr lang="es-ES" noProof="0" dirty="0"/>
           </a:p>
@@ -3580,7 +3584,7 @@
             <a:pPr rtl="0"/>
             <a:fld id="{217D4995-77A4-48E5-92B1-2DC992A39FBB}" type="datetime1">
               <a:rPr lang="es-ES" noProof="0" smtClean="0"/>
-              <a:t>22/11/2022</a:t>
+              <a:t>25/11/2022</a:t>
             </a:fld>
             <a:endParaRPr lang="es-ES" noProof="0" dirty="0"/>
           </a:p>
@@ -3854,7 +3858,7 @@
             <a:pPr rtl="0"/>
             <a:fld id="{AE8112B3-1F24-452F-80DE-56BF301098EC}" type="datetime1">
               <a:rPr lang="es-ES" noProof="0" smtClean="0"/>
-              <a:t>22/11/2022</a:t>
+              <a:t>25/11/2022</a:t>
             </a:fld>
             <a:endParaRPr lang="es-ES" noProof="0" dirty="0"/>
           </a:p>
@@ -4220,7 +4224,7 @@
             <a:pPr rtl="0"/>
             <a:fld id="{39B46DA2-8C2E-44C4-A865-CD3D33CFD45F}" type="datetime1">
               <a:rPr lang="es-ES" noProof="0" smtClean="0"/>
-              <a:t>22/11/2022</a:t>
+              <a:t>25/11/2022</a:t>
             </a:fld>
             <a:endParaRPr lang="es-ES" noProof="0" dirty="0"/>
           </a:p>
@@ -4575,7 +4579,7 @@
             <a:pPr rtl="0"/>
             <a:fld id="{D1525062-C568-4AE5-A98F-45E6D6D3E9AC}" type="datetime1">
               <a:rPr lang="es-ES" noProof="0" smtClean="0"/>
-              <a:t>22/11/2022</a:t>
+              <a:t>25/11/2022</a:t>
             </a:fld>
             <a:endParaRPr lang="es-ES" noProof="0" dirty="0"/>
           </a:p>
@@ -5070,7 +5074,7 @@
             <a:pPr rtl="0"/>
             <a:fld id="{8EBA81B0-EA87-4E7B-A74D-942650D6BCED}" type="datetime1">
               <a:rPr lang="es-ES" noProof="0" smtClean="0"/>
-              <a:t>22/11/2022</a:t>
+              <a:t>25/11/2022</a:t>
             </a:fld>
             <a:endParaRPr lang="es-ES" noProof="0" dirty="0"/>
           </a:p>
@@ -5565,7 +5569,7 @@
             <a:pPr rtl="0"/>
             <a:fld id="{F6653BDA-CE15-46D4-A5A4-C9E9758DEFB2}" type="datetime1">
               <a:rPr lang="es-ES" noProof="0" smtClean="0"/>
-              <a:t>22/11/2022</a:t>
+              <a:t>25/11/2022</a:t>
             </a:fld>
             <a:endParaRPr lang="es-ES" noProof="0" dirty="0"/>
           </a:p>
@@ -5789,7 +5793,7 @@
             <a:pPr rtl="0"/>
             <a:fld id="{72696FBB-EB5C-4293-9014-59E70AE1A5E6}" type="datetime1">
               <a:rPr lang="es-ES" noProof="0" smtClean="0"/>
-              <a:t>22/11/2022</a:t>
+              <a:t>25/11/2022</a:t>
             </a:fld>
             <a:endParaRPr lang="es-ES" noProof="0" dirty="0"/>
           </a:p>
@@ -6441,6 +6445,2906 @@
 <file path=ppt/slides/slide10.xml><?xml version="1.0" encoding="utf-8"?>
 <p:sld xmlns:a="http://schemas.openxmlformats.org/drawingml/2006/main" xmlns:r="http://schemas.openxmlformats.org/officeDocument/2006/relationships" xmlns:p="http://schemas.openxmlformats.org/presentationml/2006/main">
   <p:cSld>
+    <p:spTree>
+      <p:nvGrpSpPr>
+        <p:cNvPr id="1" name=""/>
+        <p:cNvGrpSpPr/>
+        <p:nvPr/>
+      </p:nvGrpSpPr>
+      <p:grpSpPr>
+        <a:xfrm>
+          <a:off x="0" y="0"/>
+          <a:ext cx="0" cy="0"/>
+          <a:chOff x="0" y="0"/>
+          <a:chExt cx="0" cy="0"/>
+        </a:xfrm>
+      </p:grpSpPr>
+      <p:sp>
+        <p:nvSpPr>
+          <p:cNvPr id="2" name="Título 1">
+            <a:extLst>
+              <a:ext uri="{FF2B5EF4-FFF2-40B4-BE49-F238E27FC236}">
+                <a16:creationId xmlns:a16="http://schemas.microsoft.com/office/drawing/2014/main" id="{B7A326E0-7378-DEAD-3AFB-15247D7E203A}"/>
+              </a:ext>
+            </a:extLst>
+          </p:cNvPr>
+          <p:cNvSpPr>
+            <a:spLocks noGrp="1"/>
+          </p:cNvSpPr>
+          <p:nvPr>
+            <p:ph type="title"/>
+          </p:nvPr>
+        </p:nvSpPr>
+        <p:spPr>
+          <a:xfrm>
+            <a:off x="720001" y="810000"/>
+            <a:ext cx="6121725" cy="810000"/>
+          </a:xfrm>
+        </p:spPr>
+        <p:txBody>
+          <a:bodyPr anchor="t"/>
+          <a:lstStyle/>
+          <a:p>
+            <a:r>
+              <a:rPr lang="es-CO" dirty="0"/>
+              <a:t>Flujo rápidamente variado (FRV)</a:t>
+            </a:r>
+            <a:endParaRPr lang="en-US" dirty="0"/>
+          </a:p>
+        </p:txBody>
+      </p:sp>
+      <p:pic>
+        <p:nvPicPr>
+          <p:cNvPr id="4" name="Imagen 3" descr="Un puente sobre un río&#10;&#10;Descripción generada automáticamente">
+            <a:extLst>
+              <a:ext uri="{FF2B5EF4-FFF2-40B4-BE49-F238E27FC236}">
+                <a16:creationId xmlns:a16="http://schemas.microsoft.com/office/drawing/2014/main" id="{FF981C41-1805-F867-1386-66517275FB9F}"/>
+              </a:ext>
+            </a:extLst>
+          </p:cNvPr>
+          <p:cNvPicPr>
+            <a:picLocks noChangeAspect="1"/>
+          </p:cNvPicPr>
+          <p:nvPr/>
+        </p:nvPicPr>
+        <p:blipFill>
+          <a:blip r:embed="rId2"/>
+          <a:stretch>
+            <a:fillRect/>
+          </a:stretch>
+        </p:blipFill>
+        <p:spPr>
+          <a:xfrm>
+            <a:off x="1824037" y="1620000"/>
+            <a:ext cx="3206785" cy="4805363"/>
+          </a:xfrm>
+          <a:prstGeom prst="rect">
+            <a:avLst/>
+          </a:prstGeom>
+        </p:spPr>
+      </p:pic>
+    </p:spTree>
+    <p:extLst>
+      <p:ext uri="{BB962C8B-B14F-4D97-AF65-F5344CB8AC3E}">
+        <p14:creationId xmlns:p14="http://schemas.microsoft.com/office/powerpoint/2010/main" val="2701829586"/>
+      </p:ext>
+    </p:extLst>
+  </p:cSld>
+  <p:clrMapOvr>
+    <a:masterClrMapping/>
+  </p:clrMapOvr>
+</p:sld>
+</file>
+
+<file path=ppt/slides/slide11.xml><?xml version="1.0" encoding="utf-8"?>
+<p:sld xmlns:a="http://schemas.openxmlformats.org/drawingml/2006/main" xmlns:r="http://schemas.openxmlformats.org/officeDocument/2006/relationships" xmlns:p="http://schemas.openxmlformats.org/presentationml/2006/main">
+  <p:cSld>
+    <p:spTree>
+      <p:nvGrpSpPr>
+        <p:cNvPr id="1" name=""/>
+        <p:cNvGrpSpPr/>
+        <p:nvPr/>
+      </p:nvGrpSpPr>
+      <p:grpSpPr>
+        <a:xfrm>
+          <a:off x="0" y="0"/>
+          <a:ext cx="0" cy="0"/>
+          <a:chOff x="0" y="0"/>
+          <a:chExt cx="0" cy="0"/>
+        </a:xfrm>
+      </p:grpSpPr>
+      <p:sp>
+        <p:nvSpPr>
+          <p:cNvPr id="2" name="Título 1">
+            <a:extLst>
+              <a:ext uri="{FF2B5EF4-FFF2-40B4-BE49-F238E27FC236}">
+                <a16:creationId xmlns:a16="http://schemas.microsoft.com/office/drawing/2014/main" id="{B7A326E0-7378-DEAD-3AFB-15247D7E203A}"/>
+              </a:ext>
+            </a:extLst>
+          </p:cNvPr>
+          <p:cNvSpPr>
+            <a:spLocks noGrp="1"/>
+          </p:cNvSpPr>
+          <p:nvPr>
+            <p:ph type="title"/>
+          </p:nvPr>
+        </p:nvSpPr>
+        <p:spPr>
+          <a:xfrm>
+            <a:off x="720001" y="810000"/>
+            <a:ext cx="6121725" cy="810000"/>
+          </a:xfrm>
+        </p:spPr>
+        <p:txBody>
+          <a:bodyPr anchor="t"/>
+          <a:lstStyle/>
+          <a:p>
+            <a:r>
+              <a:rPr lang="es-CO" dirty="0"/>
+              <a:t>Flujo rápidamente variado (FRV)</a:t>
+            </a:r>
+            <a:endParaRPr lang="en-US" dirty="0"/>
+          </a:p>
+        </p:txBody>
+      </p:sp>
+      <p:sp>
+        <p:nvSpPr>
+          <p:cNvPr id="3" name="Marcador de contenido 2">
+            <a:extLst>
+              <a:ext uri="{FF2B5EF4-FFF2-40B4-BE49-F238E27FC236}">
+                <a16:creationId xmlns:a16="http://schemas.microsoft.com/office/drawing/2014/main" id="{0A53F919-777C-5DCD-100C-960F9F502285}"/>
+              </a:ext>
+            </a:extLst>
+          </p:cNvPr>
+          <p:cNvSpPr txBox="1">
+            <a:spLocks/>
+          </p:cNvSpPr>
+          <p:nvPr/>
+        </p:nvSpPr>
+        <p:spPr>
+          <a:xfrm>
+            <a:off x="948600" y="1724024"/>
+            <a:ext cx="6840000" cy="2438401"/>
+          </a:xfrm>
+          <a:prstGeom prst="rect">
+            <a:avLst/>
+          </a:prstGeom>
+        </p:spPr>
+        <p:txBody>
+          <a:bodyPr vert="horz" lIns="91440" tIns="45720" rIns="91440" bIns="45720" rtlCol="0" anchor="t">
+            <a:normAutofit/>
+          </a:bodyPr>
+          <a:lstStyle>
+            <a:lvl1pPr marL="0" indent="0" algn="l" defTabSz="914377" rtl="0" eaLnBrk="1" latinLnBrk="0" hangingPunct="1">
+              <a:lnSpc>
+                <a:spcPct val="90000"/>
+              </a:lnSpc>
+              <a:spcBef>
+                <a:spcPts val="1000"/>
+              </a:spcBef>
+              <a:buFont typeface="Arial" panose="020B0604020202020204" pitchFamily="34" charset="0"/>
+              <a:buNone/>
+              <a:defRPr sz="2400" kern="1200">
+                <a:solidFill>
+                  <a:schemeClr val="tx1"/>
+                </a:solidFill>
+                <a:latin typeface="+mn-lt"/>
+                <a:ea typeface="+mn-ea"/>
+                <a:cs typeface="+mn-cs"/>
+              </a:defRPr>
+            </a:lvl1pPr>
+            <a:lvl2pPr marL="457189" indent="0" algn="l" defTabSz="914377" rtl="0" eaLnBrk="1" latinLnBrk="0" hangingPunct="1">
+              <a:lnSpc>
+                <a:spcPct val="90000"/>
+              </a:lnSpc>
+              <a:spcBef>
+                <a:spcPts val="500"/>
+              </a:spcBef>
+              <a:buFont typeface="Arial" panose="020B0604020202020204" pitchFamily="34" charset="0"/>
+              <a:buNone/>
+              <a:defRPr sz="2800" kern="1200">
+                <a:solidFill>
+                  <a:schemeClr val="tx1"/>
+                </a:solidFill>
+                <a:latin typeface="+mn-lt"/>
+                <a:ea typeface="+mn-ea"/>
+                <a:cs typeface="+mn-cs"/>
+              </a:defRPr>
+            </a:lvl2pPr>
+            <a:lvl3pPr marL="914377" indent="0" algn="l" defTabSz="914377" rtl="0" eaLnBrk="1" latinLnBrk="0" hangingPunct="1">
+              <a:lnSpc>
+                <a:spcPct val="90000"/>
+              </a:lnSpc>
+              <a:spcBef>
+                <a:spcPts val="500"/>
+              </a:spcBef>
+              <a:buFont typeface="Arial" panose="020B0604020202020204" pitchFamily="34" charset="0"/>
+              <a:buNone/>
+              <a:defRPr sz="2400" kern="1200">
+                <a:solidFill>
+                  <a:schemeClr val="tx1"/>
+                </a:solidFill>
+                <a:latin typeface="+mn-lt"/>
+                <a:ea typeface="+mn-ea"/>
+                <a:cs typeface="+mn-cs"/>
+              </a:defRPr>
+            </a:lvl3pPr>
+            <a:lvl4pPr marL="1371566" indent="0" algn="l" defTabSz="914377" rtl="0" eaLnBrk="1" latinLnBrk="0" hangingPunct="1">
+              <a:lnSpc>
+                <a:spcPct val="90000"/>
+              </a:lnSpc>
+              <a:spcBef>
+                <a:spcPts val="500"/>
+              </a:spcBef>
+              <a:buFont typeface="Arial" panose="020B0604020202020204" pitchFamily="34" charset="0"/>
+              <a:buNone/>
+              <a:defRPr sz="2000" kern="1200">
+                <a:solidFill>
+                  <a:schemeClr val="tx1"/>
+                </a:solidFill>
+                <a:latin typeface="+mn-lt"/>
+                <a:ea typeface="+mn-ea"/>
+                <a:cs typeface="+mn-cs"/>
+              </a:defRPr>
+            </a:lvl4pPr>
+            <a:lvl5pPr marL="1828754" indent="0" algn="l" defTabSz="914377" rtl="0" eaLnBrk="1" latinLnBrk="0" hangingPunct="1">
+              <a:lnSpc>
+                <a:spcPct val="90000"/>
+              </a:lnSpc>
+              <a:spcBef>
+                <a:spcPts val="500"/>
+              </a:spcBef>
+              <a:buFont typeface="Arial" panose="020B0604020202020204" pitchFamily="34" charset="0"/>
+              <a:buNone/>
+              <a:defRPr sz="2000" kern="1200">
+                <a:solidFill>
+                  <a:schemeClr val="tx1"/>
+                </a:solidFill>
+                <a:latin typeface="+mn-lt"/>
+                <a:ea typeface="+mn-ea"/>
+                <a:cs typeface="+mn-cs"/>
+              </a:defRPr>
+            </a:lvl5pPr>
+            <a:lvl6pPr marL="2285943" indent="0" algn="l" defTabSz="914377" rtl="0" eaLnBrk="1" latinLnBrk="0" hangingPunct="1">
+              <a:lnSpc>
+                <a:spcPct val="90000"/>
+              </a:lnSpc>
+              <a:spcBef>
+                <a:spcPts val="500"/>
+              </a:spcBef>
+              <a:buFont typeface="Arial" panose="020B0604020202020204" pitchFamily="34" charset="0"/>
+              <a:buNone/>
+              <a:defRPr sz="2000" kern="1200">
+                <a:solidFill>
+                  <a:schemeClr val="tx1"/>
+                </a:solidFill>
+                <a:latin typeface="+mn-lt"/>
+                <a:ea typeface="+mn-ea"/>
+                <a:cs typeface="+mn-cs"/>
+              </a:defRPr>
+            </a:lvl6pPr>
+            <a:lvl7pPr marL="2743131" indent="0" algn="l" defTabSz="914377" rtl="0" eaLnBrk="1" latinLnBrk="0" hangingPunct="1">
+              <a:lnSpc>
+                <a:spcPct val="90000"/>
+              </a:lnSpc>
+              <a:spcBef>
+                <a:spcPts val="500"/>
+              </a:spcBef>
+              <a:buFont typeface="Arial" panose="020B0604020202020204" pitchFamily="34" charset="0"/>
+              <a:buNone/>
+              <a:defRPr sz="2000" kern="1200">
+                <a:solidFill>
+                  <a:schemeClr val="tx1"/>
+                </a:solidFill>
+                <a:latin typeface="+mn-lt"/>
+                <a:ea typeface="+mn-ea"/>
+                <a:cs typeface="+mn-cs"/>
+              </a:defRPr>
+            </a:lvl7pPr>
+            <a:lvl8pPr marL="3200320" indent="0" algn="l" defTabSz="914377" rtl="0" eaLnBrk="1" latinLnBrk="0" hangingPunct="1">
+              <a:lnSpc>
+                <a:spcPct val="90000"/>
+              </a:lnSpc>
+              <a:spcBef>
+                <a:spcPts val="500"/>
+              </a:spcBef>
+              <a:buFont typeface="Arial" panose="020B0604020202020204" pitchFamily="34" charset="0"/>
+              <a:buNone/>
+              <a:defRPr sz="2000" kern="1200">
+                <a:solidFill>
+                  <a:schemeClr val="tx1"/>
+                </a:solidFill>
+                <a:latin typeface="+mn-lt"/>
+                <a:ea typeface="+mn-ea"/>
+                <a:cs typeface="+mn-cs"/>
+              </a:defRPr>
+            </a:lvl8pPr>
+            <a:lvl9pPr marL="3657509" indent="0" algn="l" defTabSz="914377" rtl="0" eaLnBrk="1" latinLnBrk="0" hangingPunct="1">
+              <a:lnSpc>
+                <a:spcPct val="90000"/>
+              </a:lnSpc>
+              <a:spcBef>
+                <a:spcPts val="500"/>
+              </a:spcBef>
+              <a:buFont typeface="Arial" panose="020B0604020202020204" pitchFamily="34" charset="0"/>
+              <a:buNone/>
+              <a:defRPr sz="2000" kern="1200">
+                <a:solidFill>
+                  <a:schemeClr val="tx1"/>
+                </a:solidFill>
+                <a:latin typeface="+mn-lt"/>
+                <a:ea typeface="+mn-ea"/>
+                <a:cs typeface="+mn-cs"/>
+              </a:defRPr>
+            </a:lvl9pPr>
+          </a:lstStyle>
+          <a:p>
+            <a:pPr marL="342900" indent="-342900">
+              <a:buFont typeface="Arial" panose="020B0604020202020204" pitchFamily="34" charset="0"/>
+              <a:buChar char="•"/>
+            </a:pPr>
+            <a:r>
+              <a:rPr lang="es-ES" sz="2200" dirty="0"/>
+              <a:t>Presión no hidrostática.</a:t>
+            </a:r>
+          </a:p>
+          <a:p>
+            <a:pPr marL="342900" indent="-342900">
+              <a:buFont typeface="Arial" panose="020B0604020202020204" pitchFamily="34" charset="0"/>
+              <a:buChar char="•"/>
+            </a:pPr>
+            <a:r>
+              <a:rPr lang="es-ES" sz="2200" dirty="0"/>
+              <a:t>Fricción despreciable.</a:t>
+            </a:r>
+          </a:p>
+          <a:p>
+            <a:pPr marL="342900" indent="-342900">
+              <a:buFont typeface="Arial" panose="020B0604020202020204" pitchFamily="34" charset="0"/>
+              <a:buChar char="•"/>
+            </a:pPr>
+            <a:r>
+              <a:rPr lang="es-ES" sz="2200" dirty="0"/>
+              <a:t>Características dependen de la geometría y condición de flujo de estructura.</a:t>
+            </a:r>
+          </a:p>
+          <a:p>
+            <a:pPr marL="342900" indent="-342900">
+              <a:buFont typeface="Arial" panose="020B0604020202020204" pitchFamily="34" charset="0"/>
+              <a:buChar char="•"/>
+            </a:pPr>
+            <a:r>
+              <a:rPr lang="es-ES" sz="2200" dirty="0"/>
+              <a:t>Los coeficientes de corrección α y β son mucho mayores a 1.</a:t>
+            </a:r>
+            <a:endParaRPr lang="en-US" sz="2200" dirty="0"/>
+          </a:p>
+        </p:txBody>
+      </p:sp>
+      <p:grpSp>
+        <p:nvGrpSpPr>
+          <p:cNvPr id="22" name="Grupo 21">
+            <a:extLst>
+              <a:ext uri="{FF2B5EF4-FFF2-40B4-BE49-F238E27FC236}">
+                <a16:creationId xmlns:a16="http://schemas.microsoft.com/office/drawing/2014/main" id="{94D15CFF-9EC5-724B-69C3-DF63535B6507}"/>
+              </a:ext>
+            </a:extLst>
+          </p:cNvPr>
+          <p:cNvGrpSpPr/>
+          <p:nvPr/>
+        </p:nvGrpSpPr>
+        <p:grpSpPr>
+          <a:xfrm>
+            <a:off x="1699740" y="4397830"/>
+            <a:ext cx="5358117" cy="1885542"/>
+            <a:chOff x="936133" y="4741773"/>
+            <a:chExt cx="4430230" cy="1559015"/>
+          </a:xfrm>
+        </p:grpSpPr>
+        <p:sp>
+          <p:nvSpPr>
+            <p:cNvPr id="7" name="Forma libre: forma 6">
+              <a:extLst>
+                <a:ext uri="{FF2B5EF4-FFF2-40B4-BE49-F238E27FC236}">
+                  <a16:creationId xmlns:a16="http://schemas.microsoft.com/office/drawing/2014/main" id="{153A61FC-EE75-3931-0A6D-29A31B2908B6}"/>
+                </a:ext>
+              </a:extLst>
+            </p:cNvPr>
+            <p:cNvSpPr/>
+            <p:nvPr/>
+          </p:nvSpPr>
+          <p:spPr>
+            <a:xfrm>
+              <a:off x="1552575" y="4886326"/>
+              <a:ext cx="1801452" cy="1414462"/>
+            </a:xfrm>
+            <a:custGeom>
+              <a:avLst/>
+              <a:gdLst>
+                <a:gd name="connsiteX0" fmla="*/ 0 w 2143125"/>
+                <a:gd name="connsiteY0" fmla="*/ 168563 h 1663988"/>
+                <a:gd name="connsiteX1" fmla="*/ 276225 w 2143125"/>
+                <a:gd name="connsiteY1" fmla="*/ 6638 h 1663988"/>
+                <a:gd name="connsiteX2" fmla="*/ 590550 w 2143125"/>
+                <a:gd name="connsiteY2" fmla="*/ 54263 h 1663988"/>
+                <a:gd name="connsiteX3" fmla="*/ 914400 w 2143125"/>
+                <a:gd name="connsiteY3" fmla="*/ 263813 h 1663988"/>
+                <a:gd name="connsiteX4" fmla="*/ 1171575 w 2143125"/>
+                <a:gd name="connsiteY4" fmla="*/ 597188 h 1663988"/>
+                <a:gd name="connsiteX5" fmla="*/ 1495425 w 2143125"/>
+                <a:gd name="connsiteY5" fmla="*/ 1111538 h 1663988"/>
+                <a:gd name="connsiteX6" fmla="*/ 1885950 w 2143125"/>
+                <a:gd name="connsiteY6" fmla="*/ 1502063 h 1663988"/>
+                <a:gd name="connsiteX7" fmla="*/ 2143125 w 2143125"/>
+                <a:gd name="connsiteY7" fmla="*/ 1663988 h 1663988"/>
+                <a:gd name="connsiteX0" fmla="*/ 0 w 2143125"/>
+                <a:gd name="connsiteY0" fmla="*/ 168563 h 1663988"/>
+                <a:gd name="connsiteX1" fmla="*/ 0 w 2143125"/>
+                <a:gd name="connsiteY1" fmla="*/ 168563 h 1663988"/>
+                <a:gd name="connsiteX2" fmla="*/ 276225 w 2143125"/>
+                <a:gd name="connsiteY2" fmla="*/ 6638 h 1663988"/>
+                <a:gd name="connsiteX3" fmla="*/ 590550 w 2143125"/>
+                <a:gd name="connsiteY3" fmla="*/ 54263 h 1663988"/>
+                <a:gd name="connsiteX4" fmla="*/ 914400 w 2143125"/>
+                <a:gd name="connsiteY4" fmla="*/ 263813 h 1663988"/>
+                <a:gd name="connsiteX5" fmla="*/ 1171575 w 2143125"/>
+                <a:gd name="connsiteY5" fmla="*/ 597188 h 1663988"/>
+                <a:gd name="connsiteX6" fmla="*/ 1495425 w 2143125"/>
+                <a:gd name="connsiteY6" fmla="*/ 1111538 h 1663988"/>
+                <a:gd name="connsiteX7" fmla="*/ 1885950 w 2143125"/>
+                <a:gd name="connsiteY7" fmla="*/ 1502063 h 1663988"/>
+                <a:gd name="connsiteX8" fmla="*/ 2143125 w 2143125"/>
+                <a:gd name="connsiteY8" fmla="*/ 1663988 h 1663988"/>
+                <a:gd name="connsiteX0" fmla="*/ 0 w 2143125"/>
+                <a:gd name="connsiteY0" fmla="*/ 171228 h 1666653"/>
+                <a:gd name="connsiteX1" fmla="*/ 180975 w 2143125"/>
+                <a:gd name="connsiteY1" fmla="*/ 209328 h 1666653"/>
+                <a:gd name="connsiteX2" fmla="*/ 276225 w 2143125"/>
+                <a:gd name="connsiteY2" fmla="*/ 9303 h 1666653"/>
+                <a:gd name="connsiteX3" fmla="*/ 590550 w 2143125"/>
+                <a:gd name="connsiteY3" fmla="*/ 56928 h 1666653"/>
+                <a:gd name="connsiteX4" fmla="*/ 914400 w 2143125"/>
+                <a:gd name="connsiteY4" fmla="*/ 266478 h 1666653"/>
+                <a:gd name="connsiteX5" fmla="*/ 1171575 w 2143125"/>
+                <a:gd name="connsiteY5" fmla="*/ 599853 h 1666653"/>
+                <a:gd name="connsiteX6" fmla="*/ 1495425 w 2143125"/>
+                <a:gd name="connsiteY6" fmla="*/ 1114203 h 1666653"/>
+                <a:gd name="connsiteX7" fmla="*/ 1885950 w 2143125"/>
+                <a:gd name="connsiteY7" fmla="*/ 1504728 h 1666653"/>
+                <a:gd name="connsiteX8" fmla="*/ 2143125 w 2143125"/>
+                <a:gd name="connsiteY8" fmla="*/ 1666653 h 1666653"/>
+                <a:gd name="connsiteX0" fmla="*/ 0 w 2190750"/>
+                <a:gd name="connsiteY0" fmla="*/ 485553 h 1666653"/>
+                <a:gd name="connsiteX1" fmla="*/ 228600 w 2190750"/>
+                <a:gd name="connsiteY1" fmla="*/ 209328 h 1666653"/>
+                <a:gd name="connsiteX2" fmla="*/ 323850 w 2190750"/>
+                <a:gd name="connsiteY2" fmla="*/ 9303 h 1666653"/>
+                <a:gd name="connsiteX3" fmla="*/ 638175 w 2190750"/>
+                <a:gd name="connsiteY3" fmla="*/ 56928 h 1666653"/>
+                <a:gd name="connsiteX4" fmla="*/ 962025 w 2190750"/>
+                <a:gd name="connsiteY4" fmla="*/ 266478 h 1666653"/>
+                <a:gd name="connsiteX5" fmla="*/ 1219200 w 2190750"/>
+                <a:gd name="connsiteY5" fmla="*/ 599853 h 1666653"/>
+                <a:gd name="connsiteX6" fmla="*/ 1543050 w 2190750"/>
+                <a:gd name="connsiteY6" fmla="*/ 1114203 h 1666653"/>
+                <a:gd name="connsiteX7" fmla="*/ 1933575 w 2190750"/>
+                <a:gd name="connsiteY7" fmla="*/ 1504728 h 1666653"/>
+                <a:gd name="connsiteX8" fmla="*/ 2190750 w 2190750"/>
+                <a:gd name="connsiteY8" fmla="*/ 1666653 h 1666653"/>
+                <a:gd name="connsiteX0" fmla="*/ 0 w 2190750"/>
+                <a:gd name="connsiteY0" fmla="*/ 482234 h 1663334"/>
+                <a:gd name="connsiteX1" fmla="*/ 85725 w 2190750"/>
+                <a:gd name="connsiteY1" fmla="*/ 158384 h 1663334"/>
+                <a:gd name="connsiteX2" fmla="*/ 323850 w 2190750"/>
+                <a:gd name="connsiteY2" fmla="*/ 5984 h 1663334"/>
+                <a:gd name="connsiteX3" fmla="*/ 638175 w 2190750"/>
+                <a:gd name="connsiteY3" fmla="*/ 53609 h 1663334"/>
+                <a:gd name="connsiteX4" fmla="*/ 962025 w 2190750"/>
+                <a:gd name="connsiteY4" fmla="*/ 263159 h 1663334"/>
+                <a:gd name="connsiteX5" fmla="*/ 1219200 w 2190750"/>
+                <a:gd name="connsiteY5" fmla="*/ 596534 h 1663334"/>
+                <a:gd name="connsiteX6" fmla="*/ 1543050 w 2190750"/>
+                <a:gd name="connsiteY6" fmla="*/ 1110884 h 1663334"/>
+                <a:gd name="connsiteX7" fmla="*/ 1933575 w 2190750"/>
+                <a:gd name="connsiteY7" fmla="*/ 1501409 h 1663334"/>
+                <a:gd name="connsiteX8" fmla="*/ 2190750 w 2190750"/>
+                <a:gd name="connsiteY8" fmla="*/ 1663334 h 1663334"/>
+                <a:gd name="connsiteX0" fmla="*/ 0 w 2190750"/>
+                <a:gd name="connsiteY0" fmla="*/ 482234 h 1663334"/>
+                <a:gd name="connsiteX1" fmla="*/ 28575 w 2190750"/>
+                <a:gd name="connsiteY1" fmla="*/ 367934 h 1663334"/>
+                <a:gd name="connsiteX2" fmla="*/ 85725 w 2190750"/>
+                <a:gd name="connsiteY2" fmla="*/ 158384 h 1663334"/>
+                <a:gd name="connsiteX3" fmla="*/ 323850 w 2190750"/>
+                <a:gd name="connsiteY3" fmla="*/ 5984 h 1663334"/>
+                <a:gd name="connsiteX4" fmla="*/ 638175 w 2190750"/>
+                <a:gd name="connsiteY4" fmla="*/ 53609 h 1663334"/>
+                <a:gd name="connsiteX5" fmla="*/ 962025 w 2190750"/>
+                <a:gd name="connsiteY5" fmla="*/ 263159 h 1663334"/>
+                <a:gd name="connsiteX6" fmla="*/ 1219200 w 2190750"/>
+                <a:gd name="connsiteY6" fmla="*/ 596534 h 1663334"/>
+                <a:gd name="connsiteX7" fmla="*/ 1543050 w 2190750"/>
+                <a:gd name="connsiteY7" fmla="*/ 1110884 h 1663334"/>
+                <a:gd name="connsiteX8" fmla="*/ 1933575 w 2190750"/>
+                <a:gd name="connsiteY8" fmla="*/ 1501409 h 1663334"/>
+                <a:gd name="connsiteX9" fmla="*/ 2190750 w 2190750"/>
+                <a:gd name="connsiteY9" fmla="*/ 1663334 h 1663334"/>
+                <a:gd name="connsiteX0" fmla="*/ 0 w 2171700"/>
+                <a:gd name="connsiteY0" fmla="*/ 1701434 h 1701434"/>
+                <a:gd name="connsiteX1" fmla="*/ 9525 w 2171700"/>
+                <a:gd name="connsiteY1" fmla="*/ 367934 h 1701434"/>
+                <a:gd name="connsiteX2" fmla="*/ 66675 w 2171700"/>
+                <a:gd name="connsiteY2" fmla="*/ 158384 h 1701434"/>
+                <a:gd name="connsiteX3" fmla="*/ 304800 w 2171700"/>
+                <a:gd name="connsiteY3" fmla="*/ 5984 h 1701434"/>
+                <a:gd name="connsiteX4" fmla="*/ 619125 w 2171700"/>
+                <a:gd name="connsiteY4" fmla="*/ 53609 h 1701434"/>
+                <a:gd name="connsiteX5" fmla="*/ 942975 w 2171700"/>
+                <a:gd name="connsiteY5" fmla="*/ 263159 h 1701434"/>
+                <a:gd name="connsiteX6" fmla="*/ 1200150 w 2171700"/>
+                <a:gd name="connsiteY6" fmla="*/ 596534 h 1701434"/>
+                <a:gd name="connsiteX7" fmla="*/ 1524000 w 2171700"/>
+                <a:gd name="connsiteY7" fmla="*/ 1110884 h 1701434"/>
+                <a:gd name="connsiteX8" fmla="*/ 1914525 w 2171700"/>
+                <a:gd name="connsiteY8" fmla="*/ 1501409 h 1701434"/>
+                <a:gd name="connsiteX9" fmla="*/ 2171700 w 2171700"/>
+                <a:gd name="connsiteY9" fmla="*/ 1663334 h 1701434"/>
+                <a:gd name="connsiteX0" fmla="*/ 0 w 2171700"/>
+                <a:gd name="connsiteY0" fmla="*/ 1701434 h 1701434"/>
+                <a:gd name="connsiteX1" fmla="*/ 9525 w 2171700"/>
+                <a:gd name="connsiteY1" fmla="*/ 367934 h 1701434"/>
+                <a:gd name="connsiteX2" fmla="*/ 66675 w 2171700"/>
+                <a:gd name="connsiteY2" fmla="*/ 158384 h 1701434"/>
+                <a:gd name="connsiteX3" fmla="*/ 304800 w 2171700"/>
+                <a:gd name="connsiteY3" fmla="*/ 5984 h 1701434"/>
+                <a:gd name="connsiteX4" fmla="*/ 619125 w 2171700"/>
+                <a:gd name="connsiteY4" fmla="*/ 53609 h 1701434"/>
+                <a:gd name="connsiteX5" fmla="*/ 942975 w 2171700"/>
+                <a:gd name="connsiteY5" fmla="*/ 263159 h 1701434"/>
+                <a:gd name="connsiteX6" fmla="*/ 1200150 w 2171700"/>
+                <a:gd name="connsiteY6" fmla="*/ 596534 h 1701434"/>
+                <a:gd name="connsiteX7" fmla="*/ 1524000 w 2171700"/>
+                <a:gd name="connsiteY7" fmla="*/ 1110884 h 1701434"/>
+                <a:gd name="connsiteX8" fmla="*/ 1914525 w 2171700"/>
+                <a:gd name="connsiteY8" fmla="*/ 1501409 h 1701434"/>
+                <a:gd name="connsiteX9" fmla="*/ 2171700 w 2171700"/>
+                <a:gd name="connsiteY9" fmla="*/ 1663334 h 1701434"/>
+                <a:gd name="connsiteX0" fmla="*/ 0 w 2171700"/>
+                <a:gd name="connsiteY0" fmla="*/ 1701434 h 1701434"/>
+                <a:gd name="connsiteX1" fmla="*/ 9525 w 2171700"/>
+                <a:gd name="connsiteY1" fmla="*/ 367934 h 1701434"/>
+                <a:gd name="connsiteX2" fmla="*/ 66675 w 2171700"/>
+                <a:gd name="connsiteY2" fmla="*/ 158384 h 1701434"/>
+                <a:gd name="connsiteX3" fmla="*/ 304800 w 2171700"/>
+                <a:gd name="connsiteY3" fmla="*/ 5984 h 1701434"/>
+                <a:gd name="connsiteX4" fmla="*/ 619125 w 2171700"/>
+                <a:gd name="connsiteY4" fmla="*/ 53609 h 1701434"/>
+                <a:gd name="connsiteX5" fmla="*/ 942975 w 2171700"/>
+                <a:gd name="connsiteY5" fmla="*/ 263159 h 1701434"/>
+                <a:gd name="connsiteX6" fmla="*/ 1200150 w 2171700"/>
+                <a:gd name="connsiteY6" fmla="*/ 596534 h 1701434"/>
+                <a:gd name="connsiteX7" fmla="*/ 1524000 w 2171700"/>
+                <a:gd name="connsiteY7" fmla="*/ 1110884 h 1701434"/>
+                <a:gd name="connsiteX8" fmla="*/ 1914525 w 2171700"/>
+                <a:gd name="connsiteY8" fmla="*/ 1501409 h 1701434"/>
+                <a:gd name="connsiteX9" fmla="*/ 2171700 w 2171700"/>
+                <a:gd name="connsiteY9" fmla="*/ 1663334 h 1701434"/>
+                <a:gd name="connsiteX0" fmla="*/ 0 w 2171700"/>
+                <a:gd name="connsiteY0" fmla="*/ 1701434 h 1701434"/>
+                <a:gd name="connsiteX1" fmla="*/ 9525 w 2171700"/>
+                <a:gd name="connsiteY1" fmla="*/ 367934 h 1701434"/>
+                <a:gd name="connsiteX2" fmla="*/ 66675 w 2171700"/>
+                <a:gd name="connsiteY2" fmla="*/ 158384 h 1701434"/>
+                <a:gd name="connsiteX3" fmla="*/ 304800 w 2171700"/>
+                <a:gd name="connsiteY3" fmla="*/ 5984 h 1701434"/>
+                <a:gd name="connsiteX4" fmla="*/ 619125 w 2171700"/>
+                <a:gd name="connsiteY4" fmla="*/ 53609 h 1701434"/>
+                <a:gd name="connsiteX5" fmla="*/ 942975 w 2171700"/>
+                <a:gd name="connsiteY5" fmla="*/ 263159 h 1701434"/>
+                <a:gd name="connsiteX6" fmla="*/ 1200150 w 2171700"/>
+                <a:gd name="connsiteY6" fmla="*/ 596534 h 1701434"/>
+                <a:gd name="connsiteX7" fmla="*/ 1524000 w 2171700"/>
+                <a:gd name="connsiteY7" fmla="*/ 1110884 h 1701434"/>
+                <a:gd name="connsiteX8" fmla="*/ 1914525 w 2171700"/>
+                <a:gd name="connsiteY8" fmla="*/ 1501409 h 1701434"/>
+                <a:gd name="connsiteX9" fmla="*/ 2171700 w 2171700"/>
+                <a:gd name="connsiteY9" fmla="*/ 1663334 h 1701434"/>
+                <a:gd name="connsiteX0" fmla="*/ 0 w 2171700"/>
+                <a:gd name="connsiteY0" fmla="*/ 1701434 h 1701434"/>
+                <a:gd name="connsiteX1" fmla="*/ 9525 w 2171700"/>
+                <a:gd name="connsiteY1" fmla="*/ 367934 h 1701434"/>
+                <a:gd name="connsiteX2" fmla="*/ 66675 w 2171700"/>
+                <a:gd name="connsiteY2" fmla="*/ 158384 h 1701434"/>
+                <a:gd name="connsiteX3" fmla="*/ 304800 w 2171700"/>
+                <a:gd name="connsiteY3" fmla="*/ 5984 h 1701434"/>
+                <a:gd name="connsiteX4" fmla="*/ 619125 w 2171700"/>
+                <a:gd name="connsiteY4" fmla="*/ 53609 h 1701434"/>
+                <a:gd name="connsiteX5" fmla="*/ 942975 w 2171700"/>
+                <a:gd name="connsiteY5" fmla="*/ 263159 h 1701434"/>
+                <a:gd name="connsiteX6" fmla="*/ 1200150 w 2171700"/>
+                <a:gd name="connsiteY6" fmla="*/ 596534 h 1701434"/>
+                <a:gd name="connsiteX7" fmla="*/ 1524000 w 2171700"/>
+                <a:gd name="connsiteY7" fmla="*/ 1110884 h 1701434"/>
+                <a:gd name="connsiteX8" fmla="*/ 1914525 w 2171700"/>
+                <a:gd name="connsiteY8" fmla="*/ 1501409 h 1701434"/>
+                <a:gd name="connsiteX9" fmla="*/ 2171700 w 2171700"/>
+                <a:gd name="connsiteY9" fmla="*/ 1663334 h 1701434"/>
+                <a:gd name="connsiteX0" fmla="*/ 0 w 2171700"/>
+                <a:gd name="connsiteY0" fmla="*/ 1701434 h 1701434"/>
+                <a:gd name="connsiteX1" fmla="*/ 9525 w 2171700"/>
+                <a:gd name="connsiteY1" fmla="*/ 367934 h 1701434"/>
+                <a:gd name="connsiteX2" fmla="*/ 66675 w 2171700"/>
+                <a:gd name="connsiteY2" fmla="*/ 158384 h 1701434"/>
+                <a:gd name="connsiteX3" fmla="*/ 304800 w 2171700"/>
+                <a:gd name="connsiteY3" fmla="*/ 5984 h 1701434"/>
+                <a:gd name="connsiteX4" fmla="*/ 619125 w 2171700"/>
+                <a:gd name="connsiteY4" fmla="*/ 53609 h 1701434"/>
+                <a:gd name="connsiteX5" fmla="*/ 942975 w 2171700"/>
+                <a:gd name="connsiteY5" fmla="*/ 263159 h 1701434"/>
+                <a:gd name="connsiteX6" fmla="*/ 1200150 w 2171700"/>
+                <a:gd name="connsiteY6" fmla="*/ 596534 h 1701434"/>
+                <a:gd name="connsiteX7" fmla="*/ 1524000 w 2171700"/>
+                <a:gd name="connsiteY7" fmla="*/ 1110884 h 1701434"/>
+                <a:gd name="connsiteX8" fmla="*/ 1914525 w 2171700"/>
+                <a:gd name="connsiteY8" fmla="*/ 1501409 h 1701434"/>
+                <a:gd name="connsiteX9" fmla="*/ 2171700 w 2171700"/>
+                <a:gd name="connsiteY9" fmla="*/ 1663334 h 1701434"/>
+                <a:gd name="connsiteX0" fmla="*/ 0 w 2171700"/>
+                <a:gd name="connsiteY0" fmla="*/ 1701434 h 1701434"/>
+                <a:gd name="connsiteX1" fmla="*/ 9525 w 2171700"/>
+                <a:gd name="connsiteY1" fmla="*/ 367934 h 1701434"/>
+                <a:gd name="connsiteX2" fmla="*/ 66675 w 2171700"/>
+                <a:gd name="connsiteY2" fmla="*/ 158384 h 1701434"/>
+                <a:gd name="connsiteX3" fmla="*/ 304800 w 2171700"/>
+                <a:gd name="connsiteY3" fmla="*/ 5984 h 1701434"/>
+                <a:gd name="connsiteX4" fmla="*/ 619125 w 2171700"/>
+                <a:gd name="connsiteY4" fmla="*/ 53609 h 1701434"/>
+                <a:gd name="connsiteX5" fmla="*/ 942975 w 2171700"/>
+                <a:gd name="connsiteY5" fmla="*/ 263159 h 1701434"/>
+                <a:gd name="connsiteX6" fmla="*/ 1200150 w 2171700"/>
+                <a:gd name="connsiteY6" fmla="*/ 596534 h 1701434"/>
+                <a:gd name="connsiteX7" fmla="*/ 1524000 w 2171700"/>
+                <a:gd name="connsiteY7" fmla="*/ 1110884 h 1701434"/>
+                <a:gd name="connsiteX8" fmla="*/ 1914525 w 2171700"/>
+                <a:gd name="connsiteY8" fmla="*/ 1501409 h 1701434"/>
+                <a:gd name="connsiteX9" fmla="*/ 2171700 w 2171700"/>
+                <a:gd name="connsiteY9" fmla="*/ 1663334 h 1701434"/>
+                <a:gd name="connsiteX0" fmla="*/ 0 w 2171700"/>
+                <a:gd name="connsiteY0" fmla="*/ 1701434 h 1701434"/>
+                <a:gd name="connsiteX1" fmla="*/ 9525 w 2171700"/>
+                <a:gd name="connsiteY1" fmla="*/ 367934 h 1701434"/>
+                <a:gd name="connsiteX2" fmla="*/ 66675 w 2171700"/>
+                <a:gd name="connsiteY2" fmla="*/ 158384 h 1701434"/>
+                <a:gd name="connsiteX3" fmla="*/ 304800 w 2171700"/>
+                <a:gd name="connsiteY3" fmla="*/ 5984 h 1701434"/>
+                <a:gd name="connsiteX4" fmla="*/ 619125 w 2171700"/>
+                <a:gd name="connsiteY4" fmla="*/ 53609 h 1701434"/>
+                <a:gd name="connsiteX5" fmla="*/ 942975 w 2171700"/>
+                <a:gd name="connsiteY5" fmla="*/ 263159 h 1701434"/>
+                <a:gd name="connsiteX6" fmla="*/ 1200150 w 2171700"/>
+                <a:gd name="connsiteY6" fmla="*/ 596534 h 1701434"/>
+                <a:gd name="connsiteX7" fmla="*/ 1524000 w 2171700"/>
+                <a:gd name="connsiteY7" fmla="*/ 1110884 h 1701434"/>
+                <a:gd name="connsiteX8" fmla="*/ 1914525 w 2171700"/>
+                <a:gd name="connsiteY8" fmla="*/ 1501409 h 1701434"/>
+                <a:gd name="connsiteX9" fmla="*/ 2171700 w 2171700"/>
+                <a:gd name="connsiteY9" fmla="*/ 1663334 h 1701434"/>
+                <a:gd name="connsiteX0" fmla="*/ 0 w 2171700"/>
+                <a:gd name="connsiteY0" fmla="*/ 1701434 h 1701434"/>
+                <a:gd name="connsiteX1" fmla="*/ 9525 w 2171700"/>
+                <a:gd name="connsiteY1" fmla="*/ 367934 h 1701434"/>
+                <a:gd name="connsiteX2" fmla="*/ 66675 w 2171700"/>
+                <a:gd name="connsiteY2" fmla="*/ 158384 h 1701434"/>
+                <a:gd name="connsiteX3" fmla="*/ 304800 w 2171700"/>
+                <a:gd name="connsiteY3" fmla="*/ 5984 h 1701434"/>
+                <a:gd name="connsiteX4" fmla="*/ 619125 w 2171700"/>
+                <a:gd name="connsiteY4" fmla="*/ 53609 h 1701434"/>
+                <a:gd name="connsiteX5" fmla="*/ 942975 w 2171700"/>
+                <a:gd name="connsiteY5" fmla="*/ 263159 h 1701434"/>
+                <a:gd name="connsiteX6" fmla="*/ 1200150 w 2171700"/>
+                <a:gd name="connsiteY6" fmla="*/ 596534 h 1701434"/>
+                <a:gd name="connsiteX7" fmla="*/ 1524000 w 2171700"/>
+                <a:gd name="connsiteY7" fmla="*/ 1110884 h 1701434"/>
+                <a:gd name="connsiteX8" fmla="*/ 1914525 w 2171700"/>
+                <a:gd name="connsiteY8" fmla="*/ 1501409 h 1701434"/>
+                <a:gd name="connsiteX9" fmla="*/ 2171700 w 2171700"/>
+                <a:gd name="connsiteY9" fmla="*/ 1663334 h 1701434"/>
+                <a:gd name="connsiteX0" fmla="*/ 0 w 2171700"/>
+                <a:gd name="connsiteY0" fmla="*/ 1701434 h 1701434"/>
+                <a:gd name="connsiteX1" fmla="*/ 9525 w 2171700"/>
+                <a:gd name="connsiteY1" fmla="*/ 367934 h 1701434"/>
+                <a:gd name="connsiteX2" fmla="*/ 66675 w 2171700"/>
+                <a:gd name="connsiteY2" fmla="*/ 158384 h 1701434"/>
+                <a:gd name="connsiteX3" fmla="*/ 304800 w 2171700"/>
+                <a:gd name="connsiteY3" fmla="*/ 5984 h 1701434"/>
+                <a:gd name="connsiteX4" fmla="*/ 619125 w 2171700"/>
+                <a:gd name="connsiteY4" fmla="*/ 53609 h 1701434"/>
+                <a:gd name="connsiteX5" fmla="*/ 942975 w 2171700"/>
+                <a:gd name="connsiteY5" fmla="*/ 263159 h 1701434"/>
+                <a:gd name="connsiteX6" fmla="*/ 1200150 w 2171700"/>
+                <a:gd name="connsiteY6" fmla="*/ 596534 h 1701434"/>
+                <a:gd name="connsiteX7" fmla="*/ 1524000 w 2171700"/>
+                <a:gd name="connsiteY7" fmla="*/ 1110884 h 1701434"/>
+                <a:gd name="connsiteX8" fmla="*/ 1914525 w 2171700"/>
+                <a:gd name="connsiteY8" fmla="*/ 1501409 h 1701434"/>
+                <a:gd name="connsiteX9" fmla="*/ 2171700 w 2171700"/>
+                <a:gd name="connsiteY9" fmla="*/ 1663334 h 1701434"/>
+                <a:gd name="connsiteX0" fmla="*/ 0 w 2171700"/>
+                <a:gd name="connsiteY0" fmla="*/ 1701434 h 1701434"/>
+                <a:gd name="connsiteX1" fmla="*/ 9525 w 2171700"/>
+                <a:gd name="connsiteY1" fmla="*/ 367934 h 1701434"/>
+                <a:gd name="connsiteX2" fmla="*/ 66675 w 2171700"/>
+                <a:gd name="connsiteY2" fmla="*/ 158384 h 1701434"/>
+                <a:gd name="connsiteX3" fmla="*/ 304800 w 2171700"/>
+                <a:gd name="connsiteY3" fmla="*/ 5984 h 1701434"/>
+                <a:gd name="connsiteX4" fmla="*/ 619125 w 2171700"/>
+                <a:gd name="connsiteY4" fmla="*/ 53609 h 1701434"/>
+                <a:gd name="connsiteX5" fmla="*/ 942975 w 2171700"/>
+                <a:gd name="connsiteY5" fmla="*/ 263159 h 1701434"/>
+                <a:gd name="connsiteX6" fmla="*/ 1200150 w 2171700"/>
+                <a:gd name="connsiteY6" fmla="*/ 596534 h 1701434"/>
+                <a:gd name="connsiteX7" fmla="*/ 1524000 w 2171700"/>
+                <a:gd name="connsiteY7" fmla="*/ 1110884 h 1701434"/>
+                <a:gd name="connsiteX8" fmla="*/ 1914525 w 2171700"/>
+                <a:gd name="connsiteY8" fmla="*/ 1501409 h 1701434"/>
+                <a:gd name="connsiteX9" fmla="*/ 2171700 w 2171700"/>
+                <a:gd name="connsiteY9" fmla="*/ 1663334 h 1701434"/>
+                <a:gd name="connsiteX0" fmla="*/ 0 w 2171700"/>
+                <a:gd name="connsiteY0" fmla="*/ 1701434 h 1701434"/>
+                <a:gd name="connsiteX1" fmla="*/ 9525 w 2171700"/>
+                <a:gd name="connsiteY1" fmla="*/ 367934 h 1701434"/>
+                <a:gd name="connsiteX2" fmla="*/ 38100 w 2171700"/>
+                <a:gd name="connsiteY2" fmla="*/ 263159 h 1701434"/>
+                <a:gd name="connsiteX3" fmla="*/ 66675 w 2171700"/>
+                <a:gd name="connsiteY3" fmla="*/ 158384 h 1701434"/>
+                <a:gd name="connsiteX4" fmla="*/ 304800 w 2171700"/>
+                <a:gd name="connsiteY4" fmla="*/ 5984 h 1701434"/>
+                <a:gd name="connsiteX5" fmla="*/ 619125 w 2171700"/>
+                <a:gd name="connsiteY5" fmla="*/ 53609 h 1701434"/>
+                <a:gd name="connsiteX6" fmla="*/ 942975 w 2171700"/>
+                <a:gd name="connsiteY6" fmla="*/ 263159 h 1701434"/>
+                <a:gd name="connsiteX7" fmla="*/ 1200150 w 2171700"/>
+                <a:gd name="connsiteY7" fmla="*/ 596534 h 1701434"/>
+                <a:gd name="connsiteX8" fmla="*/ 1524000 w 2171700"/>
+                <a:gd name="connsiteY8" fmla="*/ 1110884 h 1701434"/>
+                <a:gd name="connsiteX9" fmla="*/ 1914525 w 2171700"/>
+                <a:gd name="connsiteY9" fmla="*/ 1501409 h 1701434"/>
+                <a:gd name="connsiteX10" fmla="*/ 2171700 w 2171700"/>
+                <a:gd name="connsiteY10" fmla="*/ 1663334 h 1701434"/>
+                <a:gd name="connsiteX0" fmla="*/ 0 w 2171700"/>
+                <a:gd name="connsiteY0" fmla="*/ 1701434 h 1701434"/>
+                <a:gd name="connsiteX1" fmla="*/ 9525 w 2171700"/>
+                <a:gd name="connsiteY1" fmla="*/ 367934 h 1701434"/>
+                <a:gd name="connsiteX2" fmla="*/ 33337 w 2171700"/>
+                <a:gd name="connsiteY2" fmla="*/ 248872 h 1701434"/>
+                <a:gd name="connsiteX3" fmla="*/ 66675 w 2171700"/>
+                <a:gd name="connsiteY3" fmla="*/ 158384 h 1701434"/>
+                <a:gd name="connsiteX4" fmla="*/ 304800 w 2171700"/>
+                <a:gd name="connsiteY4" fmla="*/ 5984 h 1701434"/>
+                <a:gd name="connsiteX5" fmla="*/ 619125 w 2171700"/>
+                <a:gd name="connsiteY5" fmla="*/ 53609 h 1701434"/>
+                <a:gd name="connsiteX6" fmla="*/ 942975 w 2171700"/>
+                <a:gd name="connsiteY6" fmla="*/ 263159 h 1701434"/>
+                <a:gd name="connsiteX7" fmla="*/ 1200150 w 2171700"/>
+                <a:gd name="connsiteY7" fmla="*/ 596534 h 1701434"/>
+                <a:gd name="connsiteX8" fmla="*/ 1524000 w 2171700"/>
+                <a:gd name="connsiteY8" fmla="*/ 1110884 h 1701434"/>
+                <a:gd name="connsiteX9" fmla="*/ 1914525 w 2171700"/>
+                <a:gd name="connsiteY9" fmla="*/ 1501409 h 1701434"/>
+                <a:gd name="connsiteX10" fmla="*/ 2171700 w 2171700"/>
+                <a:gd name="connsiteY10" fmla="*/ 1663334 h 1701434"/>
+                <a:gd name="connsiteX0" fmla="*/ 0 w 2171700"/>
+                <a:gd name="connsiteY0" fmla="*/ 1701434 h 1701434"/>
+                <a:gd name="connsiteX1" fmla="*/ 9525 w 2171700"/>
+                <a:gd name="connsiteY1" fmla="*/ 367934 h 1701434"/>
+                <a:gd name="connsiteX2" fmla="*/ 33337 w 2171700"/>
+                <a:gd name="connsiteY2" fmla="*/ 248872 h 1701434"/>
+                <a:gd name="connsiteX3" fmla="*/ 66675 w 2171700"/>
+                <a:gd name="connsiteY3" fmla="*/ 158384 h 1701434"/>
+                <a:gd name="connsiteX4" fmla="*/ 304800 w 2171700"/>
+                <a:gd name="connsiteY4" fmla="*/ 5984 h 1701434"/>
+                <a:gd name="connsiteX5" fmla="*/ 619125 w 2171700"/>
+                <a:gd name="connsiteY5" fmla="*/ 53609 h 1701434"/>
+                <a:gd name="connsiteX6" fmla="*/ 942975 w 2171700"/>
+                <a:gd name="connsiteY6" fmla="*/ 263159 h 1701434"/>
+                <a:gd name="connsiteX7" fmla="*/ 1200150 w 2171700"/>
+                <a:gd name="connsiteY7" fmla="*/ 596534 h 1701434"/>
+                <a:gd name="connsiteX8" fmla="*/ 1524000 w 2171700"/>
+                <a:gd name="connsiteY8" fmla="*/ 1110884 h 1701434"/>
+                <a:gd name="connsiteX9" fmla="*/ 1914525 w 2171700"/>
+                <a:gd name="connsiteY9" fmla="*/ 1501409 h 1701434"/>
+                <a:gd name="connsiteX10" fmla="*/ 2171700 w 2171700"/>
+                <a:gd name="connsiteY10" fmla="*/ 1663334 h 1701434"/>
+                <a:gd name="connsiteX0" fmla="*/ 0 w 2171700"/>
+                <a:gd name="connsiteY0" fmla="*/ 1701434 h 1701434"/>
+                <a:gd name="connsiteX1" fmla="*/ 9525 w 2171700"/>
+                <a:gd name="connsiteY1" fmla="*/ 367934 h 1701434"/>
+                <a:gd name="connsiteX2" fmla="*/ 33337 w 2171700"/>
+                <a:gd name="connsiteY2" fmla="*/ 248872 h 1701434"/>
+                <a:gd name="connsiteX3" fmla="*/ 66675 w 2171700"/>
+                <a:gd name="connsiteY3" fmla="*/ 158384 h 1701434"/>
+                <a:gd name="connsiteX4" fmla="*/ 304800 w 2171700"/>
+                <a:gd name="connsiteY4" fmla="*/ 5984 h 1701434"/>
+                <a:gd name="connsiteX5" fmla="*/ 619125 w 2171700"/>
+                <a:gd name="connsiteY5" fmla="*/ 53609 h 1701434"/>
+                <a:gd name="connsiteX6" fmla="*/ 942975 w 2171700"/>
+                <a:gd name="connsiteY6" fmla="*/ 263159 h 1701434"/>
+                <a:gd name="connsiteX7" fmla="*/ 1200150 w 2171700"/>
+                <a:gd name="connsiteY7" fmla="*/ 596534 h 1701434"/>
+                <a:gd name="connsiteX8" fmla="*/ 1524000 w 2171700"/>
+                <a:gd name="connsiteY8" fmla="*/ 1110884 h 1701434"/>
+                <a:gd name="connsiteX9" fmla="*/ 1914525 w 2171700"/>
+                <a:gd name="connsiteY9" fmla="*/ 1501409 h 1701434"/>
+                <a:gd name="connsiteX10" fmla="*/ 2171700 w 2171700"/>
+                <a:gd name="connsiteY10" fmla="*/ 1663334 h 1701434"/>
+                <a:gd name="connsiteX0" fmla="*/ 0 w 2171700"/>
+                <a:gd name="connsiteY0" fmla="*/ 1701434 h 1701434"/>
+                <a:gd name="connsiteX1" fmla="*/ 9525 w 2171700"/>
+                <a:gd name="connsiteY1" fmla="*/ 367934 h 1701434"/>
+                <a:gd name="connsiteX2" fmla="*/ 133349 w 2171700"/>
+                <a:gd name="connsiteY2" fmla="*/ 310784 h 1701434"/>
+                <a:gd name="connsiteX3" fmla="*/ 66675 w 2171700"/>
+                <a:gd name="connsiteY3" fmla="*/ 158384 h 1701434"/>
+                <a:gd name="connsiteX4" fmla="*/ 304800 w 2171700"/>
+                <a:gd name="connsiteY4" fmla="*/ 5984 h 1701434"/>
+                <a:gd name="connsiteX5" fmla="*/ 619125 w 2171700"/>
+                <a:gd name="connsiteY5" fmla="*/ 53609 h 1701434"/>
+                <a:gd name="connsiteX6" fmla="*/ 942975 w 2171700"/>
+                <a:gd name="connsiteY6" fmla="*/ 263159 h 1701434"/>
+                <a:gd name="connsiteX7" fmla="*/ 1200150 w 2171700"/>
+                <a:gd name="connsiteY7" fmla="*/ 596534 h 1701434"/>
+                <a:gd name="connsiteX8" fmla="*/ 1524000 w 2171700"/>
+                <a:gd name="connsiteY8" fmla="*/ 1110884 h 1701434"/>
+                <a:gd name="connsiteX9" fmla="*/ 1914525 w 2171700"/>
+                <a:gd name="connsiteY9" fmla="*/ 1501409 h 1701434"/>
+                <a:gd name="connsiteX10" fmla="*/ 2171700 w 2171700"/>
+                <a:gd name="connsiteY10" fmla="*/ 1663334 h 1701434"/>
+                <a:gd name="connsiteX0" fmla="*/ 0 w 2171700"/>
+                <a:gd name="connsiteY0" fmla="*/ 1701434 h 1701434"/>
+                <a:gd name="connsiteX1" fmla="*/ 9525 w 2171700"/>
+                <a:gd name="connsiteY1" fmla="*/ 367934 h 1701434"/>
+                <a:gd name="connsiteX2" fmla="*/ 28574 w 2171700"/>
+                <a:gd name="connsiteY2" fmla="*/ 248872 h 1701434"/>
+                <a:gd name="connsiteX3" fmla="*/ 66675 w 2171700"/>
+                <a:gd name="connsiteY3" fmla="*/ 158384 h 1701434"/>
+                <a:gd name="connsiteX4" fmla="*/ 304800 w 2171700"/>
+                <a:gd name="connsiteY4" fmla="*/ 5984 h 1701434"/>
+                <a:gd name="connsiteX5" fmla="*/ 619125 w 2171700"/>
+                <a:gd name="connsiteY5" fmla="*/ 53609 h 1701434"/>
+                <a:gd name="connsiteX6" fmla="*/ 942975 w 2171700"/>
+                <a:gd name="connsiteY6" fmla="*/ 263159 h 1701434"/>
+                <a:gd name="connsiteX7" fmla="*/ 1200150 w 2171700"/>
+                <a:gd name="connsiteY7" fmla="*/ 596534 h 1701434"/>
+                <a:gd name="connsiteX8" fmla="*/ 1524000 w 2171700"/>
+                <a:gd name="connsiteY8" fmla="*/ 1110884 h 1701434"/>
+                <a:gd name="connsiteX9" fmla="*/ 1914525 w 2171700"/>
+                <a:gd name="connsiteY9" fmla="*/ 1501409 h 1701434"/>
+                <a:gd name="connsiteX10" fmla="*/ 2171700 w 2171700"/>
+                <a:gd name="connsiteY10" fmla="*/ 1663334 h 1701434"/>
+                <a:gd name="connsiteX0" fmla="*/ 0 w 2171700"/>
+                <a:gd name="connsiteY0" fmla="*/ 1701434 h 1701434"/>
+                <a:gd name="connsiteX1" fmla="*/ 9525 w 2171700"/>
+                <a:gd name="connsiteY1" fmla="*/ 367934 h 1701434"/>
+                <a:gd name="connsiteX2" fmla="*/ 28574 w 2171700"/>
+                <a:gd name="connsiteY2" fmla="*/ 248872 h 1701434"/>
+                <a:gd name="connsiteX3" fmla="*/ 66675 w 2171700"/>
+                <a:gd name="connsiteY3" fmla="*/ 158384 h 1701434"/>
+                <a:gd name="connsiteX4" fmla="*/ 304800 w 2171700"/>
+                <a:gd name="connsiteY4" fmla="*/ 5984 h 1701434"/>
+                <a:gd name="connsiteX5" fmla="*/ 619125 w 2171700"/>
+                <a:gd name="connsiteY5" fmla="*/ 53609 h 1701434"/>
+                <a:gd name="connsiteX6" fmla="*/ 942975 w 2171700"/>
+                <a:gd name="connsiteY6" fmla="*/ 263159 h 1701434"/>
+                <a:gd name="connsiteX7" fmla="*/ 1200150 w 2171700"/>
+                <a:gd name="connsiteY7" fmla="*/ 596534 h 1701434"/>
+                <a:gd name="connsiteX8" fmla="*/ 1524000 w 2171700"/>
+                <a:gd name="connsiteY8" fmla="*/ 1110884 h 1701434"/>
+                <a:gd name="connsiteX9" fmla="*/ 1914525 w 2171700"/>
+                <a:gd name="connsiteY9" fmla="*/ 1501409 h 1701434"/>
+                <a:gd name="connsiteX10" fmla="*/ 2171700 w 2171700"/>
+                <a:gd name="connsiteY10" fmla="*/ 1663334 h 1701434"/>
+                <a:gd name="connsiteX0" fmla="*/ 0 w 2171700"/>
+                <a:gd name="connsiteY0" fmla="*/ 1701434 h 1701434"/>
+                <a:gd name="connsiteX1" fmla="*/ 9525 w 2171700"/>
+                <a:gd name="connsiteY1" fmla="*/ 367934 h 1701434"/>
+                <a:gd name="connsiteX2" fmla="*/ 28574 w 2171700"/>
+                <a:gd name="connsiteY2" fmla="*/ 248872 h 1701434"/>
+                <a:gd name="connsiteX3" fmla="*/ 66675 w 2171700"/>
+                <a:gd name="connsiteY3" fmla="*/ 158384 h 1701434"/>
+                <a:gd name="connsiteX4" fmla="*/ 304800 w 2171700"/>
+                <a:gd name="connsiteY4" fmla="*/ 5984 h 1701434"/>
+                <a:gd name="connsiteX5" fmla="*/ 619125 w 2171700"/>
+                <a:gd name="connsiteY5" fmla="*/ 53609 h 1701434"/>
+                <a:gd name="connsiteX6" fmla="*/ 942975 w 2171700"/>
+                <a:gd name="connsiteY6" fmla="*/ 263159 h 1701434"/>
+                <a:gd name="connsiteX7" fmla="*/ 1200150 w 2171700"/>
+                <a:gd name="connsiteY7" fmla="*/ 596534 h 1701434"/>
+                <a:gd name="connsiteX8" fmla="*/ 1524000 w 2171700"/>
+                <a:gd name="connsiteY8" fmla="*/ 1110884 h 1701434"/>
+                <a:gd name="connsiteX9" fmla="*/ 1914525 w 2171700"/>
+                <a:gd name="connsiteY9" fmla="*/ 1501409 h 1701434"/>
+                <a:gd name="connsiteX10" fmla="*/ 2171700 w 2171700"/>
+                <a:gd name="connsiteY10" fmla="*/ 1663334 h 1701434"/>
+                <a:gd name="connsiteX0" fmla="*/ 0 w 2166938"/>
+                <a:gd name="connsiteY0" fmla="*/ 1701434 h 1701434"/>
+                <a:gd name="connsiteX1" fmla="*/ 9525 w 2166938"/>
+                <a:gd name="connsiteY1" fmla="*/ 367934 h 1701434"/>
+                <a:gd name="connsiteX2" fmla="*/ 28574 w 2166938"/>
+                <a:gd name="connsiteY2" fmla="*/ 248872 h 1701434"/>
+                <a:gd name="connsiteX3" fmla="*/ 66675 w 2166938"/>
+                <a:gd name="connsiteY3" fmla="*/ 158384 h 1701434"/>
+                <a:gd name="connsiteX4" fmla="*/ 304800 w 2166938"/>
+                <a:gd name="connsiteY4" fmla="*/ 5984 h 1701434"/>
+                <a:gd name="connsiteX5" fmla="*/ 619125 w 2166938"/>
+                <a:gd name="connsiteY5" fmla="*/ 53609 h 1701434"/>
+                <a:gd name="connsiteX6" fmla="*/ 942975 w 2166938"/>
+                <a:gd name="connsiteY6" fmla="*/ 263159 h 1701434"/>
+                <a:gd name="connsiteX7" fmla="*/ 1200150 w 2166938"/>
+                <a:gd name="connsiteY7" fmla="*/ 596534 h 1701434"/>
+                <a:gd name="connsiteX8" fmla="*/ 1524000 w 2166938"/>
+                <a:gd name="connsiteY8" fmla="*/ 1110884 h 1701434"/>
+                <a:gd name="connsiteX9" fmla="*/ 1914525 w 2166938"/>
+                <a:gd name="connsiteY9" fmla="*/ 1501409 h 1701434"/>
+                <a:gd name="connsiteX10" fmla="*/ 2166938 w 2166938"/>
+                <a:gd name="connsiteY10" fmla="*/ 1696671 h 1701434"/>
+              </a:gdLst>
+              <a:ahLst/>
+              <a:cxnLst>
+                <a:cxn ang="0">
+                  <a:pos x="connsiteX0" y="connsiteY0"/>
+                </a:cxn>
+                <a:cxn ang="0">
+                  <a:pos x="connsiteX1" y="connsiteY1"/>
+                </a:cxn>
+                <a:cxn ang="0">
+                  <a:pos x="connsiteX2" y="connsiteY2"/>
+                </a:cxn>
+                <a:cxn ang="0">
+                  <a:pos x="connsiteX3" y="connsiteY3"/>
+                </a:cxn>
+                <a:cxn ang="0">
+                  <a:pos x="connsiteX4" y="connsiteY4"/>
+                </a:cxn>
+                <a:cxn ang="0">
+                  <a:pos x="connsiteX5" y="connsiteY5"/>
+                </a:cxn>
+                <a:cxn ang="0">
+                  <a:pos x="connsiteX6" y="connsiteY6"/>
+                </a:cxn>
+                <a:cxn ang="0">
+                  <a:pos x="connsiteX7" y="connsiteY7"/>
+                </a:cxn>
+                <a:cxn ang="0">
+                  <a:pos x="connsiteX8" y="connsiteY8"/>
+                </a:cxn>
+                <a:cxn ang="0">
+                  <a:pos x="connsiteX9" y="connsiteY9"/>
+                </a:cxn>
+                <a:cxn ang="0">
+                  <a:pos x="connsiteX10" y="connsiteY10"/>
+                </a:cxn>
+              </a:cxnLst>
+              <a:rect l="l" t="t" r="r" b="b"/>
+              <a:pathLst>
+                <a:path w="2166938" h="1701434">
+                  <a:moveTo>
+                    <a:pt x="0" y="1701434"/>
+                  </a:moveTo>
+                  <a:lnTo>
+                    <a:pt x="9525" y="367934"/>
+                  </a:lnTo>
+                  <a:cubicBezTo>
+                    <a:pt x="6350" y="294909"/>
+                    <a:pt x="19049" y="302847"/>
+                    <a:pt x="28574" y="248872"/>
+                  </a:cubicBezTo>
+                  <a:cubicBezTo>
+                    <a:pt x="52386" y="194897"/>
+                    <a:pt x="46038" y="206008"/>
+                    <a:pt x="66675" y="158384"/>
+                  </a:cubicBezTo>
+                  <a:cubicBezTo>
+                    <a:pt x="98425" y="131396"/>
+                    <a:pt x="212725" y="23446"/>
+                    <a:pt x="304800" y="5984"/>
+                  </a:cubicBezTo>
+                  <a:cubicBezTo>
+                    <a:pt x="396875" y="-11478"/>
+                    <a:pt x="512763" y="10747"/>
+                    <a:pt x="619125" y="53609"/>
+                  </a:cubicBezTo>
+                  <a:cubicBezTo>
+                    <a:pt x="725487" y="96471"/>
+                    <a:pt x="846138" y="172672"/>
+                    <a:pt x="942975" y="263159"/>
+                  </a:cubicBezTo>
+                  <a:cubicBezTo>
+                    <a:pt x="1039813" y="353647"/>
+                    <a:pt x="1103313" y="455247"/>
+                    <a:pt x="1200150" y="596534"/>
+                  </a:cubicBezTo>
+                  <a:cubicBezTo>
+                    <a:pt x="1296987" y="737821"/>
+                    <a:pt x="1404938" y="960072"/>
+                    <a:pt x="1524000" y="1110884"/>
+                  </a:cubicBezTo>
+                  <a:cubicBezTo>
+                    <a:pt x="1643062" y="1261696"/>
+                    <a:pt x="1806575" y="1409334"/>
+                    <a:pt x="1914525" y="1501409"/>
+                  </a:cubicBezTo>
+                  <a:cubicBezTo>
+                    <a:pt x="2022475" y="1593484"/>
+                    <a:pt x="2092325" y="1661746"/>
+                    <a:pt x="2166938" y="1696671"/>
+                  </a:cubicBezTo>
+                </a:path>
+              </a:pathLst>
+            </a:custGeom>
+            <a:solidFill>
+              <a:schemeClr val="bg1">
+                <a:lumMod val="90000"/>
+              </a:schemeClr>
+            </a:solidFill>
+            <a:ln>
+              <a:solidFill>
+                <a:schemeClr val="tx2">
+                  <a:lumMod val="50000"/>
+                  <a:lumOff val="50000"/>
+                </a:schemeClr>
+              </a:solidFill>
+            </a:ln>
+          </p:spPr>
+          <p:style>
+            <a:lnRef idx="2">
+              <a:schemeClr val="accent1">
+                <a:shade val="50000"/>
+              </a:schemeClr>
+            </a:lnRef>
+            <a:fillRef idx="1">
+              <a:schemeClr val="accent1"/>
+            </a:fillRef>
+            <a:effectRef idx="0">
+              <a:schemeClr val="accent1"/>
+            </a:effectRef>
+            <a:fontRef idx="minor">
+              <a:schemeClr val="lt1"/>
+            </a:fontRef>
+          </p:style>
+          <p:txBody>
+            <a:bodyPr rtlCol="0" anchor="ctr"/>
+            <a:lstStyle/>
+            <a:p>
+              <a:pPr algn="ctr"/>
+              <a:endParaRPr lang="en-US"/>
+            </a:p>
+          </p:txBody>
+        </p:sp>
+        <p:cxnSp>
+          <p:nvCxnSpPr>
+            <p:cNvPr id="9" name="Conector recto 8">
+              <a:extLst>
+                <a:ext uri="{FF2B5EF4-FFF2-40B4-BE49-F238E27FC236}">
+                  <a16:creationId xmlns:a16="http://schemas.microsoft.com/office/drawing/2014/main" id="{4E5B830E-769D-F922-B0E2-122154753215}"/>
+                </a:ext>
+              </a:extLst>
+            </p:cNvPr>
+            <p:cNvCxnSpPr>
+              <a:cxnSpLocks/>
+            </p:cNvCxnSpPr>
+            <p:nvPr/>
+          </p:nvCxnSpPr>
+          <p:spPr>
+            <a:xfrm>
+              <a:off x="948600" y="6299992"/>
+              <a:ext cx="4417763" cy="796"/>
+            </a:xfrm>
+            <a:prstGeom prst="line">
+              <a:avLst/>
+            </a:prstGeom>
+            <a:ln w="12700">
+              <a:solidFill>
+                <a:schemeClr val="tx2">
+                  <a:lumMod val="50000"/>
+                  <a:lumOff val="50000"/>
+                </a:schemeClr>
+              </a:solidFill>
+            </a:ln>
+          </p:spPr>
+          <p:style>
+            <a:lnRef idx="1">
+              <a:schemeClr val="accent1"/>
+            </a:lnRef>
+            <a:fillRef idx="0">
+              <a:schemeClr val="accent1"/>
+            </a:fillRef>
+            <a:effectRef idx="0">
+              <a:schemeClr val="accent1"/>
+            </a:effectRef>
+            <a:fontRef idx="minor">
+              <a:schemeClr val="tx1"/>
+            </a:fontRef>
+          </p:style>
+        </p:cxnSp>
+        <p:sp>
+          <p:nvSpPr>
+            <p:cNvPr id="11" name="Forma libre: forma 10">
+              <a:extLst>
+                <a:ext uri="{FF2B5EF4-FFF2-40B4-BE49-F238E27FC236}">
+                  <a16:creationId xmlns:a16="http://schemas.microsoft.com/office/drawing/2014/main" id="{B4F5D50C-40A9-711E-76E3-15F975A4FFE2}"/>
+                </a:ext>
+              </a:extLst>
+            </p:cNvPr>
+            <p:cNvSpPr/>
+            <p:nvPr/>
+          </p:nvSpPr>
+          <p:spPr>
+            <a:xfrm>
+              <a:off x="936133" y="4741773"/>
+              <a:ext cx="2468012" cy="1446984"/>
+            </a:xfrm>
+            <a:custGeom>
+              <a:avLst/>
+              <a:gdLst>
+                <a:gd name="connsiteX0" fmla="*/ 0 w 2143125"/>
+                <a:gd name="connsiteY0" fmla="*/ 168563 h 1663988"/>
+                <a:gd name="connsiteX1" fmla="*/ 276225 w 2143125"/>
+                <a:gd name="connsiteY1" fmla="*/ 6638 h 1663988"/>
+                <a:gd name="connsiteX2" fmla="*/ 590550 w 2143125"/>
+                <a:gd name="connsiteY2" fmla="*/ 54263 h 1663988"/>
+                <a:gd name="connsiteX3" fmla="*/ 914400 w 2143125"/>
+                <a:gd name="connsiteY3" fmla="*/ 263813 h 1663988"/>
+                <a:gd name="connsiteX4" fmla="*/ 1171575 w 2143125"/>
+                <a:gd name="connsiteY4" fmla="*/ 597188 h 1663988"/>
+                <a:gd name="connsiteX5" fmla="*/ 1495425 w 2143125"/>
+                <a:gd name="connsiteY5" fmla="*/ 1111538 h 1663988"/>
+                <a:gd name="connsiteX6" fmla="*/ 1885950 w 2143125"/>
+                <a:gd name="connsiteY6" fmla="*/ 1502063 h 1663988"/>
+                <a:gd name="connsiteX7" fmla="*/ 2143125 w 2143125"/>
+                <a:gd name="connsiteY7" fmla="*/ 1663988 h 1663988"/>
+                <a:gd name="connsiteX0" fmla="*/ 0 w 2143125"/>
+                <a:gd name="connsiteY0" fmla="*/ 168563 h 1663988"/>
+                <a:gd name="connsiteX1" fmla="*/ 0 w 2143125"/>
+                <a:gd name="connsiteY1" fmla="*/ 168563 h 1663988"/>
+                <a:gd name="connsiteX2" fmla="*/ 276225 w 2143125"/>
+                <a:gd name="connsiteY2" fmla="*/ 6638 h 1663988"/>
+                <a:gd name="connsiteX3" fmla="*/ 590550 w 2143125"/>
+                <a:gd name="connsiteY3" fmla="*/ 54263 h 1663988"/>
+                <a:gd name="connsiteX4" fmla="*/ 914400 w 2143125"/>
+                <a:gd name="connsiteY4" fmla="*/ 263813 h 1663988"/>
+                <a:gd name="connsiteX5" fmla="*/ 1171575 w 2143125"/>
+                <a:gd name="connsiteY5" fmla="*/ 597188 h 1663988"/>
+                <a:gd name="connsiteX6" fmla="*/ 1495425 w 2143125"/>
+                <a:gd name="connsiteY6" fmla="*/ 1111538 h 1663988"/>
+                <a:gd name="connsiteX7" fmla="*/ 1885950 w 2143125"/>
+                <a:gd name="connsiteY7" fmla="*/ 1502063 h 1663988"/>
+                <a:gd name="connsiteX8" fmla="*/ 2143125 w 2143125"/>
+                <a:gd name="connsiteY8" fmla="*/ 1663988 h 1663988"/>
+                <a:gd name="connsiteX0" fmla="*/ 0 w 2143125"/>
+                <a:gd name="connsiteY0" fmla="*/ 171228 h 1666653"/>
+                <a:gd name="connsiteX1" fmla="*/ 180975 w 2143125"/>
+                <a:gd name="connsiteY1" fmla="*/ 209328 h 1666653"/>
+                <a:gd name="connsiteX2" fmla="*/ 276225 w 2143125"/>
+                <a:gd name="connsiteY2" fmla="*/ 9303 h 1666653"/>
+                <a:gd name="connsiteX3" fmla="*/ 590550 w 2143125"/>
+                <a:gd name="connsiteY3" fmla="*/ 56928 h 1666653"/>
+                <a:gd name="connsiteX4" fmla="*/ 914400 w 2143125"/>
+                <a:gd name="connsiteY4" fmla="*/ 266478 h 1666653"/>
+                <a:gd name="connsiteX5" fmla="*/ 1171575 w 2143125"/>
+                <a:gd name="connsiteY5" fmla="*/ 599853 h 1666653"/>
+                <a:gd name="connsiteX6" fmla="*/ 1495425 w 2143125"/>
+                <a:gd name="connsiteY6" fmla="*/ 1114203 h 1666653"/>
+                <a:gd name="connsiteX7" fmla="*/ 1885950 w 2143125"/>
+                <a:gd name="connsiteY7" fmla="*/ 1504728 h 1666653"/>
+                <a:gd name="connsiteX8" fmla="*/ 2143125 w 2143125"/>
+                <a:gd name="connsiteY8" fmla="*/ 1666653 h 1666653"/>
+                <a:gd name="connsiteX0" fmla="*/ 0 w 2190750"/>
+                <a:gd name="connsiteY0" fmla="*/ 485553 h 1666653"/>
+                <a:gd name="connsiteX1" fmla="*/ 228600 w 2190750"/>
+                <a:gd name="connsiteY1" fmla="*/ 209328 h 1666653"/>
+                <a:gd name="connsiteX2" fmla="*/ 323850 w 2190750"/>
+                <a:gd name="connsiteY2" fmla="*/ 9303 h 1666653"/>
+                <a:gd name="connsiteX3" fmla="*/ 638175 w 2190750"/>
+                <a:gd name="connsiteY3" fmla="*/ 56928 h 1666653"/>
+                <a:gd name="connsiteX4" fmla="*/ 962025 w 2190750"/>
+                <a:gd name="connsiteY4" fmla="*/ 266478 h 1666653"/>
+                <a:gd name="connsiteX5" fmla="*/ 1219200 w 2190750"/>
+                <a:gd name="connsiteY5" fmla="*/ 599853 h 1666653"/>
+                <a:gd name="connsiteX6" fmla="*/ 1543050 w 2190750"/>
+                <a:gd name="connsiteY6" fmla="*/ 1114203 h 1666653"/>
+                <a:gd name="connsiteX7" fmla="*/ 1933575 w 2190750"/>
+                <a:gd name="connsiteY7" fmla="*/ 1504728 h 1666653"/>
+                <a:gd name="connsiteX8" fmla="*/ 2190750 w 2190750"/>
+                <a:gd name="connsiteY8" fmla="*/ 1666653 h 1666653"/>
+                <a:gd name="connsiteX0" fmla="*/ 0 w 2190750"/>
+                <a:gd name="connsiteY0" fmla="*/ 482234 h 1663334"/>
+                <a:gd name="connsiteX1" fmla="*/ 85725 w 2190750"/>
+                <a:gd name="connsiteY1" fmla="*/ 158384 h 1663334"/>
+                <a:gd name="connsiteX2" fmla="*/ 323850 w 2190750"/>
+                <a:gd name="connsiteY2" fmla="*/ 5984 h 1663334"/>
+                <a:gd name="connsiteX3" fmla="*/ 638175 w 2190750"/>
+                <a:gd name="connsiteY3" fmla="*/ 53609 h 1663334"/>
+                <a:gd name="connsiteX4" fmla="*/ 962025 w 2190750"/>
+                <a:gd name="connsiteY4" fmla="*/ 263159 h 1663334"/>
+                <a:gd name="connsiteX5" fmla="*/ 1219200 w 2190750"/>
+                <a:gd name="connsiteY5" fmla="*/ 596534 h 1663334"/>
+                <a:gd name="connsiteX6" fmla="*/ 1543050 w 2190750"/>
+                <a:gd name="connsiteY6" fmla="*/ 1110884 h 1663334"/>
+                <a:gd name="connsiteX7" fmla="*/ 1933575 w 2190750"/>
+                <a:gd name="connsiteY7" fmla="*/ 1501409 h 1663334"/>
+                <a:gd name="connsiteX8" fmla="*/ 2190750 w 2190750"/>
+                <a:gd name="connsiteY8" fmla="*/ 1663334 h 1663334"/>
+                <a:gd name="connsiteX0" fmla="*/ 0 w 2190750"/>
+                <a:gd name="connsiteY0" fmla="*/ 482234 h 1663334"/>
+                <a:gd name="connsiteX1" fmla="*/ 28575 w 2190750"/>
+                <a:gd name="connsiteY1" fmla="*/ 367934 h 1663334"/>
+                <a:gd name="connsiteX2" fmla="*/ 85725 w 2190750"/>
+                <a:gd name="connsiteY2" fmla="*/ 158384 h 1663334"/>
+                <a:gd name="connsiteX3" fmla="*/ 323850 w 2190750"/>
+                <a:gd name="connsiteY3" fmla="*/ 5984 h 1663334"/>
+                <a:gd name="connsiteX4" fmla="*/ 638175 w 2190750"/>
+                <a:gd name="connsiteY4" fmla="*/ 53609 h 1663334"/>
+                <a:gd name="connsiteX5" fmla="*/ 962025 w 2190750"/>
+                <a:gd name="connsiteY5" fmla="*/ 263159 h 1663334"/>
+                <a:gd name="connsiteX6" fmla="*/ 1219200 w 2190750"/>
+                <a:gd name="connsiteY6" fmla="*/ 596534 h 1663334"/>
+                <a:gd name="connsiteX7" fmla="*/ 1543050 w 2190750"/>
+                <a:gd name="connsiteY7" fmla="*/ 1110884 h 1663334"/>
+                <a:gd name="connsiteX8" fmla="*/ 1933575 w 2190750"/>
+                <a:gd name="connsiteY8" fmla="*/ 1501409 h 1663334"/>
+                <a:gd name="connsiteX9" fmla="*/ 2190750 w 2190750"/>
+                <a:gd name="connsiteY9" fmla="*/ 1663334 h 1663334"/>
+                <a:gd name="connsiteX0" fmla="*/ 0 w 2171700"/>
+                <a:gd name="connsiteY0" fmla="*/ 1701434 h 1701434"/>
+                <a:gd name="connsiteX1" fmla="*/ 9525 w 2171700"/>
+                <a:gd name="connsiteY1" fmla="*/ 367934 h 1701434"/>
+                <a:gd name="connsiteX2" fmla="*/ 66675 w 2171700"/>
+                <a:gd name="connsiteY2" fmla="*/ 158384 h 1701434"/>
+                <a:gd name="connsiteX3" fmla="*/ 304800 w 2171700"/>
+                <a:gd name="connsiteY3" fmla="*/ 5984 h 1701434"/>
+                <a:gd name="connsiteX4" fmla="*/ 619125 w 2171700"/>
+                <a:gd name="connsiteY4" fmla="*/ 53609 h 1701434"/>
+                <a:gd name="connsiteX5" fmla="*/ 942975 w 2171700"/>
+                <a:gd name="connsiteY5" fmla="*/ 263159 h 1701434"/>
+                <a:gd name="connsiteX6" fmla="*/ 1200150 w 2171700"/>
+                <a:gd name="connsiteY6" fmla="*/ 596534 h 1701434"/>
+                <a:gd name="connsiteX7" fmla="*/ 1524000 w 2171700"/>
+                <a:gd name="connsiteY7" fmla="*/ 1110884 h 1701434"/>
+                <a:gd name="connsiteX8" fmla="*/ 1914525 w 2171700"/>
+                <a:gd name="connsiteY8" fmla="*/ 1501409 h 1701434"/>
+                <a:gd name="connsiteX9" fmla="*/ 2171700 w 2171700"/>
+                <a:gd name="connsiteY9" fmla="*/ 1663334 h 1701434"/>
+                <a:gd name="connsiteX0" fmla="*/ 0 w 2171700"/>
+                <a:gd name="connsiteY0" fmla="*/ 1701434 h 1701434"/>
+                <a:gd name="connsiteX1" fmla="*/ 9525 w 2171700"/>
+                <a:gd name="connsiteY1" fmla="*/ 367934 h 1701434"/>
+                <a:gd name="connsiteX2" fmla="*/ 66675 w 2171700"/>
+                <a:gd name="connsiteY2" fmla="*/ 158384 h 1701434"/>
+                <a:gd name="connsiteX3" fmla="*/ 304800 w 2171700"/>
+                <a:gd name="connsiteY3" fmla="*/ 5984 h 1701434"/>
+                <a:gd name="connsiteX4" fmla="*/ 619125 w 2171700"/>
+                <a:gd name="connsiteY4" fmla="*/ 53609 h 1701434"/>
+                <a:gd name="connsiteX5" fmla="*/ 942975 w 2171700"/>
+                <a:gd name="connsiteY5" fmla="*/ 263159 h 1701434"/>
+                <a:gd name="connsiteX6" fmla="*/ 1200150 w 2171700"/>
+                <a:gd name="connsiteY6" fmla="*/ 596534 h 1701434"/>
+                <a:gd name="connsiteX7" fmla="*/ 1524000 w 2171700"/>
+                <a:gd name="connsiteY7" fmla="*/ 1110884 h 1701434"/>
+                <a:gd name="connsiteX8" fmla="*/ 1914525 w 2171700"/>
+                <a:gd name="connsiteY8" fmla="*/ 1501409 h 1701434"/>
+                <a:gd name="connsiteX9" fmla="*/ 2171700 w 2171700"/>
+                <a:gd name="connsiteY9" fmla="*/ 1663334 h 1701434"/>
+                <a:gd name="connsiteX0" fmla="*/ 0 w 2171700"/>
+                <a:gd name="connsiteY0" fmla="*/ 1701434 h 1701434"/>
+                <a:gd name="connsiteX1" fmla="*/ 9525 w 2171700"/>
+                <a:gd name="connsiteY1" fmla="*/ 367934 h 1701434"/>
+                <a:gd name="connsiteX2" fmla="*/ 66675 w 2171700"/>
+                <a:gd name="connsiteY2" fmla="*/ 158384 h 1701434"/>
+                <a:gd name="connsiteX3" fmla="*/ 304800 w 2171700"/>
+                <a:gd name="connsiteY3" fmla="*/ 5984 h 1701434"/>
+                <a:gd name="connsiteX4" fmla="*/ 619125 w 2171700"/>
+                <a:gd name="connsiteY4" fmla="*/ 53609 h 1701434"/>
+                <a:gd name="connsiteX5" fmla="*/ 942975 w 2171700"/>
+                <a:gd name="connsiteY5" fmla="*/ 263159 h 1701434"/>
+                <a:gd name="connsiteX6" fmla="*/ 1200150 w 2171700"/>
+                <a:gd name="connsiteY6" fmla="*/ 596534 h 1701434"/>
+                <a:gd name="connsiteX7" fmla="*/ 1524000 w 2171700"/>
+                <a:gd name="connsiteY7" fmla="*/ 1110884 h 1701434"/>
+                <a:gd name="connsiteX8" fmla="*/ 1914525 w 2171700"/>
+                <a:gd name="connsiteY8" fmla="*/ 1501409 h 1701434"/>
+                <a:gd name="connsiteX9" fmla="*/ 2171700 w 2171700"/>
+                <a:gd name="connsiteY9" fmla="*/ 1663334 h 1701434"/>
+                <a:gd name="connsiteX0" fmla="*/ 0 w 2171700"/>
+                <a:gd name="connsiteY0" fmla="*/ 1701434 h 1701434"/>
+                <a:gd name="connsiteX1" fmla="*/ 9525 w 2171700"/>
+                <a:gd name="connsiteY1" fmla="*/ 367934 h 1701434"/>
+                <a:gd name="connsiteX2" fmla="*/ 66675 w 2171700"/>
+                <a:gd name="connsiteY2" fmla="*/ 158384 h 1701434"/>
+                <a:gd name="connsiteX3" fmla="*/ 304800 w 2171700"/>
+                <a:gd name="connsiteY3" fmla="*/ 5984 h 1701434"/>
+                <a:gd name="connsiteX4" fmla="*/ 619125 w 2171700"/>
+                <a:gd name="connsiteY4" fmla="*/ 53609 h 1701434"/>
+                <a:gd name="connsiteX5" fmla="*/ 942975 w 2171700"/>
+                <a:gd name="connsiteY5" fmla="*/ 263159 h 1701434"/>
+                <a:gd name="connsiteX6" fmla="*/ 1200150 w 2171700"/>
+                <a:gd name="connsiteY6" fmla="*/ 596534 h 1701434"/>
+                <a:gd name="connsiteX7" fmla="*/ 1524000 w 2171700"/>
+                <a:gd name="connsiteY7" fmla="*/ 1110884 h 1701434"/>
+                <a:gd name="connsiteX8" fmla="*/ 1914525 w 2171700"/>
+                <a:gd name="connsiteY8" fmla="*/ 1501409 h 1701434"/>
+                <a:gd name="connsiteX9" fmla="*/ 2171700 w 2171700"/>
+                <a:gd name="connsiteY9" fmla="*/ 1663334 h 1701434"/>
+                <a:gd name="connsiteX0" fmla="*/ 0 w 2171700"/>
+                <a:gd name="connsiteY0" fmla="*/ 1701434 h 1701434"/>
+                <a:gd name="connsiteX1" fmla="*/ 9525 w 2171700"/>
+                <a:gd name="connsiteY1" fmla="*/ 367934 h 1701434"/>
+                <a:gd name="connsiteX2" fmla="*/ 66675 w 2171700"/>
+                <a:gd name="connsiteY2" fmla="*/ 158384 h 1701434"/>
+                <a:gd name="connsiteX3" fmla="*/ 304800 w 2171700"/>
+                <a:gd name="connsiteY3" fmla="*/ 5984 h 1701434"/>
+                <a:gd name="connsiteX4" fmla="*/ 619125 w 2171700"/>
+                <a:gd name="connsiteY4" fmla="*/ 53609 h 1701434"/>
+                <a:gd name="connsiteX5" fmla="*/ 942975 w 2171700"/>
+                <a:gd name="connsiteY5" fmla="*/ 263159 h 1701434"/>
+                <a:gd name="connsiteX6" fmla="*/ 1200150 w 2171700"/>
+                <a:gd name="connsiteY6" fmla="*/ 596534 h 1701434"/>
+                <a:gd name="connsiteX7" fmla="*/ 1524000 w 2171700"/>
+                <a:gd name="connsiteY7" fmla="*/ 1110884 h 1701434"/>
+                <a:gd name="connsiteX8" fmla="*/ 1914525 w 2171700"/>
+                <a:gd name="connsiteY8" fmla="*/ 1501409 h 1701434"/>
+                <a:gd name="connsiteX9" fmla="*/ 2171700 w 2171700"/>
+                <a:gd name="connsiteY9" fmla="*/ 1663334 h 1701434"/>
+                <a:gd name="connsiteX0" fmla="*/ 0 w 2171700"/>
+                <a:gd name="connsiteY0" fmla="*/ 1701434 h 1701434"/>
+                <a:gd name="connsiteX1" fmla="*/ 9525 w 2171700"/>
+                <a:gd name="connsiteY1" fmla="*/ 367934 h 1701434"/>
+                <a:gd name="connsiteX2" fmla="*/ 66675 w 2171700"/>
+                <a:gd name="connsiteY2" fmla="*/ 158384 h 1701434"/>
+                <a:gd name="connsiteX3" fmla="*/ 304800 w 2171700"/>
+                <a:gd name="connsiteY3" fmla="*/ 5984 h 1701434"/>
+                <a:gd name="connsiteX4" fmla="*/ 619125 w 2171700"/>
+                <a:gd name="connsiteY4" fmla="*/ 53609 h 1701434"/>
+                <a:gd name="connsiteX5" fmla="*/ 942975 w 2171700"/>
+                <a:gd name="connsiteY5" fmla="*/ 263159 h 1701434"/>
+                <a:gd name="connsiteX6" fmla="*/ 1200150 w 2171700"/>
+                <a:gd name="connsiteY6" fmla="*/ 596534 h 1701434"/>
+                <a:gd name="connsiteX7" fmla="*/ 1524000 w 2171700"/>
+                <a:gd name="connsiteY7" fmla="*/ 1110884 h 1701434"/>
+                <a:gd name="connsiteX8" fmla="*/ 1914525 w 2171700"/>
+                <a:gd name="connsiteY8" fmla="*/ 1501409 h 1701434"/>
+                <a:gd name="connsiteX9" fmla="*/ 2171700 w 2171700"/>
+                <a:gd name="connsiteY9" fmla="*/ 1663334 h 1701434"/>
+                <a:gd name="connsiteX0" fmla="*/ 0 w 2171700"/>
+                <a:gd name="connsiteY0" fmla="*/ 1701434 h 1701434"/>
+                <a:gd name="connsiteX1" fmla="*/ 9525 w 2171700"/>
+                <a:gd name="connsiteY1" fmla="*/ 367934 h 1701434"/>
+                <a:gd name="connsiteX2" fmla="*/ 66675 w 2171700"/>
+                <a:gd name="connsiteY2" fmla="*/ 158384 h 1701434"/>
+                <a:gd name="connsiteX3" fmla="*/ 304800 w 2171700"/>
+                <a:gd name="connsiteY3" fmla="*/ 5984 h 1701434"/>
+                <a:gd name="connsiteX4" fmla="*/ 619125 w 2171700"/>
+                <a:gd name="connsiteY4" fmla="*/ 53609 h 1701434"/>
+                <a:gd name="connsiteX5" fmla="*/ 942975 w 2171700"/>
+                <a:gd name="connsiteY5" fmla="*/ 263159 h 1701434"/>
+                <a:gd name="connsiteX6" fmla="*/ 1200150 w 2171700"/>
+                <a:gd name="connsiteY6" fmla="*/ 596534 h 1701434"/>
+                <a:gd name="connsiteX7" fmla="*/ 1524000 w 2171700"/>
+                <a:gd name="connsiteY7" fmla="*/ 1110884 h 1701434"/>
+                <a:gd name="connsiteX8" fmla="*/ 1914525 w 2171700"/>
+                <a:gd name="connsiteY8" fmla="*/ 1501409 h 1701434"/>
+                <a:gd name="connsiteX9" fmla="*/ 2171700 w 2171700"/>
+                <a:gd name="connsiteY9" fmla="*/ 1663334 h 1701434"/>
+                <a:gd name="connsiteX0" fmla="*/ 0 w 2171700"/>
+                <a:gd name="connsiteY0" fmla="*/ 1701434 h 1701434"/>
+                <a:gd name="connsiteX1" fmla="*/ 9525 w 2171700"/>
+                <a:gd name="connsiteY1" fmla="*/ 367934 h 1701434"/>
+                <a:gd name="connsiteX2" fmla="*/ 66675 w 2171700"/>
+                <a:gd name="connsiteY2" fmla="*/ 158384 h 1701434"/>
+                <a:gd name="connsiteX3" fmla="*/ 304800 w 2171700"/>
+                <a:gd name="connsiteY3" fmla="*/ 5984 h 1701434"/>
+                <a:gd name="connsiteX4" fmla="*/ 619125 w 2171700"/>
+                <a:gd name="connsiteY4" fmla="*/ 53609 h 1701434"/>
+                <a:gd name="connsiteX5" fmla="*/ 942975 w 2171700"/>
+                <a:gd name="connsiteY5" fmla="*/ 263159 h 1701434"/>
+                <a:gd name="connsiteX6" fmla="*/ 1200150 w 2171700"/>
+                <a:gd name="connsiteY6" fmla="*/ 596534 h 1701434"/>
+                <a:gd name="connsiteX7" fmla="*/ 1524000 w 2171700"/>
+                <a:gd name="connsiteY7" fmla="*/ 1110884 h 1701434"/>
+                <a:gd name="connsiteX8" fmla="*/ 1914525 w 2171700"/>
+                <a:gd name="connsiteY8" fmla="*/ 1501409 h 1701434"/>
+                <a:gd name="connsiteX9" fmla="*/ 2171700 w 2171700"/>
+                <a:gd name="connsiteY9" fmla="*/ 1663334 h 1701434"/>
+                <a:gd name="connsiteX0" fmla="*/ 0 w 2171700"/>
+                <a:gd name="connsiteY0" fmla="*/ 1701434 h 1701434"/>
+                <a:gd name="connsiteX1" fmla="*/ 9525 w 2171700"/>
+                <a:gd name="connsiteY1" fmla="*/ 367934 h 1701434"/>
+                <a:gd name="connsiteX2" fmla="*/ 66675 w 2171700"/>
+                <a:gd name="connsiteY2" fmla="*/ 158384 h 1701434"/>
+                <a:gd name="connsiteX3" fmla="*/ 304800 w 2171700"/>
+                <a:gd name="connsiteY3" fmla="*/ 5984 h 1701434"/>
+                <a:gd name="connsiteX4" fmla="*/ 619125 w 2171700"/>
+                <a:gd name="connsiteY4" fmla="*/ 53609 h 1701434"/>
+                <a:gd name="connsiteX5" fmla="*/ 942975 w 2171700"/>
+                <a:gd name="connsiteY5" fmla="*/ 263159 h 1701434"/>
+                <a:gd name="connsiteX6" fmla="*/ 1200150 w 2171700"/>
+                <a:gd name="connsiteY6" fmla="*/ 596534 h 1701434"/>
+                <a:gd name="connsiteX7" fmla="*/ 1524000 w 2171700"/>
+                <a:gd name="connsiteY7" fmla="*/ 1110884 h 1701434"/>
+                <a:gd name="connsiteX8" fmla="*/ 1914525 w 2171700"/>
+                <a:gd name="connsiteY8" fmla="*/ 1501409 h 1701434"/>
+                <a:gd name="connsiteX9" fmla="*/ 2171700 w 2171700"/>
+                <a:gd name="connsiteY9" fmla="*/ 1663334 h 1701434"/>
+                <a:gd name="connsiteX0" fmla="*/ 0 w 2171700"/>
+                <a:gd name="connsiteY0" fmla="*/ 1701434 h 1701434"/>
+                <a:gd name="connsiteX1" fmla="*/ 9525 w 2171700"/>
+                <a:gd name="connsiteY1" fmla="*/ 367934 h 1701434"/>
+                <a:gd name="connsiteX2" fmla="*/ 66675 w 2171700"/>
+                <a:gd name="connsiteY2" fmla="*/ 158384 h 1701434"/>
+                <a:gd name="connsiteX3" fmla="*/ 304800 w 2171700"/>
+                <a:gd name="connsiteY3" fmla="*/ 5984 h 1701434"/>
+                <a:gd name="connsiteX4" fmla="*/ 619125 w 2171700"/>
+                <a:gd name="connsiteY4" fmla="*/ 53609 h 1701434"/>
+                <a:gd name="connsiteX5" fmla="*/ 942975 w 2171700"/>
+                <a:gd name="connsiteY5" fmla="*/ 263159 h 1701434"/>
+                <a:gd name="connsiteX6" fmla="*/ 1200150 w 2171700"/>
+                <a:gd name="connsiteY6" fmla="*/ 596534 h 1701434"/>
+                <a:gd name="connsiteX7" fmla="*/ 1524000 w 2171700"/>
+                <a:gd name="connsiteY7" fmla="*/ 1110884 h 1701434"/>
+                <a:gd name="connsiteX8" fmla="*/ 1914525 w 2171700"/>
+                <a:gd name="connsiteY8" fmla="*/ 1501409 h 1701434"/>
+                <a:gd name="connsiteX9" fmla="*/ 2171700 w 2171700"/>
+                <a:gd name="connsiteY9" fmla="*/ 1663334 h 1701434"/>
+                <a:gd name="connsiteX0" fmla="*/ 0 w 2171700"/>
+                <a:gd name="connsiteY0" fmla="*/ 1701434 h 1701434"/>
+                <a:gd name="connsiteX1" fmla="*/ 9525 w 2171700"/>
+                <a:gd name="connsiteY1" fmla="*/ 367934 h 1701434"/>
+                <a:gd name="connsiteX2" fmla="*/ 66675 w 2171700"/>
+                <a:gd name="connsiteY2" fmla="*/ 158384 h 1701434"/>
+                <a:gd name="connsiteX3" fmla="*/ 304800 w 2171700"/>
+                <a:gd name="connsiteY3" fmla="*/ 5984 h 1701434"/>
+                <a:gd name="connsiteX4" fmla="*/ 619125 w 2171700"/>
+                <a:gd name="connsiteY4" fmla="*/ 53609 h 1701434"/>
+                <a:gd name="connsiteX5" fmla="*/ 942975 w 2171700"/>
+                <a:gd name="connsiteY5" fmla="*/ 263159 h 1701434"/>
+                <a:gd name="connsiteX6" fmla="*/ 1200150 w 2171700"/>
+                <a:gd name="connsiteY6" fmla="*/ 596534 h 1701434"/>
+                <a:gd name="connsiteX7" fmla="*/ 1524000 w 2171700"/>
+                <a:gd name="connsiteY7" fmla="*/ 1110884 h 1701434"/>
+                <a:gd name="connsiteX8" fmla="*/ 1914525 w 2171700"/>
+                <a:gd name="connsiteY8" fmla="*/ 1501409 h 1701434"/>
+                <a:gd name="connsiteX9" fmla="*/ 2171700 w 2171700"/>
+                <a:gd name="connsiteY9" fmla="*/ 1663334 h 1701434"/>
+                <a:gd name="connsiteX0" fmla="*/ 0 w 2171700"/>
+                <a:gd name="connsiteY0" fmla="*/ 1701434 h 1701434"/>
+                <a:gd name="connsiteX1" fmla="*/ 9525 w 2171700"/>
+                <a:gd name="connsiteY1" fmla="*/ 367934 h 1701434"/>
+                <a:gd name="connsiteX2" fmla="*/ 38100 w 2171700"/>
+                <a:gd name="connsiteY2" fmla="*/ 263159 h 1701434"/>
+                <a:gd name="connsiteX3" fmla="*/ 66675 w 2171700"/>
+                <a:gd name="connsiteY3" fmla="*/ 158384 h 1701434"/>
+                <a:gd name="connsiteX4" fmla="*/ 304800 w 2171700"/>
+                <a:gd name="connsiteY4" fmla="*/ 5984 h 1701434"/>
+                <a:gd name="connsiteX5" fmla="*/ 619125 w 2171700"/>
+                <a:gd name="connsiteY5" fmla="*/ 53609 h 1701434"/>
+                <a:gd name="connsiteX6" fmla="*/ 942975 w 2171700"/>
+                <a:gd name="connsiteY6" fmla="*/ 263159 h 1701434"/>
+                <a:gd name="connsiteX7" fmla="*/ 1200150 w 2171700"/>
+                <a:gd name="connsiteY7" fmla="*/ 596534 h 1701434"/>
+                <a:gd name="connsiteX8" fmla="*/ 1524000 w 2171700"/>
+                <a:gd name="connsiteY8" fmla="*/ 1110884 h 1701434"/>
+                <a:gd name="connsiteX9" fmla="*/ 1914525 w 2171700"/>
+                <a:gd name="connsiteY9" fmla="*/ 1501409 h 1701434"/>
+                <a:gd name="connsiteX10" fmla="*/ 2171700 w 2171700"/>
+                <a:gd name="connsiteY10" fmla="*/ 1663334 h 1701434"/>
+                <a:gd name="connsiteX0" fmla="*/ 0 w 2171700"/>
+                <a:gd name="connsiteY0" fmla="*/ 1701434 h 1701434"/>
+                <a:gd name="connsiteX1" fmla="*/ 9525 w 2171700"/>
+                <a:gd name="connsiteY1" fmla="*/ 367934 h 1701434"/>
+                <a:gd name="connsiteX2" fmla="*/ 33337 w 2171700"/>
+                <a:gd name="connsiteY2" fmla="*/ 248872 h 1701434"/>
+                <a:gd name="connsiteX3" fmla="*/ 66675 w 2171700"/>
+                <a:gd name="connsiteY3" fmla="*/ 158384 h 1701434"/>
+                <a:gd name="connsiteX4" fmla="*/ 304800 w 2171700"/>
+                <a:gd name="connsiteY4" fmla="*/ 5984 h 1701434"/>
+                <a:gd name="connsiteX5" fmla="*/ 619125 w 2171700"/>
+                <a:gd name="connsiteY5" fmla="*/ 53609 h 1701434"/>
+                <a:gd name="connsiteX6" fmla="*/ 942975 w 2171700"/>
+                <a:gd name="connsiteY6" fmla="*/ 263159 h 1701434"/>
+                <a:gd name="connsiteX7" fmla="*/ 1200150 w 2171700"/>
+                <a:gd name="connsiteY7" fmla="*/ 596534 h 1701434"/>
+                <a:gd name="connsiteX8" fmla="*/ 1524000 w 2171700"/>
+                <a:gd name="connsiteY8" fmla="*/ 1110884 h 1701434"/>
+                <a:gd name="connsiteX9" fmla="*/ 1914525 w 2171700"/>
+                <a:gd name="connsiteY9" fmla="*/ 1501409 h 1701434"/>
+                <a:gd name="connsiteX10" fmla="*/ 2171700 w 2171700"/>
+                <a:gd name="connsiteY10" fmla="*/ 1663334 h 1701434"/>
+                <a:gd name="connsiteX0" fmla="*/ 0 w 2171700"/>
+                <a:gd name="connsiteY0" fmla="*/ 1701434 h 1701434"/>
+                <a:gd name="connsiteX1" fmla="*/ 9525 w 2171700"/>
+                <a:gd name="connsiteY1" fmla="*/ 367934 h 1701434"/>
+                <a:gd name="connsiteX2" fmla="*/ 33337 w 2171700"/>
+                <a:gd name="connsiteY2" fmla="*/ 248872 h 1701434"/>
+                <a:gd name="connsiteX3" fmla="*/ 66675 w 2171700"/>
+                <a:gd name="connsiteY3" fmla="*/ 158384 h 1701434"/>
+                <a:gd name="connsiteX4" fmla="*/ 304800 w 2171700"/>
+                <a:gd name="connsiteY4" fmla="*/ 5984 h 1701434"/>
+                <a:gd name="connsiteX5" fmla="*/ 619125 w 2171700"/>
+                <a:gd name="connsiteY5" fmla="*/ 53609 h 1701434"/>
+                <a:gd name="connsiteX6" fmla="*/ 942975 w 2171700"/>
+                <a:gd name="connsiteY6" fmla="*/ 263159 h 1701434"/>
+                <a:gd name="connsiteX7" fmla="*/ 1200150 w 2171700"/>
+                <a:gd name="connsiteY7" fmla="*/ 596534 h 1701434"/>
+                <a:gd name="connsiteX8" fmla="*/ 1524000 w 2171700"/>
+                <a:gd name="connsiteY8" fmla="*/ 1110884 h 1701434"/>
+                <a:gd name="connsiteX9" fmla="*/ 1914525 w 2171700"/>
+                <a:gd name="connsiteY9" fmla="*/ 1501409 h 1701434"/>
+                <a:gd name="connsiteX10" fmla="*/ 2171700 w 2171700"/>
+                <a:gd name="connsiteY10" fmla="*/ 1663334 h 1701434"/>
+                <a:gd name="connsiteX0" fmla="*/ 0 w 2171700"/>
+                <a:gd name="connsiteY0" fmla="*/ 1701434 h 1701434"/>
+                <a:gd name="connsiteX1" fmla="*/ 9525 w 2171700"/>
+                <a:gd name="connsiteY1" fmla="*/ 367934 h 1701434"/>
+                <a:gd name="connsiteX2" fmla="*/ 33337 w 2171700"/>
+                <a:gd name="connsiteY2" fmla="*/ 248872 h 1701434"/>
+                <a:gd name="connsiteX3" fmla="*/ 66675 w 2171700"/>
+                <a:gd name="connsiteY3" fmla="*/ 158384 h 1701434"/>
+                <a:gd name="connsiteX4" fmla="*/ 304800 w 2171700"/>
+                <a:gd name="connsiteY4" fmla="*/ 5984 h 1701434"/>
+                <a:gd name="connsiteX5" fmla="*/ 619125 w 2171700"/>
+                <a:gd name="connsiteY5" fmla="*/ 53609 h 1701434"/>
+                <a:gd name="connsiteX6" fmla="*/ 942975 w 2171700"/>
+                <a:gd name="connsiteY6" fmla="*/ 263159 h 1701434"/>
+                <a:gd name="connsiteX7" fmla="*/ 1200150 w 2171700"/>
+                <a:gd name="connsiteY7" fmla="*/ 596534 h 1701434"/>
+                <a:gd name="connsiteX8" fmla="*/ 1524000 w 2171700"/>
+                <a:gd name="connsiteY8" fmla="*/ 1110884 h 1701434"/>
+                <a:gd name="connsiteX9" fmla="*/ 1914525 w 2171700"/>
+                <a:gd name="connsiteY9" fmla="*/ 1501409 h 1701434"/>
+                <a:gd name="connsiteX10" fmla="*/ 2171700 w 2171700"/>
+                <a:gd name="connsiteY10" fmla="*/ 1663334 h 1701434"/>
+                <a:gd name="connsiteX0" fmla="*/ 0 w 2171700"/>
+                <a:gd name="connsiteY0" fmla="*/ 1701434 h 1701434"/>
+                <a:gd name="connsiteX1" fmla="*/ 9525 w 2171700"/>
+                <a:gd name="connsiteY1" fmla="*/ 367934 h 1701434"/>
+                <a:gd name="connsiteX2" fmla="*/ 133349 w 2171700"/>
+                <a:gd name="connsiteY2" fmla="*/ 310784 h 1701434"/>
+                <a:gd name="connsiteX3" fmla="*/ 66675 w 2171700"/>
+                <a:gd name="connsiteY3" fmla="*/ 158384 h 1701434"/>
+                <a:gd name="connsiteX4" fmla="*/ 304800 w 2171700"/>
+                <a:gd name="connsiteY4" fmla="*/ 5984 h 1701434"/>
+                <a:gd name="connsiteX5" fmla="*/ 619125 w 2171700"/>
+                <a:gd name="connsiteY5" fmla="*/ 53609 h 1701434"/>
+                <a:gd name="connsiteX6" fmla="*/ 942975 w 2171700"/>
+                <a:gd name="connsiteY6" fmla="*/ 263159 h 1701434"/>
+                <a:gd name="connsiteX7" fmla="*/ 1200150 w 2171700"/>
+                <a:gd name="connsiteY7" fmla="*/ 596534 h 1701434"/>
+                <a:gd name="connsiteX8" fmla="*/ 1524000 w 2171700"/>
+                <a:gd name="connsiteY8" fmla="*/ 1110884 h 1701434"/>
+                <a:gd name="connsiteX9" fmla="*/ 1914525 w 2171700"/>
+                <a:gd name="connsiteY9" fmla="*/ 1501409 h 1701434"/>
+                <a:gd name="connsiteX10" fmla="*/ 2171700 w 2171700"/>
+                <a:gd name="connsiteY10" fmla="*/ 1663334 h 1701434"/>
+                <a:gd name="connsiteX0" fmla="*/ 0 w 2171700"/>
+                <a:gd name="connsiteY0" fmla="*/ 1701434 h 1701434"/>
+                <a:gd name="connsiteX1" fmla="*/ 9525 w 2171700"/>
+                <a:gd name="connsiteY1" fmla="*/ 367934 h 1701434"/>
+                <a:gd name="connsiteX2" fmla="*/ 28574 w 2171700"/>
+                <a:gd name="connsiteY2" fmla="*/ 248872 h 1701434"/>
+                <a:gd name="connsiteX3" fmla="*/ 66675 w 2171700"/>
+                <a:gd name="connsiteY3" fmla="*/ 158384 h 1701434"/>
+                <a:gd name="connsiteX4" fmla="*/ 304800 w 2171700"/>
+                <a:gd name="connsiteY4" fmla="*/ 5984 h 1701434"/>
+                <a:gd name="connsiteX5" fmla="*/ 619125 w 2171700"/>
+                <a:gd name="connsiteY5" fmla="*/ 53609 h 1701434"/>
+                <a:gd name="connsiteX6" fmla="*/ 942975 w 2171700"/>
+                <a:gd name="connsiteY6" fmla="*/ 263159 h 1701434"/>
+                <a:gd name="connsiteX7" fmla="*/ 1200150 w 2171700"/>
+                <a:gd name="connsiteY7" fmla="*/ 596534 h 1701434"/>
+                <a:gd name="connsiteX8" fmla="*/ 1524000 w 2171700"/>
+                <a:gd name="connsiteY8" fmla="*/ 1110884 h 1701434"/>
+                <a:gd name="connsiteX9" fmla="*/ 1914525 w 2171700"/>
+                <a:gd name="connsiteY9" fmla="*/ 1501409 h 1701434"/>
+                <a:gd name="connsiteX10" fmla="*/ 2171700 w 2171700"/>
+                <a:gd name="connsiteY10" fmla="*/ 1663334 h 1701434"/>
+                <a:gd name="connsiteX0" fmla="*/ 0 w 2171700"/>
+                <a:gd name="connsiteY0" fmla="*/ 1701434 h 1701434"/>
+                <a:gd name="connsiteX1" fmla="*/ 9525 w 2171700"/>
+                <a:gd name="connsiteY1" fmla="*/ 367934 h 1701434"/>
+                <a:gd name="connsiteX2" fmla="*/ 28574 w 2171700"/>
+                <a:gd name="connsiteY2" fmla="*/ 248872 h 1701434"/>
+                <a:gd name="connsiteX3" fmla="*/ 66675 w 2171700"/>
+                <a:gd name="connsiteY3" fmla="*/ 158384 h 1701434"/>
+                <a:gd name="connsiteX4" fmla="*/ 304800 w 2171700"/>
+                <a:gd name="connsiteY4" fmla="*/ 5984 h 1701434"/>
+                <a:gd name="connsiteX5" fmla="*/ 619125 w 2171700"/>
+                <a:gd name="connsiteY5" fmla="*/ 53609 h 1701434"/>
+                <a:gd name="connsiteX6" fmla="*/ 942975 w 2171700"/>
+                <a:gd name="connsiteY6" fmla="*/ 263159 h 1701434"/>
+                <a:gd name="connsiteX7" fmla="*/ 1200150 w 2171700"/>
+                <a:gd name="connsiteY7" fmla="*/ 596534 h 1701434"/>
+                <a:gd name="connsiteX8" fmla="*/ 1524000 w 2171700"/>
+                <a:gd name="connsiteY8" fmla="*/ 1110884 h 1701434"/>
+                <a:gd name="connsiteX9" fmla="*/ 1914525 w 2171700"/>
+                <a:gd name="connsiteY9" fmla="*/ 1501409 h 1701434"/>
+                <a:gd name="connsiteX10" fmla="*/ 2171700 w 2171700"/>
+                <a:gd name="connsiteY10" fmla="*/ 1663334 h 1701434"/>
+                <a:gd name="connsiteX0" fmla="*/ 0 w 2171700"/>
+                <a:gd name="connsiteY0" fmla="*/ 1701434 h 1701434"/>
+                <a:gd name="connsiteX1" fmla="*/ 9525 w 2171700"/>
+                <a:gd name="connsiteY1" fmla="*/ 367934 h 1701434"/>
+                <a:gd name="connsiteX2" fmla="*/ 28574 w 2171700"/>
+                <a:gd name="connsiteY2" fmla="*/ 248872 h 1701434"/>
+                <a:gd name="connsiteX3" fmla="*/ 66675 w 2171700"/>
+                <a:gd name="connsiteY3" fmla="*/ 158384 h 1701434"/>
+                <a:gd name="connsiteX4" fmla="*/ 304800 w 2171700"/>
+                <a:gd name="connsiteY4" fmla="*/ 5984 h 1701434"/>
+                <a:gd name="connsiteX5" fmla="*/ 619125 w 2171700"/>
+                <a:gd name="connsiteY5" fmla="*/ 53609 h 1701434"/>
+                <a:gd name="connsiteX6" fmla="*/ 942975 w 2171700"/>
+                <a:gd name="connsiteY6" fmla="*/ 263159 h 1701434"/>
+                <a:gd name="connsiteX7" fmla="*/ 1200150 w 2171700"/>
+                <a:gd name="connsiteY7" fmla="*/ 596534 h 1701434"/>
+                <a:gd name="connsiteX8" fmla="*/ 1524000 w 2171700"/>
+                <a:gd name="connsiteY8" fmla="*/ 1110884 h 1701434"/>
+                <a:gd name="connsiteX9" fmla="*/ 1914525 w 2171700"/>
+                <a:gd name="connsiteY9" fmla="*/ 1501409 h 1701434"/>
+                <a:gd name="connsiteX10" fmla="*/ 2171700 w 2171700"/>
+                <a:gd name="connsiteY10" fmla="*/ 1663334 h 1701434"/>
+                <a:gd name="connsiteX0" fmla="*/ 0 w 2166938"/>
+                <a:gd name="connsiteY0" fmla="*/ 1701434 h 1701434"/>
+                <a:gd name="connsiteX1" fmla="*/ 9525 w 2166938"/>
+                <a:gd name="connsiteY1" fmla="*/ 367934 h 1701434"/>
+                <a:gd name="connsiteX2" fmla="*/ 28574 w 2166938"/>
+                <a:gd name="connsiteY2" fmla="*/ 248872 h 1701434"/>
+                <a:gd name="connsiteX3" fmla="*/ 66675 w 2166938"/>
+                <a:gd name="connsiteY3" fmla="*/ 158384 h 1701434"/>
+                <a:gd name="connsiteX4" fmla="*/ 304800 w 2166938"/>
+                <a:gd name="connsiteY4" fmla="*/ 5984 h 1701434"/>
+                <a:gd name="connsiteX5" fmla="*/ 619125 w 2166938"/>
+                <a:gd name="connsiteY5" fmla="*/ 53609 h 1701434"/>
+                <a:gd name="connsiteX6" fmla="*/ 942975 w 2166938"/>
+                <a:gd name="connsiteY6" fmla="*/ 263159 h 1701434"/>
+                <a:gd name="connsiteX7" fmla="*/ 1200150 w 2166938"/>
+                <a:gd name="connsiteY7" fmla="*/ 596534 h 1701434"/>
+                <a:gd name="connsiteX8" fmla="*/ 1524000 w 2166938"/>
+                <a:gd name="connsiteY8" fmla="*/ 1110884 h 1701434"/>
+                <a:gd name="connsiteX9" fmla="*/ 1914525 w 2166938"/>
+                <a:gd name="connsiteY9" fmla="*/ 1501409 h 1701434"/>
+                <a:gd name="connsiteX10" fmla="*/ 2166938 w 2166938"/>
+                <a:gd name="connsiteY10" fmla="*/ 1696671 h 1701434"/>
+                <a:gd name="connsiteX0" fmla="*/ 0 w 3243940"/>
+                <a:gd name="connsiteY0" fmla="*/ 0 h 1759687"/>
+                <a:gd name="connsiteX1" fmla="*/ 1086527 w 3243940"/>
+                <a:gd name="connsiteY1" fmla="*/ 430951 h 1759687"/>
+                <a:gd name="connsiteX2" fmla="*/ 1105576 w 3243940"/>
+                <a:gd name="connsiteY2" fmla="*/ 311889 h 1759687"/>
+                <a:gd name="connsiteX3" fmla="*/ 1143677 w 3243940"/>
+                <a:gd name="connsiteY3" fmla="*/ 221401 h 1759687"/>
+                <a:gd name="connsiteX4" fmla="*/ 1381802 w 3243940"/>
+                <a:gd name="connsiteY4" fmla="*/ 69001 h 1759687"/>
+                <a:gd name="connsiteX5" fmla="*/ 1696127 w 3243940"/>
+                <a:gd name="connsiteY5" fmla="*/ 116626 h 1759687"/>
+                <a:gd name="connsiteX6" fmla="*/ 2019977 w 3243940"/>
+                <a:gd name="connsiteY6" fmla="*/ 326176 h 1759687"/>
+                <a:gd name="connsiteX7" fmla="*/ 2277152 w 3243940"/>
+                <a:gd name="connsiteY7" fmla="*/ 659551 h 1759687"/>
+                <a:gd name="connsiteX8" fmla="*/ 2601002 w 3243940"/>
+                <a:gd name="connsiteY8" fmla="*/ 1173901 h 1759687"/>
+                <a:gd name="connsiteX9" fmla="*/ 2991527 w 3243940"/>
+                <a:gd name="connsiteY9" fmla="*/ 1564426 h 1759687"/>
+                <a:gd name="connsiteX10" fmla="*/ 3243940 w 3243940"/>
+                <a:gd name="connsiteY10" fmla="*/ 1759688 h 1759687"/>
+                <a:gd name="connsiteX0" fmla="*/ 0 w 3243940"/>
+                <a:gd name="connsiteY0" fmla="*/ 0 h 1759688"/>
+                <a:gd name="connsiteX1" fmla="*/ 1105576 w 3243940"/>
+                <a:gd name="connsiteY1" fmla="*/ 311889 h 1759688"/>
+                <a:gd name="connsiteX2" fmla="*/ 1143677 w 3243940"/>
+                <a:gd name="connsiteY2" fmla="*/ 221401 h 1759688"/>
+                <a:gd name="connsiteX3" fmla="*/ 1381802 w 3243940"/>
+                <a:gd name="connsiteY3" fmla="*/ 69001 h 1759688"/>
+                <a:gd name="connsiteX4" fmla="*/ 1696127 w 3243940"/>
+                <a:gd name="connsiteY4" fmla="*/ 116626 h 1759688"/>
+                <a:gd name="connsiteX5" fmla="*/ 2019977 w 3243940"/>
+                <a:gd name="connsiteY5" fmla="*/ 326176 h 1759688"/>
+                <a:gd name="connsiteX6" fmla="*/ 2277152 w 3243940"/>
+                <a:gd name="connsiteY6" fmla="*/ 659551 h 1759688"/>
+                <a:gd name="connsiteX7" fmla="*/ 2601002 w 3243940"/>
+                <a:gd name="connsiteY7" fmla="*/ 1173901 h 1759688"/>
+                <a:gd name="connsiteX8" fmla="*/ 2991527 w 3243940"/>
+                <a:gd name="connsiteY8" fmla="*/ 1564426 h 1759688"/>
+                <a:gd name="connsiteX9" fmla="*/ 3243940 w 3243940"/>
+                <a:gd name="connsiteY9" fmla="*/ 1759688 h 1759688"/>
+                <a:gd name="connsiteX0" fmla="*/ 0 w 3243940"/>
+                <a:gd name="connsiteY0" fmla="*/ 0 h 1759688"/>
+                <a:gd name="connsiteX1" fmla="*/ 1143677 w 3243940"/>
+                <a:gd name="connsiteY1" fmla="*/ 221401 h 1759688"/>
+                <a:gd name="connsiteX2" fmla="*/ 1381802 w 3243940"/>
+                <a:gd name="connsiteY2" fmla="*/ 69001 h 1759688"/>
+                <a:gd name="connsiteX3" fmla="*/ 1696127 w 3243940"/>
+                <a:gd name="connsiteY3" fmla="*/ 116626 h 1759688"/>
+                <a:gd name="connsiteX4" fmla="*/ 2019977 w 3243940"/>
+                <a:gd name="connsiteY4" fmla="*/ 326176 h 1759688"/>
+                <a:gd name="connsiteX5" fmla="*/ 2277152 w 3243940"/>
+                <a:gd name="connsiteY5" fmla="*/ 659551 h 1759688"/>
+                <a:gd name="connsiteX6" fmla="*/ 2601002 w 3243940"/>
+                <a:gd name="connsiteY6" fmla="*/ 1173901 h 1759688"/>
+                <a:gd name="connsiteX7" fmla="*/ 2991527 w 3243940"/>
+                <a:gd name="connsiteY7" fmla="*/ 1564426 h 1759688"/>
+                <a:gd name="connsiteX8" fmla="*/ 3243940 w 3243940"/>
+                <a:gd name="connsiteY8" fmla="*/ 1759688 h 1759688"/>
+                <a:gd name="connsiteX0" fmla="*/ 0 w 3243940"/>
+                <a:gd name="connsiteY0" fmla="*/ 0 h 1759688"/>
+                <a:gd name="connsiteX1" fmla="*/ 943172 w 3243940"/>
+                <a:gd name="connsiteY1" fmla="*/ 95369 h 1759688"/>
+                <a:gd name="connsiteX2" fmla="*/ 1381802 w 3243940"/>
+                <a:gd name="connsiteY2" fmla="*/ 69001 h 1759688"/>
+                <a:gd name="connsiteX3" fmla="*/ 1696127 w 3243940"/>
+                <a:gd name="connsiteY3" fmla="*/ 116626 h 1759688"/>
+                <a:gd name="connsiteX4" fmla="*/ 2019977 w 3243940"/>
+                <a:gd name="connsiteY4" fmla="*/ 326176 h 1759688"/>
+                <a:gd name="connsiteX5" fmla="*/ 2277152 w 3243940"/>
+                <a:gd name="connsiteY5" fmla="*/ 659551 h 1759688"/>
+                <a:gd name="connsiteX6" fmla="*/ 2601002 w 3243940"/>
+                <a:gd name="connsiteY6" fmla="*/ 1173901 h 1759688"/>
+                <a:gd name="connsiteX7" fmla="*/ 2991527 w 3243940"/>
+                <a:gd name="connsiteY7" fmla="*/ 1564426 h 1759688"/>
+                <a:gd name="connsiteX8" fmla="*/ 3243940 w 3243940"/>
+                <a:gd name="connsiteY8" fmla="*/ 1759688 h 1759688"/>
+                <a:gd name="connsiteX0" fmla="*/ 0 w 3243940"/>
+                <a:gd name="connsiteY0" fmla="*/ 0 h 1759688"/>
+                <a:gd name="connsiteX1" fmla="*/ 943172 w 3243940"/>
+                <a:gd name="connsiteY1" fmla="*/ 95369 h 1759688"/>
+                <a:gd name="connsiteX2" fmla="*/ 1381802 w 3243940"/>
+                <a:gd name="connsiteY2" fmla="*/ 69001 h 1759688"/>
+                <a:gd name="connsiteX3" fmla="*/ 1696127 w 3243940"/>
+                <a:gd name="connsiteY3" fmla="*/ 116626 h 1759688"/>
+                <a:gd name="connsiteX4" fmla="*/ 2019977 w 3243940"/>
+                <a:gd name="connsiteY4" fmla="*/ 326176 h 1759688"/>
+                <a:gd name="connsiteX5" fmla="*/ 2277152 w 3243940"/>
+                <a:gd name="connsiteY5" fmla="*/ 659551 h 1759688"/>
+                <a:gd name="connsiteX6" fmla="*/ 2601002 w 3243940"/>
+                <a:gd name="connsiteY6" fmla="*/ 1173901 h 1759688"/>
+                <a:gd name="connsiteX7" fmla="*/ 2991527 w 3243940"/>
+                <a:gd name="connsiteY7" fmla="*/ 1564426 h 1759688"/>
+                <a:gd name="connsiteX8" fmla="*/ 3243940 w 3243940"/>
+                <a:gd name="connsiteY8" fmla="*/ 1759688 h 1759688"/>
+                <a:gd name="connsiteX0" fmla="*/ 0 w 3243940"/>
+                <a:gd name="connsiteY0" fmla="*/ 0 h 1759688"/>
+                <a:gd name="connsiteX1" fmla="*/ 920257 w 3243940"/>
+                <a:gd name="connsiteY1" fmla="*/ 66726 h 1759688"/>
+                <a:gd name="connsiteX2" fmla="*/ 1381802 w 3243940"/>
+                <a:gd name="connsiteY2" fmla="*/ 69001 h 1759688"/>
+                <a:gd name="connsiteX3" fmla="*/ 1696127 w 3243940"/>
+                <a:gd name="connsiteY3" fmla="*/ 116626 h 1759688"/>
+                <a:gd name="connsiteX4" fmla="*/ 2019977 w 3243940"/>
+                <a:gd name="connsiteY4" fmla="*/ 326176 h 1759688"/>
+                <a:gd name="connsiteX5" fmla="*/ 2277152 w 3243940"/>
+                <a:gd name="connsiteY5" fmla="*/ 659551 h 1759688"/>
+                <a:gd name="connsiteX6" fmla="*/ 2601002 w 3243940"/>
+                <a:gd name="connsiteY6" fmla="*/ 1173901 h 1759688"/>
+                <a:gd name="connsiteX7" fmla="*/ 2991527 w 3243940"/>
+                <a:gd name="connsiteY7" fmla="*/ 1564426 h 1759688"/>
+                <a:gd name="connsiteX8" fmla="*/ 3243940 w 3243940"/>
+                <a:gd name="connsiteY8" fmla="*/ 1759688 h 1759688"/>
+                <a:gd name="connsiteX0" fmla="*/ 0 w 3243940"/>
+                <a:gd name="connsiteY0" fmla="*/ 0 h 1759688"/>
+                <a:gd name="connsiteX1" fmla="*/ 920257 w 3243940"/>
+                <a:gd name="connsiteY1" fmla="*/ 66726 h 1759688"/>
+                <a:gd name="connsiteX2" fmla="*/ 1381802 w 3243940"/>
+                <a:gd name="connsiteY2" fmla="*/ 69001 h 1759688"/>
+                <a:gd name="connsiteX3" fmla="*/ 1696127 w 3243940"/>
+                <a:gd name="connsiteY3" fmla="*/ 116626 h 1759688"/>
+                <a:gd name="connsiteX4" fmla="*/ 2019977 w 3243940"/>
+                <a:gd name="connsiteY4" fmla="*/ 326176 h 1759688"/>
+                <a:gd name="connsiteX5" fmla="*/ 2277152 w 3243940"/>
+                <a:gd name="connsiteY5" fmla="*/ 659551 h 1759688"/>
+                <a:gd name="connsiteX6" fmla="*/ 2601002 w 3243940"/>
+                <a:gd name="connsiteY6" fmla="*/ 1173901 h 1759688"/>
+                <a:gd name="connsiteX7" fmla="*/ 2991527 w 3243940"/>
+                <a:gd name="connsiteY7" fmla="*/ 1564426 h 1759688"/>
+                <a:gd name="connsiteX8" fmla="*/ 3243940 w 3243940"/>
+                <a:gd name="connsiteY8" fmla="*/ 1759688 h 1759688"/>
+                <a:gd name="connsiteX0" fmla="*/ 0 w 3243940"/>
+                <a:gd name="connsiteY0" fmla="*/ 0 h 1759688"/>
+                <a:gd name="connsiteX1" fmla="*/ 920257 w 3243940"/>
+                <a:gd name="connsiteY1" fmla="*/ 66726 h 1759688"/>
+                <a:gd name="connsiteX2" fmla="*/ 1381802 w 3243940"/>
+                <a:gd name="connsiteY2" fmla="*/ 69001 h 1759688"/>
+                <a:gd name="connsiteX3" fmla="*/ 1696127 w 3243940"/>
+                <a:gd name="connsiteY3" fmla="*/ 116626 h 1759688"/>
+                <a:gd name="connsiteX4" fmla="*/ 2019977 w 3243940"/>
+                <a:gd name="connsiteY4" fmla="*/ 326176 h 1759688"/>
+                <a:gd name="connsiteX5" fmla="*/ 2277152 w 3243940"/>
+                <a:gd name="connsiteY5" fmla="*/ 659551 h 1759688"/>
+                <a:gd name="connsiteX6" fmla="*/ 2601002 w 3243940"/>
+                <a:gd name="connsiteY6" fmla="*/ 1173901 h 1759688"/>
+                <a:gd name="connsiteX7" fmla="*/ 2991527 w 3243940"/>
+                <a:gd name="connsiteY7" fmla="*/ 1564426 h 1759688"/>
+                <a:gd name="connsiteX8" fmla="*/ 3243940 w 3243940"/>
+                <a:gd name="connsiteY8" fmla="*/ 1759688 h 1759688"/>
+                <a:gd name="connsiteX0" fmla="*/ 0 w 3243940"/>
+                <a:gd name="connsiteY0" fmla="*/ 0 h 1759688"/>
+                <a:gd name="connsiteX1" fmla="*/ 920257 w 3243940"/>
+                <a:gd name="connsiteY1" fmla="*/ 66726 h 1759688"/>
+                <a:gd name="connsiteX2" fmla="*/ 1381802 w 3243940"/>
+                <a:gd name="connsiteY2" fmla="*/ 69001 h 1759688"/>
+                <a:gd name="connsiteX3" fmla="*/ 1696127 w 3243940"/>
+                <a:gd name="connsiteY3" fmla="*/ 116626 h 1759688"/>
+                <a:gd name="connsiteX4" fmla="*/ 2019977 w 3243940"/>
+                <a:gd name="connsiteY4" fmla="*/ 326176 h 1759688"/>
+                <a:gd name="connsiteX5" fmla="*/ 2277152 w 3243940"/>
+                <a:gd name="connsiteY5" fmla="*/ 659551 h 1759688"/>
+                <a:gd name="connsiteX6" fmla="*/ 2601002 w 3243940"/>
+                <a:gd name="connsiteY6" fmla="*/ 1173901 h 1759688"/>
+                <a:gd name="connsiteX7" fmla="*/ 2991527 w 3243940"/>
+                <a:gd name="connsiteY7" fmla="*/ 1564426 h 1759688"/>
+                <a:gd name="connsiteX8" fmla="*/ 3243940 w 3243940"/>
+                <a:gd name="connsiteY8" fmla="*/ 1759688 h 1759688"/>
+                <a:gd name="connsiteX0" fmla="*/ 0 w 3226754"/>
+                <a:gd name="connsiteY0" fmla="*/ 2019 h 1692962"/>
+                <a:gd name="connsiteX1" fmla="*/ 903071 w 3226754"/>
+                <a:gd name="connsiteY1" fmla="*/ 0 h 1692962"/>
+                <a:gd name="connsiteX2" fmla="*/ 1364616 w 3226754"/>
+                <a:gd name="connsiteY2" fmla="*/ 2275 h 1692962"/>
+                <a:gd name="connsiteX3" fmla="*/ 1678941 w 3226754"/>
+                <a:gd name="connsiteY3" fmla="*/ 49900 h 1692962"/>
+                <a:gd name="connsiteX4" fmla="*/ 2002791 w 3226754"/>
+                <a:gd name="connsiteY4" fmla="*/ 259450 h 1692962"/>
+                <a:gd name="connsiteX5" fmla="*/ 2259966 w 3226754"/>
+                <a:gd name="connsiteY5" fmla="*/ 592825 h 1692962"/>
+                <a:gd name="connsiteX6" fmla="*/ 2583816 w 3226754"/>
+                <a:gd name="connsiteY6" fmla="*/ 1107175 h 1692962"/>
+                <a:gd name="connsiteX7" fmla="*/ 2974341 w 3226754"/>
+                <a:gd name="connsiteY7" fmla="*/ 1497700 h 1692962"/>
+                <a:gd name="connsiteX8" fmla="*/ 3226754 w 3226754"/>
+                <a:gd name="connsiteY8" fmla="*/ 1692962 h 1692962"/>
+                <a:gd name="connsiteX0" fmla="*/ 0 w 3226754"/>
+                <a:gd name="connsiteY0" fmla="*/ 2019 h 1692962"/>
+                <a:gd name="connsiteX1" fmla="*/ 903071 w 3226754"/>
+                <a:gd name="connsiteY1" fmla="*/ 0 h 1692962"/>
+                <a:gd name="connsiteX2" fmla="*/ 1364616 w 3226754"/>
+                <a:gd name="connsiteY2" fmla="*/ 2275 h 1692962"/>
+                <a:gd name="connsiteX3" fmla="*/ 1678941 w 3226754"/>
+                <a:gd name="connsiteY3" fmla="*/ 49900 h 1692962"/>
+                <a:gd name="connsiteX4" fmla="*/ 2002791 w 3226754"/>
+                <a:gd name="connsiteY4" fmla="*/ 259450 h 1692962"/>
+                <a:gd name="connsiteX5" fmla="*/ 2259966 w 3226754"/>
+                <a:gd name="connsiteY5" fmla="*/ 592825 h 1692962"/>
+                <a:gd name="connsiteX6" fmla="*/ 2583816 w 3226754"/>
+                <a:gd name="connsiteY6" fmla="*/ 1107175 h 1692962"/>
+                <a:gd name="connsiteX7" fmla="*/ 2951426 w 3226754"/>
+                <a:gd name="connsiteY7" fmla="*/ 1509158 h 1692962"/>
+                <a:gd name="connsiteX8" fmla="*/ 3226754 w 3226754"/>
+                <a:gd name="connsiteY8" fmla="*/ 1692962 h 1692962"/>
+                <a:gd name="connsiteX0" fmla="*/ 0 w 3221025"/>
+                <a:gd name="connsiteY0" fmla="*/ 2019 h 1750249"/>
+                <a:gd name="connsiteX1" fmla="*/ 903071 w 3221025"/>
+                <a:gd name="connsiteY1" fmla="*/ 0 h 1750249"/>
+                <a:gd name="connsiteX2" fmla="*/ 1364616 w 3221025"/>
+                <a:gd name="connsiteY2" fmla="*/ 2275 h 1750249"/>
+                <a:gd name="connsiteX3" fmla="*/ 1678941 w 3221025"/>
+                <a:gd name="connsiteY3" fmla="*/ 49900 h 1750249"/>
+                <a:gd name="connsiteX4" fmla="*/ 2002791 w 3221025"/>
+                <a:gd name="connsiteY4" fmla="*/ 259450 h 1750249"/>
+                <a:gd name="connsiteX5" fmla="*/ 2259966 w 3221025"/>
+                <a:gd name="connsiteY5" fmla="*/ 592825 h 1750249"/>
+                <a:gd name="connsiteX6" fmla="*/ 2583816 w 3221025"/>
+                <a:gd name="connsiteY6" fmla="*/ 1107175 h 1750249"/>
+                <a:gd name="connsiteX7" fmla="*/ 2951426 w 3221025"/>
+                <a:gd name="connsiteY7" fmla="*/ 1509158 h 1750249"/>
+                <a:gd name="connsiteX8" fmla="*/ 3221025 w 3221025"/>
+                <a:gd name="connsiteY8" fmla="*/ 1750249 h 1750249"/>
+                <a:gd name="connsiteX0" fmla="*/ 0 w 3255397"/>
+                <a:gd name="connsiteY0" fmla="*/ 2019 h 1750249"/>
+                <a:gd name="connsiteX1" fmla="*/ 903071 w 3255397"/>
+                <a:gd name="connsiteY1" fmla="*/ 0 h 1750249"/>
+                <a:gd name="connsiteX2" fmla="*/ 1364616 w 3255397"/>
+                <a:gd name="connsiteY2" fmla="*/ 2275 h 1750249"/>
+                <a:gd name="connsiteX3" fmla="*/ 1678941 w 3255397"/>
+                <a:gd name="connsiteY3" fmla="*/ 49900 h 1750249"/>
+                <a:gd name="connsiteX4" fmla="*/ 2002791 w 3255397"/>
+                <a:gd name="connsiteY4" fmla="*/ 259450 h 1750249"/>
+                <a:gd name="connsiteX5" fmla="*/ 2259966 w 3255397"/>
+                <a:gd name="connsiteY5" fmla="*/ 592825 h 1750249"/>
+                <a:gd name="connsiteX6" fmla="*/ 2583816 w 3255397"/>
+                <a:gd name="connsiteY6" fmla="*/ 1107175 h 1750249"/>
+                <a:gd name="connsiteX7" fmla="*/ 2951426 w 3255397"/>
+                <a:gd name="connsiteY7" fmla="*/ 1509158 h 1750249"/>
+                <a:gd name="connsiteX8" fmla="*/ 3255397 w 3255397"/>
+                <a:gd name="connsiteY8" fmla="*/ 1750249 h 1750249"/>
+                <a:gd name="connsiteX0" fmla="*/ 0 w 3225770"/>
+                <a:gd name="connsiteY0" fmla="*/ 2019 h 1731732"/>
+                <a:gd name="connsiteX1" fmla="*/ 903071 w 3225770"/>
+                <a:gd name="connsiteY1" fmla="*/ 0 h 1731732"/>
+                <a:gd name="connsiteX2" fmla="*/ 1364616 w 3225770"/>
+                <a:gd name="connsiteY2" fmla="*/ 2275 h 1731732"/>
+                <a:gd name="connsiteX3" fmla="*/ 1678941 w 3225770"/>
+                <a:gd name="connsiteY3" fmla="*/ 49900 h 1731732"/>
+                <a:gd name="connsiteX4" fmla="*/ 2002791 w 3225770"/>
+                <a:gd name="connsiteY4" fmla="*/ 259450 h 1731732"/>
+                <a:gd name="connsiteX5" fmla="*/ 2259966 w 3225770"/>
+                <a:gd name="connsiteY5" fmla="*/ 592825 h 1731732"/>
+                <a:gd name="connsiteX6" fmla="*/ 2583816 w 3225770"/>
+                <a:gd name="connsiteY6" fmla="*/ 1107175 h 1731732"/>
+                <a:gd name="connsiteX7" fmla="*/ 2951426 w 3225770"/>
+                <a:gd name="connsiteY7" fmla="*/ 1509158 h 1731732"/>
+                <a:gd name="connsiteX8" fmla="*/ 3225770 w 3225770"/>
+                <a:gd name="connsiteY8" fmla="*/ 1731732 h 1731732"/>
+                <a:gd name="connsiteX0" fmla="*/ 0 w 3225770"/>
+                <a:gd name="connsiteY0" fmla="*/ 2019 h 1731732"/>
+                <a:gd name="connsiteX1" fmla="*/ 903071 w 3225770"/>
+                <a:gd name="connsiteY1" fmla="*/ 0 h 1731732"/>
+                <a:gd name="connsiteX2" fmla="*/ 1364616 w 3225770"/>
+                <a:gd name="connsiteY2" fmla="*/ 2275 h 1731732"/>
+                <a:gd name="connsiteX3" fmla="*/ 1678941 w 3225770"/>
+                <a:gd name="connsiteY3" fmla="*/ 49900 h 1731732"/>
+                <a:gd name="connsiteX4" fmla="*/ 2002791 w 3225770"/>
+                <a:gd name="connsiteY4" fmla="*/ 259450 h 1731732"/>
+                <a:gd name="connsiteX5" fmla="*/ 2259966 w 3225770"/>
+                <a:gd name="connsiteY5" fmla="*/ 592825 h 1731732"/>
+                <a:gd name="connsiteX6" fmla="*/ 2583816 w 3225770"/>
+                <a:gd name="connsiteY6" fmla="*/ 1107175 h 1731732"/>
+                <a:gd name="connsiteX7" fmla="*/ 2951426 w 3225770"/>
+                <a:gd name="connsiteY7" fmla="*/ 1509158 h 1731732"/>
+                <a:gd name="connsiteX8" fmla="*/ 3225770 w 3225770"/>
+                <a:gd name="connsiteY8" fmla="*/ 1731732 h 1731732"/>
+                <a:gd name="connsiteX0" fmla="*/ 0 w 3193420"/>
+                <a:gd name="connsiteY0" fmla="*/ 2019 h 1717027"/>
+                <a:gd name="connsiteX1" fmla="*/ 903071 w 3193420"/>
+                <a:gd name="connsiteY1" fmla="*/ 0 h 1717027"/>
+                <a:gd name="connsiteX2" fmla="*/ 1364616 w 3193420"/>
+                <a:gd name="connsiteY2" fmla="*/ 2275 h 1717027"/>
+                <a:gd name="connsiteX3" fmla="*/ 1678941 w 3193420"/>
+                <a:gd name="connsiteY3" fmla="*/ 49900 h 1717027"/>
+                <a:gd name="connsiteX4" fmla="*/ 2002791 w 3193420"/>
+                <a:gd name="connsiteY4" fmla="*/ 259450 h 1717027"/>
+                <a:gd name="connsiteX5" fmla="*/ 2259966 w 3193420"/>
+                <a:gd name="connsiteY5" fmla="*/ 592825 h 1717027"/>
+                <a:gd name="connsiteX6" fmla="*/ 2583816 w 3193420"/>
+                <a:gd name="connsiteY6" fmla="*/ 1107175 h 1717027"/>
+                <a:gd name="connsiteX7" fmla="*/ 2951426 w 3193420"/>
+                <a:gd name="connsiteY7" fmla="*/ 1509158 h 1717027"/>
+                <a:gd name="connsiteX8" fmla="*/ 3193420 w 3193420"/>
+                <a:gd name="connsiteY8" fmla="*/ 1717027 h 1717027"/>
+                <a:gd name="connsiteX0" fmla="*/ 0 w 3228713"/>
+                <a:gd name="connsiteY0" fmla="*/ 2019 h 1740554"/>
+                <a:gd name="connsiteX1" fmla="*/ 903071 w 3228713"/>
+                <a:gd name="connsiteY1" fmla="*/ 0 h 1740554"/>
+                <a:gd name="connsiteX2" fmla="*/ 1364616 w 3228713"/>
+                <a:gd name="connsiteY2" fmla="*/ 2275 h 1740554"/>
+                <a:gd name="connsiteX3" fmla="*/ 1678941 w 3228713"/>
+                <a:gd name="connsiteY3" fmla="*/ 49900 h 1740554"/>
+                <a:gd name="connsiteX4" fmla="*/ 2002791 w 3228713"/>
+                <a:gd name="connsiteY4" fmla="*/ 259450 h 1740554"/>
+                <a:gd name="connsiteX5" fmla="*/ 2259966 w 3228713"/>
+                <a:gd name="connsiteY5" fmla="*/ 592825 h 1740554"/>
+                <a:gd name="connsiteX6" fmla="*/ 2583816 w 3228713"/>
+                <a:gd name="connsiteY6" fmla="*/ 1107175 h 1740554"/>
+                <a:gd name="connsiteX7" fmla="*/ 2951426 w 3228713"/>
+                <a:gd name="connsiteY7" fmla="*/ 1509158 h 1740554"/>
+                <a:gd name="connsiteX8" fmla="*/ 3228713 w 3228713"/>
+                <a:gd name="connsiteY8" fmla="*/ 1740554 h 1740554"/>
+                <a:gd name="connsiteX0" fmla="*/ 0 w 3228713"/>
+                <a:gd name="connsiteY0" fmla="*/ 2019 h 1740554"/>
+                <a:gd name="connsiteX1" fmla="*/ 903071 w 3228713"/>
+                <a:gd name="connsiteY1" fmla="*/ 0 h 1740554"/>
+                <a:gd name="connsiteX2" fmla="*/ 1364616 w 3228713"/>
+                <a:gd name="connsiteY2" fmla="*/ 2275 h 1740554"/>
+                <a:gd name="connsiteX3" fmla="*/ 1678941 w 3228713"/>
+                <a:gd name="connsiteY3" fmla="*/ 49900 h 1740554"/>
+                <a:gd name="connsiteX4" fmla="*/ 2002791 w 3228713"/>
+                <a:gd name="connsiteY4" fmla="*/ 259450 h 1740554"/>
+                <a:gd name="connsiteX5" fmla="*/ 2259966 w 3228713"/>
+                <a:gd name="connsiteY5" fmla="*/ 592825 h 1740554"/>
+                <a:gd name="connsiteX6" fmla="*/ 2583816 w 3228713"/>
+                <a:gd name="connsiteY6" fmla="*/ 1107175 h 1740554"/>
+                <a:gd name="connsiteX7" fmla="*/ 2951426 w 3228713"/>
+                <a:gd name="connsiteY7" fmla="*/ 1509158 h 1740554"/>
+                <a:gd name="connsiteX8" fmla="*/ 3228713 w 3228713"/>
+                <a:gd name="connsiteY8" fmla="*/ 1740554 h 1740554"/>
+                <a:gd name="connsiteX0" fmla="*/ 0 w 3228713"/>
+                <a:gd name="connsiteY0" fmla="*/ 2019 h 1740554"/>
+                <a:gd name="connsiteX1" fmla="*/ 903071 w 3228713"/>
+                <a:gd name="connsiteY1" fmla="*/ 0 h 1740554"/>
+                <a:gd name="connsiteX2" fmla="*/ 1364616 w 3228713"/>
+                <a:gd name="connsiteY2" fmla="*/ 2275 h 1740554"/>
+                <a:gd name="connsiteX3" fmla="*/ 1678941 w 3228713"/>
+                <a:gd name="connsiteY3" fmla="*/ 49900 h 1740554"/>
+                <a:gd name="connsiteX4" fmla="*/ 2002791 w 3228713"/>
+                <a:gd name="connsiteY4" fmla="*/ 259450 h 1740554"/>
+                <a:gd name="connsiteX5" fmla="*/ 2259966 w 3228713"/>
+                <a:gd name="connsiteY5" fmla="*/ 592825 h 1740554"/>
+                <a:gd name="connsiteX6" fmla="*/ 2583816 w 3228713"/>
+                <a:gd name="connsiteY6" fmla="*/ 1107175 h 1740554"/>
+                <a:gd name="connsiteX7" fmla="*/ 2951426 w 3228713"/>
+                <a:gd name="connsiteY7" fmla="*/ 1509158 h 1740554"/>
+                <a:gd name="connsiteX8" fmla="*/ 3228713 w 3228713"/>
+                <a:gd name="connsiteY8" fmla="*/ 1740554 h 1740554"/>
+                <a:gd name="connsiteX0" fmla="*/ 0 w 2968732"/>
+                <a:gd name="connsiteY0" fmla="*/ 2018 h 1740554"/>
+                <a:gd name="connsiteX1" fmla="*/ 643090 w 2968732"/>
+                <a:gd name="connsiteY1" fmla="*/ 0 h 1740554"/>
+                <a:gd name="connsiteX2" fmla="*/ 1104635 w 2968732"/>
+                <a:gd name="connsiteY2" fmla="*/ 2275 h 1740554"/>
+                <a:gd name="connsiteX3" fmla="*/ 1418960 w 2968732"/>
+                <a:gd name="connsiteY3" fmla="*/ 49900 h 1740554"/>
+                <a:gd name="connsiteX4" fmla="*/ 1742810 w 2968732"/>
+                <a:gd name="connsiteY4" fmla="*/ 259450 h 1740554"/>
+                <a:gd name="connsiteX5" fmla="*/ 1999985 w 2968732"/>
+                <a:gd name="connsiteY5" fmla="*/ 592825 h 1740554"/>
+                <a:gd name="connsiteX6" fmla="*/ 2323835 w 2968732"/>
+                <a:gd name="connsiteY6" fmla="*/ 1107175 h 1740554"/>
+                <a:gd name="connsiteX7" fmla="*/ 2691445 w 2968732"/>
+                <a:gd name="connsiteY7" fmla="*/ 1509158 h 1740554"/>
+                <a:gd name="connsiteX8" fmla="*/ 2968732 w 2968732"/>
+                <a:gd name="connsiteY8" fmla="*/ 1740554 h 1740554"/>
+              </a:gdLst>
+              <a:ahLst/>
+              <a:cxnLst>
+                <a:cxn ang="0">
+                  <a:pos x="connsiteX0" y="connsiteY0"/>
+                </a:cxn>
+                <a:cxn ang="0">
+                  <a:pos x="connsiteX1" y="connsiteY1"/>
+                </a:cxn>
+                <a:cxn ang="0">
+                  <a:pos x="connsiteX2" y="connsiteY2"/>
+                </a:cxn>
+                <a:cxn ang="0">
+                  <a:pos x="connsiteX3" y="connsiteY3"/>
+                </a:cxn>
+                <a:cxn ang="0">
+                  <a:pos x="connsiteX4" y="connsiteY4"/>
+                </a:cxn>
+                <a:cxn ang="0">
+                  <a:pos x="connsiteX5" y="connsiteY5"/>
+                </a:cxn>
+                <a:cxn ang="0">
+                  <a:pos x="connsiteX6" y="connsiteY6"/>
+                </a:cxn>
+                <a:cxn ang="0">
+                  <a:pos x="connsiteX7" y="connsiteY7"/>
+                </a:cxn>
+                <a:cxn ang="0">
+                  <a:pos x="connsiteX8" y="connsiteY8"/>
+                </a:cxn>
+              </a:cxnLst>
+              <a:rect l="l" t="t" r="r" b="b"/>
+              <a:pathLst>
+                <a:path w="2968732" h="1740554">
+                  <a:moveTo>
+                    <a:pt x="0" y="2018"/>
+                  </a:moveTo>
+                  <a:lnTo>
+                    <a:pt x="643090" y="0"/>
+                  </a:lnTo>
+                  <a:cubicBezTo>
+                    <a:pt x="995649" y="7385"/>
+                    <a:pt x="918035" y="-312"/>
+                    <a:pt x="1104635" y="2275"/>
+                  </a:cubicBezTo>
+                  <a:cubicBezTo>
+                    <a:pt x="1291235" y="4862"/>
+                    <a:pt x="1312598" y="7038"/>
+                    <a:pt x="1418960" y="49900"/>
+                  </a:cubicBezTo>
+                  <a:cubicBezTo>
+                    <a:pt x="1525322" y="92762"/>
+                    <a:pt x="1645973" y="168963"/>
+                    <a:pt x="1742810" y="259450"/>
+                  </a:cubicBezTo>
+                  <a:cubicBezTo>
+                    <a:pt x="1839648" y="349938"/>
+                    <a:pt x="1903148" y="451538"/>
+                    <a:pt x="1999985" y="592825"/>
+                  </a:cubicBezTo>
+                  <a:cubicBezTo>
+                    <a:pt x="2096822" y="734112"/>
+                    <a:pt x="2208592" y="954453"/>
+                    <a:pt x="2323835" y="1107175"/>
+                  </a:cubicBezTo>
+                  <a:cubicBezTo>
+                    <a:pt x="2439078" y="1259897"/>
+                    <a:pt x="2583495" y="1417083"/>
+                    <a:pt x="2691445" y="1509158"/>
+                  </a:cubicBezTo>
+                  <a:cubicBezTo>
+                    <a:pt x="2799395" y="1601233"/>
+                    <a:pt x="2861769" y="1661514"/>
+                    <a:pt x="2968732" y="1740554"/>
+                  </a:cubicBezTo>
+                </a:path>
+              </a:pathLst>
+            </a:custGeom>
+            <a:noFill/>
+            <a:ln>
+              <a:solidFill>
+                <a:schemeClr val="tx2">
+                  <a:lumMod val="85000"/>
+                  <a:lumOff val="15000"/>
+                </a:schemeClr>
+              </a:solidFill>
+            </a:ln>
+          </p:spPr>
+          <p:style>
+            <a:lnRef idx="2">
+              <a:schemeClr val="accent1">
+                <a:shade val="50000"/>
+              </a:schemeClr>
+            </a:lnRef>
+            <a:fillRef idx="1">
+              <a:schemeClr val="accent1"/>
+            </a:fillRef>
+            <a:effectRef idx="0">
+              <a:schemeClr val="accent1"/>
+            </a:effectRef>
+            <a:fontRef idx="minor">
+              <a:schemeClr val="lt1"/>
+            </a:fontRef>
+          </p:style>
+          <p:txBody>
+            <a:bodyPr rtlCol="0" anchor="ctr"/>
+            <a:lstStyle/>
+            <a:p>
+              <a:pPr algn="ctr"/>
+              <a:endParaRPr lang="en-US"/>
+            </a:p>
+          </p:txBody>
+        </p:sp>
+        <p:sp>
+          <p:nvSpPr>
+            <p:cNvPr id="13" name="Forma libre: forma 12">
+              <a:extLst>
+                <a:ext uri="{FF2B5EF4-FFF2-40B4-BE49-F238E27FC236}">
+                  <a16:creationId xmlns:a16="http://schemas.microsoft.com/office/drawing/2014/main" id="{9FBE4260-0D1B-398A-5472-C39F66B53E28}"/>
+                </a:ext>
+              </a:extLst>
+            </p:cNvPr>
+            <p:cNvSpPr/>
+            <p:nvPr/>
+          </p:nvSpPr>
+          <p:spPr>
+            <a:xfrm>
+              <a:off x="3396343" y="5314906"/>
+              <a:ext cx="1911478" cy="932121"/>
+            </a:xfrm>
+            <a:custGeom>
+              <a:avLst/>
+              <a:gdLst>
+                <a:gd name="connsiteX0" fmla="*/ 0 w 1878227"/>
+                <a:gd name="connsiteY0" fmla="*/ 869645 h 931233"/>
+                <a:gd name="connsiteX1" fmla="*/ 63549 w 1878227"/>
+                <a:gd name="connsiteY1" fmla="*/ 897889 h 931233"/>
+                <a:gd name="connsiteX2" fmla="*/ 222421 w 1878227"/>
+                <a:gd name="connsiteY2" fmla="*/ 922603 h 931233"/>
+                <a:gd name="connsiteX3" fmla="*/ 427191 w 1878227"/>
+                <a:gd name="connsiteY3" fmla="*/ 922603 h 931233"/>
+                <a:gd name="connsiteX4" fmla="*/ 579002 w 1878227"/>
+                <a:gd name="connsiteY4" fmla="*/ 922603 h 931233"/>
+                <a:gd name="connsiteX5" fmla="*/ 759058 w 1878227"/>
+                <a:gd name="connsiteY5" fmla="*/ 806096 h 931233"/>
+                <a:gd name="connsiteX6" fmla="*/ 769649 w 1878227"/>
+                <a:gd name="connsiteY6" fmla="*/ 703712 h 931233"/>
+                <a:gd name="connsiteX7" fmla="*/ 924991 w 1878227"/>
+                <a:gd name="connsiteY7" fmla="*/ 629571 h 931233"/>
+                <a:gd name="connsiteX8" fmla="*/ 956766 w 1878227"/>
+                <a:gd name="connsiteY8" fmla="*/ 534248 h 931233"/>
+                <a:gd name="connsiteX9" fmla="*/ 1080333 w 1878227"/>
+                <a:gd name="connsiteY9" fmla="*/ 438924 h 931233"/>
+                <a:gd name="connsiteX10" fmla="*/ 1228615 w 1878227"/>
+                <a:gd name="connsiteY10" fmla="*/ 308296 h 931233"/>
+                <a:gd name="connsiteX11" fmla="*/ 1221554 w 1878227"/>
+                <a:gd name="connsiteY11" fmla="*/ 160014 h 931233"/>
+                <a:gd name="connsiteX12" fmla="*/ 1292164 w 1878227"/>
+                <a:gd name="connsiteY12" fmla="*/ 78813 h 931233"/>
+                <a:gd name="connsiteX13" fmla="*/ 1330999 w 1878227"/>
+                <a:gd name="connsiteY13" fmla="*/ 29386 h 931233"/>
+                <a:gd name="connsiteX14" fmla="*/ 1465158 w 1878227"/>
+                <a:gd name="connsiteY14" fmla="*/ 1142 h 931233"/>
+                <a:gd name="connsiteX15" fmla="*/ 1878227 w 1878227"/>
+                <a:gd name="connsiteY15" fmla="*/ 8203 h 931233"/>
+                <a:gd name="connsiteX0" fmla="*/ 0 w 1911478"/>
+                <a:gd name="connsiteY0" fmla="*/ 870533 h 932121"/>
+                <a:gd name="connsiteX1" fmla="*/ 63549 w 1911478"/>
+                <a:gd name="connsiteY1" fmla="*/ 898777 h 932121"/>
+                <a:gd name="connsiteX2" fmla="*/ 222421 w 1911478"/>
+                <a:gd name="connsiteY2" fmla="*/ 923491 h 932121"/>
+                <a:gd name="connsiteX3" fmla="*/ 427191 w 1911478"/>
+                <a:gd name="connsiteY3" fmla="*/ 923491 h 932121"/>
+                <a:gd name="connsiteX4" fmla="*/ 579002 w 1911478"/>
+                <a:gd name="connsiteY4" fmla="*/ 923491 h 932121"/>
+                <a:gd name="connsiteX5" fmla="*/ 759058 w 1911478"/>
+                <a:gd name="connsiteY5" fmla="*/ 806984 h 932121"/>
+                <a:gd name="connsiteX6" fmla="*/ 769649 w 1911478"/>
+                <a:gd name="connsiteY6" fmla="*/ 704600 h 932121"/>
+                <a:gd name="connsiteX7" fmla="*/ 924991 w 1911478"/>
+                <a:gd name="connsiteY7" fmla="*/ 630459 h 932121"/>
+                <a:gd name="connsiteX8" fmla="*/ 956766 w 1911478"/>
+                <a:gd name="connsiteY8" fmla="*/ 535136 h 932121"/>
+                <a:gd name="connsiteX9" fmla="*/ 1080333 w 1911478"/>
+                <a:gd name="connsiteY9" fmla="*/ 439812 h 932121"/>
+                <a:gd name="connsiteX10" fmla="*/ 1228615 w 1911478"/>
+                <a:gd name="connsiteY10" fmla="*/ 309184 h 932121"/>
+                <a:gd name="connsiteX11" fmla="*/ 1221554 w 1911478"/>
+                <a:gd name="connsiteY11" fmla="*/ 160902 h 932121"/>
+                <a:gd name="connsiteX12" fmla="*/ 1292164 w 1911478"/>
+                <a:gd name="connsiteY12" fmla="*/ 79701 h 932121"/>
+                <a:gd name="connsiteX13" fmla="*/ 1330999 w 1911478"/>
+                <a:gd name="connsiteY13" fmla="*/ 30274 h 932121"/>
+                <a:gd name="connsiteX14" fmla="*/ 1465158 w 1911478"/>
+                <a:gd name="connsiteY14" fmla="*/ 2030 h 932121"/>
+                <a:gd name="connsiteX15" fmla="*/ 1911478 w 1911478"/>
+                <a:gd name="connsiteY15" fmla="*/ 4934 h 932121"/>
+                <a:gd name="connsiteX0" fmla="*/ 0 w 1911478"/>
+                <a:gd name="connsiteY0" fmla="*/ 870533 h 932121"/>
+                <a:gd name="connsiteX1" fmla="*/ 63549 w 1911478"/>
+                <a:gd name="connsiteY1" fmla="*/ 898777 h 932121"/>
+                <a:gd name="connsiteX2" fmla="*/ 222421 w 1911478"/>
+                <a:gd name="connsiteY2" fmla="*/ 923491 h 932121"/>
+                <a:gd name="connsiteX3" fmla="*/ 427191 w 1911478"/>
+                <a:gd name="connsiteY3" fmla="*/ 923491 h 932121"/>
+                <a:gd name="connsiteX4" fmla="*/ 579002 w 1911478"/>
+                <a:gd name="connsiteY4" fmla="*/ 923491 h 932121"/>
+                <a:gd name="connsiteX5" fmla="*/ 759058 w 1911478"/>
+                <a:gd name="connsiteY5" fmla="*/ 806984 h 932121"/>
+                <a:gd name="connsiteX6" fmla="*/ 769649 w 1911478"/>
+                <a:gd name="connsiteY6" fmla="*/ 704600 h 932121"/>
+                <a:gd name="connsiteX7" fmla="*/ 924991 w 1911478"/>
+                <a:gd name="connsiteY7" fmla="*/ 630459 h 932121"/>
+                <a:gd name="connsiteX8" fmla="*/ 956766 w 1911478"/>
+                <a:gd name="connsiteY8" fmla="*/ 535136 h 932121"/>
+                <a:gd name="connsiteX9" fmla="*/ 1080333 w 1911478"/>
+                <a:gd name="connsiteY9" fmla="*/ 439812 h 932121"/>
+                <a:gd name="connsiteX10" fmla="*/ 1228615 w 1911478"/>
+                <a:gd name="connsiteY10" fmla="*/ 309184 h 932121"/>
+                <a:gd name="connsiteX11" fmla="*/ 1221554 w 1911478"/>
+                <a:gd name="connsiteY11" fmla="*/ 160902 h 932121"/>
+                <a:gd name="connsiteX12" fmla="*/ 1292164 w 1911478"/>
+                <a:gd name="connsiteY12" fmla="*/ 79701 h 932121"/>
+                <a:gd name="connsiteX13" fmla="*/ 1330999 w 1911478"/>
+                <a:gd name="connsiteY13" fmla="*/ 30274 h 932121"/>
+                <a:gd name="connsiteX14" fmla="*/ 1465158 w 1911478"/>
+                <a:gd name="connsiteY14" fmla="*/ 2030 h 932121"/>
+                <a:gd name="connsiteX15" fmla="*/ 1911478 w 1911478"/>
+                <a:gd name="connsiteY15" fmla="*/ 4934 h 932121"/>
+              </a:gdLst>
+              <a:ahLst/>
+              <a:cxnLst>
+                <a:cxn ang="0">
+                  <a:pos x="connsiteX0" y="connsiteY0"/>
+                </a:cxn>
+                <a:cxn ang="0">
+                  <a:pos x="connsiteX1" y="connsiteY1"/>
+                </a:cxn>
+                <a:cxn ang="0">
+                  <a:pos x="connsiteX2" y="connsiteY2"/>
+                </a:cxn>
+                <a:cxn ang="0">
+                  <a:pos x="connsiteX3" y="connsiteY3"/>
+                </a:cxn>
+                <a:cxn ang="0">
+                  <a:pos x="connsiteX4" y="connsiteY4"/>
+                </a:cxn>
+                <a:cxn ang="0">
+                  <a:pos x="connsiteX5" y="connsiteY5"/>
+                </a:cxn>
+                <a:cxn ang="0">
+                  <a:pos x="connsiteX6" y="connsiteY6"/>
+                </a:cxn>
+                <a:cxn ang="0">
+                  <a:pos x="connsiteX7" y="connsiteY7"/>
+                </a:cxn>
+                <a:cxn ang="0">
+                  <a:pos x="connsiteX8" y="connsiteY8"/>
+                </a:cxn>
+                <a:cxn ang="0">
+                  <a:pos x="connsiteX9" y="connsiteY9"/>
+                </a:cxn>
+                <a:cxn ang="0">
+                  <a:pos x="connsiteX10" y="connsiteY10"/>
+                </a:cxn>
+                <a:cxn ang="0">
+                  <a:pos x="connsiteX11" y="connsiteY11"/>
+                </a:cxn>
+                <a:cxn ang="0">
+                  <a:pos x="connsiteX12" y="connsiteY12"/>
+                </a:cxn>
+                <a:cxn ang="0">
+                  <a:pos x="connsiteX13" y="connsiteY13"/>
+                </a:cxn>
+                <a:cxn ang="0">
+                  <a:pos x="connsiteX14" y="connsiteY14"/>
+                </a:cxn>
+                <a:cxn ang="0">
+                  <a:pos x="connsiteX15" y="connsiteY15"/>
+                </a:cxn>
+              </a:cxnLst>
+              <a:rect l="l" t="t" r="r" b="b"/>
+              <a:pathLst>
+                <a:path w="1911478" h="932121">
+                  <a:moveTo>
+                    <a:pt x="0" y="870533"/>
+                  </a:moveTo>
+                  <a:cubicBezTo>
+                    <a:pt x="13239" y="880242"/>
+                    <a:pt x="26479" y="889951"/>
+                    <a:pt x="63549" y="898777"/>
+                  </a:cubicBezTo>
+                  <a:cubicBezTo>
+                    <a:pt x="100619" y="907603"/>
+                    <a:pt x="161814" y="919372"/>
+                    <a:pt x="222421" y="923491"/>
+                  </a:cubicBezTo>
+                  <a:cubicBezTo>
+                    <a:pt x="283028" y="927610"/>
+                    <a:pt x="427191" y="923491"/>
+                    <a:pt x="427191" y="923491"/>
+                  </a:cubicBezTo>
+                  <a:cubicBezTo>
+                    <a:pt x="486621" y="923491"/>
+                    <a:pt x="523691" y="942909"/>
+                    <a:pt x="579002" y="923491"/>
+                  </a:cubicBezTo>
+                  <a:cubicBezTo>
+                    <a:pt x="634313" y="904073"/>
+                    <a:pt x="727284" y="843466"/>
+                    <a:pt x="759058" y="806984"/>
+                  </a:cubicBezTo>
+                  <a:cubicBezTo>
+                    <a:pt x="790832" y="770502"/>
+                    <a:pt x="741994" y="734021"/>
+                    <a:pt x="769649" y="704600"/>
+                  </a:cubicBezTo>
+                  <a:cubicBezTo>
+                    <a:pt x="797304" y="675179"/>
+                    <a:pt x="893805" y="658703"/>
+                    <a:pt x="924991" y="630459"/>
+                  </a:cubicBezTo>
+                  <a:cubicBezTo>
+                    <a:pt x="956177" y="602215"/>
+                    <a:pt x="930876" y="566910"/>
+                    <a:pt x="956766" y="535136"/>
+                  </a:cubicBezTo>
+                  <a:cubicBezTo>
+                    <a:pt x="982656" y="503362"/>
+                    <a:pt x="1080333" y="439812"/>
+                    <a:pt x="1080333" y="439812"/>
+                  </a:cubicBezTo>
+                  <a:cubicBezTo>
+                    <a:pt x="1125641" y="402153"/>
+                    <a:pt x="1205078" y="355669"/>
+                    <a:pt x="1228615" y="309184"/>
+                  </a:cubicBezTo>
+                  <a:cubicBezTo>
+                    <a:pt x="1252152" y="262699"/>
+                    <a:pt x="1210963" y="199149"/>
+                    <a:pt x="1221554" y="160902"/>
+                  </a:cubicBezTo>
+                  <a:cubicBezTo>
+                    <a:pt x="1232145" y="122655"/>
+                    <a:pt x="1273923" y="101472"/>
+                    <a:pt x="1292164" y="79701"/>
+                  </a:cubicBezTo>
+                  <a:cubicBezTo>
+                    <a:pt x="1310405" y="57930"/>
+                    <a:pt x="1302167" y="43219"/>
+                    <a:pt x="1330999" y="30274"/>
+                  </a:cubicBezTo>
+                  <a:cubicBezTo>
+                    <a:pt x="1359831" y="17329"/>
+                    <a:pt x="1373953" y="5560"/>
+                    <a:pt x="1465158" y="2030"/>
+                  </a:cubicBezTo>
+                  <a:cubicBezTo>
+                    <a:pt x="1556363" y="-1500"/>
+                    <a:pt x="1750546" y="-362"/>
+                    <a:pt x="1911478" y="4934"/>
+                  </a:cubicBezTo>
+                </a:path>
+              </a:pathLst>
+            </a:custGeom>
+            <a:noFill/>
+            <a:ln>
+              <a:solidFill>
+                <a:schemeClr val="tx2">
+                  <a:lumMod val="85000"/>
+                  <a:lumOff val="15000"/>
+                </a:schemeClr>
+              </a:solidFill>
+            </a:ln>
+          </p:spPr>
+          <p:style>
+            <a:lnRef idx="2">
+              <a:schemeClr val="accent1">
+                <a:shade val="50000"/>
+              </a:schemeClr>
+            </a:lnRef>
+            <a:fillRef idx="1">
+              <a:schemeClr val="accent1"/>
+            </a:fillRef>
+            <a:effectRef idx="0">
+              <a:schemeClr val="accent1"/>
+            </a:effectRef>
+            <a:fontRef idx="minor">
+              <a:schemeClr val="lt1"/>
+            </a:fontRef>
+          </p:style>
+          <p:txBody>
+            <a:bodyPr rtlCol="0" anchor="ctr"/>
+            <a:lstStyle/>
+            <a:p>
+              <a:pPr algn="ctr"/>
+              <a:endParaRPr lang="en-US"/>
+            </a:p>
+          </p:txBody>
+        </p:sp>
+        <p:sp>
+          <p:nvSpPr>
+            <p:cNvPr id="15" name="Forma libre: forma 14">
+              <a:extLst>
+                <a:ext uri="{FF2B5EF4-FFF2-40B4-BE49-F238E27FC236}">
+                  <a16:creationId xmlns:a16="http://schemas.microsoft.com/office/drawing/2014/main" id="{3DD89C17-9E69-A05A-E324-FB98B6C768D6}"/>
+                </a:ext>
+              </a:extLst>
+            </p:cNvPr>
+            <p:cNvSpPr/>
+            <p:nvPr/>
+          </p:nvSpPr>
+          <p:spPr>
+            <a:xfrm>
+              <a:off x="4355869" y="5892646"/>
+              <a:ext cx="274635" cy="183958"/>
+            </a:xfrm>
+            <a:custGeom>
+              <a:avLst/>
+              <a:gdLst>
+                <a:gd name="connsiteX0" fmla="*/ 0 w 274635"/>
+                <a:gd name="connsiteY0" fmla="*/ 183958 h 183958"/>
+                <a:gd name="connsiteX1" fmla="*/ 195349 w 274635"/>
+                <a:gd name="connsiteY1" fmla="*/ 142394 h 183958"/>
+                <a:gd name="connsiteX2" fmla="*/ 274320 w 274635"/>
+                <a:gd name="connsiteY2" fmla="*/ 9390 h 183958"/>
+                <a:gd name="connsiteX3" fmla="*/ 170411 w 274635"/>
+                <a:gd name="connsiteY3" fmla="*/ 21859 h 183958"/>
+                <a:gd name="connsiteX4" fmla="*/ 16626 w 274635"/>
+                <a:gd name="connsiteY4" fmla="*/ 109143 h 183958"/>
+                <a:gd name="connsiteX5" fmla="*/ 149629 w 274635"/>
+                <a:gd name="connsiteY5" fmla="*/ 121612 h 183958"/>
+                <a:gd name="connsiteX6" fmla="*/ 187036 w 274635"/>
+                <a:gd name="connsiteY6" fmla="*/ 92518 h 183958"/>
+              </a:gdLst>
+              <a:ahLst/>
+              <a:cxnLst>
+                <a:cxn ang="0">
+                  <a:pos x="connsiteX0" y="connsiteY0"/>
+                </a:cxn>
+                <a:cxn ang="0">
+                  <a:pos x="connsiteX1" y="connsiteY1"/>
+                </a:cxn>
+                <a:cxn ang="0">
+                  <a:pos x="connsiteX2" y="connsiteY2"/>
+                </a:cxn>
+                <a:cxn ang="0">
+                  <a:pos x="connsiteX3" y="connsiteY3"/>
+                </a:cxn>
+                <a:cxn ang="0">
+                  <a:pos x="connsiteX4" y="connsiteY4"/>
+                </a:cxn>
+                <a:cxn ang="0">
+                  <a:pos x="connsiteX5" y="connsiteY5"/>
+                </a:cxn>
+                <a:cxn ang="0">
+                  <a:pos x="connsiteX6" y="connsiteY6"/>
+                </a:cxn>
+              </a:cxnLst>
+              <a:rect l="l" t="t" r="r" b="b"/>
+              <a:pathLst>
+                <a:path w="274635" h="183958">
+                  <a:moveTo>
+                    <a:pt x="0" y="183958"/>
+                  </a:moveTo>
+                  <a:cubicBezTo>
+                    <a:pt x="74814" y="177723"/>
+                    <a:pt x="149629" y="171489"/>
+                    <a:pt x="195349" y="142394"/>
+                  </a:cubicBezTo>
+                  <a:cubicBezTo>
+                    <a:pt x="241069" y="113299"/>
+                    <a:pt x="278476" y="29479"/>
+                    <a:pt x="274320" y="9390"/>
+                  </a:cubicBezTo>
+                  <a:cubicBezTo>
+                    <a:pt x="270164" y="-10699"/>
+                    <a:pt x="213360" y="5234"/>
+                    <a:pt x="170411" y="21859"/>
+                  </a:cubicBezTo>
+                  <a:cubicBezTo>
+                    <a:pt x="127462" y="38484"/>
+                    <a:pt x="20090" y="92517"/>
+                    <a:pt x="16626" y="109143"/>
+                  </a:cubicBezTo>
+                  <a:cubicBezTo>
+                    <a:pt x="13162" y="125768"/>
+                    <a:pt x="121227" y="124383"/>
+                    <a:pt x="149629" y="121612"/>
+                  </a:cubicBezTo>
+                  <a:cubicBezTo>
+                    <a:pt x="178031" y="118841"/>
+                    <a:pt x="182533" y="105679"/>
+                    <a:pt x="187036" y="92518"/>
+                  </a:cubicBezTo>
+                </a:path>
+              </a:pathLst>
+            </a:custGeom>
+            <a:noFill/>
+            <a:ln>
+              <a:solidFill>
+                <a:schemeClr val="tx2">
+                  <a:lumMod val="85000"/>
+                  <a:lumOff val="15000"/>
+                </a:schemeClr>
+              </a:solidFill>
+            </a:ln>
+          </p:spPr>
+          <p:style>
+            <a:lnRef idx="2">
+              <a:schemeClr val="accent1">
+                <a:shade val="50000"/>
+              </a:schemeClr>
+            </a:lnRef>
+            <a:fillRef idx="1">
+              <a:schemeClr val="accent1"/>
+            </a:fillRef>
+            <a:effectRef idx="0">
+              <a:schemeClr val="accent1"/>
+            </a:effectRef>
+            <a:fontRef idx="minor">
+              <a:schemeClr val="lt1"/>
+            </a:fontRef>
+          </p:style>
+          <p:txBody>
+            <a:bodyPr rtlCol="0" anchor="ctr"/>
+            <a:lstStyle/>
+            <a:p>
+              <a:pPr algn="ctr"/>
+              <a:endParaRPr lang="en-US"/>
+            </a:p>
+          </p:txBody>
+        </p:sp>
+        <p:sp>
+          <p:nvSpPr>
+            <p:cNvPr id="16" name="Forma libre: forma 15">
+              <a:extLst>
+                <a:ext uri="{FF2B5EF4-FFF2-40B4-BE49-F238E27FC236}">
+                  <a16:creationId xmlns:a16="http://schemas.microsoft.com/office/drawing/2014/main" id="{FFC2D6C6-8716-12F2-3A6B-4F5CD9012EF3}"/>
+                </a:ext>
+              </a:extLst>
+            </p:cNvPr>
+            <p:cNvSpPr/>
+            <p:nvPr/>
+          </p:nvSpPr>
+          <p:spPr>
+            <a:xfrm rot="20373695">
+              <a:off x="4653979" y="5555291"/>
+              <a:ext cx="274635" cy="183958"/>
+            </a:xfrm>
+            <a:custGeom>
+              <a:avLst/>
+              <a:gdLst>
+                <a:gd name="connsiteX0" fmla="*/ 0 w 274635"/>
+                <a:gd name="connsiteY0" fmla="*/ 183958 h 183958"/>
+                <a:gd name="connsiteX1" fmla="*/ 195349 w 274635"/>
+                <a:gd name="connsiteY1" fmla="*/ 142394 h 183958"/>
+                <a:gd name="connsiteX2" fmla="*/ 274320 w 274635"/>
+                <a:gd name="connsiteY2" fmla="*/ 9390 h 183958"/>
+                <a:gd name="connsiteX3" fmla="*/ 170411 w 274635"/>
+                <a:gd name="connsiteY3" fmla="*/ 21859 h 183958"/>
+                <a:gd name="connsiteX4" fmla="*/ 16626 w 274635"/>
+                <a:gd name="connsiteY4" fmla="*/ 109143 h 183958"/>
+                <a:gd name="connsiteX5" fmla="*/ 149629 w 274635"/>
+                <a:gd name="connsiteY5" fmla="*/ 121612 h 183958"/>
+                <a:gd name="connsiteX6" fmla="*/ 187036 w 274635"/>
+                <a:gd name="connsiteY6" fmla="*/ 92518 h 183958"/>
+              </a:gdLst>
+              <a:ahLst/>
+              <a:cxnLst>
+                <a:cxn ang="0">
+                  <a:pos x="connsiteX0" y="connsiteY0"/>
+                </a:cxn>
+                <a:cxn ang="0">
+                  <a:pos x="connsiteX1" y="connsiteY1"/>
+                </a:cxn>
+                <a:cxn ang="0">
+                  <a:pos x="connsiteX2" y="connsiteY2"/>
+                </a:cxn>
+                <a:cxn ang="0">
+                  <a:pos x="connsiteX3" y="connsiteY3"/>
+                </a:cxn>
+                <a:cxn ang="0">
+                  <a:pos x="connsiteX4" y="connsiteY4"/>
+                </a:cxn>
+                <a:cxn ang="0">
+                  <a:pos x="connsiteX5" y="connsiteY5"/>
+                </a:cxn>
+                <a:cxn ang="0">
+                  <a:pos x="connsiteX6" y="connsiteY6"/>
+                </a:cxn>
+              </a:cxnLst>
+              <a:rect l="l" t="t" r="r" b="b"/>
+              <a:pathLst>
+                <a:path w="274635" h="183958">
+                  <a:moveTo>
+                    <a:pt x="0" y="183958"/>
+                  </a:moveTo>
+                  <a:cubicBezTo>
+                    <a:pt x="74814" y="177723"/>
+                    <a:pt x="149629" y="171489"/>
+                    <a:pt x="195349" y="142394"/>
+                  </a:cubicBezTo>
+                  <a:cubicBezTo>
+                    <a:pt x="241069" y="113299"/>
+                    <a:pt x="278476" y="29479"/>
+                    <a:pt x="274320" y="9390"/>
+                  </a:cubicBezTo>
+                  <a:cubicBezTo>
+                    <a:pt x="270164" y="-10699"/>
+                    <a:pt x="213360" y="5234"/>
+                    <a:pt x="170411" y="21859"/>
+                  </a:cubicBezTo>
+                  <a:cubicBezTo>
+                    <a:pt x="127462" y="38484"/>
+                    <a:pt x="20090" y="92517"/>
+                    <a:pt x="16626" y="109143"/>
+                  </a:cubicBezTo>
+                  <a:cubicBezTo>
+                    <a:pt x="13162" y="125768"/>
+                    <a:pt x="121227" y="124383"/>
+                    <a:pt x="149629" y="121612"/>
+                  </a:cubicBezTo>
+                  <a:cubicBezTo>
+                    <a:pt x="178031" y="118841"/>
+                    <a:pt x="182533" y="105679"/>
+                    <a:pt x="187036" y="92518"/>
+                  </a:cubicBezTo>
+                </a:path>
+              </a:pathLst>
+            </a:custGeom>
+            <a:noFill/>
+            <a:ln>
+              <a:solidFill>
+                <a:schemeClr val="tx2">
+                  <a:lumMod val="85000"/>
+                  <a:lumOff val="15000"/>
+                </a:schemeClr>
+              </a:solidFill>
+            </a:ln>
+          </p:spPr>
+          <p:style>
+            <a:lnRef idx="2">
+              <a:schemeClr val="accent1">
+                <a:shade val="50000"/>
+              </a:schemeClr>
+            </a:lnRef>
+            <a:fillRef idx="1">
+              <a:schemeClr val="accent1"/>
+            </a:fillRef>
+            <a:effectRef idx="0">
+              <a:schemeClr val="accent1"/>
+            </a:effectRef>
+            <a:fontRef idx="minor">
+              <a:schemeClr val="lt1"/>
+            </a:fontRef>
+          </p:style>
+          <p:txBody>
+            <a:bodyPr rtlCol="0" anchor="ctr"/>
+            <a:lstStyle/>
+            <a:p>
+              <a:pPr algn="ctr"/>
+              <a:endParaRPr lang="en-US"/>
+            </a:p>
+          </p:txBody>
+        </p:sp>
+        <p:cxnSp>
+          <p:nvCxnSpPr>
+            <p:cNvPr id="18" name="Conector recto 17">
+              <a:extLst>
+                <a:ext uri="{FF2B5EF4-FFF2-40B4-BE49-F238E27FC236}">
+                  <a16:creationId xmlns:a16="http://schemas.microsoft.com/office/drawing/2014/main" id="{0AF0083F-FC30-E8CE-147B-D1B4FA22B574}"/>
+                </a:ext>
+              </a:extLst>
+            </p:cNvPr>
+            <p:cNvCxnSpPr>
+              <a:cxnSpLocks/>
+            </p:cNvCxnSpPr>
+            <p:nvPr/>
+          </p:nvCxnSpPr>
+          <p:spPr>
+            <a:xfrm>
+              <a:off x="1071905" y="4789846"/>
+              <a:ext cx="274320" cy="796"/>
+            </a:xfrm>
+            <a:prstGeom prst="line">
+              <a:avLst/>
+            </a:prstGeom>
+            <a:ln w="12700">
+              <a:solidFill>
+                <a:schemeClr val="tx2">
+                  <a:lumMod val="85000"/>
+                  <a:lumOff val="15000"/>
+                </a:schemeClr>
+              </a:solidFill>
+            </a:ln>
+          </p:spPr>
+          <p:style>
+            <a:lnRef idx="1">
+              <a:schemeClr val="accent1"/>
+            </a:lnRef>
+            <a:fillRef idx="0">
+              <a:schemeClr val="accent1"/>
+            </a:fillRef>
+            <a:effectRef idx="0">
+              <a:schemeClr val="accent1"/>
+            </a:effectRef>
+            <a:fontRef idx="minor">
+              <a:schemeClr val="tx1"/>
+            </a:fontRef>
+          </p:style>
+        </p:cxnSp>
+        <p:cxnSp>
+          <p:nvCxnSpPr>
+            <p:cNvPr id="19" name="Conector recto 18">
+              <a:extLst>
+                <a:ext uri="{FF2B5EF4-FFF2-40B4-BE49-F238E27FC236}">
+                  <a16:creationId xmlns:a16="http://schemas.microsoft.com/office/drawing/2014/main" id="{C4CD2C36-488C-1D6C-7BE5-819FA8C986F5}"/>
+                </a:ext>
+              </a:extLst>
+            </p:cNvPr>
+            <p:cNvCxnSpPr>
+              <a:cxnSpLocks/>
+            </p:cNvCxnSpPr>
+            <p:nvPr/>
+          </p:nvCxnSpPr>
+          <p:spPr>
+            <a:xfrm>
+              <a:off x="1154595" y="4818583"/>
+              <a:ext cx="91440" cy="796"/>
+            </a:xfrm>
+            <a:prstGeom prst="line">
+              <a:avLst/>
+            </a:prstGeom>
+            <a:ln w="12700">
+              <a:solidFill>
+                <a:schemeClr val="tx2">
+                  <a:lumMod val="85000"/>
+                  <a:lumOff val="15000"/>
+                </a:schemeClr>
+              </a:solidFill>
+            </a:ln>
+          </p:spPr>
+          <p:style>
+            <a:lnRef idx="1">
+              <a:schemeClr val="accent1"/>
+            </a:lnRef>
+            <a:fillRef idx="0">
+              <a:schemeClr val="accent1"/>
+            </a:fillRef>
+            <a:effectRef idx="0">
+              <a:schemeClr val="accent1"/>
+            </a:effectRef>
+            <a:fontRef idx="minor">
+              <a:schemeClr val="tx1"/>
+            </a:fontRef>
+          </p:style>
+        </p:cxnSp>
+        <p:cxnSp>
+          <p:nvCxnSpPr>
+            <p:cNvPr id="20" name="Conector recto 19">
+              <a:extLst>
+                <a:ext uri="{FF2B5EF4-FFF2-40B4-BE49-F238E27FC236}">
+                  <a16:creationId xmlns:a16="http://schemas.microsoft.com/office/drawing/2014/main" id="{94B369CE-A9AE-C826-A5DC-F0C3A71223C7}"/>
+                </a:ext>
+              </a:extLst>
+            </p:cNvPr>
+            <p:cNvCxnSpPr>
+              <a:cxnSpLocks/>
+            </p:cNvCxnSpPr>
+            <p:nvPr/>
+          </p:nvCxnSpPr>
+          <p:spPr>
+            <a:xfrm>
+              <a:off x="5042564" y="5370351"/>
+              <a:ext cx="274320" cy="796"/>
+            </a:xfrm>
+            <a:prstGeom prst="line">
+              <a:avLst/>
+            </a:prstGeom>
+            <a:ln w="12700">
+              <a:solidFill>
+                <a:schemeClr val="tx2">
+                  <a:lumMod val="85000"/>
+                  <a:lumOff val="15000"/>
+                </a:schemeClr>
+              </a:solidFill>
+            </a:ln>
+          </p:spPr>
+          <p:style>
+            <a:lnRef idx="1">
+              <a:schemeClr val="accent1"/>
+            </a:lnRef>
+            <a:fillRef idx="0">
+              <a:schemeClr val="accent1"/>
+            </a:fillRef>
+            <a:effectRef idx="0">
+              <a:schemeClr val="accent1"/>
+            </a:effectRef>
+            <a:fontRef idx="minor">
+              <a:schemeClr val="tx1"/>
+            </a:fontRef>
+          </p:style>
+        </p:cxnSp>
+        <p:cxnSp>
+          <p:nvCxnSpPr>
+            <p:cNvPr id="21" name="Conector recto 20">
+              <a:extLst>
+                <a:ext uri="{FF2B5EF4-FFF2-40B4-BE49-F238E27FC236}">
+                  <a16:creationId xmlns:a16="http://schemas.microsoft.com/office/drawing/2014/main" id="{968A032A-4084-CB72-EC53-8DF9A6446F05}"/>
+                </a:ext>
+              </a:extLst>
+            </p:cNvPr>
+            <p:cNvCxnSpPr>
+              <a:cxnSpLocks/>
+            </p:cNvCxnSpPr>
+            <p:nvPr/>
+          </p:nvCxnSpPr>
+          <p:spPr>
+            <a:xfrm>
+              <a:off x="5125254" y="5399088"/>
+              <a:ext cx="91440" cy="796"/>
+            </a:xfrm>
+            <a:prstGeom prst="line">
+              <a:avLst/>
+            </a:prstGeom>
+            <a:ln w="12700">
+              <a:solidFill>
+                <a:schemeClr val="tx2">
+                  <a:lumMod val="85000"/>
+                  <a:lumOff val="15000"/>
+                </a:schemeClr>
+              </a:solidFill>
+            </a:ln>
+          </p:spPr>
+          <p:style>
+            <a:lnRef idx="1">
+              <a:schemeClr val="accent1"/>
+            </a:lnRef>
+            <a:fillRef idx="0">
+              <a:schemeClr val="accent1"/>
+            </a:fillRef>
+            <a:effectRef idx="0">
+              <a:schemeClr val="accent1"/>
+            </a:effectRef>
+            <a:fontRef idx="minor">
+              <a:schemeClr val="tx1"/>
+            </a:fontRef>
+          </p:style>
+        </p:cxnSp>
+      </p:grpSp>
+    </p:spTree>
+    <p:extLst>
+      <p:ext uri="{BB962C8B-B14F-4D97-AF65-F5344CB8AC3E}">
+        <p14:creationId xmlns:p14="http://schemas.microsoft.com/office/powerpoint/2010/main" val="3791410652"/>
+      </p:ext>
+    </p:extLst>
+  </p:cSld>
+  <p:clrMapOvr>
+    <a:masterClrMapping/>
+  </p:clrMapOvr>
+</p:sld>
+</file>
+
+<file path=ppt/slides/slide12.xml><?xml version="1.0" encoding="utf-8"?>
+<p:sld xmlns:a="http://schemas.openxmlformats.org/drawingml/2006/main" xmlns:r="http://schemas.openxmlformats.org/officeDocument/2006/relationships" xmlns:p="http://schemas.openxmlformats.org/presentationml/2006/main">
+  <p:cSld>
     <p:bg>
       <p:bgPr>
         <a:solidFill>
@@ -7342,8 +10246,8 @@
           </a:p>
         </p:txBody>
       </p:sp>
-      <mc:AlternateContent xmlns:mc="http://schemas.openxmlformats.org/markup-compatibility/2006">
-        <mc:Choice xmlns:a14="http://schemas.microsoft.com/office/drawing/2010/main" Requires="a14">
+      <mc:AlternateContent xmlns:mc="http://schemas.openxmlformats.org/markup-compatibility/2006" xmlns:a14="http://schemas.microsoft.com/office/drawing/2010/main">
+        <mc:Choice Requires="a14">
           <p:sp>
             <p:nvSpPr>
               <p:cNvPr id="8" name="CuadroTexto 7">
@@ -7372,6 +10276,7 @@
               </a:bodyPr>
               <a:lstStyle/>
               <a:p>
+                <a:pPr/>
                 <a14:m>
                   <m:oMathPara xmlns:m="http://schemas.openxmlformats.org/officeDocument/2006/math">
                     <m:oMathParaPr>
@@ -7481,7 +10386,7 @@
             </p:txBody>
           </p:sp>
         </mc:Choice>
-        <mc:Fallback>
+        <mc:Fallback xmlns="">
           <p:sp>
             <p:nvSpPr>
               <p:cNvPr id="8" name="CuadroTexto 7">
@@ -7526,8 +10431,8 @@
           </p:sp>
         </mc:Fallback>
       </mc:AlternateContent>
-      <mc:AlternateContent xmlns:mc="http://schemas.openxmlformats.org/markup-compatibility/2006">
-        <mc:Choice xmlns:a14="http://schemas.microsoft.com/office/drawing/2010/main" Requires="a14">
+      <mc:AlternateContent xmlns:mc="http://schemas.openxmlformats.org/markup-compatibility/2006" xmlns:a14="http://schemas.microsoft.com/office/drawing/2010/main">
+        <mc:Choice Requires="a14">
           <p:sp>
             <p:nvSpPr>
               <p:cNvPr id="10" name="CuadroTexto 9">
@@ -7556,6 +10461,7 @@
               </a:bodyPr>
               <a:lstStyle/>
               <a:p>
+                <a:pPr/>
                 <a14:m>
                   <m:oMathPara xmlns:m="http://schemas.openxmlformats.org/officeDocument/2006/math">
                     <m:oMathParaPr>
@@ -7665,7 +10571,7 @@
             </p:txBody>
           </p:sp>
         </mc:Choice>
-        <mc:Fallback>
+        <mc:Fallback xmlns="">
           <p:sp>
             <p:nvSpPr>
               <p:cNvPr id="10" name="CuadroTexto 9">
@@ -7782,8 +10688,8 @@
           </a:p>
         </p:txBody>
       </p:sp>
-      <mc:AlternateContent xmlns:mc="http://schemas.openxmlformats.org/markup-compatibility/2006">
-        <mc:Choice xmlns:a14="http://schemas.microsoft.com/office/drawing/2010/main" Requires="a14">
+      <mc:AlternateContent xmlns:mc="http://schemas.openxmlformats.org/markup-compatibility/2006" xmlns:a14="http://schemas.microsoft.com/office/drawing/2010/main">
+        <mc:Choice Requires="a14">
           <p:sp>
             <p:nvSpPr>
               <p:cNvPr id="18" name="CuadroTexto 17">
@@ -7812,7 +10718,6 @@
               </a:bodyPr>
               <a:lstStyle/>
               <a:p>
-                <a:pPr/>
                 <a14:m>
                   <m:oMath xmlns:m="http://schemas.openxmlformats.org/officeDocument/2006/math">
                     <m:r>
@@ -7849,7 +10754,6 @@
                 </a:r>
               </a:p>
               <a:p>
-                <a:pPr/>
                 <a14:m>
                   <m:oMath xmlns:m="http://schemas.openxmlformats.org/officeDocument/2006/math">
                     <m:r>
@@ -7869,13 +10773,12 @@
                 </a:r>
               </a:p>
               <a:p>
-                <a:pPr/>
                 <a14:m>
                   <m:oMath xmlns:m="http://schemas.openxmlformats.org/officeDocument/2006/math">
                     <m:sSub>
                       <m:sSubPr>
                         <m:ctrlPr>
-                          <a:rPr lang="es-CO" sz="1800" b="0" smtClean="0">
+                          <a:rPr lang="es-CO" sz="1800" b="0" i="1" smtClean="0">
                             <a:latin typeface="Cambria Math" panose="02040503050406030204" pitchFamily="18" charset="0"/>
                           </a:rPr>
                         </m:ctrlPr>
@@ -7914,7 +10817,7 @@
             </p:txBody>
           </p:sp>
         </mc:Choice>
-        <mc:Fallback>
+        <mc:Fallback xmlns="">
           <p:sp>
             <p:nvSpPr>
               <p:cNvPr id="18" name="CuadroTexto 17">
@@ -8053,8 +10956,8 @@
           </a:prstGeom>
         </p:spPr>
       </p:pic>
-      <mc:AlternateContent xmlns:mc="http://schemas.openxmlformats.org/markup-compatibility/2006">
-        <mc:Choice xmlns:a14="http://schemas.microsoft.com/office/drawing/2010/main" Requires="a14">
+      <mc:AlternateContent xmlns:mc="http://schemas.openxmlformats.org/markup-compatibility/2006" xmlns:a14="http://schemas.microsoft.com/office/drawing/2010/main">
+        <mc:Choice Requires="a14">
           <p:sp>
             <p:nvSpPr>
               <p:cNvPr id="5" name="CuadroTexto 4">
@@ -8083,6 +10986,7 @@
               </a:bodyPr>
               <a:lstStyle/>
               <a:p>
+                <a:pPr/>
                 <a14:m>
                   <m:oMathPara xmlns:m="http://schemas.openxmlformats.org/officeDocument/2006/math">
                     <m:oMathParaPr>
@@ -8259,7 +11163,7 @@
             </p:txBody>
           </p:sp>
         </mc:Choice>
-        <mc:Fallback>
+        <mc:Fallback xmlns="">
           <p:sp>
             <p:nvSpPr>
               <p:cNvPr id="5" name="CuadroTexto 4">
@@ -8437,7 +11341,7 @@
         </p:blipFill>
         <p:spPr>
           <a:xfrm>
-            <a:off x="225425" y="2211662"/>
+            <a:off x="369325" y="2116412"/>
             <a:ext cx="6823075" cy="4254573"/>
           </a:xfrm>
           <a:prstGeom prst="rect">
@@ -8461,7 +11365,7 @@
             </p:nvSpPr>
             <p:spPr>
               <a:xfrm>
-                <a:off x="3921770" y="1753350"/>
+                <a:off x="4026545" y="1839075"/>
                 <a:ext cx="2177006" cy="1115883"/>
               </a:xfrm>
               <a:prstGeom prst="rect">
@@ -8475,6 +11379,7 @@
               </a:bodyPr>
               <a:lstStyle/>
               <a:p>
+                <a:pPr/>
                 <a14:m>
                   <m:oMathPara xmlns:m="http://schemas.openxmlformats.org/officeDocument/2006/math">
                     <m:oMathParaPr>
@@ -8700,7 +11605,7 @@
             </p:nvSpPr>
             <p:spPr>
               <a:xfrm>
-                <a:off x="3921770" y="1753350"/>
+                <a:off x="4026545" y="1839075"/>
                 <a:ext cx="2177006" cy="1115883"/>
               </a:xfrm>
               <a:prstGeom prst="rect">
@@ -11204,6 +14109,130 @@
           </a:p>
         </p:txBody>
       </p:sp>
+      <p:pic>
+        <p:nvPicPr>
+          <p:cNvPr id="5" name="Imagen 4" descr="Imagen que contiene edificio, banca, tabla, hecho de madera&#10;&#10;Descripción generada automáticamente">
+            <a:extLst>
+              <a:ext uri="{FF2B5EF4-FFF2-40B4-BE49-F238E27FC236}">
+                <a16:creationId xmlns:a16="http://schemas.microsoft.com/office/drawing/2014/main" id="{817AC205-73EB-7901-09B3-5774148040D6}"/>
+              </a:ext>
+            </a:extLst>
+          </p:cNvPr>
+          <p:cNvPicPr>
+            <a:picLocks noChangeAspect="1"/>
+          </p:cNvPicPr>
+          <p:nvPr/>
+        </p:nvPicPr>
+        <p:blipFill>
+          <a:blip r:embed="rId2"/>
+          <a:stretch>
+            <a:fillRect/>
+          </a:stretch>
+        </p:blipFill>
+        <p:spPr>
+          <a:xfrm>
+            <a:off x="1137676" y="1547812"/>
+            <a:ext cx="4844024" cy="2422012"/>
+          </a:xfrm>
+          <a:prstGeom prst="rect">
+            <a:avLst/>
+          </a:prstGeom>
+        </p:spPr>
+      </p:pic>
+      <p:pic>
+        <p:nvPicPr>
+          <p:cNvPr id="11" name="Imagen 10" descr="Imagen en blanco y negro&#10;&#10;Descripción generada automáticamente con confianza baja">
+            <a:extLst>
+              <a:ext uri="{FF2B5EF4-FFF2-40B4-BE49-F238E27FC236}">
+                <a16:creationId xmlns:a16="http://schemas.microsoft.com/office/drawing/2014/main" id="{D39D988A-DD4E-1ADF-6B80-2D0B2CE4E55A}"/>
+              </a:ext>
+            </a:extLst>
+          </p:cNvPr>
+          <p:cNvPicPr>
+            <a:picLocks noChangeAspect="1"/>
+          </p:cNvPicPr>
+          <p:nvPr/>
+        </p:nvPicPr>
+        <p:blipFill>
+          <a:blip r:embed="rId3"/>
+          <a:stretch>
+            <a:fillRect/>
+          </a:stretch>
+        </p:blipFill>
+        <p:spPr>
+          <a:xfrm>
+            <a:off x="1137676" y="4099182"/>
+            <a:ext cx="4844024" cy="2422012"/>
+          </a:xfrm>
+          <a:prstGeom prst="rect">
+            <a:avLst/>
+          </a:prstGeom>
+        </p:spPr>
+      </p:pic>
+    </p:spTree>
+    <p:extLst>
+      <p:ext uri="{BB962C8B-B14F-4D97-AF65-F5344CB8AC3E}">
+        <p14:creationId xmlns:p14="http://schemas.microsoft.com/office/powerpoint/2010/main" val="2490225753"/>
+      </p:ext>
+    </p:extLst>
+  </p:cSld>
+  <p:clrMapOvr>
+    <a:masterClrMapping/>
+  </p:clrMapOvr>
+</p:sld>
+</file>
+
+<file path=ppt/slides/slide9.xml><?xml version="1.0" encoding="utf-8"?>
+<p:sld xmlns:a="http://schemas.openxmlformats.org/drawingml/2006/main" xmlns:r="http://schemas.openxmlformats.org/officeDocument/2006/relationships" xmlns:p="http://schemas.openxmlformats.org/presentationml/2006/main">
+  <p:cSld>
+    <p:spTree>
+      <p:nvGrpSpPr>
+        <p:cNvPr id="1" name=""/>
+        <p:cNvGrpSpPr/>
+        <p:nvPr/>
+      </p:nvGrpSpPr>
+      <p:grpSpPr>
+        <a:xfrm>
+          <a:off x="0" y="0"/>
+          <a:ext cx="0" cy="0"/>
+          <a:chOff x="0" y="0"/>
+          <a:chExt cx="0" cy="0"/>
+        </a:xfrm>
+      </p:grpSpPr>
+      <p:sp>
+        <p:nvSpPr>
+          <p:cNvPr id="2" name="Título 1">
+            <a:extLst>
+              <a:ext uri="{FF2B5EF4-FFF2-40B4-BE49-F238E27FC236}">
+                <a16:creationId xmlns:a16="http://schemas.microsoft.com/office/drawing/2014/main" id="{B7A326E0-7378-DEAD-3AFB-15247D7E203A}"/>
+              </a:ext>
+            </a:extLst>
+          </p:cNvPr>
+          <p:cNvSpPr>
+            <a:spLocks noGrp="1"/>
+          </p:cNvSpPr>
+          <p:nvPr>
+            <p:ph type="title"/>
+          </p:nvPr>
+        </p:nvSpPr>
+        <p:spPr>
+          <a:xfrm>
+            <a:off x="720001" y="810000"/>
+            <a:ext cx="6121725" cy="810000"/>
+          </a:xfrm>
+        </p:spPr>
+        <p:txBody>
+          <a:bodyPr anchor="t"/>
+          <a:lstStyle/>
+          <a:p>
+            <a:r>
+              <a:rPr lang="es-CO" dirty="0"/>
+              <a:t>Flujo espacialmente variado (FEV)</a:t>
+            </a:r>
+            <a:endParaRPr lang="en-US" dirty="0"/>
+          </a:p>
+        </p:txBody>
+      </p:sp>
       <mc:AlternateContent xmlns:mc="http://schemas.openxmlformats.org/markup-compatibility/2006">
         <mc:Choice xmlns:a14="http://schemas.microsoft.com/office/drawing/2010/main" Requires="a14">
           <p:sp>
@@ -11611,65 +14640,409 @@
           </a:p>
         </p:txBody>
       </p:sp>
-    </p:spTree>
-    <p:extLst>
-      <p:ext uri="{BB962C8B-B14F-4D97-AF65-F5344CB8AC3E}">
-        <p14:creationId xmlns:p14="http://schemas.microsoft.com/office/powerpoint/2010/main" val="2490225753"/>
-      </p:ext>
-    </p:extLst>
-  </p:cSld>
-  <p:clrMapOvr>
-    <a:masterClrMapping/>
-  </p:clrMapOvr>
-</p:sld>
-</file>
-
-<file path=ppt/slides/slide9.xml><?xml version="1.0" encoding="utf-8"?>
-<p:sld xmlns:a="http://schemas.openxmlformats.org/drawingml/2006/main" xmlns:r="http://schemas.openxmlformats.org/officeDocument/2006/relationships" xmlns:p="http://schemas.openxmlformats.org/presentationml/2006/main">
-  <p:cSld>
-    <p:spTree>
-      <p:nvGrpSpPr>
-        <p:cNvPr id="1" name=""/>
-        <p:cNvGrpSpPr/>
-        <p:nvPr/>
-      </p:nvGrpSpPr>
-      <p:grpSpPr>
-        <a:xfrm>
-          <a:off x="0" y="0"/>
-          <a:ext cx="0" cy="0"/>
-          <a:chOff x="0" y="0"/>
-          <a:chExt cx="0" cy="0"/>
-        </a:xfrm>
-      </p:grpSpPr>
+      <mc:AlternateContent xmlns:mc="http://schemas.openxmlformats.org/markup-compatibility/2006">
+        <mc:Choice xmlns:a14="http://schemas.microsoft.com/office/drawing/2010/main" Requires="a14">
+          <p:sp>
+            <p:nvSpPr>
+              <p:cNvPr id="7" name="CuadroTexto 6">
+                <a:extLst>
+                  <a:ext uri="{FF2B5EF4-FFF2-40B4-BE49-F238E27FC236}">
+                    <a16:creationId xmlns:a16="http://schemas.microsoft.com/office/drawing/2014/main" id="{FAAD649C-782E-0129-D3AB-E381DE5CC4E5}"/>
+                  </a:ext>
+                </a:extLst>
+              </p:cNvPr>
+              <p:cNvSpPr txBox="1"/>
+              <p:nvPr/>
+            </p:nvSpPr>
+            <p:spPr>
+              <a:xfrm>
+                <a:off x="1350020" y="4023500"/>
+                <a:ext cx="3390608" cy="1674882"/>
+              </a:xfrm>
+              <a:prstGeom prst="rect">
+                <a:avLst/>
+              </a:prstGeom>
+              <a:noFill/>
+            </p:spPr>
+            <p:txBody>
+              <a:bodyPr wrap="none" lIns="0" tIns="0" rIns="0" bIns="0" rtlCol="0">
+                <a:spAutoFit/>
+              </a:bodyPr>
+              <a:lstStyle/>
+              <a:p>
+                <a:pPr/>
+                <a14:m>
+                  <m:oMathPara xmlns:m="http://schemas.openxmlformats.org/officeDocument/2006/math">
+                    <m:oMathParaPr>
+                      <m:jc m:val="centerGroup"/>
+                    </m:oMathParaPr>
+                    <m:oMath xmlns:m="http://schemas.openxmlformats.org/officeDocument/2006/math">
+                      <m:f>
+                        <m:fPr>
+                          <m:ctrlPr>
+                            <a:rPr lang="es-CO" sz="2800" b="0" i="1" smtClean="0">
+                              <a:latin typeface="Cambria Math" panose="02040503050406030204" pitchFamily="18" charset="0"/>
+                            </a:rPr>
+                          </m:ctrlPr>
+                        </m:fPr>
+                        <m:num>
+                          <m:r>
+                            <a:rPr lang="es-CO" sz="2800" b="0" i="1" smtClean="0">
+                              <a:latin typeface="Cambria Math" panose="02040503050406030204" pitchFamily="18" charset="0"/>
+                            </a:rPr>
+                            <m:t>𝑑𝑦</m:t>
+                          </m:r>
+                        </m:num>
+                        <m:den>
+                          <m:r>
+                            <a:rPr lang="es-CO" sz="2800" b="0" i="1" smtClean="0">
+                              <a:latin typeface="Cambria Math" panose="02040503050406030204" pitchFamily="18" charset="0"/>
+                            </a:rPr>
+                            <m:t>𝑑𝑥</m:t>
+                          </m:r>
+                        </m:den>
+                      </m:f>
+                      <m:r>
+                        <a:rPr lang="es-CO" sz="2800" b="0" i="1" smtClean="0">
+                          <a:latin typeface="Cambria Math" panose="02040503050406030204" pitchFamily="18" charset="0"/>
+                        </a:rPr>
+                        <m:t>=</m:t>
+                      </m:r>
+                      <m:f>
+                        <m:fPr>
+                          <m:ctrlPr>
+                            <a:rPr lang="es-CO" sz="2800" b="0" i="1" smtClean="0">
+                              <a:latin typeface="Cambria Math" panose="02040503050406030204" pitchFamily="18" charset="0"/>
+                            </a:rPr>
+                          </m:ctrlPr>
+                        </m:fPr>
+                        <m:num>
+                          <m:sSub>
+                            <m:sSubPr>
+                              <m:ctrlPr>
+                                <a:rPr lang="es-CO" sz="2800" b="0" i="1" smtClean="0">
+                                  <a:latin typeface="Cambria Math" panose="02040503050406030204" pitchFamily="18" charset="0"/>
+                                </a:rPr>
+                              </m:ctrlPr>
+                            </m:sSubPr>
+                            <m:e>
+                              <m:r>
+                                <a:rPr lang="es-CO" sz="2800" b="0" i="1" smtClean="0">
+                                  <a:latin typeface="Cambria Math" panose="02040503050406030204" pitchFamily="18" charset="0"/>
+                                </a:rPr>
+                                <m:t>𝑆</m:t>
+                              </m:r>
+                            </m:e>
+                            <m:sub>
+                              <m:r>
+                                <a:rPr lang="es-CO" sz="2800" b="0" i="1" smtClean="0">
+                                  <a:latin typeface="Cambria Math" panose="02040503050406030204" pitchFamily="18" charset="0"/>
+                                </a:rPr>
+                                <m:t>𝑜</m:t>
+                              </m:r>
+                            </m:sub>
+                          </m:sSub>
+                          <m:r>
+                            <a:rPr lang="es-CO" sz="2800" b="0" i="1" smtClean="0">
+                              <a:latin typeface="Cambria Math" panose="02040503050406030204" pitchFamily="18" charset="0"/>
+                            </a:rPr>
+                            <m:t>−</m:t>
+                          </m:r>
+                          <m:sSub>
+                            <m:sSubPr>
+                              <m:ctrlPr>
+                                <a:rPr lang="es-CO" sz="2800" b="0" i="1" smtClean="0">
+                                  <a:latin typeface="Cambria Math" panose="02040503050406030204" pitchFamily="18" charset="0"/>
+                                </a:rPr>
+                              </m:ctrlPr>
+                            </m:sSubPr>
+                            <m:e>
+                              <m:r>
+                                <a:rPr lang="es-CO" sz="2800" b="0" i="1" smtClean="0">
+                                  <a:latin typeface="Cambria Math" panose="02040503050406030204" pitchFamily="18" charset="0"/>
+                                </a:rPr>
+                                <m:t>𝑆</m:t>
+                              </m:r>
+                            </m:e>
+                            <m:sub>
+                              <m:r>
+                                <a:rPr lang="es-CO" sz="2800" b="0" i="1" smtClean="0">
+                                  <a:latin typeface="Cambria Math" panose="02040503050406030204" pitchFamily="18" charset="0"/>
+                                </a:rPr>
+                                <m:t>𝑓</m:t>
+                              </m:r>
+                            </m:sub>
+                          </m:sSub>
+                          <m:r>
+                            <a:rPr lang="es-CO" sz="2800" b="0" i="1" smtClean="0">
+                              <a:latin typeface="Cambria Math" panose="02040503050406030204" pitchFamily="18" charset="0"/>
+                            </a:rPr>
+                            <m:t>−</m:t>
+                          </m:r>
+                          <m:f>
+                            <m:fPr>
+                              <m:ctrlPr>
+                                <a:rPr lang="es-CO" sz="2800" b="0" i="1" smtClean="0">
+                                  <a:latin typeface="Cambria Math" panose="02040503050406030204" pitchFamily="18" charset="0"/>
+                                </a:rPr>
+                              </m:ctrlPr>
+                            </m:fPr>
+                            <m:num>
+                              <m:r>
+                                <a:rPr lang="es-CO" sz="2800" i="1">
+                                  <a:latin typeface="Cambria Math" panose="02040503050406030204" pitchFamily="18" charset="0"/>
+                                  <a:ea typeface="Cambria Math" panose="02040503050406030204" pitchFamily="18" charset="0"/>
+                                </a:rPr>
+                                <m:t>𝛼</m:t>
+                              </m:r>
+                              <m:r>
+                                <a:rPr lang="es-CO" sz="2800" b="0" i="1" smtClean="0">
+                                  <a:latin typeface="Cambria Math" panose="02040503050406030204" pitchFamily="18" charset="0"/>
+                                </a:rPr>
+                                <m:t>𝑄</m:t>
+                              </m:r>
+                              <m:sSub>
+                                <m:sSubPr>
+                                  <m:ctrlPr>
+                                    <a:rPr lang="es-CO" sz="2800" b="0" i="1" smtClean="0">
+                                      <a:latin typeface="Cambria Math" panose="02040503050406030204" pitchFamily="18" charset="0"/>
+                                    </a:rPr>
+                                  </m:ctrlPr>
+                                </m:sSubPr>
+                                <m:e>
+                                  <m:r>
+                                    <a:rPr lang="es-CO" sz="2800" b="0" i="1" smtClean="0">
+                                      <a:latin typeface="Cambria Math" panose="02040503050406030204" pitchFamily="18" charset="0"/>
+                                    </a:rPr>
+                                    <m:t>𝑞</m:t>
+                                  </m:r>
+                                </m:e>
+                                <m:sub>
+                                  <m:r>
+                                    <a:rPr lang="es-CO" sz="2800" b="0" i="1" smtClean="0">
+                                      <a:latin typeface="Cambria Math" panose="02040503050406030204" pitchFamily="18" charset="0"/>
+                                    </a:rPr>
+                                    <m:t>∗</m:t>
+                                  </m:r>
+                                </m:sub>
+                              </m:sSub>
+                            </m:num>
+                            <m:den>
+                              <m:r>
+                                <a:rPr lang="es-CO" sz="2800" b="0" i="1" smtClean="0">
+                                  <a:latin typeface="Cambria Math" panose="02040503050406030204" pitchFamily="18" charset="0"/>
+                                </a:rPr>
+                                <m:t>𝑔</m:t>
+                              </m:r>
+                              <m:sSup>
+                                <m:sSupPr>
+                                  <m:ctrlPr>
+                                    <a:rPr lang="es-CO" sz="2800" b="0" i="1" smtClean="0">
+                                      <a:latin typeface="Cambria Math" panose="02040503050406030204" pitchFamily="18" charset="0"/>
+                                    </a:rPr>
+                                  </m:ctrlPr>
+                                </m:sSupPr>
+                                <m:e>
+                                  <m:r>
+                                    <a:rPr lang="es-CO" sz="2800" b="0" i="1" smtClean="0">
+                                      <a:latin typeface="Cambria Math" panose="02040503050406030204" pitchFamily="18" charset="0"/>
+                                    </a:rPr>
+                                    <m:t>𝐴</m:t>
+                                  </m:r>
+                                </m:e>
+                                <m:sup>
+                                  <m:r>
+                                    <a:rPr lang="es-CO" sz="2800" b="0" i="1" smtClean="0">
+                                      <a:latin typeface="Cambria Math" panose="02040503050406030204" pitchFamily="18" charset="0"/>
+                                    </a:rPr>
+                                    <m:t>2</m:t>
+                                  </m:r>
+                                </m:sup>
+                              </m:sSup>
+                            </m:den>
+                          </m:f>
+                        </m:num>
+                        <m:den>
+                          <m:r>
+                            <a:rPr lang="es-CO" sz="2800" b="0" i="1" smtClean="0">
+                              <a:latin typeface="Cambria Math" panose="02040503050406030204" pitchFamily="18" charset="0"/>
+                            </a:rPr>
+                            <m:t>1−</m:t>
+                          </m:r>
+                          <m:f>
+                            <m:fPr>
+                              <m:ctrlPr>
+                                <a:rPr lang="es-CO" sz="2800" b="0" i="1" smtClean="0">
+                                  <a:latin typeface="Cambria Math" panose="02040503050406030204" pitchFamily="18" charset="0"/>
+                                </a:rPr>
+                              </m:ctrlPr>
+                            </m:fPr>
+                            <m:num>
+                              <m:sSup>
+                                <m:sSupPr>
+                                  <m:ctrlPr>
+                                    <a:rPr lang="es-CO" sz="2800" b="0" i="1" smtClean="0">
+                                      <a:latin typeface="Cambria Math" panose="02040503050406030204" pitchFamily="18" charset="0"/>
+                                    </a:rPr>
+                                  </m:ctrlPr>
+                                </m:sSupPr>
+                                <m:e>
+                                  <m:r>
+                                    <a:rPr lang="es-CO" sz="2800" b="0" i="1" smtClean="0">
+                                      <a:latin typeface="Cambria Math" panose="02040503050406030204" pitchFamily="18" charset="0"/>
+                                      <a:ea typeface="Cambria Math" panose="02040503050406030204" pitchFamily="18" charset="0"/>
+                                    </a:rPr>
+                                    <m:t>𝛼</m:t>
+                                  </m:r>
+                                  <m:r>
+                                    <a:rPr lang="es-CO" sz="2800" b="0" i="1" smtClean="0">
+                                      <a:latin typeface="Cambria Math" panose="02040503050406030204" pitchFamily="18" charset="0"/>
+                                    </a:rPr>
+                                    <m:t>𝑄</m:t>
+                                  </m:r>
+                                </m:e>
+                                <m:sup>
+                                  <m:r>
+                                    <a:rPr lang="es-CO" sz="2800" b="0" i="1" smtClean="0">
+                                      <a:latin typeface="Cambria Math" panose="02040503050406030204" pitchFamily="18" charset="0"/>
+                                    </a:rPr>
+                                    <m:t>2</m:t>
+                                  </m:r>
+                                </m:sup>
+                              </m:sSup>
+                            </m:num>
+                            <m:den>
+                              <m:r>
+                                <a:rPr lang="es-CO" sz="2800" b="0" i="1" smtClean="0">
+                                  <a:latin typeface="Cambria Math" panose="02040503050406030204" pitchFamily="18" charset="0"/>
+                                </a:rPr>
+                                <m:t>𝑔</m:t>
+                              </m:r>
+                              <m:sSup>
+                                <m:sSupPr>
+                                  <m:ctrlPr>
+                                    <a:rPr lang="es-CO" sz="2800" b="0" i="1" smtClean="0">
+                                      <a:latin typeface="Cambria Math" panose="02040503050406030204" pitchFamily="18" charset="0"/>
+                                    </a:rPr>
+                                  </m:ctrlPr>
+                                </m:sSupPr>
+                                <m:e>
+                                  <m:r>
+                                    <a:rPr lang="es-CO" sz="2800" b="0" i="1" smtClean="0">
+                                      <a:latin typeface="Cambria Math" panose="02040503050406030204" pitchFamily="18" charset="0"/>
+                                    </a:rPr>
+                                    <m:t>𝐴</m:t>
+                                  </m:r>
+                                </m:e>
+                                <m:sup>
+                                  <m:r>
+                                    <a:rPr lang="es-CO" sz="2800" b="0" i="1" smtClean="0">
+                                      <a:latin typeface="Cambria Math" panose="02040503050406030204" pitchFamily="18" charset="0"/>
+                                    </a:rPr>
+                                    <m:t>2</m:t>
+                                  </m:r>
+                                </m:sup>
+                              </m:sSup>
+                              <m:r>
+                                <a:rPr lang="es-CO" sz="2800" b="0" i="1" smtClean="0">
+                                  <a:latin typeface="Cambria Math" panose="02040503050406030204" pitchFamily="18" charset="0"/>
+                                </a:rPr>
+                                <m:t>𝐷</m:t>
+                              </m:r>
+                            </m:den>
+                          </m:f>
+                        </m:den>
+                      </m:f>
+                      <m:r>
+                        <a:rPr lang="es-CO" sz="2800" b="0" i="1" smtClean="0">
+                          <a:latin typeface="Cambria Math" panose="02040503050406030204" pitchFamily="18" charset="0"/>
+                        </a:rPr>
+                        <m:t> </m:t>
+                      </m:r>
+                    </m:oMath>
+                  </m:oMathPara>
+                </a14:m>
+                <a:endParaRPr lang="en-US" sz="2800" dirty="0"/>
+              </a:p>
+            </p:txBody>
+          </p:sp>
+        </mc:Choice>
+        <mc:Fallback>
+          <p:sp>
+            <p:nvSpPr>
+              <p:cNvPr id="7" name="CuadroTexto 6">
+                <a:extLst>
+                  <a:ext uri="{FF2B5EF4-FFF2-40B4-BE49-F238E27FC236}">
+                    <a16:creationId xmlns:a16="http://schemas.microsoft.com/office/drawing/2014/main" id="{FAAD649C-782E-0129-D3AB-E381DE5CC4E5}"/>
+                  </a:ext>
+                </a:extLst>
+              </p:cNvPr>
+              <p:cNvSpPr txBox="1">
+                <a:spLocks noRot="1" noChangeAspect="1" noMove="1" noResize="1" noEditPoints="1" noAdjustHandles="1" noChangeArrowheads="1" noChangeShapeType="1" noTextEdit="1"/>
+              </p:cNvSpPr>
+              <p:nvPr/>
+            </p:nvSpPr>
+            <p:spPr>
+              <a:xfrm>
+                <a:off x="1350020" y="4023500"/>
+                <a:ext cx="3390608" cy="1674882"/>
+              </a:xfrm>
+              <a:prstGeom prst="rect">
+                <a:avLst/>
+              </a:prstGeom>
+              <a:blipFill>
+                <a:blip r:embed="rId3"/>
+                <a:stretch>
+                  <a:fillRect/>
+                </a:stretch>
+              </a:blipFill>
+            </p:spPr>
+            <p:txBody>
+              <a:bodyPr/>
+              <a:lstStyle/>
+              <a:p>
+                <a:r>
+                  <a:rPr lang="en-US">
+                    <a:noFill/>
+                  </a:rPr>
+                  <a:t> </a:t>
+                </a:r>
+              </a:p>
+            </p:txBody>
+          </p:sp>
+        </mc:Fallback>
+      </mc:AlternateContent>
       <p:sp>
         <p:nvSpPr>
-          <p:cNvPr id="2" name="Título 1">
+          <p:cNvPr id="8" name="CuadroTexto 7">
             <a:extLst>
               <a:ext uri="{FF2B5EF4-FFF2-40B4-BE49-F238E27FC236}">
-                <a16:creationId xmlns:a16="http://schemas.microsoft.com/office/drawing/2014/main" id="{B7A326E0-7378-DEAD-3AFB-15247D7E203A}"/>
+                <a16:creationId xmlns:a16="http://schemas.microsoft.com/office/drawing/2014/main" id="{2FE11505-129B-3B0F-C1FE-9C1742E44E44}"/>
               </a:ext>
             </a:extLst>
           </p:cNvPr>
-          <p:cNvSpPr>
-            <a:spLocks noGrp="1"/>
-          </p:cNvSpPr>
-          <p:nvPr>
-            <p:ph type="title"/>
-          </p:nvPr>
+          <p:cNvSpPr txBox="1"/>
+          <p:nvPr/>
         </p:nvSpPr>
         <p:spPr>
           <a:xfrm>
-            <a:off x="720001" y="810000"/>
-            <a:ext cx="6121725" cy="810000"/>
+            <a:off x="4724598" y="5329050"/>
+            <a:ext cx="1247577" cy="369332"/>
           </a:xfrm>
+          <a:prstGeom prst="rect">
+            <a:avLst/>
+          </a:prstGeom>
+          <a:noFill/>
         </p:spPr>
         <p:txBody>
-          <a:bodyPr anchor="t"/>
+          <a:bodyPr wrap="square">
+            <a:spAutoFit/>
+          </a:bodyPr>
           <a:lstStyle/>
           <a:p>
             <a:r>
-              <a:rPr lang="es-CO" dirty="0"/>
-              <a:t>Flujo rápidamente variado (FRV)</a:t>
+              <a:rPr lang="es-CO" dirty="0" err="1"/>
+              <a:t>Dereciente</a:t>
             </a:r>
             <a:endParaRPr lang="en-US" dirty="0"/>
           </a:p>
@@ -11678,7 +15051,7 @@
     </p:spTree>
     <p:extLst>
       <p:ext uri="{BB962C8B-B14F-4D97-AF65-F5344CB8AC3E}">
-        <p14:creationId xmlns:p14="http://schemas.microsoft.com/office/powerpoint/2010/main" val="2701829586"/>
+        <p14:creationId xmlns:p14="http://schemas.microsoft.com/office/powerpoint/2010/main" val="2703845337"/>
       </p:ext>
     </p:extLst>
   </p:cSld>
@@ -12452,6 +15825,15 @@
 </file>
 
 <file path=customXml/item1.xml><?xml version="1.0" encoding="utf-8"?>
+<?mso-contentType ?>
+<FormTemplates xmlns="http://schemas.microsoft.com/sharepoint/v3/contenttype/forms">
+  <Display>DocumentLibraryForm</Display>
+  <Edit>DocumentLibraryForm</Edit>
+  <New>DocumentLibraryForm</New>
+</FormTemplates>
+</file>
+
+<file path=customXml/item2.xml><?xml version="1.0" encoding="utf-8"?>
 <p:properties xmlns:p="http://schemas.microsoft.com/office/2006/metadata/properties" xmlns:xsi="http://www.w3.org/2001/XMLSchema-instance" xmlns:pc="http://schemas.microsoft.com/office/infopath/2007/PartnerControls">
   <documentManagement>
     <NotebookType xmlns="bf3e1746-bde1-4d6e-9c3f-7182572f7502" xsi:nil="true"/>
@@ -12500,15 +15882,6 @@
     <LMS_Mappings xmlns="bf3e1746-bde1-4d6e-9c3f-7182572f7502" xsi:nil="true"/>
   </documentManagement>
 </p:properties>
-</file>
-
-<file path=customXml/item2.xml><?xml version="1.0" encoding="utf-8"?>
-<?mso-contentType ?>
-<FormTemplates xmlns="http://schemas.microsoft.com/sharepoint/v3/contenttype/forms">
-  <Display>DocumentLibraryForm</Display>
-  <Edit>DocumentLibraryForm</Edit>
-  <New>DocumentLibraryForm</New>
-</FormTemplates>
 </file>
 
 <file path=customXml/item3.xml><?xml version="1.0" encoding="utf-8"?>
@@ -12903,6 +16276,14 @@
 </file>
 
 <file path=customXml/itemProps1.xml><?xml version="1.0" encoding="utf-8"?>
+<ds:datastoreItem xmlns:ds="http://schemas.openxmlformats.org/officeDocument/2006/customXml" ds:itemID="{B024FD56-CE1B-42FC-9E83-BFBF160724C6}">
+  <ds:schemaRefs>
+    <ds:schemaRef ds:uri="http://schemas.microsoft.com/sharepoint/v3/contenttype/forms"/>
+  </ds:schemaRefs>
+</ds:datastoreItem>
+</file>
+
+<file path=customXml/itemProps2.xml><?xml version="1.0" encoding="utf-8"?>
 <ds:datastoreItem xmlns:ds="http://schemas.openxmlformats.org/officeDocument/2006/customXml" ds:itemID="{DEDD01B8-816B-49B7-8C81-03AB51D87C54}">
   <ds:schemaRefs>
     <ds:schemaRef ds:uri="http://schemas.microsoft.com/office/infopath/2007/PartnerControls"/>
@@ -12915,14 +16296,6 @@
     <ds:schemaRef ds:uri="http://purl.org/dc/terms/"/>
     <ds:schemaRef ds:uri="bf3e1746-bde1-4d6e-9c3f-7182572f7502"/>
     <ds:schemaRef ds:uri="http://purl.org/dc/elements/1.1/"/>
-  </ds:schemaRefs>
-</ds:datastoreItem>
-</file>
-
-<file path=customXml/itemProps2.xml><?xml version="1.0" encoding="utf-8"?>
-<ds:datastoreItem xmlns:ds="http://schemas.openxmlformats.org/officeDocument/2006/customXml" ds:itemID="{B024FD56-CE1B-42FC-9E83-BFBF160724C6}">
-  <ds:schemaRefs>
-    <ds:schemaRef ds:uri="http://schemas.microsoft.com/sharepoint/v3/contenttype/forms"/>
   </ds:schemaRefs>
 </ds:datastoreItem>
 </file>

--- a/Section01/VariedFlow/HRAS.S1.VF.pptx
+++ b/Section01/VariedFlow/HRAS.S1.VF.pptx
@@ -247,7 +247,7 @@
             <a:pPr rtl="0"/>
             <a:fld id="{FAB3E6E3-061B-41A2-BBDC-C5312A04A40A}" type="datetime1">
               <a:rPr lang="es-ES" smtClean="0"/>
-              <a:t>25/11/2022</a:t>
+              <a:t>28/11/2022</a:t>
             </a:fld>
             <a:endParaRPr lang="es-ES" dirty="0"/>
           </a:p>
@@ -417,7 +417,7 @@
             <a:pPr rtl="0"/>
             <a:fld id="{2145992C-CBBF-4F24-8325-F5CB0EAAC0E9}" type="datetime1">
               <a:rPr lang="es-ES" noProof="0" smtClean="0"/>
-              <a:t>25/11/2022</a:t>
+              <a:t>28/11/2022</a:t>
             </a:fld>
             <a:endParaRPr lang="es-ES" noProof="0" dirty="0"/>
           </a:p>
@@ -1008,7 +1008,7 @@
             <a:pPr rtl="0"/>
             <a:fld id="{55224D71-97F5-4B9D-B11B-235152E09E96}" type="datetime1">
               <a:rPr lang="es-ES" noProof="0" smtClean="0"/>
-              <a:t>25/11/2022</a:t>
+              <a:t>28/11/2022</a:t>
             </a:fld>
             <a:endParaRPr lang="es-ES" noProof="0" dirty="0"/>
           </a:p>
@@ -1357,7 +1357,7 @@
             <a:pPr rtl="0"/>
             <a:fld id="{2AB3A384-AAB1-4A76-A43B-EFE930A802BF}" type="datetime1">
               <a:rPr lang="es-ES" noProof="0" smtClean="0"/>
-              <a:t>25/11/2022</a:t>
+              <a:t>28/11/2022</a:t>
             </a:fld>
             <a:endParaRPr lang="es-ES" noProof="0" dirty="0"/>
           </a:p>
@@ -1499,7 +1499,7 @@
             <a:pPr rtl="0"/>
             <a:fld id="{95F109E8-29A7-4A4D-BBAF-954B5246DC6B}" type="datetime1">
               <a:rPr lang="es-ES" noProof="0" smtClean="0"/>
-              <a:t>25/11/2022</a:t>
+              <a:t>28/11/2022</a:t>
             </a:fld>
             <a:endParaRPr lang="es-ES" noProof="0" dirty="0"/>
           </a:p>
@@ -1613,7 +1613,7 @@
             <a:pPr rtl="0"/>
             <a:fld id="{3EDF4B7F-437B-43B6-8193-868254AADFEB}" type="datetime1">
               <a:rPr lang="es-ES" noProof="0" smtClean="0"/>
-              <a:t>25/11/2022</a:t>
+              <a:t>28/11/2022</a:t>
             </a:fld>
             <a:endParaRPr lang="es-ES" noProof="0" dirty="0"/>
           </a:p>
@@ -1913,7 +1913,7 @@
             <a:pPr rtl="0"/>
             <a:fld id="{5FD9D2A0-9803-4B3F-A6B6-606959F35242}" type="datetime1">
               <a:rPr lang="es-ES" noProof="0" smtClean="0"/>
-              <a:t>25/11/2022</a:t>
+              <a:t>28/11/2022</a:t>
             </a:fld>
             <a:endParaRPr lang="es-ES" noProof="0" dirty="0"/>
           </a:p>
@@ -2184,7 +2184,7 @@
             <a:pPr rtl="0"/>
             <a:fld id="{B48CB6FA-6884-4007-A174-A67BE7A1CA93}" type="datetime1">
               <a:rPr lang="es-ES" noProof="0" smtClean="0"/>
-              <a:t>25/11/2022</a:t>
+              <a:t>28/11/2022</a:t>
             </a:fld>
             <a:endParaRPr lang="es-ES" noProof="0" dirty="0"/>
           </a:p>
@@ -2455,7 +2455,7 @@
             <a:pPr rtl="0"/>
             <a:fld id="{DCA87387-1199-4F13-92EC-EA845724990E}" type="datetime1">
               <a:rPr lang="es-ES" noProof="0" smtClean="0"/>
-              <a:t>25/11/2022</a:t>
+              <a:t>28/11/2022</a:t>
             </a:fld>
             <a:endParaRPr lang="es-ES" noProof="0" dirty="0"/>
           </a:p>
@@ -2633,7 +2633,7 @@
             <a:pPr rtl="0"/>
             <a:fld id="{0277B9E3-6C0A-45A5-BAE5-CD19B242173D}" type="datetime1">
               <a:rPr lang="es-ES" noProof="0" smtClean="0"/>
-              <a:t>25/11/2022</a:t>
+              <a:t>28/11/2022</a:t>
             </a:fld>
             <a:endParaRPr lang="es-ES" noProof="0" dirty="0"/>
           </a:p>
@@ -2821,7 +2821,7 @@
             <a:pPr rtl="0"/>
             <a:fld id="{AB41DD2C-FA4F-413E-A1B5-23565A0780B7}" type="datetime1">
               <a:rPr lang="es-ES" noProof="0" smtClean="0"/>
-              <a:t>25/11/2022</a:t>
+              <a:t>28/11/2022</a:t>
             </a:fld>
             <a:endParaRPr lang="es-ES" noProof="0" dirty="0"/>
           </a:p>
@@ -3071,7 +3071,7 @@
             <a:pPr rtl="0"/>
             <a:fld id="{0D82DBE2-B5E9-4999-A9C0-55ED93FCE73D}" type="datetime1">
               <a:rPr lang="es-ES" noProof="0" smtClean="0"/>
-              <a:t>25/11/2022</a:t>
+              <a:t>28/11/2022</a:t>
             </a:fld>
             <a:endParaRPr lang="es-ES" noProof="0" dirty="0"/>
           </a:p>
@@ -3321,7 +3321,7 @@
             <a:pPr rtl="0"/>
             <a:fld id="{89B7BC24-C90D-4DAD-A6CB-BBA58C4D57BB}" type="datetime1">
               <a:rPr lang="es-ES" noProof="0" smtClean="0"/>
-              <a:t>25/11/2022</a:t>
+              <a:t>28/11/2022</a:t>
             </a:fld>
             <a:endParaRPr lang="es-ES" noProof="0" dirty="0"/>
           </a:p>
@@ -3584,7 +3584,7 @@
             <a:pPr rtl="0"/>
             <a:fld id="{217D4995-77A4-48E5-92B1-2DC992A39FBB}" type="datetime1">
               <a:rPr lang="es-ES" noProof="0" smtClean="0"/>
-              <a:t>25/11/2022</a:t>
+              <a:t>28/11/2022</a:t>
             </a:fld>
             <a:endParaRPr lang="es-ES" noProof="0" dirty="0"/>
           </a:p>
@@ -3858,7 +3858,7 @@
             <a:pPr rtl="0"/>
             <a:fld id="{AE8112B3-1F24-452F-80DE-56BF301098EC}" type="datetime1">
               <a:rPr lang="es-ES" noProof="0" smtClean="0"/>
-              <a:t>25/11/2022</a:t>
+              <a:t>28/11/2022</a:t>
             </a:fld>
             <a:endParaRPr lang="es-ES" noProof="0" dirty="0"/>
           </a:p>
@@ -4224,7 +4224,7 @@
             <a:pPr rtl="0"/>
             <a:fld id="{39B46DA2-8C2E-44C4-A865-CD3D33CFD45F}" type="datetime1">
               <a:rPr lang="es-ES" noProof="0" smtClean="0"/>
-              <a:t>25/11/2022</a:t>
+              <a:t>28/11/2022</a:t>
             </a:fld>
             <a:endParaRPr lang="es-ES" noProof="0" dirty="0"/>
           </a:p>
@@ -4579,7 +4579,7 @@
             <a:pPr rtl="0"/>
             <a:fld id="{D1525062-C568-4AE5-A98F-45E6D6D3E9AC}" type="datetime1">
               <a:rPr lang="es-ES" noProof="0" smtClean="0"/>
-              <a:t>25/11/2022</a:t>
+              <a:t>28/11/2022</a:t>
             </a:fld>
             <a:endParaRPr lang="es-ES" noProof="0" dirty="0"/>
           </a:p>
@@ -5074,7 +5074,7 @@
             <a:pPr rtl="0"/>
             <a:fld id="{8EBA81B0-EA87-4E7B-A74D-942650D6BCED}" type="datetime1">
               <a:rPr lang="es-ES" noProof="0" smtClean="0"/>
-              <a:t>25/11/2022</a:t>
+              <a:t>28/11/2022</a:t>
             </a:fld>
             <a:endParaRPr lang="es-ES" noProof="0" dirty="0"/>
           </a:p>
@@ -5569,7 +5569,7 @@
             <a:pPr rtl="0"/>
             <a:fld id="{F6653BDA-CE15-46D4-A5A4-C9E9758DEFB2}" type="datetime1">
               <a:rPr lang="es-ES" noProof="0" smtClean="0"/>
-              <a:t>25/11/2022</a:t>
+              <a:t>28/11/2022</a:t>
             </a:fld>
             <a:endParaRPr lang="es-ES" noProof="0" dirty="0"/>
           </a:p>
@@ -5793,7 +5793,7 @@
             <a:pPr rtl="0"/>
             <a:fld id="{72696FBB-EB5C-4293-9014-59E70AE1A5E6}" type="datetime1">
               <a:rPr lang="es-ES" noProof="0" smtClean="0"/>
-              <a:t>25/11/2022</a:t>
+              <a:t>28/11/2022</a:t>
             </a:fld>
             <a:endParaRPr lang="es-ES" noProof="0" dirty="0"/>
           </a:p>
@@ -6342,81 +6342,12 @@
           <a:p>
             <a:r>
               <a:rPr lang="es-ES" dirty="0"/>
-              <a:t>Flujo Permanente</a:t>
+              <a:t>Condición de flujo permanente.</a:t>
             </a:r>
             <a:endParaRPr lang="en-US" dirty="0"/>
           </a:p>
         </p:txBody>
       </p:sp>
-      <p:graphicFrame>
-        <p:nvGraphicFramePr>
-          <p:cNvPr id="5" name="Object 5">
-            <a:extLst>
-              <a:ext uri="{FF2B5EF4-FFF2-40B4-BE49-F238E27FC236}">
-                <a16:creationId xmlns:a16="http://schemas.microsoft.com/office/drawing/2014/main" id="{C39C4F08-CE9C-250C-1046-13EE3BA4FA4A}"/>
-              </a:ext>
-            </a:extLst>
-          </p:cNvPr>
-          <p:cNvGraphicFramePr>
-            <a:graphicFrameLocks noChangeAspect="1"/>
-          </p:cNvGraphicFramePr>
-          <p:nvPr>
-            <p:extLst>
-              <p:ext uri="{D42A27DB-BD31-4B8C-83A1-F6EECF244321}">
-                <p14:modId xmlns:p14="http://schemas.microsoft.com/office/powerpoint/2010/main" val="2226113725"/>
-              </p:ext>
-            </p:extLst>
-          </p:nvPr>
-        </p:nvGraphicFramePr>
-        <p:xfrm>
-          <a:off x="0" y="0"/>
-          <a:ext cx="12191999" cy="6858000"/>
-        </p:xfrm>
-        <a:graphic>
-          <a:graphicData uri="http://schemas.openxmlformats.org/presentationml/2006/ole">
-            <mc:AlternateContent xmlns:mc="http://schemas.openxmlformats.org/markup-compatibility/2006">
-              <mc:Choice xmlns:v="urn:schemas-microsoft-com:vml" Requires="v">
-                <p:oleObj name="CorelDRAW" r:id="rId4" imgW="7480342" imgH="4222569" progId="CorelDraw.Graphic.24">
-                  <p:embed/>
-                </p:oleObj>
-              </mc:Choice>
-              <mc:Fallback>
-                <p:oleObj name="CorelDRAW" r:id="rId4" imgW="7480342" imgH="4222569" progId="CorelDraw.Graphic.24">
-                  <p:embed/>
-                  <p:pic>
-                    <p:nvPicPr>
-                      <p:cNvPr id="14" name="Object 5">
-                        <a:extLst>
-                          <a:ext uri="{FF2B5EF4-FFF2-40B4-BE49-F238E27FC236}">
-                            <a16:creationId xmlns:a16="http://schemas.microsoft.com/office/drawing/2014/main" id="{FF7036BD-B901-94BB-A1A6-B920C8CEEA9C}"/>
-                          </a:ext>
-                        </a:extLst>
-                      </p:cNvPr>
-                      <p:cNvPicPr/>
-                      <p:nvPr/>
-                    </p:nvPicPr>
-                    <p:blipFill>
-                      <a:blip r:embed="rId5"/>
-                      <a:stretch>
-                        <a:fillRect/>
-                      </a:stretch>
-                    </p:blipFill>
-                    <p:spPr>
-                      <a:xfrm>
-                        <a:off x="0" y="0"/>
-                        <a:ext cx="12191999" cy="6858000"/>
-                      </a:xfrm>
-                      <a:prstGeom prst="rect">
-                        <a:avLst/>
-                      </a:prstGeom>
-                    </p:spPr>
-                  </p:pic>
-                </p:oleObj>
-              </mc:Fallback>
-            </mc:AlternateContent>
-          </a:graphicData>
-        </a:graphic>
-      </p:graphicFrame>
     </p:spTree>
     <p:extLst>
       <p:ext uri="{BB962C8B-B14F-4D97-AF65-F5344CB8AC3E}">
@@ -11349,8 +11280,8 @@
           </a:prstGeom>
         </p:spPr>
       </p:pic>
-      <mc:AlternateContent xmlns:mc="http://schemas.openxmlformats.org/markup-compatibility/2006">
-        <mc:Choice xmlns:a14="http://schemas.microsoft.com/office/drawing/2010/main" Requires="a14">
+      <mc:AlternateContent xmlns:mc="http://schemas.openxmlformats.org/markup-compatibility/2006" xmlns:a14="http://schemas.microsoft.com/office/drawing/2010/main">
+        <mc:Choice Requires="a14">
           <p:sp>
             <p:nvSpPr>
               <p:cNvPr id="6" name="CuadroTexto 5">
@@ -11588,7 +11519,7 @@
             </p:txBody>
           </p:sp>
         </mc:Choice>
-        <mc:Fallback>
+        <mc:Fallback xmlns="">
           <p:sp>
             <p:nvSpPr>
               <p:cNvPr id="6" name="CuadroTexto 5">
@@ -14233,8 +14164,8 @@
           </a:p>
         </p:txBody>
       </p:sp>
-      <mc:AlternateContent xmlns:mc="http://schemas.openxmlformats.org/markup-compatibility/2006">
-        <mc:Choice xmlns:a14="http://schemas.microsoft.com/office/drawing/2010/main" Requires="a14">
+      <mc:AlternateContent xmlns:mc="http://schemas.openxmlformats.org/markup-compatibility/2006" xmlns:a14="http://schemas.microsoft.com/office/drawing/2010/main">
+        <mc:Choice Requires="a14">
           <p:sp>
             <p:nvSpPr>
               <p:cNvPr id="6" name="CuadroTexto 5">
@@ -14559,7 +14490,7 @@
             </p:txBody>
           </p:sp>
         </mc:Choice>
-        <mc:Fallback>
+        <mc:Fallback xmlns="">
           <p:sp>
             <p:nvSpPr>
               <p:cNvPr id="6" name="CuadroTexto 5">
@@ -14640,8 +14571,8 @@
           </a:p>
         </p:txBody>
       </p:sp>
-      <mc:AlternateContent xmlns:mc="http://schemas.openxmlformats.org/markup-compatibility/2006">
-        <mc:Choice xmlns:a14="http://schemas.microsoft.com/office/drawing/2010/main" Requires="a14">
+      <mc:AlternateContent xmlns:mc="http://schemas.openxmlformats.org/markup-compatibility/2006" xmlns:a14="http://schemas.microsoft.com/office/drawing/2010/main">
+        <mc:Choice Requires="a14">
           <p:sp>
             <p:nvSpPr>
               <p:cNvPr id="7" name="CuadroTexto 6">
@@ -14967,7 +14898,7 @@
             </p:txBody>
           </p:sp>
         </mc:Choice>
-        <mc:Fallback>
+        <mc:Fallback xmlns="">
           <p:sp>
             <p:nvSpPr>
               <p:cNvPr id="7" name="CuadroTexto 6">
@@ -15825,66 +15756,6 @@
 </file>
 
 <file path=customXml/item1.xml><?xml version="1.0" encoding="utf-8"?>
-<?mso-contentType ?>
-<FormTemplates xmlns="http://schemas.microsoft.com/sharepoint/v3/contenttype/forms">
-  <Display>DocumentLibraryForm</Display>
-  <Edit>DocumentLibraryForm</Edit>
-  <New>DocumentLibraryForm</New>
-</FormTemplates>
-</file>
-
-<file path=customXml/item2.xml><?xml version="1.0" encoding="utf-8"?>
-<p:properties xmlns:p="http://schemas.microsoft.com/office/2006/metadata/properties" xmlns:xsi="http://www.w3.org/2001/XMLSchema-instance" xmlns:pc="http://schemas.microsoft.com/office/infopath/2007/PartnerControls">
-  <documentManagement>
-    <NotebookType xmlns="bf3e1746-bde1-4d6e-9c3f-7182572f7502" xsi:nil="true"/>
-    <CultureName xmlns="bf3e1746-bde1-4d6e-9c3f-7182572f7502" xsi:nil="true"/>
-    <Students xmlns="bf3e1746-bde1-4d6e-9c3f-7182572f7502">
-      <UserInfo>
-        <DisplayName/>
-        <AccountId xsi:nil="true"/>
-        <AccountType/>
-      </UserInfo>
-    </Students>
-    <Distribution_Groups xmlns="bf3e1746-bde1-4d6e-9c3f-7182572f7502" xsi:nil="true"/>
-    <FolderType xmlns="bf3e1746-bde1-4d6e-9c3f-7182572f7502" xsi:nil="true"/>
-    <Student_Groups xmlns="bf3e1746-bde1-4d6e-9c3f-7182572f7502">
-      <UserInfo>
-        <DisplayName/>
-        <AccountId xsi:nil="true"/>
-        <AccountType/>
-      </UserInfo>
-    </Student_Groups>
-    <Self_Registration_Enabled xmlns="bf3e1746-bde1-4d6e-9c3f-7182572f7502" xsi:nil="true"/>
-    <TeamsChannelId xmlns="bf3e1746-bde1-4d6e-9c3f-7182572f7502" xsi:nil="true"/>
-    <IsNotebookLocked xmlns="bf3e1746-bde1-4d6e-9c3f-7182572f7502" xsi:nil="true"/>
-    <DefaultSectionNames xmlns="bf3e1746-bde1-4d6e-9c3f-7182572f7502" xsi:nil="true"/>
-    <Is_Collaboration_Space_Locked xmlns="bf3e1746-bde1-4d6e-9c3f-7182572f7502" xsi:nil="true"/>
-    <Invited_Teachers xmlns="bf3e1746-bde1-4d6e-9c3f-7182572f7502" xsi:nil="true"/>
-    <Math_Settings xmlns="bf3e1746-bde1-4d6e-9c3f-7182572f7502" xsi:nil="true"/>
-    <Templates xmlns="bf3e1746-bde1-4d6e-9c3f-7182572f7502" xsi:nil="true"/>
-    <Has_Teacher_Only_SectionGroup xmlns="bf3e1746-bde1-4d6e-9c3f-7182572f7502" xsi:nil="true"/>
-    <AppVersion xmlns="bf3e1746-bde1-4d6e-9c3f-7182572f7502" xsi:nil="true"/>
-    <Invited_Students xmlns="bf3e1746-bde1-4d6e-9c3f-7182572f7502" xsi:nil="true"/>
-    <Owner xmlns="bf3e1746-bde1-4d6e-9c3f-7182572f7502">
-      <UserInfo>
-        <DisplayName/>
-        <AccountId xsi:nil="true"/>
-        <AccountType/>
-      </UserInfo>
-    </Owner>
-    <Teachers xmlns="bf3e1746-bde1-4d6e-9c3f-7182572f7502">
-      <UserInfo>
-        <DisplayName/>
-        <AccountId xsi:nil="true"/>
-        <AccountType/>
-      </UserInfo>
-    </Teachers>
-    <LMS_Mappings xmlns="bf3e1746-bde1-4d6e-9c3f-7182572f7502" xsi:nil="true"/>
-  </documentManagement>
-</p:properties>
-</file>
-
-<file path=customXml/item3.xml><?xml version="1.0" encoding="utf-8"?>
 <ct:contentTypeSchema xmlns:ct="http://schemas.microsoft.com/office/2006/metadata/contentType" xmlns:ma="http://schemas.microsoft.com/office/2006/metadata/properties/metaAttributes" ct:_="" ma:_="" ma:contentTypeName="Document" ma:contentTypeID="0x010100C089011499791B4EB69D0A56FFA67F2B" ma:contentTypeVersion="30" ma:contentTypeDescription="Create a new document." ma:contentTypeScope="" ma:versionID="f76dc847e91b26043a9f85409c9c8da8">
   <xsd:schema xmlns:xsd="http://www.w3.org/2001/XMLSchema" xmlns:xs="http://www.w3.org/2001/XMLSchema" xmlns:p="http://schemas.microsoft.com/office/2006/metadata/properties" xmlns:ns3="bf3e1746-bde1-4d6e-9c3f-7182572f7502" xmlns:ns4="14224164-2045-4b51-92bb-313d0f626d83" targetNamespace="http://schemas.microsoft.com/office/2006/metadata/properties" ma:root="true" ma:fieldsID="e77e75136ac7a83ebab10a30c2d6fe6c" ns3:_="" ns4:_="">
     <xsd:import namespace="bf3e1746-bde1-4d6e-9c3f-7182572f7502"/>
@@ -16275,10 +16146,81 @@
 </ct:contentTypeSchema>
 </file>
 
+<file path=customXml/item2.xml><?xml version="1.0" encoding="utf-8"?>
+<p:properties xmlns:p="http://schemas.microsoft.com/office/2006/metadata/properties" xmlns:xsi="http://www.w3.org/2001/XMLSchema-instance" xmlns:pc="http://schemas.microsoft.com/office/infopath/2007/PartnerControls">
+  <documentManagement>
+    <NotebookType xmlns="bf3e1746-bde1-4d6e-9c3f-7182572f7502" xsi:nil="true"/>
+    <CultureName xmlns="bf3e1746-bde1-4d6e-9c3f-7182572f7502" xsi:nil="true"/>
+    <Students xmlns="bf3e1746-bde1-4d6e-9c3f-7182572f7502">
+      <UserInfo>
+        <DisplayName/>
+        <AccountId xsi:nil="true"/>
+        <AccountType/>
+      </UserInfo>
+    </Students>
+    <Distribution_Groups xmlns="bf3e1746-bde1-4d6e-9c3f-7182572f7502" xsi:nil="true"/>
+    <FolderType xmlns="bf3e1746-bde1-4d6e-9c3f-7182572f7502" xsi:nil="true"/>
+    <Student_Groups xmlns="bf3e1746-bde1-4d6e-9c3f-7182572f7502">
+      <UserInfo>
+        <DisplayName/>
+        <AccountId xsi:nil="true"/>
+        <AccountType/>
+      </UserInfo>
+    </Student_Groups>
+    <Self_Registration_Enabled xmlns="bf3e1746-bde1-4d6e-9c3f-7182572f7502" xsi:nil="true"/>
+    <TeamsChannelId xmlns="bf3e1746-bde1-4d6e-9c3f-7182572f7502" xsi:nil="true"/>
+    <IsNotebookLocked xmlns="bf3e1746-bde1-4d6e-9c3f-7182572f7502" xsi:nil="true"/>
+    <DefaultSectionNames xmlns="bf3e1746-bde1-4d6e-9c3f-7182572f7502" xsi:nil="true"/>
+    <Is_Collaboration_Space_Locked xmlns="bf3e1746-bde1-4d6e-9c3f-7182572f7502" xsi:nil="true"/>
+    <Invited_Teachers xmlns="bf3e1746-bde1-4d6e-9c3f-7182572f7502" xsi:nil="true"/>
+    <Math_Settings xmlns="bf3e1746-bde1-4d6e-9c3f-7182572f7502" xsi:nil="true"/>
+    <Templates xmlns="bf3e1746-bde1-4d6e-9c3f-7182572f7502" xsi:nil="true"/>
+    <Has_Teacher_Only_SectionGroup xmlns="bf3e1746-bde1-4d6e-9c3f-7182572f7502" xsi:nil="true"/>
+    <AppVersion xmlns="bf3e1746-bde1-4d6e-9c3f-7182572f7502" xsi:nil="true"/>
+    <Invited_Students xmlns="bf3e1746-bde1-4d6e-9c3f-7182572f7502" xsi:nil="true"/>
+    <Owner xmlns="bf3e1746-bde1-4d6e-9c3f-7182572f7502">
+      <UserInfo>
+        <DisplayName/>
+        <AccountId xsi:nil="true"/>
+        <AccountType/>
+      </UserInfo>
+    </Owner>
+    <Teachers xmlns="bf3e1746-bde1-4d6e-9c3f-7182572f7502">
+      <UserInfo>
+        <DisplayName/>
+        <AccountId xsi:nil="true"/>
+        <AccountType/>
+      </UserInfo>
+    </Teachers>
+    <LMS_Mappings xmlns="bf3e1746-bde1-4d6e-9c3f-7182572f7502" xsi:nil="true"/>
+  </documentManagement>
+</p:properties>
+</file>
+
+<file path=customXml/item3.xml><?xml version="1.0" encoding="utf-8"?>
+<?mso-contentType ?>
+<FormTemplates xmlns="http://schemas.microsoft.com/sharepoint/v3/contenttype/forms">
+  <Display>DocumentLibraryForm</Display>
+  <Edit>DocumentLibraryForm</Edit>
+  <New>DocumentLibraryForm</New>
+</FormTemplates>
+</file>
+
 <file path=customXml/itemProps1.xml><?xml version="1.0" encoding="utf-8"?>
-<ds:datastoreItem xmlns:ds="http://schemas.openxmlformats.org/officeDocument/2006/customXml" ds:itemID="{B024FD56-CE1B-42FC-9E83-BFBF160724C6}">
+<ds:datastoreItem xmlns:ds="http://schemas.openxmlformats.org/officeDocument/2006/customXml" ds:itemID="{A129B439-51BE-4A7D-9272-FBD057297E66}">
   <ds:schemaRefs>
-    <ds:schemaRef ds:uri="http://schemas.microsoft.com/sharepoint/v3/contenttype/forms"/>
+    <ds:schemaRef ds:uri="http://schemas.microsoft.com/office/2006/metadata/contentType"/>
+    <ds:schemaRef ds:uri="http://schemas.microsoft.com/office/2006/metadata/properties/metaAttributes"/>
+    <ds:schemaRef ds:uri="http://www.w3.org/2001/XMLSchema"/>
+    <ds:schemaRef ds:uri="http://schemas.microsoft.com/office/2006/metadata/properties"/>
+    <ds:schemaRef ds:uri="bf3e1746-bde1-4d6e-9c3f-7182572f7502"/>
+    <ds:schemaRef ds:uri="14224164-2045-4b51-92bb-313d0f626d83"/>
+    <ds:schemaRef ds:uri="http://schemas.microsoft.com/office/2006/documentManagement/types"/>
+    <ds:schemaRef ds:uri="http://schemas.microsoft.com/office/infopath/2007/PartnerControls"/>
+    <ds:schemaRef ds:uri="http://schemas.openxmlformats.org/package/2006/metadata/core-properties"/>
+    <ds:schemaRef ds:uri="http://purl.org/dc/elements/1.1/"/>
+    <ds:schemaRef ds:uri="http://purl.org/dc/terms/"/>
+    <ds:schemaRef ds:uri="http://schemas.microsoft.com/internal/obd"/>
   </ds:schemaRefs>
 </ds:datastoreItem>
 </file>
@@ -16301,20 +16243,9 @@
 </file>
 
 <file path=customXml/itemProps3.xml><?xml version="1.0" encoding="utf-8"?>
-<ds:datastoreItem xmlns:ds="http://schemas.openxmlformats.org/officeDocument/2006/customXml" ds:itemID="{A129B439-51BE-4A7D-9272-FBD057297E66}">
+<ds:datastoreItem xmlns:ds="http://schemas.openxmlformats.org/officeDocument/2006/customXml" ds:itemID="{B024FD56-CE1B-42FC-9E83-BFBF160724C6}">
   <ds:schemaRefs>
-    <ds:schemaRef ds:uri="http://schemas.microsoft.com/office/2006/metadata/contentType"/>
-    <ds:schemaRef ds:uri="http://schemas.microsoft.com/office/2006/metadata/properties/metaAttributes"/>
-    <ds:schemaRef ds:uri="http://www.w3.org/2001/XMLSchema"/>
-    <ds:schemaRef ds:uri="http://schemas.microsoft.com/office/2006/metadata/properties"/>
-    <ds:schemaRef ds:uri="bf3e1746-bde1-4d6e-9c3f-7182572f7502"/>
-    <ds:schemaRef ds:uri="14224164-2045-4b51-92bb-313d0f626d83"/>
-    <ds:schemaRef ds:uri="http://schemas.microsoft.com/office/2006/documentManagement/types"/>
-    <ds:schemaRef ds:uri="http://schemas.microsoft.com/office/infopath/2007/PartnerControls"/>
-    <ds:schemaRef ds:uri="http://schemas.openxmlformats.org/package/2006/metadata/core-properties"/>
-    <ds:schemaRef ds:uri="http://purl.org/dc/elements/1.1/"/>
-    <ds:schemaRef ds:uri="http://purl.org/dc/terms/"/>
-    <ds:schemaRef ds:uri="http://schemas.microsoft.com/internal/obd"/>
+    <ds:schemaRef ds:uri="http://schemas.microsoft.com/sharepoint/v3/contenttype/forms"/>
   </ds:schemaRefs>
 </ds:datastoreItem>
 </file>